--- a/docs/W-9 Working Document/W-9.3 Presentation Slides/Phase 2/vms_presentation_2_v0.1.pptx
+++ b/docs/W-9 Working Document/W-9.3 Presentation Slides/Phase 2/vms_presentation_2_v0.1.pptx
@@ -4985,12 +4985,12 @@
         </a:fontRef>
       </dsp:style>
       <dsp:txBody>
-        <a:bodyPr spcFirstLastPara="0" vert="horz" wrap="square" lIns="72390" tIns="72390" rIns="72390" bIns="72390" numCol="1" spcCol="1270" anchor="ctr" anchorCtr="0">
+        <a:bodyPr spcFirstLastPara="0" vert="horz" wrap="square" lIns="76200" tIns="76200" rIns="76200" bIns="76200" numCol="1" spcCol="1270" anchor="ctr" anchorCtr="0">
           <a:noAutofit/>
         </a:bodyPr>
         <a:lstStyle/>
         <a:p>
-          <a:pPr lvl="0" algn="ctr" defTabSz="844550">
+          <a:pPr lvl="0" algn="ctr" defTabSz="889000">
             <a:lnSpc>
               <a:spcPct val="90000"/>
             </a:lnSpc>
@@ -5002,10 +5002,10 @@
             </a:spcAft>
           </a:pPr>
           <a:r>
-            <a:rPr lang="en-US" sz="1900" kern="1200" dirty="0" smtClean="0"/>
+            <a:rPr lang="en-US" sz="2000" kern="1200" dirty="0" smtClean="0"/>
             <a:t>Prototyping</a:t>
           </a:r>
-          <a:endParaRPr lang="en-US" sz="1900" kern="1200" dirty="0"/>
+          <a:endParaRPr lang="en-US" sz="2000" kern="1200" dirty="0"/>
         </a:p>
       </dsp:txBody>
       <dsp:txXfrm>
@@ -5133,12 +5133,12 @@
         </a:fontRef>
       </dsp:style>
       <dsp:txBody>
-        <a:bodyPr spcFirstLastPara="0" vert="horz" wrap="square" lIns="72390" tIns="72390" rIns="72390" bIns="72390" numCol="1" spcCol="1270" anchor="ctr" anchorCtr="0">
+        <a:bodyPr spcFirstLastPara="0" vert="horz" wrap="square" lIns="76200" tIns="76200" rIns="76200" bIns="76200" numCol="1" spcCol="1270" anchor="ctr" anchorCtr="0">
           <a:noAutofit/>
         </a:bodyPr>
         <a:lstStyle/>
         <a:p>
-          <a:pPr lvl="0" algn="ctr" defTabSz="844550">
+          <a:pPr lvl="0" algn="ctr" defTabSz="889000">
             <a:lnSpc>
               <a:spcPct val="90000"/>
             </a:lnSpc>
@@ -5150,10 +5150,10 @@
             </a:spcAft>
           </a:pPr>
           <a:r>
-            <a:rPr lang="en-US" sz="1900" kern="1200" dirty="0" smtClean="0"/>
+            <a:rPr lang="en-US" sz="2000" kern="1200" dirty="0" smtClean="0"/>
             <a:t>Use Case Modeling</a:t>
           </a:r>
-          <a:endParaRPr lang="en-US" sz="1900" kern="1200" dirty="0"/>
+          <a:endParaRPr lang="en-US" sz="2000" kern="1200" dirty="0"/>
         </a:p>
       </dsp:txBody>
       <dsp:txXfrm>
@@ -5281,12 +5281,12 @@
         </a:fontRef>
       </dsp:style>
       <dsp:txBody>
-        <a:bodyPr spcFirstLastPara="0" vert="horz" wrap="square" lIns="72390" tIns="72390" rIns="72390" bIns="72390" numCol="1" spcCol="1270" anchor="ctr" anchorCtr="0">
+        <a:bodyPr spcFirstLastPara="0" vert="horz" wrap="square" lIns="76200" tIns="76200" rIns="76200" bIns="76200" numCol="1" spcCol="1270" anchor="ctr" anchorCtr="0">
           <a:noAutofit/>
         </a:bodyPr>
         <a:lstStyle/>
         <a:p>
-          <a:pPr lvl="0" algn="ctr" defTabSz="844550">
+          <a:pPr lvl="0" algn="ctr" defTabSz="889000">
             <a:lnSpc>
               <a:spcPct val="90000"/>
             </a:lnSpc>
@@ -5298,18 +5298,18 @@
             </a:spcAft>
           </a:pPr>
           <a:r>
-            <a:rPr lang="en-US" sz="1900" kern="1200" dirty="0" smtClean="0"/>
+            <a:rPr lang="en-US" sz="2000" kern="1200" dirty="0" smtClean="0"/>
             <a:t>Use Case </a:t>
           </a:r>
           <a:r>
-            <a:rPr lang="en-US" sz="1900" kern="1200" dirty="0" err="1" smtClean="0"/>
+            <a:rPr lang="en-US" sz="2000" kern="1200" dirty="0" err="1" smtClean="0"/>
             <a:t>Realisation</a:t>
           </a:r>
           <a:r>
-            <a:rPr lang="en-US" sz="1900" kern="1200" dirty="0" smtClean="0"/>
+            <a:rPr lang="en-US" sz="2000" kern="1200" dirty="0" smtClean="0"/>
             <a:t> Report</a:t>
           </a:r>
-          <a:endParaRPr lang="en-US" sz="1900" kern="1200" dirty="0"/>
+          <a:endParaRPr lang="en-US" sz="2000" kern="1200" dirty="0"/>
         </a:p>
       </dsp:txBody>
       <dsp:txXfrm>
@@ -12739,7 +12739,7 @@
   <p:timing>
     <p:tnLst>
       <p:par>
-        <p:cTn xmlns:p14="http://schemas.microsoft.com/office/powerpoint/2010/main" id="1" dur="indefinite" restart="never" nodeType="tmRoot"/>
+        <p:cTn id="1" dur="indefinite" restart="never" nodeType="tmRoot"/>
       </p:par>
     </p:tnLst>
   </p:timing>
@@ -16410,7 +16410,7 @@
   <p:timing>
     <p:tnLst>
       <p:par>
-        <p:cTn xmlns:p14="http://schemas.microsoft.com/office/powerpoint/2010/main" id="1" dur="indefinite" restart="never" nodeType="tmRoot"/>
+        <p:cTn id="1" dur="indefinite" restart="never" nodeType="tmRoot"/>
       </p:par>
     </p:tnLst>
   </p:timing>
@@ -16865,14 +16865,14 @@
           <a:lstStyle/>
           <a:p>
             <a:r>
-              <a:rPr lang="en-US" sz="3800" dirty="0" smtClean="0">
+              <a:rPr lang="en-US" sz="4000" dirty="0" smtClean="0">
                 <a:solidFill>
                   <a:schemeClr val="tx1"/>
                 </a:solidFill>
               </a:rPr>
               <a:t>Volunteer Management System</a:t>
             </a:r>
-            <a:endParaRPr lang="en-US" sz="3800" dirty="0">
+            <a:endParaRPr lang="en-US" sz="4000" dirty="0">
               <a:solidFill>
                 <a:schemeClr val="tx1"/>
               </a:solidFill>
@@ -16920,7 +16920,7 @@
   <p:timing>
     <p:tnLst>
       <p:par>
-        <p:cTn xmlns:p14="http://schemas.microsoft.com/office/powerpoint/2010/main" id="1" dur="indefinite" restart="never" nodeType="tmRoot"/>
+        <p:cTn id="1" dur="indefinite" restart="never" nodeType="tmRoot"/>
       </p:par>
     </p:tnLst>
   </p:timing>
@@ -17009,7 +17009,7 @@
   <p:timing>
     <p:tnLst>
       <p:par>
-        <p:cTn xmlns:p14="http://schemas.microsoft.com/office/powerpoint/2010/main" id="1" dur="indefinite" restart="never" nodeType="tmRoot"/>
+        <p:cTn id="1" dur="indefinite" restart="never" nodeType="tmRoot"/>
       </p:par>
     </p:tnLst>
   </p:timing>
@@ -17239,7 +17239,7 @@
   <p:timing>
     <p:tnLst>
       <p:par>
-        <p:cTn xmlns:p14="http://schemas.microsoft.com/office/powerpoint/2010/main" id="1" dur="indefinite" restart="never" nodeType="tmRoot"/>
+        <p:cTn id="1" dur="indefinite" restart="never" nodeType="tmRoot"/>
       </p:par>
     </p:tnLst>
   </p:timing>
@@ -17326,7 +17326,7 @@
   <p:timing>
     <p:tnLst>
       <p:par>
-        <p:cTn xmlns:p14="http://schemas.microsoft.com/office/powerpoint/2010/main" id="1" dur="indefinite" restart="never" nodeType="tmRoot"/>
+        <p:cTn id="1" dur="indefinite" restart="never" nodeType="tmRoot"/>
       </p:par>
     </p:tnLst>
   </p:timing>
@@ -17442,7 +17442,7 @@
   <p:timing>
     <p:tnLst>
       <p:par>
-        <p:cTn xmlns:p14="http://schemas.microsoft.com/office/powerpoint/2010/main" id="1" dur="indefinite" restart="never" nodeType="tmRoot"/>
+        <p:cTn id="1" dur="indefinite" restart="never" nodeType="tmRoot"/>
       </p:par>
     </p:tnLst>
   </p:timing>
@@ -17512,7 +17512,6 @@
               <a:rPr lang="en-US" dirty="0" smtClean="0"/>
               <a:t>Technical Prototype</a:t>
             </a:r>
-            <a:endParaRPr lang="en-US" dirty="0" smtClean="0"/>
           </a:p>
           <a:p>
             <a:pPr>
@@ -17523,7 +17522,6 @@
               <a:rPr lang="en-US" dirty="0" smtClean="0"/>
               <a:t>User Interface Prototype</a:t>
             </a:r>
-            <a:endParaRPr lang="en-US" dirty="0" smtClean="0"/>
           </a:p>
         </p:txBody>
       </p:sp>
@@ -17540,7 +17538,7 @@
   <p:timing>
     <p:tnLst>
       <p:par>
-        <p:cTn xmlns:p14="http://schemas.microsoft.com/office/powerpoint/2010/main" id="1" dur="indefinite" restart="never" nodeType="tmRoot"/>
+        <p:cTn id="1" dur="indefinite" restart="never" nodeType="tmRoot"/>
       </p:par>
     </p:tnLst>
   </p:timing>
@@ -17651,7 +17649,7 @@
   <p:timing>
     <p:tnLst>
       <p:par>
-        <p:cTn xmlns:p14="http://schemas.microsoft.com/office/powerpoint/2010/main" id="1" dur="indefinite" restart="never" nodeType="tmRoot"/>
+        <p:cTn id="1" dur="indefinite" restart="never" nodeType="tmRoot"/>
       </p:par>
     </p:tnLst>
   </p:timing>
@@ -17692,11 +17690,7 @@
           <a:p>
             <a:r>
               <a:rPr lang="en-US" dirty="0" smtClean="0"/>
-              <a:t>Transition </a:t>
-            </a:r>
-            <a:r>
-              <a:rPr lang="en-US" dirty="0" smtClean="0"/>
-              <a:t>Strategy – Analysis to Design</a:t>
+              <a:t>Transition Strategy – Analysis to Design</a:t>
             </a:r>
             <a:endParaRPr lang="en-US" dirty="0"/>
           </a:p>
@@ -17805,7 +17799,7 @@
   <p:timing>
     <p:tnLst>
       <p:par>
-        <p:cTn xmlns:p14="http://schemas.microsoft.com/office/powerpoint/2010/main" id="1" dur="indefinite" restart="never" nodeType="tmRoot"/>
+        <p:cTn id="1" dur="indefinite" restart="never" nodeType="tmRoot"/>
       </p:par>
     </p:tnLst>
   </p:timing>
@@ -17848,7 +17842,6 @@
               <a:rPr lang="en-US" dirty="0"/>
               <a:t>Transition Strategy – Analysis to Design</a:t>
             </a:r>
-            <a:endParaRPr lang="en-US" dirty="0"/>
           </a:p>
         </p:txBody>
       </p:sp>
@@ -17885,7 +17878,7 @@
         </p:nvGraphicFramePr>
         <p:xfrm>
           <a:off x="533400" y="1600200"/>
-          <a:ext cx="8196580" cy="5072822"/>
+          <a:ext cx="8196580" cy="5072823"/>
         </p:xfrm>
         <a:graphic>
           <a:graphicData uri="http://schemas.openxmlformats.org/drawingml/2006/table">
@@ -18565,7 +18558,7 @@
   <p:timing>
     <p:tnLst>
       <p:par>
-        <p:cTn xmlns:p14="http://schemas.microsoft.com/office/powerpoint/2010/main" id="1" dur="indefinite" restart="never" nodeType="tmRoot"/>
+        <p:cTn id="1" dur="indefinite" restart="never" nodeType="tmRoot"/>
       </p:par>
     </p:tnLst>
   </p:timing>
@@ -18735,7 +18728,7 @@
   <p:timing>
     <p:tnLst>
       <p:par>
-        <p:cTn xmlns:p14="http://schemas.microsoft.com/office/powerpoint/2010/main" id="1" dur="indefinite" restart="never" nodeType="tmRoot"/>
+        <p:cTn id="1" dur="indefinite" restart="never" nodeType="tmRoot"/>
       </p:par>
     </p:tnLst>
   </p:timing>
@@ -18776,7 +18769,7 @@
           <a:p>
             <a:r>
               <a:rPr lang="en-US" dirty="0" smtClean="0"/>
-              <a:t>Content</a:t>
+              <a:t>Agenda</a:t>
             </a:r>
             <a:endParaRPr lang="en-US" dirty="0"/>
           </a:p>
@@ -18792,7 +18785,12 @@
             <p:ph type="body" idx="1"/>
           </p:nvPr>
         </p:nvSpPr>
-        <p:spPr/>
+        <p:spPr>
+          <a:xfrm>
+            <a:off x="1143000" y="1524000"/>
+            <a:ext cx="7391400" cy="4648200"/>
+          </a:xfrm>
+        </p:spPr>
         <p:txBody>
           <a:bodyPr/>
           <a:lstStyle/>
@@ -18803,8 +18801,13 @@
             </a:pPr>
             <a:r>
               <a:rPr lang="en-US" dirty="0" smtClean="0"/>
-              <a:t>Introduction</a:t>
+              <a:t>Projec</a:t>
             </a:r>
+            <a:r>
+              <a:rPr lang="en-US" dirty="0" smtClean="0"/>
+              <a:t>t revisit</a:t>
+            </a:r>
+            <a:endParaRPr lang="en-US" dirty="0" smtClean="0"/>
           </a:p>
           <a:p>
             <a:pPr>
@@ -18826,7 +18829,6 @@
               <a:rPr lang="en-US" dirty="0" smtClean="0"/>
               <a:t>Software Architecture</a:t>
             </a:r>
-            <a:endParaRPr lang="en-US" dirty="0" smtClean="0"/>
           </a:p>
           <a:p>
             <a:pPr>
@@ -18837,7 +18839,6 @@
               <a:rPr lang="en-US" dirty="0" smtClean="0"/>
               <a:t>Demonstration of Prototype</a:t>
             </a:r>
-            <a:endParaRPr lang="en-US" dirty="0" smtClean="0"/>
           </a:p>
           <a:p>
             <a:pPr>
@@ -18848,7 +18849,6 @@
               <a:rPr lang="en-US" dirty="0" smtClean="0"/>
               <a:t>Transition Strategy</a:t>
             </a:r>
-            <a:endParaRPr lang="en-US" dirty="0" smtClean="0"/>
           </a:p>
           <a:p>
             <a:pPr>
@@ -18859,7 +18859,6 @@
               <a:rPr lang="en-US" dirty="0" smtClean="0"/>
               <a:t>Project Progress</a:t>
             </a:r>
-            <a:endParaRPr lang="en-US" dirty="0" smtClean="0"/>
           </a:p>
           <a:p>
             <a:pPr>
@@ -18880,7 +18879,6 @@
               <a:rPr lang="en-US" dirty="0" smtClean="0"/>
               <a:t>Challenges</a:t>
             </a:r>
-            <a:endParaRPr lang="en-US" dirty="0" smtClean="0"/>
           </a:p>
           <a:p>
             <a:pPr>
@@ -18902,7 +18900,7 @@
   <p:timing>
     <p:tnLst>
       <p:par>
-        <p:cTn xmlns:p14="http://schemas.microsoft.com/office/powerpoint/2010/main" id="1" dur="indefinite" restart="never" nodeType="tmRoot"/>
+        <p:cTn id="1" dur="indefinite" restart="never" nodeType="tmRoot"/>
       </p:par>
     </p:tnLst>
   </p:timing>
@@ -19013,7 +19011,7 @@
   <p:timing>
     <p:tnLst>
       <p:par>
-        <p:cTn xmlns:p14="http://schemas.microsoft.com/office/powerpoint/2010/main" id="1" dur="indefinite" restart="never" nodeType="tmRoot"/>
+        <p:cTn id="1" dur="indefinite" restart="never" nodeType="tmRoot"/>
       </p:par>
     </p:tnLst>
   </p:timing>
@@ -21585,7 +21583,7 @@
   <p:timing>
     <p:tnLst>
       <p:par>
-        <p:cTn xmlns:p14="http://schemas.microsoft.com/office/powerpoint/2010/main" id="1" dur="indefinite" restart="never" nodeType="tmRoot"/>
+        <p:cTn id="1" dur="indefinite" restart="never" nodeType="tmRoot"/>
       </p:par>
     </p:tnLst>
   </p:timing>
@@ -21626,11 +21624,7 @@
           <a:p>
             <a:r>
               <a:rPr lang="en-US" dirty="0" smtClean="0"/>
-              <a:t>Management </a:t>
-            </a:r>
-            <a:r>
-              <a:rPr lang="en-US" dirty="0" smtClean="0"/>
-              <a:t>Problems</a:t>
+              <a:t>Management Problems</a:t>
             </a:r>
             <a:endParaRPr lang="en-US" dirty="0"/>
           </a:p>
@@ -21700,7 +21694,7 @@
   <p:timing>
     <p:tnLst>
       <p:par>
-        <p:cTn xmlns:p14="http://schemas.microsoft.com/office/powerpoint/2010/main" id="1" dur="indefinite" restart="never" nodeType="tmRoot"/>
+        <p:cTn id="1" dur="indefinite" restart="never" nodeType="tmRoot"/>
       </p:par>
     </p:tnLst>
   </p:timing>
@@ -21741,11 +21735,7 @@
           <a:p>
             <a:r>
               <a:rPr lang="en-US" dirty="0" smtClean="0"/>
-              <a:t>Management </a:t>
-            </a:r>
-            <a:r>
-              <a:rPr lang="en-US" dirty="0" smtClean="0"/>
-              <a:t>Problems</a:t>
+              <a:t>Management Problems</a:t>
             </a:r>
             <a:endParaRPr lang="en-US" dirty="0"/>
           </a:p>
@@ -21793,7 +21783,7 @@
         </p:nvGraphicFramePr>
         <p:xfrm>
           <a:off x="337820" y="1524000"/>
-          <a:ext cx="8196580" cy="5264081"/>
+          <a:ext cx="8196580" cy="5264082"/>
         </p:xfrm>
         <a:graphic>
           <a:graphicData uri="http://schemas.openxmlformats.org/drawingml/2006/table">
@@ -22223,7 +22213,7 @@
   <p:timing>
     <p:tnLst>
       <p:par>
-        <p:cTn xmlns:p14="http://schemas.microsoft.com/office/powerpoint/2010/main" id="1" dur="indefinite" restart="never" nodeType="tmRoot"/>
+        <p:cTn id="1" dur="indefinite" restart="never" nodeType="tmRoot"/>
       </p:par>
     </p:tnLst>
   </p:timing>
@@ -22334,7 +22324,7 @@
   <p:timing>
     <p:tnLst>
       <p:par>
-        <p:cTn xmlns:p14="http://schemas.microsoft.com/office/powerpoint/2010/main" id="1" dur="indefinite" restart="never" nodeType="tmRoot"/>
+        <p:cTn id="1" dur="indefinite" restart="never" nodeType="tmRoot"/>
       </p:par>
     </p:tnLst>
   </p:timing>
@@ -22899,11 +22889,11 @@
   <p:clrMapOvr>
     <a:masterClrMapping/>
   </p:clrMapOvr>
-  <p:transition xmlns:p14="http://schemas.microsoft.com/office/powerpoint/2010/main"/>
+  <p:transition/>
   <p:timing>
     <p:tnLst>
       <p:par>
-        <p:cTn xmlns:p14="http://schemas.microsoft.com/office/powerpoint/2010/main" id="1" dur="indefinite" restart="never" nodeType="tmRoot"/>
+        <p:cTn id="1" dur="indefinite" restart="never" nodeType="tmRoot"/>
       </p:par>
     </p:tnLst>
   </p:timing>
@@ -22993,7 +22983,7 @@
   <p:timing>
     <p:tnLst>
       <p:par>
-        <p:cTn xmlns:p14="http://schemas.microsoft.com/office/powerpoint/2010/main" id="1" dur="indefinite" restart="never" nodeType="tmRoot"/>
+        <p:cTn id="1" dur="indefinite" restart="never" nodeType="tmRoot"/>
       </p:par>
     </p:tnLst>
   </p:timing>
@@ -23032,6 +23022,7 @@
           <a:bodyPr/>
           <a:lstStyle/>
           <a:p>
+            <a:pPr algn="ctr"/>
             <a:r>
               <a:rPr lang="en-US" dirty="0" smtClean="0"/>
               <a:t>Introduction</a:t>
@@ -23055,6 +23046,7 @@
           <a:bodyPr/>
           <a:lstStyle/>
           <a:p>
+            <a:pPr algn="ctr"/>
             <a:r>
               <a:rPr lang="en-US" dirty="0" smtClean="0"/>
               <a:t>Volunteer Management System</a:t>
@@ -23104,7 +23096,7 @@
   <p:timing>
     <p:tnLst>
       <p:par>
-        <p:cTn xmlns:p14="http://schemas.microsoft.com/office/powerpoint/2010/main" id="1" dur="indefinite" restart="never" nodeType="tmRoot"/>
+        <p:cTn id="1" dur="indefinite" restart="never" nodeType="tmRoot"/>
       </p:par>
     </p:tnLst>
   </p:timing>
@@ -23149,7 +23141,7 @@
             </a:r>
             <a:r>
               <a:rPr lang="en-US" dirty="0" smtClean="0"/>
-              <a:t>Requirements</a:t>
+              <a:t>Project Requirements</a:t>
             </a:r>
             <a:endParaRPr lang="en-US" dirty="0"/>
           </a:p>
@@ -23183,7 +23175,7 @@
   <p:timing>
     <p:tnLst>
       <p:par>
-        <p:cTn xmlns:p14="http://schemas.microsoft.com/office/powerpoint/2010/main" id="1" dur="indefinite" restart="never" nodeType="tmRoot"/>
+        <p:cTn id="1" dur="indefinite" restart="never" nodeType="tmRoot"/>
       </p:par>
     </p:tnLst>
   </p:timing>
@@ -23294,7 +23286,7 @@
   <p:timing>
     <p:tnLst>
       <p:par>
-        <p:cTn xmlns:p14="http://schemas.microsoft.com/office/powerpoint/2010/main" id="1" dur="indefinite" restart="never" nodeType="tmRoot"/>
+        <p:cTn id="1" dur="indefinite" restart="never" nodeType="tmRoot"/>
       </p:par>
     </p:tnLst>
   </p:timing>
@@ -23362,55 +23354,8 @@
             </a:pPr>
             <a:r>
               <a:rPr lang="en-US" dirty="0" smtClean="0"/>
-              <a:t>Objective of Non-Government </a:t>
+              <a:t>In total: 28 Use cases – spread across 4 major components</a:t>
             </a:r>
-            <a:r>
-              <a:rPr lang="en-US" dirty="0" err="1" smtClean="0"/>
-              <a:t>Organisation</a:t>
-            </a:r>
-            <a:r>
-              <a:rPr lang="en-US" dirty="0" smtClean="0"/>
-              <a:t> (NGO) – Eliminate poverty</a:t>
-            </a:r>
-          </a:p>
-          <a:p>
-            <a:pPr>
-              <a:buFont typeface="Wingdings" pitchFamily="2" charset="2"/>
-              <a:buChar char="v"/>
-            </a:pPr>
-            <a:r>
-              <a:rPr lang="en-US" dirty="0" smtClean="0"/>
-              <a:t>Has grown tremendous over the years which attracts more volunteers.</a:t>
-            </a:r>
-          </a:p>
-          <a:p>
-            <a:pPr>
-              <a:buFont typeface="Wingdings" pitchFamily="2" charset="2"/>
-              <a:buChar char="v"/>
-            </a:pPr>
-            <a:r>
-              <a:rPr lang="en-US" dirty="0" smtClean="0"/>
-              <a:t>A need to coordinate and manage the volunteers.</a:t>
-            </a:r>
-          </a:p>
-          <a:p>
-            <a:pPr>
-              <a:buFont typeface="Wingdings" pitchFamily="2" charset="2"/>
-              <a:buChar char="v"/>
-            </a:pPr>
-            <a:r>
-              <a:rPr lang="en-US" dirty="0" smtClean="0"/>
-              <a:t>Manual handling of paperwork and volunteers requires lots of work and limits the efficiency of the </a:t>
-            </a:r>
-            <a:r>
-              <a:rPr lang="en-US" dirty="0" err="1" smtClean="0"/>
-              <a:t>organisation</a:t>
-            </a:r>
-            <a:r>
-              <a:rPr lang="en-US" dirty="0" smtClean="0"/>
-              <a:t>.</a:t>
-            </a:r>
-            <a:endParaRPr lang="en-US" dirty="0"/>
           </a:p>
         </p:txBody>
       </p:sp>
@@ -23455,7 +23400,7 @@
   <p:timing>
     <p:tnLst>
       <p:par>
-        <p:cTn xmlns:p14="http://schemas.microsoft.com/office/powerpoint/2010/main" id="1" dur="indefinite" restart="never" nodeType="tmRoot"/>
+        <p:cTn id="1" dur="indefinite" restart="never" nodeType="tmRoot"/>
       </p:par>
     </p:tnLst>
   </p:timing>
@@ -23495,10 +23440,14 @@
           <a:lstStyle/>
           <a:p>
             <a:r>
-              <a:rPr lang="en-US" dirty="0" smtClean="0"/>
-              <a:t>Use Case Modeling – Analysis of Use Case 1</a:t>
+              <a:rPr lang="en-US" sz="2800" dirty="0" smtClean="0"/>
+              <a:t>Use Case Modeling – Analysis of Use Case </a:t>
             </a:r>
-            <a:endParaRPr lang="en-US" dirty="0"/>
+            <a:r>
+              <a:rPr lang="en-US" sz="2800" dirty="0" smtClean="0"/>
+              <a:t>1 – Assign Role to Member</a:t>
+            </a:r>
+            <a:endParaRPr lang="en-US" sz="2800" dirty="0"/>
           </a:p>
         </p:txBody>
       </p:sp>
@@ -23523,53 +23472,27 @@
             </a:pPr>
             <a:r>
               <a:rPr lang="en-US" dirty="0" smtClean="0"/>
-              <a:t>Objective of Non-Government </a:t>
-            </a:r>
-            <a:r>
-              <a:rPr lang="en-US" dirty="0" err="1" smtClean="0"/>
-              <a:t>Organisation</a:t>
-            </a:r>
-            <a:r>
-              <a:rPr lang="en-US" dirty="0" smtClean="0"/>
-              <a:t> (NGO) – Eliminate poverty</a:t>
+              <a:t>This use case allows:</a:t>
             </a:r>
           </a:p>
           <a:p>
-            <a:pPr>
+            <a:pPr lvl="1">
               <a:buFont typeface="Wingdings" pitchFamily="2" charset="2"/>
               <a:buChar char="v"/>
             </a:pPr>
             <a:r>
               <a:rPr lang="en-US" dirty="0" smtClean="0"/>
-              <a:t>Has grown tremendous over the years which attracts more volunteers.</a:t>
+              <a:t>Project Manager to assign different role to the project members</a:t>
             </a:r>
           </a:p>
           <a:p>
-            <a:pPr>
+            <a:pPr lvl="1">
               <a:buFont typeface="Wingdings" pitchFamily="2" charset="2"/>
               <a:buChar char="v"/>
             </a:pPr>
             <a:r>
               <a:rPr lang="en-US" dirty="0" smtClean="0"/>
-              <a:t>A need to coordinate and manage the volunteers.</a:t>
-            </a:r>
-          </a:p>
-          <a:p>
-            <a:pPr>
-              <a:buFont typeface="Wingdings" pitchFamily="2" charset="2"/>
-              <a:buChar char="v"/>
-            </a:pPr>
-            <a:r>
-              <a:rPr lang="en-US" dirty="0" smtClean="0"/>
-              <a:t>Manual handling of paperwork and volunteers requires lots of work and limits the efficiency of the </a:t>
-            </a:r>
-            <a:r>
-              <a:rPr lang="en-US" dirty="0" err="1" smtClean="0"/>
-              <a:t>organisation</a:t>
-            </a:r>
-            <a:r>
-              <a:rPr lang="en-US" dirty="0" smtClean="0"/>
-              <a:t>.</a:t>
+              <a:t>Require interaction across Project Management, Volunteer Management modules</a:t>
             </a:r>
             <a:endParaRPr lang="en-US" dirty="0"/>
           </a:p>
@@ -23621,7 +23544,7 @@
   <p:timing>
     <p:tnLst>
       <p:par>
-        <p:cTn xmlns:p14="http://schemas.microsoft.com/office/powerpoint/2010/main" id="1" dur="indefinite" restart="never" nodeType="tmRoot"/>
+        <p:cTn id="1" dur="indefinite" restart="never" nodeType="tmRoot"/>
       </p:par>
     </p:tnLst>
   </p:timing>
@@ -23666,7 +23589,7 @@
             </a:r>
             <a:r>
               <a:rPr lang="en-US" dirty="0" smtClean="0"/>
-              <a:t>2</a:t>
+              <a:t>2 – Generate Report</a:t>
             </a:r>
             <a:endParaRPr lang="en-US" dirty="0"/>
           </a:p>
@@ -23693,11 +23616,35 @@
             </a:pPr>
             <a:r>
               <a:rPr lang="en-US" dirty="0" smtClean="0"/>
-              <a:t>To provide </a:t>
+              <a:t>This use case allows:</a:t>
+            </a:r>
+          </a:p>
+          <a:p>
+            <a:pPr lvl="1">
+              <a:buFont typeface="Wingdings" pitchFamily="2" charset="2"/>
+              <a:buChar char="v"/>
+            </a:pPr>
+            <a:r>
+              <a:rPr lang="en-US" dirty="0" smtClean="0"/>
+              <a:t>Project Manager / Coordinator to generate Project Report / Volunteer Report</a:t>
+            </a:r>
+          </a:p>
+          <a:p>
+            <a:pPr lvl="1">
+              <a:buFont typeface="Wingdings" pitchFamily="2" charset="2"/>
+              <a:buChar char="v"/>
+            </a:pPr>
+            <a:r>
+              <a:rPr lang="en-US" dirty="0" smtClean="0"/>
+              <a:t>Demonstrated the use of </a:t>
             </a:r>
             <a:r>
-              <a:rPr lang="en-US" sz="2800" dirty="0" smtClean="0"/>
-              <a:t>an integrated system with the aim of addressing the problems of volunteer communication, documentation, recruitment and retention.</a:t>
+              <a:rPr lang="en-US" dirty="0" err="1" smtClean="0"/>
+              <a:t>JasperReport</a:t>
+            </a:r>
+            <a:r>
+              <a:rPr lang="en-US" dirty="0" smtClean="0"/>
+              <a:t> components</a:t>
             </a:r>
             <a:endParaRPr lang="en-US" dirty="0"/>
           </a:p>
@@ -23744,7 +23691,7 @@
   <p:timing>
     <p:tnLst>
       <p:par>
-        <p:cTn xmlns:p14="http://schemas.microsoft.com/office/powerpoint/2010/main" id="1" dur="indefinite" restart="never" nodeType="tmRoot"/>
+        <p:cTn id="1" dur="indefinite" restart="never" nodeType="tmRoot"/>
       </p:par>
     </p:tnLst>
   </p:timing>
@@ -23855,7 +23802,7 @@
   <p:timing>
     <p:tnLst>
       <p:par>
-        <p:cTn xmlns:p14="http://schemas.microsoft.com/office/powerpoint/2010/main" id="1" dur="indefinite" restart="never" nodeType="tmRoot"/>
+        <p:cTn id="1" dur="indefinite" restart="never" nodeType="tmRoot"/>
       </p:par>
     </p:tnLst>
   </p:timing>

--- a/docs/W-9 Working Document/W-9.3 Presentation Slides/Phase 2/vms_presentation_2_v0.1.pptx
+++ b/docs/W-9 Working Document/W-9.3 Presentation Slides/Phase 2/vms_presentation_2_v0.1.pptx
@@ -5,38 +5,50 @@
     <p:sldMasterId id="2147483652" r:id="rId1"/>
   </p:sldMasterIdLst>
   <p:notesMasterIdLst>
-    <p:notesMasterId r:id="rId28"/>
+    <p:notesMasterId r:id="rId40"/>
   </p:notesMasterIdLst>
   <p:handoutMasterIdLst>
-    <p:handoutMasterId r:id="rId29"/>
+    <p:handoutMasterId r:id="rId41"/>
   </p:handoutMasterIdLst>
   <p:sldIdLst>
     <p:sldId id="256" r:id="rId2"/>
-    <p:sldId id="268" r:id="rId3"/>
+    <p:sldId id="304" r:id="rId3"/>
     <p:sldId id="272" r:id="rId4"/>
     <p:sldId id="271" r:id="rId5"/>
-    <p:sldId id="273" r:id="rId6"/>
-    <p:sldId id="257" r:id="rId7"/>
-    <p:sldId id="300" r:id="rId8"/>
-    <p:sldId id="269" r:id="rId9"/>
-    <p:sldId id="279" r:id="rId10"/>
-    <p:sldId id="265" r:id="rId11"/>
-    <p:sldId id="292" r:id="rId12"/>
-    <p:sldId id="285" r:id="rId13"/>
-    <p:sldId id="286" r:id="rId14"/>
-    <p:sldId id="293" r:id="rId15"/>
-    <p:sldId id="301" r:id="rId16"/>
-    <p:sldId id="274" r:id="rId17"/>
-    <p:sldId id="284" r:id="rId18"/>
-    <p:sldId id="283" r:id="rId19"/>
-    <p:sldId id="298" r:id="rId20"/>
-    <p:sldId id="275" r:id="rId21"/>
-    <p:sldId id="261" r:id="rId22"/>
-    <p:sldId id="278" r:id="rId23"/>
-    <p:sldId id="262" r:id="rId24"/>
-    <p:sldId id="281" r:id="rId25"/>
-    <p:sldId id="259" r:id="rId26"/>
-    <p:sldId id="282" r:id="rId27"/>
+    <p:sldId id="303" r:id="rId6"/>
+    <p:sldId id="273" r:id="rId7"/>
+    <p:sldId id="257" r:id="rId8"/>
+    <p:sldId id="302" r:id="rId9"/>
+    <p:sldId id="312" r:id="rId10"/>
+    <p:sldId id="313" r:id="rId11"/>
+    <p:sldId id="314" r:id="rId12"/>
+    <p:sldId id="315" r:id="rId13"/>
+    <p:sldId id="316" r:id="rId14"/>
+    <p:sldId id="305" r:id="rId15"/>
+    <p:sldId id="279" r:id="rId16"/>
+    <p:sldId id="265" r:id="rId17"/>
+    <p:sldId id="292" r:id="rId18"/>
+    <p:sldId id="285" r:id="rId19"/>
+    <p:sldId id="286" r:id="rId20"/>
+    <p:sldId id="317" r:id="rId21"/>
+    <p:sldId id="318" r:id="rId22"/>
+    <p:sldId id="319" r:id="rId23"/>
+    <p:sldId id="307" r:id="rId24"/>
+    <p:sldId id="274" r:id="rId25"/>
+    <p:sldId id="284" r:id="rId26"/>
+    <p:sldId id="283" r:id="rId27"/>
+    <p:sldId id="298" r:id="rId28"/>
+    <p:sldId id="308" r:id="rId29"/>
+    <p:sldId id="275" r:id="rId30"/>
+    <p:sldId id="261" r:id="rId31"/>
+    <p:sldId id="309" r:id="rId32"/>
+    <p:sldId id="321" r:id="rId33"/>
+    <p:sldId id="322" r:id="rId34"/>
+    <p:sldId id="320" r:id="rId35"/>
+    <p:sldId id="278" r:id="rId36"/>
+    <p:sldId id="262" r:id="rId37"/>
+    <p:sldId id="311" r:id="rId38"/>
+    <p:sldId id="282" r:id="rId39"/>
   </p:sldIdLst>
   <p:sldSz cx="9144000" cy="6858000" type="screen4x3"/>
   <p:notesSz cx="7010400" cy="9296400"/>
@@ -3207,17 +3219,20 @@
       </dgm:t>
     </dgm:pt>
     <dgm:pt modelId="{885613C5-7A76-4AA0-92F0-EEDD9B446661}">
-      <dgm:prSet phldrT="[Text]"/>
+      <dgm:prSet phldrT="[Text]" custT="1"/>
       <dgm:spPr/>
       <dgm:t>
         <a:bodyPr/>
         <a:lstStyle/>
         <a:p>
           <a:r>
-            <a:rPr lang="en-US" dirty="0" smtClean="0"/>
-            <a:t>Volunteer Management</a:t>
+            <a:rPr lang="en-US" sz="1600" b="1" dirty="0" smtClean="0"/>
+            <a:t>Volunteer </a:t>
           </a:r>
-          <a:endParaRPr lang="en-US" dirty="0"/>
+          <a:r>
+            <a:rPr lang="en-US" sz="1600" b="1" dirty="0" smtClean="0"/>
+            <a:t>Management</a:t>
+          </a:r>
         </a:p>
       </dgm:t>
     </dgm:pt>
@@ -3228,7 +3243,7 @@
         <a:bodyPr/>
         <a:lstStyle/>
         <a:p>
-          <a:endParaRPr lang="en-US"/>
+          <a:endParaRPr lang="en-US" sz="1600" b="1"/>
         </a:p>
       </dgm:t>
     </dgm:pt>
@@ -3239,22 +3254,22 @@
         <a:bodyPr/>
         <a:lstStyle/>
         <a:p>
-          <a:endParaRPr lang="en-US"/>
+          <a:endParaRPr lang="en-US" sz="1600" b="1"/>
         </a:p>
       </dgm:t>
     </dgm:pt>
     <dgm:pt modelId="{68CDD154-F438-49AE-AED8-77DB9EC9D634}">
-      <dgm:prSet phldrT="[Text]"/>
+      <dgm:prSet phldrT="[Text]" custT="1"/>
       <dgm:spPr/>
       <dgm:t>
         <a:bodyPr/>
         <a:lstStyle/>
         <a:p>
           <a:r>
-            <a:rPr lang="en-US" dirty="0" smtClean="0"/>
+            <a:rPr lang="en-US" sz="1600" b="1" dirty="0" smtClean="0"/>
             <a:t>Staff Management</a:t>
           </a:r>
-          <a:endParaRPr lang="en-US" dirty="0"/>
+          <a:endParaRPr lang="en-US" sz="1600" b="1" dirty="0"/>
         </a:p>
       </dgm:t>
     </dgm:pt>
@@ -3265,7 +3280,7 @@
         <a:bodyPr/>
         <a:lstStyle/>
         <a:p>
-          <a:endParaRPr lang="en-US"/>
+          <a:endParaRPr lang="en-US" sz="1600" b="1"/>
         </a:p>
       </dgm:t>
     </dgm:pt>
@@ -3276,22 +3291,22 @@
         <a:bodyPr/>
         <a:lstStyle/>
         <a:p>
-          <a:endParaRPr lang="en-US"/>
+          <a:endParaRPr lang="en-US" sz="1600" b="1"/>
         </a:p>
       </dgm:t>
     </dgm:pt>
     <dgm:pt modelId="{89B52B6D-D82C-42B0-BE38-A3B3D68F9C27}">
-      <dgm:prSet phldrT="[Text]"/>
+      <dgm:prSet phldrT="[Text]" custT="1"/>
       <dgm:spPr/>
       <dgm:t>
         <a:bodyPr/>
         <a:lstStyle/>
         <a:p>
           <a:r>
-            <a:rPr lang="en-US" dirty="0" smtClean="0"/>
+            <a:rPr lang="en-US" sz="1600" b="1" dirty="0" smtClean="0"/>
             <a:t>Project Management</a:t>
           </a:r>
-          <a:endParaRPr lang="en-US" dirty="0"/>
+          <a:endParaRPr lang="en-US" sz="1600" b="1" dirty="0"/>
         </a:p>
       </dgm:t>
     </dgm:pt>
@@ -3302,7 +3317,7 @@
         <a:bodyPr/>
         <a:lstStyle/>
         <a:p>
-          <a:endParaRPr lang="en-US"/>
+          <a:endParaRPr lang="en-US" sz="1600" b="1"/>
         </a:p>
       </dgm:t>
     </dgm:pt>
@@ -3313,22 +3328,22 @@
         <a:bodyPr/>
         <a:lstStyle/>
         <a:p>
-          <a:endParaRPr lang="en-US"/>
+          <a:endParaRPr lang="en-US" sz="1600" b="1"/>
         </a:p>
       </dgm:t>
     </dgm:pt>
     <dgm:pt modelId="{4209E399-DA0C-42D5-962A-8276C02AA8EC}">
-      <dgm:prSet phldrT="[Text]"/>
+      <dgm:prSet phldrT="[Text]" custT="1"/>
       <dgm:spPr/>
       <dgm:t>
         <a:bodyPr/>
         <a:lstStyle/>
         <a:p>
           <a:r>
-            <a:rPr lang="en-US" dirty="0" smtClean="0"/>
+            <a:rPr lang="en-US" sz="1600" b="1" dirty="0" smtClean="0"/>
             <a:t>Itinerary Management</a:t>
           </a:r>
-          <a:endParaRPr lang="en-US" dirty="0"/>
+          <a:endParaRPr lang="en-US" sz="1600" b="1" dirty="0"/>
         </a:p>
       </dgm:t>
     </dgm:pt>
@@ -3339,7 +3354,7 @@
         <a:bodyPr/>
         <a:lstStyle/>
         <a:p>
-          <a:endParaRPr lang="en-US"/>
+          <a:endParaRPr lang="en-US" sz="1600" b="1"/>
         </a:p>
       </dgm:t>
     </dgm:pt>
@@ -3350,22 +3365,22 @@
         <a:bodyPr/>
         <a:lstStyle/>
         <a:p>
-          <a:endParaRPr lang="en-US"/>
+          <a:endParaRPr lang="en-US" sz="1600" b="1"/>
         </a:p>
       </dgm:t>
     </dgm:pt>
     <dgm:pt modelId="{BF9A83B9-8111-4B78-8600-312D1688C140}">
-      <dgm:prSet phldrT="[Text]"/>
+      <dgm:prSet phldrT="[Text]" custT="1"/>
       <dgm:spPr/>
       <dgm:t>
         <a:bodyPr/>
         <a:lstStyle/>
         <a:p>
           <a:r>
-            <a:rPr lang="en-US" dirty="0" smtClean="0"/>
+            <a:rPr lang="en-US" sz="1600" b="1" dirty="0" smtClean="0"/>
             <a:t>Administration</a:t>
           </a:r>
-          <a:endParaRPr lang="en-US" dirty="0"/>
+          <a:endParaRPr lang="en-US" sz="1600" b="1" dirty="0"/>
         </a:p>
       </dgm:t>
     </dgm:pt>
@@ -3376,7 +3391,7 @@
         <a:bodyPr/>
         <a:lstStyle/>
         <a:p>
-          <a:endParaRPr lang="en-US"/>
+          <a:endParaRPr lang="en-US" sz="1600" b="1"/>
         </a:p>
       </dgm:t>
     </dgm:pt>
@@ -3387,7 +3402,7 @@
         <a:bodyPr/>
         <a:lstStyle/>
         <a:p>
-          <a:endParaRPr lang="en-US"/>
+          <a:endParaRPr lang="en-US" sz="1600" b="1"/>
         </a:p>
       </dgm:t>
     </dgm:pt>
@@ -4304,8 +4319,8 @@
       </dsp:nvSpPr>
       <dsp:spPr>
         <a:xfrm>
-          <a:off x="0" y="382971"/>
-          <a:ext cx="7391400" cy="478800"/>
+          <a:off x="0" y="254451"/>
+          <a:ext cx="7467600" cy="302400"/>
         </a:xfrm>
         <a:prstGeom prst="rect">
           <a:avLst/>
@@ -4352,8 +4367,8 @@
       </dsp:nvSpPr>
       <dsp:spPr>
         <a:xfrm>
-          <a:off x="369570" y="102531"/>
-          <a:ext cx="5173980" cy="560880"/>
+          <a:off x="373380" y="77331"/>
+          <a:ext cx="5227320" cy="354240"/>
         </a:xfrm>
         <a:prstGeom prst="roundRect">
           <a:avLst/>
@@ -4394,12 +4409,12 @@
         </a:fontRef>
       </dsp:style>
       <dsp:txBody>
-        <a:bodyPr spcFirstLastPara="0" vert="horz" wrap="square" lIns="195564" tIns="0" rIns="195564" bIns="0" numCol="1" spcCol="1270" anchor="ctr" anchorCtr="0">
+        <a:bodyPr spcFirstLastPara="0" vert="horz" wrap="square" lIns="197580" tIns="0" rIns="197580" bIns="0" numCol="1" spcCol="1270" anchor="ctr" anchorCtr="0">
           <a:noAutofit/>
         </a:bodyPr>
         <a:lstStyle/>
         <a:p>
-          <a:pPr lvl="0" algn="l" defTabSz="844550">
+          <a:pPr lvl="0" algn="l" defTabSz="711200">
             <a:lnSpc>
               <a:spcPct val="90000"/>
             </a:lnSpc>
@@ -4411,15 +4426,18 @@
             </a:spcAft>
           </a:pPr>
           <a:r>
-            <a:rPr lang="en-US" sz="1900" kern="1200" dirty="0" smtClean="0"/>
-            <a:t>Volunteer Management</a:t>
+            <a:rPr lang="en-US" sz="1600" b="1" kern="1200" dirty="0" smtClean="0"/>
+            <a:t>Volunteer </a:t>
           </a:r>
-          <a:endParaRPr lang="en-US" sz="1900" kern="1200" dirty="0"/>
+          <a:r>
+            <a:rPr lang="en-US" sz="1600" b="1" kern="1200" dirty="0" smtClean="0"/>
+            <a:t>Management</a:t>
+          </a:r>
         </a:p>
       </dsp:txBody>
       <dsp:txXfrm>
-        <a:off x="396950" y="129911"/>
-        <a:ext cx="5119220" cy="506120"/>
+        <a:off x="390673" y="94624"/>
+        <a:ext cx="5192734" cy="319654"/>
       </dsp:txXfrm>
     </dsp:sp>
     <dsp:sp modelId="{F6B0ED51-C4BD-4727-BD27-53060818C439}">
@@ -4429,8 +4447,8 @@
       </dsp:nvSpPr>
       <dsp:spPr>
         <a:xfrm>
-          <a:off x="0" y="1244811"/>
-          <a:ext cx="7391400" cy="478800"/>
+          <a:off x="0" y="798771"/>
+          <a:ext cx="7467600" cy="302400"/>
         </a:xfrm>
         <a:prstGeom prst="rect">
           <a:avLst/>
@@ -4477,8 +4495,8 @@
       </dsp:nvSpPr>
       <dsp:spPr>
         <a:xfrm>
-          <a:off x="369570" y="964371"/>
-          <a:ext cx="5173980" cy="560880"/>
+          <a:off x="373380" y="621651"/>
+          <a:ext cx="5227320" cy="354240"/>
         </a:xfrm>
         <a:prstGeom prst="roundRect">
           <a:avLst/>
@@ -4519,12 +4537,12 @@
         </a:fontRef>
       </dsp:style>
       <dsp:txBody>
-        <a:bodyPr spcFirstLastPara="0" vert="horz" wrap="square" lIns="195564" tIns="0" rIns="195564" bIns="0" numCol="1" spcCol="1270" anchor="ctr" anchorCtr="0">
+        <a:bodyPr spcFirstLastPara="0" vert="horz" wrap="square" lIns="197580" tIns="0" rIns="197580" bIns="0" numCol="1" spcCol="1270" anchor="ctr" anchorCtr="0">
           <a:noAutofit/>
         </a:bodyPr>
         <a:lstStyle/>
         <a:p>
-          <a:pPr lvl="0" algn="l" defTabSz="844550">
+          <a:pPr lvl="0" algn="l" defTabSz="711200">
             <a:lnSpc>
               <a:spcPct val="90000"/>
             </a:lnSpc>
@@ -4536,15 +4554,15 @@
             </a:spcAft>
           </a:pPr>
           <a:r>
-            <a:rPr lang="en-US" sz="1900" kern="1200" dirty="0" smtClean="0"/>
+            <a:rPr lang="en-US" sz="1600" b="1" kern="1200" dirty="0" smtClean="0"/>
             <a:t>Staff Management</a:t>
           </a:r>
-          <a:endParaRPr lang="en-US" sz="1900" kern="1200" dirty="0"/>
+          <a:endParaRPr lang="en-US" sz="1600" b="1" kern="1200" dirty="0"/>
         </a:p>
       </dsp:txBody>
       <dsp:txXfrm>
-        <a:off x="396950" y="991751"/>
-        <a:ext cx="5119220" cy="506120"/>
+        <a:off x="390673" y="638944"/>
+        <a:ext cx="5192734" cy="319654"/>
       </dsp:txXfrm>
     </dsp:sp>
     <dsp:sp modelId="{6F1F44CC-2CF6-4D1F-9380-EB8B891F3B87}">
@@ -4554,8 +4572,8 @@
       </dsp:nvSpPr>
       <dsp:spPr>
         <a:xfrm>
-          <a:off x="0" y="2106651"/>
-          <a:ext cx="7391400" cy="478800"/>
+          <a:off x="0" y="1343091"/>
+          <a:ext cx="7467600" cy="302400"/>
         </a:xfrm>
         <a:prstGeom prst="rect">
           <a:avLst/>
@@ -4602,8 +4620,8 @@
       </dsp:nvSpPr>
       <dsp:spPr>
         <a:xfrm>
-          <a:off x="369570" y="1826211"/>
-          <a:ext cx="5173980" cy="560880"/>
+          <a:off x="373380" y="1165971"/>
+          <a:ext cx="5227320" cy="354240"/>
         </a:xfrm>
         <a:prstGeom prst="roundRect">
           <a:avLst/>
@@ -4644,12 +4662,12 @@
         </a:fontRef>
       </dsp:style>
       <dsp:txBody>
-        <a:bodyPr spcFirstLastPara="0" vert="horz" wrap="square" lIns="195564" tIns="0" rIns="195564" bIns="0" numCol="1" spcCol="1270" anchor="ctr" anchorCtr="0">
+        <a:bodyPr spcFirstLastPara="0" vert="horz" wrap="square" lIns="197580" tIns="0" rIns="197580" bIns="0" numCol="1" spcCol="1270" anchor="ctr" anchorCtr="0">
           <a:noAutofit/>
         </a:bodyPr>
         <a:lstStyle/>
         <a:p>
-          <a:pPr lvl="0" algn="l" defTabSz="844550">
+          <a:pPr lvl="0" algn="l" defTabSz="711200">
             <a:lnSpc>
               <a:spcPct val="90000"/>
             </a:lnSpc>
@@ -4661,15 +4679,15 @@
             </a:spcAft>
           </a:pPr>
           <a:r>
-            <a:rPr lang="en-US" sz="1900" kern="1200" dirty="0" smtClean="0"/>
+            <a:rPr lang="en-US" sz="1600" b="1" kern="1200" dirty="0" smtClean="0"/>
             <a:t>Project Management</a:t>
           </a:r>
-          <a:endParaRPr lang="en-US" sz="1900" kern="1200" dirty="0"/>
+          <a:endParaRPr lang="en-US" sz="1600" b="1" kern="1200" dirty="0"/>
         </a:p>
       </dsp:txBody>
       <dsp:txXfrm>
-        <a:off x="396950" y="1853591"/>
-        <a:ext cx="5119220" cy="506120"/>
+        <a:off x="390673" y="1183264"/>
+        <a:ext cx="5192734" cy="319654"/>
       </dsp:txXfrm>
     </dsp:sp>
     <dsp:sp modelId="{1B040495-5579-4301-BCA9-162DC725BE9B}">
@@ -4679,8 +4697,8 @@
       </dsp:nvSpPr>
       <dsp:spPr>
         <a:xfrm>
-          <a:off x="0" y="2968491"/>
-          <a:ext cx="7391400" cy="478800"/>
+          <a:off x="0" y="1887411"/>
+          <a:ext cx="7467600" cy="302400"/>
         </a:xfrm>
         <a:prstGeom prst="rect">
           <a:avLst/>
@@ -4727,8 +4745,8 @@
       </dsp:nvSpPr>
       <dsp:spPr>
         <a:xfrm>
-          <a:off x="369570" y="2688051"/>
-          <a:ext cx="5173980" cy="560880"/>
+          <a:off x="373380" y="1710291"/>
+          <a:ext cx="5227320" cy="354240"/>
         </a:xfrm>
         <a:prstGeom prst="roundRect">
           <a:avLst/>
@@ -4769,12 +4787,12 @@
         </a:fontRef>
       </dsp:style>
       <dsp:txBody>
-        <a:bodyPr spcFirstLastPara="0" vert="horz" wrap="square" lIns="195564" tIns="0" rIns="195564" bIns="0" numCol="1" spcCol="1270" anchor="ctr" anchorCtr="0">
+        <a:bodyPr spcFirstLastPara="0" vert="horz" wrap="square" lIns="197580" tIns="0" rIns="197580" bIns="0" numCol="1" spcCol="1270" anchor="ctr" anchorCtr="0">
           <a:noAutofit/>
         </a:bodyPr>
         <a:lstStyle/>
         <a:p>
-          <a:pPr lvl="0" algn="l" defTabSz="844550">
+          <a:pPr lvl="0" algn="l" defTabSz="711200">
             <a:lnSpc>
               <a:spcPct val="90000"/>
             </a:lnSpc>
@@ -4786,15 +4804,15 @@
             </a:spcAft>
           </a:pPr>
           <a:r>
-            <a:rPr lang="en-US" sz="1900" kern="1200" dirty="0" smtClean="0"/>
+            <a:rPr lang="en-US" sz="1600" b="1" kern="1200" dirty="0" smtClean="0"/>
             <a:t>Itinerary Management</a:t>
           </a:r>
-          <a:endParaRPr lang="en-US" sz="1900" kern="1200" dirty="0"/>
+          <a:endParaRPr lang="en-US" sz="1600" b="1" kern="1200" dirty="0"/>
         </a:p>
       </dsp:txBody>
       <dsp:txXfrm>
-        <a:off x="396950" y="2715431"/>
-        <a:ext cx="5119220" cy="506120"/>
+        <a:off x="390673" y="1727584"/>
+        <a:ext cx="5192734" cy="319654"/>
       </dsp:txXfrm>
     </dsp:sp>
     <dsp:sp modelId="{40AFF034-79FB-446D-A396-A1D78C5E83DA}">
@@ -4804,8 +4822,8 @@
       </dsp:nvSpPr>
       <dsp:spPr>
         <a:xfrm>
-          <a:off x="0" y="3830331"/>
-          <a:ext cx="7391400" cy="478800"/>
+          <a:off x="0" y="2431731"/>
+          <a:ext cx="7467600" cy="302400"/>
         </a:xfrm>
         <a:prstGeom prst="rect">
           <a:avLst/>
@@ -4852,8 +4870,8 @@
       </dsp:nvSpPr>
       <dsp:spPr>
         <a:xfrm>
-          <a:off x="369570" y="3549891"/>
-          <a:ext cx="5173980" cy="560880"/>
+          <a:off x="373380" y="2254611"/>
+          <a:ext cx="5227320" cy="354240"/>
         </a:xfrm>
         <a:prstGeom prst="roundRect">
           <a:avLst/>
@@ -4894,12 +4912,12 @@
         </a:fontRef>
       </dsp:style>
       <dsp:txBody>
-        <a:bodyPr spcFirstLastPara="0" vert="horz" wrap="square" lIns="195564" tIns="0" rIns="195564" bIns="0" numCol="1" spcCol="1270" anchor="ctr" anchorCtr="0">
+        <a:bodyPr spcFirstLastPara="0" vert="horz" wrap="square" lIns="197580" tIns="0" rIns="197580" bIns="0" numCol="1" spcCol="1270" anchor="ctr" anchorCtr="0">
           <a:noAutofit/>
         </a:bodyPr>
         <a:lstStyle/>
         <a:p>
-          <a:pPr lvl="0" algn="l" defTabSz="844550">
+          <a:pPr lvl="0" algn="l" defTabSz="711200">
             <a:lnSpc>
               <a:spcPct val="90000"/>
             </a:lnSpc>
@@ -4911,15 +4929,15 @@
             </a:spcAft>
           </a:pPr>
           <a:r>
-            <a:rPr lang="en-US" sz="1900" kern="1200" dirty="0" smtClean="0"/>
+            <a:rPr lang="en-US" sz="1600" b="1" kern="1200" dirty="0" smtClean="0"/>
             <a:t>Administration</a:t>
           </a:r>
-          <a:endParaRPr lang="en-US" sz="1900" kern="1200" dirty="0"/>
+          <a:endParaRPr lang="en-US" sz="1600" b="1" kern="1200" dirty="0"/>
         </a:p>
       </dsp:txBody>
       <dsp:txXfrm>
-        <a:off x="396950" y="3577271"/>
-        <a:ext cx="5119220" cy="506120"/>
+        <a:off x="390673" y="2271904"/>
+        <a:ext cx="5192734" cy="319654"/>
       </dsp:txXfrm>
     </dsp:sp>
   </dsp:spTree>
@@ -16844,6 +16862,47 @@
           <a:chExt cx="0" cy="0"/>
         </a:xfrm>
       </p:grpSpPr>
+      <p:pic>
+        <p:nvPicPr>
+          <p:cNvPr id="4104" name="Picture 8" descr="C:\Users\Dio\AppData\Local\Microsoft\Windows\Temporary Internet Files\Content.IE5\W4PTILWV\MC900338432[1].wmf"/>
+          <p:cNvPicPr>
+            <a:picLocks noChangeAspect="1" noChangeArrowheads="1"/>
+          </p:cNvPicPr>
+          <p:nvPr/>
+        </p:nvPicPr>
+        <p:blipFill>
+          <a:blip r:embed="rId3" cstate="print">
+            <a:extLst>
+              <a:ext uri="{28A0092B-C50C-407E-A947-70E740481C1C}">
+                <a14:useLocalDpi xmlns:a14="http://schemas.microsoft.com/office/drawing/2010/main" val="0"/>
+              </a:ext>
+            </a:extLst>
+          </a:blip>
+          <a:srcRect/>
+          <a:stretch>
+            <a:fillRect/>
+          </a:stretch>
+        </p:blipFill>
+        <p:spPr bwMode="auto">
+          <a:xfrm>
+            <a:off x="3276600" y="3657600"/>
+            <a:ext cx="1969349" cy="1965434"/>
+          </a:xfrm>
+          <a:prstGeom prst="rect">
+            <a:avLst/>
+          </a:prstGeom>
+          <a:noFill/>
+          <a:extLst>
+            <a:ext uri="{909E8E84-426E-40DD-AFC4-6F175D3DCCD1}">
+              <a14:hiddenFill xmlns:a14="http://schemas.microsoft.com/office/drawing/2010/main">
+                <a:solidFill>
+                  <a:srgbClr val="FFFFFF"/>
+                </a:solidFill>
+              </a14:hiddenFill>
+            </a:ext>
+          </a:extLst>
+        </p:spPr>
+      </p:pic>
       <p:sp>
         <p:nvSpPr>
           <p:cNvPr id="2056" name="Rectangle 8"/>
@@ -16856,26 +16915,29 @@
         </p:nvSpPr>
         <p:spPr>
           <a:xfrm>
-            <a:off x="1143000" y="1273175"/>
-            <a:ext cx="5867400" cy="1470025"/>
+            <a:off x="228600" y="1273175"/>
+            <a:ext cx="7086600" cy="1470025"/>
           </a:xfrm>
         </p:spPr>
         <p:txBody>
           <a:bodyPr/>
           <a:lstStyle/>
           <a:p>
+            <a:pPr algn="l"/>
             <a:r>
-              <a:rPr lang="en-US" sz="4000" dirty="0" smtClean="0">
+              <a:rPr lang="en-US" sz="3600" dirty="0" smtClean="0">
                 <a:solidFill>
                   <a:schemeClr val="tx1"/>
                 </a:solidFill>
+                <a:cs typeface="Aharoni" pitchFamily="2" charset="-79"/>
               </a:rPr>
               <a:t>Volunteer Management System</a:t>
             </a:r>
-            <a:endParaRPr lang="en-US" sz="4000" dirty="0">
+            <a:endParaRPr lang="en-US" sz="3600" dirty="0">
               <a:solidFill>
                 <a:schemeClr val="tx1"/>
               </a:solidFill>
+              <a:cs typeface="Aharoni" pitchFamily="2" charset="-79"/>
             </a:endParaRPr>
           </a:p>
         </p:txBody>
@@ -16901,14 +16963,35 @@
           <a:lstStyle/>
           <a:p>
             <a:r>
-              <a:rPr lang="en-US" b="1" dirty="0"/>
+              <a:rPr lang="en-US" sz="2400" b="1" dirty="0">
+                <a:solidFill>
+                  <a:schemeClr val="accent4">
+                    <a:lumMod val="75000"/>
+                    <a:lumOff val="25000"/>
+                  </a:schemeClr>
+                </a:solidFill>
+              </a:rPr>
               <a:t>Presented by </a:t>
             </a:r>
             <a:r>
-              <a:rPr lang="en-US" b="1" dirty="0" smtClean="0"/>
+              <a:rPr lang="en-US" sz="2400" b="1" dirty="0" smtClean="0">
+                <a:solidFill>
+                  <a:schemeClr val="accent4">
+                    <a:lumMod val="75000"/>
+                    <a:lumOff val="25000"/>
+                  </a:schemeClr>
+                </a:solidFill>
+              </a:rPr>
               <a:t>Team SE18-08S</a:t>
             </a:r>
-            <a:endParaRPr lang="en-US" b="1" dirty="0"/>
+            <a:endParaRPr lang="en-US" sz="2400" b="1" dirty="0">
+              <a:solidFill>
+                <a:schemeClr val="accent4">
+                  <a:lumMod val="75000"/>
+                  <a:lumOff val="25000"/>
+                </a:schemeClr>
+              </a:solidFill>
+            </a:endParaRPr>
           </a:p>
         </p:txBody>
       </p:sp>
@@ -16928,6 +17011,977 @@
 </file>
 
 <file path=ppt/slides/slide10.xml><?xml version="1.0" encoding="utf-8"?>
+<p:sld xmlns:a="http://schemas.openxmlformats.org/drawingml/2006/main" xmlns:r="http://schemas.openxmlformats.org/officeDocument/2006/relationships" xmlns:p="http://schemas.openxmlformats.org/presentationml/2006/main">
+  <p:cSld>
+    <p:spTree>
+      <p:nvGrpSpPr>
+        <p:cNvPr id="1" name=""/>
+        <p:cNvGrpSpPr/>
+        <p:nvPr/>
+      </p:nvGrpSpPr>
+      <p:grpSpPr>
+        <a:xfrm>
+          <a:off x="0" y="0"/>
+          <a:ext cx="0" cy="0"/>
+          <a:chOff x="0" y="0"/>
+          <a:chExt cx="0" cy="0"/>
+        </a:xfrm>
+      </p:grpSpPr>
+      <p:sp>
+        <p:nvSpPr>
+          <p:cNvPr id="2" name="Title 1"/>
+          <p:cNvSpPr>
+            <a:spLocks noGrp="1"/>
+          </p:cNvSpPr>
+          <p:nvPr>
+            <p:ph type="title"/>
+          </p:nvPr>
+        </p:nvSpPr>
+        <p:spPr/>
+        <p:txBody>
+          <a:bodyPr/>
+          <a:lstStyle/>
+          <a:p>
+            <a:r>
+              <a:rPr lang="en-US" dirty="0"/>
+              <a:t>Use Case Modeling – </a:t>
+            </a:r>
+            <a:r>
+              <a:rPr lang="en-US" sz="2800" dirty="0"/>
+              <a:t/>
+            </a:r>
+            <a:br>
+              <a:rPr lang="en-US" sz="2800" dirty="0"/>
+            </a:br>
+            <a:r>
+              <a:rPr lang="en-US" sz="2800" i="1" dirty="0"/>
+              <a:t>Use Case 1: Search Project Member</a:t>
+            </a:r>
+            <a:endParaRPr lang="en-US" sz="2800" dirty="0"/>
+          </a:p>
+        </p:txBody>
+      </p:sp>
+      <p:sp>
+        <p:nvSpPr>
+          <p:cNvPr id="3" name="Content Placeholder 2"/>
+          <p:cNvSpPr>
+            <a:spLocks noGrp="1"/>
+          </p:cNvSpPr>
+          <p:nvPr>
+            <p:ph idx="1"/>
+          </p:nvPr>
+        </p:nvSpPr>
+        <p:spPr/>
+        <p:txBody>
+          <a:bodyPr/>
+          <a:lstStyle/>
+          <a:p>
+            <a:r>
+              <a:rPr lang="en-US" dirty="0" smtClean="0"/>
+              <a:t>Class diagram</a:t>
+            </a:r>
+            <a:endParaRPr lang="en-US" dirty="0"/>
+          </a:p>
+        </p:txBody>
+      </p:sp>
+      <p:pic>
+        <p:nvPicPr>
+          <p:cNvPr id="8194" name="Picture 2"/>
+          <p:cNvPicPr>
+            <a:picLocks noChangeAspect="1" noChangeArrowheads="1"/>
+          </p:cNvPicPr>
+          <p:nvPr/>
+        </p:nvPicPr>
+        <p:blipFill>
+          <a:blip r:embed="rId2">
+            <a:extLst>
+              <a:ext uri="{28A0092B-C50C-407E-A947-70E740481C1C}">
+                <a14:useLocalDpi xmlns:a14="http://schemas.microsoft.com/office/drawing/2010/main" val="0"/>
+              </a:ext>
+            </a:extLst>
+          </a:blip>
+          <a:srcRect/>
+          <a:stretch>
+            <a:fillRect/>
+          </a:stretch>
+        </p:blipFill>
+        <p:spPr bwMode="auto">
+          <a:xfrm>
+            <a:off x="1066800" y="2133600"/>
+            <a:ext cx="7533564" cy="3657600"/>
+          </a:xfrm>
+          <a:prstGeom prst="rect">
+            <a:avLst/>
+          </a:prstGeom>
+          <a:noFill/>
+          <a:ln>
+            <a:noFill/>
+          </a:ln>
+          <a:extLst>
+            <a:ext uri="{909E8E84-426E-40DD-AFC4-6F175D3DCCD1}">
+              <a14:hiddenFill xmlns:a14="http://schemas.microsoft.com/office/drawing/2010/main">
+                <a:solidFill>
+                  <a:srgbClr val="FFFFFF"/>
+                </a:solidFill>
+              </a14:hiddenFill>
+            </a:ext>
+            <a:ext uri="{91240B29-F687-4F45-9708-019B960494DF}">
+              <a14:hiddenLine xmlns:a14="http://schemas.microsoft.com/office/drawing/2010/main" w="9525">
+                <a:solidFill>
+                  <a:srgbClr val="000000"/>
+                </a:solidFill>
+                <a:miter lim="800000"/>
+                <a:headEnd/>
+                <a:tailEnd/>
+              </a14:hiddenLine>
+            </a:ext>
+          </a:extLst>
+        </p:spPr>
+      </p:pic>
+    </p:spTree>
+    <p:extLst>
+      <p:ext uri="{BB962C8B-B14F-4D97-AF65-F5344CB8AC3E}">
+        <p14:creationId xmlns:p14="http://schemas.microsoft.com/office/powerpoint/2010/main" val="3749085125"/>
+      </p:ext>
+    </p:extLst>
+  </p:cSld>
+  <p:clrMapOvr>
+    <a:masterClrMapping/>
+  </p:clrMapOvr>
+  <p:timing>
+    <p:tnLst>
+      <p:par>
+        <p:cTn id="1" dur="indefinite" restart="never" nodeType="tmRoot"/>
+      </p:par>
+    </p:tnLst>
+  </p:timing>
+</p:sld>
+</file>
+
+<file path=ppt/slides/slide11.xml><?xml version="1.0" encoding="utf-8"?>
+<p:sld xmlns:a="http://schemas.openxmlformats.org/drawingml/2006/main" xmlns:r="http://schemas.openxmlformats.org/officeDocument/2006/relationships" xmlns:p="http://schemas.openxmlformats.org/presentationml/2006/main">
+  <p:cSld>
+    <p:spTree>
+      <p:nvGrpSpPr>
+        <p:cNvPr id="1" name=""/>
+        <p:cNvGrpSpPr/>
+        <p:nvPr/>
+      </p:nvGrpSpPr>
+      <p:grpSpPr>
+        <a:xfrm>
+          <a:off x="0" y="0"/>
+          <a:ext cx="0" cy="0"/>
+          <a:chOff x="0" y="0"/>
+          <a:chExt cx="0" cy="0"/>
+        </a:xfrm>
+      </p:grpSpPr>
+      <p:sp>
+        <p:nvSpPr>
+          <p:cNvPr id="2" name="Title 1"/>
+          <p:cNvSpPr>
+            <a:spLocks noGrp="1"/>
+          </p:cNvSpPr>
+          <p:nvPr>
+            <p:ph type="title"/>
+          </p:nvPr>
+        </p:nvSpPr>
+        <p:spPr/>
+        <p:txBody>
+          <a:bodyPr/>
+          <a:lstStyle/>
+          <a:p>
+            <a:r>
+              <a:rPr lang="en-US" dirty="0"/>
+              <a:t>Use Case Modeling – </a:t>
+            </a:r>
+            <a:br>
+              <a:rPr lang="en-US" dirty="0"/>
+            </a:br>
+            <a:r>
+              <a:rPr lang="en-US" sz="2800" i="1" dirty="0" smtClean="0"/>
+              <a:t>Use Case 2: Print Certificate</a:t>
+            </a:r>
+            <a:endParaRPr lang="en-US" i="1" dirty="0"/>
+          </a:p>
+        </p:txBody>
+      </p:sp>
+      <p:sp>
+        <p:nvSpPr>
+          <p:cNvPr id="3" name="Content Placeholder 2"/>
+          <p:cNvSpPr>
+            <a:spLocks noGrp="1"/>
+          </p:cNvSpPr>
+          <p:nvPr>
+            <p:ph idx="1"/>
+          </p:nvPr>
+        </p:nvSpPr>
+        <p:spPr>
+          <a:xfrm>
+            <a:off x="381000" y="1524000"/>
+            <a:ext cx="8153400" cy="4411663"/>
+          </a:xfrm>
+        </p:spPr>
+        <p:txBody>
+          <a:bodyPr/>
+          <a:lstStyle/>
+          <a:p>
+            <a:r>
+              <a:rPr lang="en-US" sz="2400" b="1" dirty="0"/>
+              <a:t>Description: </a:t>
+            </a:r>
+            <a:r>
+              <a:rPr lang="en-GB" sz="2400" dirty="0"/>
+              <a:t>The use case enables the System Administrator to print certificate of a volunteer for the projects that he/she has participated in</a:t>
+            </a:r>
+            <a:r>
+              <a:rPr lang="en-US" sz="2400" dirty="0" smtClean="0"/>
+              <a:t>.</a:t>
+            </a:r>
+          </a:p>
+          <a:p>
+            <a:endParaRPr lang="en-US" sz="2400" dirty="0"/>
+          </a:p>
+        </p:txBody>
+      </p:sp>
+      <p:pic>
+        <p:nvPicPr>
+          <p:cNvPr id="9220" name="Picture 4" descr="21"/>
+          <p:cNvPicPr>
+            <a:picLocks noChangeAspect="1" noChangeArrowheads="1"/>
+          </p:cNvPicPr>
+          <p:nvPr/>
+        </p:nvPicPr>
+        <p:blipFill>
+          <a:blip r:embed="rId2">
+            <a:extLst>
+              <a:ext uri="{28A0092B-C50C-407E-A947-70E740481C1C}">
+                <a14:useLocalDpi xmlns:a14="http://schemas.microsoft.com/office/drawing/2010/main" val="0"/>
+              </a:ext>
+            </a:extLst>
+          </a:blip>
+          <a:srcRect/>
+          <a:stretch>
+            <a:fillRect/>
+          </a:stretch>
+        </p:blipFill>
+        <p:spPr bwMode="auto">
+          <a:xfrm>
+            <a:off x="1066800" y="3048000"/>
+            <a:ext cx="7239000" cy="2911801"/>
+          </a:xfrm>
+          <a:prstGeom prst="rect">
+            <a:avLst/>
+          </a:prstGeom>
+          <a:noFill/>
+          <a:ln>
+            <a:noFill/>
+          </a:ln>
+          <a:extLst>
+            <a:ext uri="{909E8E84-426E-40DD-AFC4-6F175D3DCCD1}">
+              <a14:hiddenFill xmlns:a14="http://schemas.microsoft.com/office/drawing/2010/main">
+                <a:solidFill>
+                  <a:srgbClr val="FFFFFF"/>
+                </a:solidFill>
+              </a14:hiddenFill>
+            </a:ext>
+            <a:ext uri="{91240B29-F687-4F45-9708-019B960494DF}">
+              <a14:hiddenLine xmlns:a14="http://schemas.microsoft.com/office/drawing/2010/main" w="9525">
+                <a:solidFill>
+                  <a:srgbClr val="000000"/>
+                </a:solidFill>
+                <a:miter lim="800000"/>
+                <a:headEnd/>
+                <a:tailEnd/>
+              </a14:hiddenLine>
+            </a:ext>
+          </a:extLst>
+        </p:spPr>
+      </p:pic>
+    </p:spTree>
+    <p:extLst>
+      <p:ext uri="{BB962C8B-B14F-4D97-AF65-F5344CB8AC3E}">
+        <p14:creationId xmlns:p14="http://schemas.microsoft.com/office/powerpoint/2010/main" val="4211273508"/>
+      </p:ext>
+    </p:extLst>
+  </p:cSld>
+  <p:clrMapOvr>
+    <a:masterClrMapping/>
+  </p:clrMapOvr>
+  <p:timing>
+    <p:tnLst>
+      <p:par>
+        <p:cTn id="1" dur="indefinite" restart="never" nodeType="tmRoot"/>
+      </p:par>
+    </p:tnLst>
+  </p:timing>
+</p:sld>
+</file>
+
+<file path=ppt/slides/slide12.xml><?xml version="1.0" encoding="utf-8"?>
+<p:sld xmlns:a="http://schemas.openxmlformats.org/drawingml/2006/main" xmlns:r="http://schemas.openxmlformats.org/officeDocument/2006/relationships" xmlns:p="http://schemas.openxmlformats.org/presentationml/2006/main">
+  <p:cSld>
+    <p:spTree>
+      <p:nvGrpSpPr>
+        <p:cNvPr id="1" name=""/>
+        <p:cNvGrpSpPr/>
+        <p:nvPr/>
+      </p:nvGrpSpPr>
+      <p:grpSpPr>
+        <a:xfrm>
+          <a:off x="0" y="0"/>
+          <a:ext cx="0" cy="0"/>
+          <a:chOff x="0" y="0"/>
+          <a:chExt cx="0" cy="0"/>
+        </a:xfrm>
+      </p:grpSpPr>
+      <p:sp>
+        <p:nvSpPr>
+          <p:cNvPr id="2" name="Title 1"/>
+          <p:cNvSpPr>
+            <a:spLocks noGrp="1"/>
+          </p:cNvSpPr>
+          <p:nvPr>
+            <p:ph type="title"/>
+          </p:nvPr>
+        </p:nvSpPr>
+        <p:spPr/>
+        <p:txBody>
+          <a:bodyPr/>
+          <a:lstStyle/>
+          <a:p>
+            <a:r>
+              <a:rPr lang="en-US" dirty="0" smtClean="0"/>
+              <a:t>Use Case Modeling – </a:t>
+            </a:r>
+            <a:r>
+              <a:rPr lang="en-US" sz="2800" dirty="0" smtClean="0"/>
+              <a:t/>
+            </a:r>
+            <a:br>
+              <a:rPr lang="en-US" sz="2800" dirty="0" smtClean="0"/>
+            </a:br>
+            <a:r>
+              <a:rPr lang="en-US" sz="2800" i="1" dirty="0"/>
+              <a:t>Use Case 2: </a:t>
+            </a:r>
+            <a:r>
+              <a:rPr lang="en-US" sz="2800" i="1" dirty="0" smtClean="0"/>
+              <a:t>Print Certificate</a:t>
+            </a:r>
+            <a:endParaRPr lang="en-US" sz="2800" dirty="0"/>
+          </a:p>
+        </p:txBody>
+      </p:sp>
+      <p:sp>
+        <p:nvSpPr>
+          <p:cNvPr id="3" name="Content Placeholder 2"/>
+          <p:cNvSpPr>
+            <a:spLocks noGrp="1"/>
+          </p:cNvSpPr>
+          <p:nvPr>
+            <p:ph idx="1"/>
+          </p:nvPr>
+        </p:nvSpPr>
+        <p:spPr/>
+        <p:txBody>
+          <a:bodyPr/>
+          <a:lstStyle/>
+          <a:p>
+            <a:r>
+              <a:rPr lang="en-US" dirty="0" smtClean="0"/>
+              <a:t>Class diagram</a:t>
+            </a:r>
+            <a:endParaRPr lang="en-US" dirty="0"/>
+          </a:p>
+        </p:txBody>
+      </p:sp>
+      <p:pic>
+        <p:nvPicPr>
+          <p:cNvPr id="10242" name="Picture 2" descr="14"/>
+          <p:cNvPicPr>
+            <a:picLocks noChangeAspect="1" noChangeArrowheads="1"/>
+          </p:cNvPicPr>
+          <p:nvPr/>
+        </p:nvPicPr>
+        <p:blipFill>
+          <a:blip r:embed="rId2">
+            <a:extLst>
+              <a:ext uri="{28A0092B-C50C-407E-A947-70E740481C1C}">
+                <a14:useLocalDpi xmlns:a14="http://schemas.microsoft.com/office/drawing/2010/main" val="0"/>
+              </a:ext>
+            </a:extLst>
+          </a:blip>
+          <a:srcRect/>
+          <a:stretch>
+            <a:fillRect/>
+          </a:stretch>
+        </p:blipFill>
+        <p:spPr bwMode="auto">
+          <a:xfrm>
+            <a:off x="1295400" y="2133599"/>
+            <a:ext cx="6324600" cy="4333381"/>
+          </a:xfrm>
+          <a:prstGeom prst="rect">
+            <a:avLst/>
+          </a:prstGeom>
+          <a:noFill/>
+          <a:ln>
+            <a:noFill/>
+          </a:ln>
+          <a:extLst>
+            <a:ext uri="{909E8E84-426E-40DD-AFC4-6F175D3DCCD1}">
+              <a14:hiddenFill xmlns:a14="http://schemas.microsoft.com/office/drawing/2010/main">
+                <a:solidFill>
+                  <a:srgbClr val="FFFFFF"/>
+                </a:solidFill>
+              </a14:hiddenFill>
+            </a:ext>
+            <a:ext uri="{91240B29-F687-4F45-9708-019B960494DF}">
+              <a14:hiddenLine xmlns:a14="http://schemas.microsoft.com/office/drawing/2010/main" w="9525">
+                <a:solidFill>
+                  <a:srgbClr val="000000"/>
+                </a:solidFill>
+                <a:miter lim="800000"/>
+                <a:headEnd/>
+                <a:tailEnd/>
+              </a14:hiddenLine>
+            </a:ext>
+          </a:extLst>
+        </p:spPr>
+      </p:pic>
+    </p:spTree>
+    <p:extLst>
+      <p:ext uri="{BB962C8B-B14F-4D97-AF65-F5344CB8AC3E}">
+        <p14:creationId xmlns:p14="http://schemas.microsoft.com/office/powerpoint/2010/main" val="4097963867"/>
+      </p:ext>
+    </p:extLst>
+  </p:cSld>
+  <p:clrMapOvr>
+    <a:masterClrMapping/>
+  </p:clrMapOvr>
+  <p:timing>
+    <p:tnLst>
+      <p:par>
+        <p:cTn id="1" dur="indefinite" restart="never" nodeType="tmRoot"/>
+      </p:par>
+    </p:tnLst>
+  </p:timing>
+</p:sld>
+</file>
+
+<file path=ppt/slides/slide13.xml><?xml version="1.0" encoding="utf-8"?>
+<p:sld xmlns:a="http://schemas.openxmlformats.org/drawingml/2006/main" xmlns:r="http://schemas.openxmlformats.org/officeDocument/2006/relationships" xmlns:p="http://schemas.openxmlformats.org/presentationml/2006/main">
+  <p:cSld>
+    <p:spTree>
+      <p:nvGrpSpPr>
+        <p:cNvPr id="1" name=""/>
+        <p:cNvGrpSpPr/>
+        <p:nvPr/>
+      </p:nvGrpSpPr>
+      <p:grpSpPr>
+        <a:xfrm>
+          <a:off x="0" y="0"/>
+          <a:ext cx="0" cy="0"/>
+          <a:chOff x="0" y="0"/>
+          <a:chExt cx="0" cy="0"/>
+        </a:xfrm>
+      </p:grpSpPr>
+      <p:sp>
+        <p:nvSpPr>
+          <p:cNvPr id="2" name="Title 1"/>
+          <p:cNvSpPr>
+            <a:spLocks noGrp="1"/>
+          </p:cNvSpPr>
+          <p:nvPr>
+            <p:ph type="title"/>
+          </p:nvPr>
+        </p:nvSpPr>
+        <p:spPr/>
+        <p:txBody>
+          <a:bodyPr/>
+          <a:lstStyle/>
+          <a:p>
+            <a:r>
+              <a:rPr lang="en-US" dirty="0"/>
+              <a:t>Use Case Modeling – </a:t>
+            </a:r>
+            <a:br>
+              <a:rPr lang="en-US" dirty="0"/>
+            </a:br>
+            <a:r>
+              <a:rPr lang="en-US" sz="2800" i="1" dirty="0"/>
+              <a:t>Use Case 2: Assign Role to Project Member</a:t>
+            </a:r>
+            <a:endParaRPr lang="en-US" i="1" dirty="0"/>
+          </a:p>
+        </p:txBody>
+      </p:sp>
+      <p:sp>
+        <p:nvSpPr>
+          <p:cNvPr id="3" name="Content Placeholder 2"/>
+          <p:cNvSpPr>
+            <a:spLocks noGrp="1"/>
+          </p:cNvSpPr>
+          <p:nvPr>
+            <p:ph idx="1"/>
+          </p:nvPr>
+        </p:nvSpPr>
+        <p:spPr>
+          <a:xfrm>
+            <a:off x="381000" y="1524000"/>
+            <a:ext cx="8153400" cy="4411663"/>
+          </a:xfrm>
+        </p:spPr>
+        <p:txBody>
+          <a:bodyPr/>
+          <a:lstStyle/>
+          <a:p>
+            <a:r>
+              <a:rPr lang="en-US" dirty="0" smtClean="0"/>
+              <a:t>Class diagram</a:t>
+            </a:r>
+          </a:p>
+          <a:p>
+            <a:endParaRPr lang="en-US" dirty="0"/>
+          </a:p>
+        </p:txBody>
+      </p:sp>
+      <p:pic>
+        <p:nvPicPr>
+          <p:cNvPr id="11266" name="Picture 1"/>
+          <p:cNvPicPr>
+            <a:picLocks noChangeAspect="1" noChangeArrowheads="1"/>
+          </p:cNvPicPr>
+          <p:nvPr/>
+        </p:nvPicPr>
+        <p:blipFill>
+          <a:blip r:embed="rId2">
+            <a:extLst>
+              <a:ext uri="{28A0092B-C50C-407E-A947-70E740481C1C}">
+                <a14:useLocalDpi xmlns:a14="http://schemas.microsoft.com/office/drawing/2010/main" val="0"/>
+              </a:ext>
+            </a:extLst>
+          </a:blip>
+          <a:srcRect/>
+          <a:stretch>
+            <a:fillRect/>
+          </a:stretch>
+        </p:blipFill>
+        <p:spPr bwMode="auto">
+          <a:xfrm>
+            <a:off x="2286000" y="2209799"/>
+            <a:ext cx="4572000" cy="4239661"/>
+          </a:xfrm>
+          <a:prstGeom prst="rect">
+            <a:avLst/>
+          </a:prstGeom>
+          <a:noFill/>
+          <a:ln>
+            <a:noFill/>
+          </a:ln>
+          <a:extLst>
+            <a:ext uri="{909E8E84-426E-40DD-AFC4-6F175D3DCCD1}">
+              <a14:hiddenFill xmlns:a14="http://schemas.microsoft.com/office/drawing/2010/main">
+                <a:solidFill>
+                  <a:srgbClr val="FFFFFF"/>
+                </a:solidFill>
+              </a14:hiddenFill>
+            </a:ext>
+            <a:ext uri="{91240B29-F687-4F45-9708-019B960494DF}">
+              <a14:hiddenLine xmlns:a14="http://schemas.microsoft.com/office/drawing/2010/main" w="9525">
+                <a:solidFill>
+                  <a:srgbClr val="000000"/>
+                </a:solidFill>
+                <a:miter lim="800000"/>
+                <a:headEnd/>
+                <a:tailEnd/>
+              </a14:hiddenLine>
+            </a:ext>
+          </a:extLst>
+        </p:spPr>
+      </p:pic>
+    </p:spTree>
+    <p:extLst>
+      <p:ext uri="{BB962C8B-B14F-4D97-AF65-F5344CB8AC3E}">
+        <p14:creationId xmlns:p14="http://schemas.microsoft.com/office/powerpoint/2010/main" val="4211273508"/>
+      </p:ext>
+    </p:extLst>
+  </p:cSld>
+  <p:clrMapOvr>
+    <a:masterClrMapping/>
+  </p:clrMapOvr>
+  <p:timing>
+    <p:tnLst>
+      <p:par>
+        <p:cTn id="1" dur="indefinite" restart="never" nodeType="tmRoot"/>
+      </p:par>
+    </p:tnLst>
+  </p:timing>
+</p:sld>
+</file>
+
+<file path=ppt/slides/slide14.xml><?xml version="1.0" encoding="utf-8"?>
+<p:sld xmlns:a="http://schemas.openxmlformats.org/drawingml/2006/main" xmlns:r="http://schemas.openxmlformats.org/officeDocument/2006/relationships" xmlns:p="http://schemas.openxmlformats.org/presentationml/2006/main">
+  <p:cSld>
+    <p:spTree>
+      <p:nvGrpSpPr>
+        <p:cNvPr id="1" name=""/>
+        <p:cNvGrpSpPr/>
+        <p:nvPr/>
+      </p:nvGrpSpPr>
+      <p:grpSpPr>
+        <a:xfrm>
+          <a:off x="0" y="0"/>
+          <a:ext cx="0" cy="0"/>
+          <a:chOff x="0" y="0"/>
+          <a:chExt cx="0" cy="0"/>
+        </a:xfrm>
+      </p:grpSpPr>
+      <p:sp>
+        <p:nvSpPr>
+          <p:cNvPr id="22532" name="Rectangle 4"/>
+          <p:cNvSpPr>
+            <a:spLocks noGrp="1" noChangeArrowheads="1"/>
+          </p:cNvSpPr>
+          <p:nvPr>
+            <p:ph type="title"/>
+          </p:nvPr>
+        </p:nvSpPr>
+        <p:spPr/>
+        <p:txBody>
+          <a:bodyPr/>
+          <a:lstStyle/>
+          <a:p>
+            <a:r>
+              <a:rPr lang="en-US" dirty="0" smtClean="0"/>
+              <a:t>Agenda</a:t>
+            </a:r>
+            <a:endParaRPr lang="en-US" dirty="0"/>
+          </a:p>
+        </p:txBody>
+      </p:sp>
+      <p:sp>
+        <p:nvSpPr>
+          <p:cNvPr id="22533" name="Rectangle 5"/>
+          <p:cNvSpPr>
+            <a:spLocks noGrp="1" noChangeArrowheads="1"/>
+          </p:cNvSpPr>
+          <p:nvPr>
+            <p:ph type="body" idx="1"/>
+          </p:nvPr>
+        </p:nvSpPr>
+        <p:spPr>
+          <a:xfrm>
+            <a:off x="1143000" y="1524000"/>
+            <a:ext cx="7391400" cy="4648200"/>
+          </a:xfrm>
+        </p:spPr>
+        <p:txBody>
+          <a:bodyPr/>
+          <a:lstStyle/>
+          <a:p>
+            <a:pPr>
+              <a:buFont typeface="Wingdings" pitchFamily="2" charset="2"/>
+              <a:buChar char="v"/>
+            </a:pPr>
+            <a:r>
+              <a:rPr lang="en-US" dirty="0">
+                <a:solidFill>
+                  <a:schemeClr val="bg1">
+                    <a:lumMod val="75000"/>
+                  </a:schemeClr>
+                </a:solidFill>
+              </a:rPr>
+              <a:t>Project Revisit</a:t>
+            </a:r>
+          </a:p>
+          <a:p>
+            <a:pPr>
+              <a:buFont typeface="Wingdings" pitchFamily="2" charset="2"/>
+              <a:buChar char="v"/>
+            </a:pPr>
+            <a:r>
+              <a:rPr lang="en-US" dirty="0">
+                <a:solidFill>
+                  <a:schemeClr val="bg1">
+                    <a:lumMod val="75000"/>
+                  </a:schemeClr>
+                </a:solidFill>
+              </a:rPr>
+              <a:t>Use Case Modeling</a:t>
+            </a:r>
+          </a:p>
+          <a:p>
+            <a:pPr>
+              <a:buFont typeface="Wingdings" pitchFamily="2" charset="2"/>
+              <a:buChar char="v"/>
+            </a:pPr>
+            <a:r>
+              <a:rPr lang="en-US" b="1" dirty="0" smtClean="0"/>
+              <a:t>Software Architecture</a:t>
+            </a:r>
+          </a:p>
+          <a:p>
+            <a:pPr>
+              <a:buFont typeface="Wingdings" pitchFamily="2" charset="2"/>
+              <a:buChar char="v"/>
+            </a:pPr>
+            <a:r>
+              <a:rPr lang="en-US" dirty="0" smtClean="0">
+                <a:solidFill>
+                  <a:schemeClr val="bg1">
+                    <a:lumMod val="75000"/>
+                  </a:schemeClr>
+                </a:solidFill>
+              </a:rPr>
+              <a:t>Demo of Prototype</a:t>
+            </a:r>
+          </a:p>
+          <a:p>
+            <a:pPr>
+              <a:buFont typeface="Wingdings" pitchFamily="2" charset="2"/>
+              <a:buChar char="v"/>
+            </a:pPr>
+            <a:r>
+              <a:rPr lang="en-US" dirty="0" smtClean="0">
+                <a:solidFill>
+                  <a:schemeClr val="bg1">
+                    <a:lumMod val="75000"/>
+                  </a:schemeClr>
+                </a:solidFill>
+              </a:rPr>
+              <a:t>Transition Strategy</a:t>
+            </a:r>
+          </a:p>
+          <a:p>
+            <a:pPr>
+              <a:buFont typeface="Wingdings" pitchFamily="2" charset="2"/>
+              <a:buChar char="v"/>
+            </a:pPr>
+            <a:r>
+              <a:rPr lang="en-US" dirty="0" smtClean="0">
+                <a:solidFill>
+                  <a:schemeClr val="bg1">
+                    <a:lumMod val="75000"/>
+                  </a:schemeClr>
+                </a:solidFill>
+              </a:rPr>
+              <a:t>Project Progress</a:t>
+            </a:r>
+          </a:p>
+          <a:p>
+            <a:pPr>
+              <a:buFont typeface="Wingdings" pitchFamily="2" charset="2"/>
+              <a:buChar char="v"/>
+            </a:pPr>
+            <a:r>
+              <a:rPr lang="en-US" dirty="0">
+                <a:solidFill>
+                  <a:schemeClr val="bg1">
+                    <a:lumMod val="75000"/>
+                  </a:schemeClr>
+                </a:solidFill>
+              </a:rPr>
+              <a:t>Development </a:t>
+            </a:r>
+            <a:r>
+              <a:rPr lang="en-US" dirty="0" smtClean="0">
+                <a:solidFill>
+                  <a:schemeClr val="bg1">
+                    <a:lumMod val="75000"/>
+                  </a:schemeClr>
+                </a:solidFill>
+              </a:rPr>
+              <a:t>Plan</a:t>
+            </a:r>
+            <a:endParaRPr lang="en-US" dirty="0" smtClean="0">
+              <a:solidFill>
+                <a:schemeClr val="bg1">
+                  <a:lumMod val="75000"/>
+                </a:schemeClr>
+              </a:solidFill>
+            </a:endParaRPr>
+          </a:p>
+          <a:p>
+            <a:pPr>
+              <a:buFont typeface="Wingdings" pitchFamily="2" charset="2"/>
+              <a:buChar char="v"/>
+            </a:pPr>
+            <a:r>
+              <a:rPr lang="en-US" dirty="0" smtClean="0">
+                <a:solidFill>
+                  <a:schemeClr val="bg1">
+                    <a:lumMod val="75000"/>
+                  </a:schemeClr>
+                </a:solidFill>
+              </a:rPr>
+              <a:t>Challenges &amp; Problems</a:t>
+            </a:r>
+            <a:endParaRPr lang="en-US" dirty="0" smtClean="0">
+              <a:solidFill>
+                <a:schemeClr val="bg1">
+                  <a:lumMod val="75000"/>
+                </a:schemeClr>
+              </a:solidFill>
+            </a:endParaRPr>
+          </a:p>
+          <a:p>
+            <a:pPr>
+              <a:buFont typeface="Wingdings" pitchFamily="2" charset="2"/>
+              <a:buChar char="v"/>
+            </a:pPr>
+            <a:r>
+              <a:rPr lang="en-US" dirty="0" smtClean="0">
+                <a:solidFill>
+                  <a:schemeClr val="bg1">
+                    <a:lumMod val="75000"/>
+                  </a:schemeClr>
+                </a:solidFill>
+              </a:rPr>
+              <a:t>Q &amp; A</a:t>
+            </a:r>
+            <a:endParaRPr lang="en-US" dirty="0" smtClean="0">
+              <a:solidFill>
+                <a:schemeClr val="bg1">
+                  <a:lumMod val="75000"/>
+                </a:schemeClr>
+              </a:solidFill>
+            </a:endParaRPr>
+          </a:p>
+        </p:txBody>
+      </p:sp>
+    </p:spTree>
+    <p:extLst>
+      <p:ext uri="{BB962C8B-B14F-4D97-AF65-F5344CB8AC3E}">
+        <p14:creationId xmlns:p14="http://schemas.microsoft.com/office/powerpoint/2010/main" val="4091434407"/>
+      </p:ext>
+    </p:extLst>
+  </p:cSld>
+  <p:clrMapOvr>
+    <a:masterClrMapping/>
+  </p:clrMapOvr>
+  <p:timing>
+    <p:tnLst>
+      <p:par>
+        <p:cTn id="1" dur="indefinite" restart="never" nodeType="tmRoot"/>
+      </p:par>
+    </p:tnLst>
+  </p:timing>
+</p:sld>
+</file>
+
+<file path=ppt/slides/slide15.xml><?xml version="1.0" encoding="utf-8"?>
+<p:sld xmlns:a="http://schemas.openxmlformats.org/drawingml/2006/main" xmlns:r="http://schemas.openxmlformats.org/officeDocument/2006/relationships" xmlns:p="http://schemas.openxmlformats.org/presentationml/2006/main">
+  <p:cSld>
+    <p:spTree>
+      <p:nvGrpSpPr>
+        <p:cNvPr id="1" name=""/>
+        <p:cNvGrpSpPr/>
+        <p:nvPr/>
+      </p:nvGrpSpPr>
+      <p:grpSpPr>
+        <a:xfrm>
+          <a:off x="0" y="0"/>
+          <a:ext cx="0" cy="0"/>
+          <a:chOff x="0" y="0"/>
+          <a:chExt cx="0" cy="0"/>
+        </a:xfrm>
+      </p:grpSpPr>
+      <p:sp>
+        <p:nvSpPr>
+          <p:cNvPr id="4" name="Title 3"/>
+          <p:cNvSpPr>
+            <a:spLocks noGrp="1"/>
+          </p:cNvSpPr>
+          <p:nvPr>
+            <p:ph type="title"/>
+          </p:nvPr>
+        </p:nvSpPr>
+        <p:spPr/>
+        <p:txBody>
+          <a:bodyPr/>
+          <a:lstStyle/>
+          <a:p>
+            <a:r>
+              <a:rPr lang="en-US" dirty="0" smtClean="0"/>
+              <a:t>Software Architecture</a:t>
+            </a:r>
+            <a:endParaRPr lang="en-US" dirty="0"/>
+          </a:p>
+        </p:txBody>
+      </p:sp>
+      <p:sp>
+        <p:nvSpPr>
+          <p:cNvPr id="5" name="Text Placeholder 4"/>
+          <p:cNvSpPr>
+            <a:spLocks noGrp="1"/>
+          </p:cNvSpPr>
+          <p:nvPr>
+            <p:ph type="body" idx="1"/>
+          </p:nvPr>
+        </p:nvSpPr>
+        <p:spPr/>
+        <p:txBody>
+          <a:bodyPr/>
+          <a:lstStyle/>
+          <a:p>
+            <a:r>
+              <a:rPr lang="en-US" dirty="0" smtClean="0"/>
+              <a:t>Volunteer Management System</a:t>
+            </a:r>
+            <a:endParaRPr lang="en-US" dirty="0"/>
+          </a:p>
+        </p:txBody>
+      </p:sp>
+      <p:pic>
+        <p:nvPicPr>
+          <p:cNvPr id="7170" name="Picture 2"/>
+          <p:cNvPicPr>
+            <a:picLocks noChangeAspect="1" noChangeArrowheads="1"/>
+          </p:cNvPicPr>
+          <p:nvPr/>
+        </p:nvPicPr>
+        <p:blipFill>
+          <a:blip r:embed="rId2" cstate="print"/>
+          <a:srcRect/>
+          <a:stretch>
+            <a:fillRect/>
+          </a:stretch>
+        </p:blipFill>
+        <p:spPr bwMode="auto">
+          <a:xfrm>
+            <a:off x="685800" y="990600"/>
+            <a:ext cx="5029029" cy="2819400"/>
+          </a:xfrm>
+          <a:prstGeom prst="rect">
+            <a:avLst/>
+          </a:prstGeom>
+          <a:noFill/>
+          <a:ln w="9525">
+            <a:noFill/>
+            <a:miter lim="800000"/>
+            <a:headEnd/>
+            <a:tailEnd/>
+          </a:ln>
+          <a:effectLst/>
+        </p:spPr>
+      </p:pic>
+    </p:spTree>
+  </p:cSld>
+  <p:clrMapOvr>
+    <a:masterClrMapping/>
+  </p:clrMapOvr>
+  <p:timing>
+    <p:tnLst>
+      <p:par>
+        <p:cTn id="1" dur="indefinite" restart="never" nodeType="tmRoot"/>
+      </p:par>
+    </p:tnLst>
+  </p:timing>
+</p:sld>
+</file>
+
+<file path=ppt/slides/slide16.xml><?xml version="1.0" encoding="utf-8"?>
 <p:sld xmlns:a="http://schemas.openxmlformats.org/drawingml/2006/main" xmlns:r="http://schemas.openxmlformats.org/officeDocument/2006/relationships" xmlns:p="http://schemas.openxmlformats.org/presentationml/2006/main">
   <p:cSld>
     <p:spTree>
@@ -17016,7 +18070,7 @@
 </p:sld>
 </file>
 
-<file path=ppt/slides/slide11.xml><?xml version="1.0" encoding="utf-8"?>
+<file path=ppt/slides/slide17.xml><?xml version="1.0" encoding="utf-8"?>
 <p:sld xmlns:a="http://schemas.openxmlformats.org/drawingml/2006/main" xmlns:r="http://schemas.openxmlformats.org/officeDocument/2006/relationships" xmlns:p="http://schemas.openxmlformats.org/presentationml/2006/main">
   <p:cSld>
     <p:spTree>
@@ -17159,7 +18213,7 @@
 </p:sld>
 </file>
 
-<file path=ppt/slides/slide12.xml><?xml version="1.0" encoding="utf-8"?>
+<file path=ppt/slides/slide18.xml><?xml version="1.0" encoding="utf-8"?>
 <p:sld xmlns:a="http://schemas.openxmlformats.org/drawingml/2006/main" xmlns:r="http://schemas.openxmlformats.org/officeDocument/2006/relationships" xmlns:p="http://schemas.openxmlformats.org/presentationml/2006/main">
   <p:cSld>
     <p:spTree>
@@ -17246,7 +18300,7 @@
 </p:sld>
 </file>
 
-<file path=ppt/slides/slide13.xml><?xml version="1.0" encoding="utf-8"?>
+<file path=ppt/slides/slide19.xml><?xml version="1.0" encoding="utf-8"?>
 <p:sld xmlns:a="http://schemas.openxmlformats.org/drawingml/2006/main" xmlns:r="http://schemas.openxmlformats.org/officeDocument/2006/relationships" xmlns:p="http://schemas.openxmlformats.org/presentationml/2006/main">
   <p:cSld>
     <p:spTree>
@@ -17333,7 +18387,491 @@
 </p:sld>
 </file>
 
-<file path=ppt/slides/slide14.xml><?xml version="1.0" encoding="utf-8"?>
+<file path=ppt/slides/slide2.xml><?xml version="1.0" encoding="utf-8"?>
+<p:sld xmlns:a="http://schemas.openxmlformats.org/drawingml/2006/main" xmlns:r="http://schemas.openxmlformats.org/officeDocument/2006/relationships" xmlns:p="http://schemas.openxmlformats.org/presentationml/2006/main">
+  <p:cSld>
+    <p:spTree>
+      <p:nvGrpSpPr>
+        <p:cNvPr id="1" name=""/>
+        <p:cNvGrpSpPr/>
+        <p:nvPr/>
+      </p:nvGrpSpPr>
+      <p:grpSpPr>
+        <a:xfrm>
+          <a:off x="0" y="0"/>
+          <a:ext cx="0" cy="0"/>
+          <a:chOff x="0" y="0"/>
+          <a:chExt cx="0" cy="0"/>
+        </a:xfrm>
+      </p:grpSpPr>
+      <p:sp>
+        <p:nvSpPr>
+          <p:cNvPr id="22532" name="Rectangle 4"/>
+          <p:cNvSpPr>
+            <a:spLocks noGrp="1" noChangeArrowheads="1"/>
+          </p:cNvSpPr>
+          <p:nvPr>
+            <p:ph type="title"/>
+          </p:nvPr>
+        </p:nvSpPr>
+        <p:spPr/>
+        <p:txBody>
+          <a:bodyPr/>
+          <a:lstStyle/>
+          <a:p>
+            <a:r>
+              <a:rPr lang="en-US" dirty="0" smtClean="0"/>
+              <a:t>Agenda</a:t>
+            </a:r>
+            <a:endParaRPr lang="en-US" dirty="0"/>
+          </a:p>
+        </p:txBody>
+      </p:sp>
+      <p:sp>
+        <p:nvSpPr>
+          <p:cNvPr id="22533" name="Rectangle 5"/>
+          <p:cNvSpPr>
+            <a:spLocks noGrp="1" noChangeArrowheads="1"/>
+          </p:cNvSpPr>
+          <p:nvPr>
+            <p:ph type="body" idx="1"/>
+          </p:nvPr>
+        </p:nvSpPr>
+        <p:spPr>
+          <a:xfrm>
+            <a:off x="1143000" y="1524000"/>
+            <a:ext cx="7391400" cy="4648200"/>
+          </a:xfrm>
+        </p:spPr>
+        <p:txBody>
+          <a:bodyPr/>
+          <a:lstStyle/>
+          <a:p>
+            <a:pPr>
+              <a:buFont typeface="Wingdings" pitchFamily="2" charset="2"/>
+              <a:buChar char="v"/>
+            </a:pPr>
+            <a:r>
+              <a:rPr lang="en-US" b="1" dirty="0"/>
+              <a:t>Project Revisit</a:t>
+            </a:r>
+          </a:p>
+          <a:p>
+            <a:pPr>
+              <a:buFont typeface="Wingdings" pitchFamily="2" charset="2"/>
+              <a:buChar char="v"/>
+            </a:pPr>
+            <a:r>
+              <a:rPr lang="en-US" dirty="0">
+                <a:solidFill>
+                  <a:schemeClr val="bg1">
+                    <a:lumMod val="75000"/>
+                  </a:schemeClr>
+                </a:solidFill>
+              </a:rPr>
+              <a:t>Use Case </a:t>
+            </a:r>
+            <a:r>
+              <a:rPr lang="en-US" dirty="0" smtClean="0">
+                <a:solidFill>
+                  <a:schemeClr val="bg1">
+                    <a:lumMod val="75000"/>
+                  </a:schemeClr>
+                </a:solidFill>
+              </a:rPr>
+              <a:t>Modeling</a:t>
+            </a:r>
+            <a:endParaRPr lang="en-US" dirty="0">
+              <a:solidFill>
+                <a:schemeClr val="bg1">
+                  <a:lumMod val="75000"/>
+                </a:schemeClr>
+              </a:solidFill>
+            </a:endParaRPr>
+          </a:p>
+          <a:p>
+            <a:pPr>
+              <a:buFont typeface="Wingdings" pitchFamily="2" charset="2"/>
+              <a:buChar char="v"/>
+            </a:pPr>
+            <a:r>
+              <a:rPr lang="en-US" dirty="0" smtClean="0">
+                <a:solidFill>
+                  <a:schemeClr val="bg1">
+                    <a:lumMod val="75000"/>
+                  </a:schemeClr>
+                </a:solidFill>
+              </a:rPr>
+              <a:t>Software Architecture</a:t>
+            </a:r>
+          </a:p>
+          <a:p>
+            <a:pPr>
+              <a:buFont typeface="Wingdings" pitchFamily="2" charset="2"/>
+              <a:buChar char="v"/>
+            </a:pPr>
+            <a:r>
+              <a:rPr lang="en-US" dirty="0" smtClean="0">
+                <a:solidFill>
+                  <a:schemeClr val="bg1">
+                    <a:lumMod val="75000"/>
+                  </a:schemeClr>
+                </a:solidFill>
+              </a:rPr>
+              <a:t>Demo of Prototype</a:t>
+            </a:r>
+          </a:p>
+          <a:p>
+            <a:pPr>
+              <a:buFont typeface="Wingdings" pitchFamily="2" charset="2"/>
+              <a:buChar char="v"/>
+            </a:pPr>
+            <a:r>
+              <a:rPr lang="en-US" dirty="0" smtClean="0">
+                <a:solidFill>
+                  <a:schemeClr val="bg1">
+                    <a:lumMod val="75000"/>
+                  </a:schemeClr>
+                </a:solidFill>
+              </a:rPr>
+              <a:t>Transition Strategy</a:t>
+            </a:r>
+          </a:p>
+          <a:p>
+            <a:pPr>
+              <a:buFont typeface="Wingdings" pitchFamily="2" charset="2"/>
+              <a:buChar char="v"/>
+            </a:pPr>
+            <a:r>
+              <a:rPr lang="en-US" dirty="0" smtClean="0">
+                <a:solidFill>
+                  <a:schemeClr val="bg1">
+                    <a:lumMod val="75000"/>
+                  </a:schemeClr>
+                </a:solidFill>
+              </a:rPr>
+              <a:t>Project Progress</a:t>
+            </a:r>
+          </a:p>
+          <a:p>
+            <a:pPr>
+              <a:buFont typeface="Wingdings" pitchFamily="2" charset="2"/>
+              <a:buChar char="v"/>
+            </a:pPr>
+            <a:r>
+              <a:rPr lang="en-US" dirty="0" smtClean="0">
+                <a:solidFill>
+                  <a:schemeClr val="bg1">
+                    <a:lumMod val="75000"/>
+                  </a:schemeClr>
+                </a:solidFill>
+              </a:rPr>
+              <a:t>Challenges &amp; Problems</a:t>
+            </a:r>
+            <a:endParaRPr lang="en-US" dirty="0" smtClean="0">
+              <a:solidFill>
+                <a:schemeClr val="bg1">
+                  <a:lumMod val="75000"/>
+                </a:schemeClr>
+              </a:solidFill>
+            </a:endParaRPr>
+          </a:p>
+          <a:p>
+            <a:pPr>
+              <a:buFont typeface="Wingdings" pitchFamily="2" charset="2"/>
+              <a:buChar char="v"/>
+            </a:pPr>
+            <a:r>
+              <a:rPr lang="en-US" dirty="0" smtClean="0">
+                <a:solidFill>
+                  <a:schemeClr val="bg1">
+                    <a:lumMod val="75000"/>
+                  </a:schemeClr>
+                </a:solidFill>
+              </a:rPr>
+              <a:t>Q &amp; A</a:t>
+            </a:r>
+            <a:endParaRPr lang="en-US" dirty="0" smtClean="0">
+              <a:solidFill>
+                <a:schemeClr val="bg1">
+                  <a:lumMod val="75000"/>
+                </a:schemeClr>
+              </a:solidFill>
+            </a:endParaRPr>
+          </a:p>
+        </p:txBody>
+      </p:sp>
+    </p:spTree>
+    <p:extLst>
+      <p:ext uri="{BB962C8B-B14F-4D97-AF65-F5344CB8AC3E}">
+        <p14:creationId xmlns:p14="http://schemas.microsoft.com/office/powerpoint/2010/main" val="2651902496"/>
+      </p:ext>
+    </p:extLst>
+  </p:cSld>
+  <p:clrMapOvr>
+    <a:masterClrMapping/>
+  </p:clrMapOvr>
+  <p:timing>
+    <p:tnLst>
+      <p:par>
+        <p:cTn id="1" dur="indefinite" restart="never" nodeType="tmRoot"/>
+      </p:par>
+    </p:tnLst>
+  </p:timing>
+</p:sld>
+</file>
+
+<file path=ppt/slides/slide20.xml><?xml version="1.0" encoding="utf-8"?>
+<p:sld xmlns:a="http://schemas.openxmlformats.org/drawingml/2006/main" xmlns:r="http://schemas.openxmlformats.org/officeDocument/2006/relationships" xmlns:p="http://schemas.openxmlformats.org/presentationml/2006/main">
+  <p:cSld>
+    <p:spTree>
+      <p:nvGrpSpPr>
+        <p:cNvPr id="1" name=""/>
+        <p:cNvGrpSpPr/>
+        <p:nvPr/>
+      </p:nvGrpSpPr>
+      <p:grpSpPr>
+        <a:xfrm>
+          <a:off x="0" y="0"/>
+          <a:ext cx="0" cy="0"/>
+          <a:chOff x="0" y="0"/>
+          <a:chExt cx="0" cy="0"/>
+        </a:xfrm>
+      </p:grpSpPr>
+      <p:sp>
+        <p:nvSpPr>
+          <p:cNvPr id="22532" name="Rectangle 4"/>
+          <p:cNvSpPr>
+            <a:spLocks noGrp="1" noChangeArrowheads="1"/>
+          </p:cNvSpPr>
+          <p:nvPr>
+            <p:ph type="title"/>
+          </p:nvPr>
+        </p:nvSpPr>
+        <p:spPr/>
+        <p:txBody>
+          <a:bodyPr/>
+          <a:lstStyle/>
+          <a:p>
+            <a:r>
+              <a:rPr lang="en-US" dirty="0" smtClean="0"/>
+              <a:t>Agenda</a:t>
+            </a:r>
+            <a:endParaRPr lang="en-US" dirty="0"/>
+          </a:p>
+        </p:txBody>
+      </p:sp>
+      <p:sp>
+        <p:nvSpPr>
+          <p:cNvPr id="22533" name="Rectangle 5"/>
+          <p:cNvSpPr>
+            <a:spLocks noGrp="1" noChangeArrowheads="1"/>
+          </p:cNvSpPr>
+          <p:nvPr>
+            <p:ph type="body" idx="1"/>
+          </p:nvPr>
+        </p:nvSpPr>
+        <p:spPr>
+          <a:xfrm>
+            <a:off x="1143000" y="1524000"/>
+            <a:ext cx="7391400" cy="4648200"/>
+          </a:xfrm>
+        </p:spPr>
+        <p:txBody>
+          <a:bodyPr/>
+          <a:lstStyle/>
+          <a:p>
+            <a:pPr>
+              <a:buFont typeface="Wingdings" pitchFamily="2" charset="2"/>
+              <a:buChar char="v"/>
+            </a:pPr>
+            <a:r>
+              <a:rPr lang="en-US" dirty="0">
+                <a:solidFill>
+                  <a:schemeClr val="bg1">
+                    <a:lumMod val="75000"/>
+                  </a:schemeClr>
+                </a:solidFill>
+              </a:rPr>
+              <a:t>Project Revisit</a:t>
+            </a:r>
+          </a:p>
+          <a:p>
+            <a:pPr>
+              <a:buFont typeface="Wingdings" pitchFamily="2" charset="2"/>
+              <a:buChar char="v"/>
+            </a:pPr>
+            <a:r>
+              <a:rPr lang="en-US" dirty="0">
+                <a:solidFill>
+                  <a:schemeClr val="bg1">
+                    <a:lumMod val="75000"/>
+                  </a:schemeClr>
+                </a:solidFill>
+              </a:rPr>
+              <a:t>Use Case Modeling</a:t>
+            </a:r>
+          </a:p>
+          <a:p>
+            <a:pPr>
+              <a:buFont typeface="Wingdings" pitchFamily="2" charset="2"/>
+              <a:buChar char="v"/>
+            </a:pPr>
+            <a:r>
+              <a:rPr lang="en-US" dirty="0" smtClean="0">
+                <a:solidFill>
+                  <a:schemeClr val="bg1">
+                    <a:lumMod val="75000"/>
+                  </a:schemeClr>
+                </a:solidFill>
+              </a:rPr>
+              <a:t>Software Architecture</a:t>
+            </a:r>
+          </a:p>
+          <a:p>
+            <a:pPr>
+              <a:buFont typeface="Wingdings" pitchFamily="2" charset="2"/>
+              <a:buChar char="v"/>
+            </a:pPr>
+            <a:r>
+              <a:rPr lang="en-US" b="1" dirty="0" smtClean="0"/>
+              <a:t>Demo of Prototype</a:t>
+            </a:r>
+          </a:p>
+          <a:p>
+            <a:pPr>
+              <a:buFont typeface="Wingdings" pitchFamily="2" charset="2"/>
+              <a:buChar char="v"/>
+            </a:pPr>
+            <a:r>
+              <a:rPr lang="en-US" dirty="0" smtClean="0">
+                <a:solidFill>
+                  <a:schemeClr val="bg1">
+                    <a:lumMod val="75000"/>
+                  </a:schemeClr>
+                </a:solidFill>
+              </a:rPr>
+              <a:t>Transition Strategy</a:t>
+            </a:r>
+          </a:p>
+          <a:p>
+            <a:pPr>
+              <a:buFont typeface="Wingdings" pitchFamily="2" charset="2"/>
+              <a:buChar char="v"/>
+            </a:pPr>
+            <a:r>
+              <a:rPr lang="en-US" dirty="0" smtClean="0">
+                <a:solidFill>
+                  <a:schemeClr val="bg1">
+                    <a:lumMod val="75000"/>
+                  </a:schemeClr>
+                </a:solidFill>
+              </a:rPr>
+              <a:t>Project Progress</a:t>
+            </a:r>
+          </a:p>
+          <a:p>
+            <a:pPr>
+              <a:buFont typeface="Wingdings" pitchFamily="2" charset="2"/>
+              <a:buChar char="v"/>
+            </a:pPr>
+            <a:r>
+              <a:rPr lang="en-US" dirty="0">
+                <a:solidFill>
+                  <a:schemeClr val="bg1">
+                    <a:lumMod val="75000"/>
+                  </a:schemeClr>
+                </a:solidFill>
+              </a:rPr>
+              <a:t>Development </a:t>
+            </a:r>
+            <a:r>
+              <a:rPr lang="en-US" dirty="0" smtClean="0">
+                <a:solidFill>
+                  <a:schemeClr val="bg1">
+                    <a:lumMod val="75000"/>
+                  </a:schemeClr>
+                </a:solidFill>
+              </a:rPr>
+              <a:t>Plan</a:t>
+            </a:r>
+            <a:endParaRPr lang="en-US" dirty="0" smtClean="0">
+              <a:solidFill>
+                <a:schemeClr val="bg1">
+                  <a:lumMod val="75000"/>
+                </a:schemeClr>
+              </a:solidFill>
+            </a:endParaRPr>
+          </a:p>
+          <a:p>
+            <a:pPr>
+              <a:buFont typeface="Wingdings" pitchFamily="2" charset="2"/>
+              <a:buChar char="v"/>
+            </a:pPr>
+            <a:r>
+              <a:rPr lang="en-US" dirty="0" smtClean="0">
+                <a:solidFill>
+                  <a:schemeClr val="bg1">
+                    <a:lumMod val="75000"/>
+                  </a:schemeClr>
+                </a:solidFill>
+              </a:rPr>
+              <a:t>Challenges &amp; Problems</a:t>
+            </a:r>
+            <a:endParaRPr lang="en-US" dirty="0" smtClean="0">
+              <a:solidFill>
+                <a:schemeClr val="bg1">
+                  <a:lumMod val="75000"/>
+                </a:schemeClr>
+              </a:solidFill>
+            </a:endParaRPr>
+          </a:p>
+          <a:p>
+            <a:pPr>
+              <a:buFont typeface="Wingdings" pitchFamily="2" charset="2"/>
+              <a:buChar char="v"/>
+            </a:pPr>
+            <a:r>
+              <a:rPr lang="en-US" dirty="0" smtClean="0">
+                <a:solidFill>
+                  <a:schemeClr val="bg1">
+                    <a:lumMod val="75000"/>
+                  </a:schemeClr>
+                </a:solidFill>
+              </a:rPr>
+              <a:t>Q &amp; A</a:t>
+            </a:r>
+            <a:endParaRPr lang="en-US" dirty="0" smtClean="0">
+              <a:solidFill>
+                <a:schemeClr val="bg1">
+                  <a:lumMod val="75000"/>
+                </a:schemeClr>
+              </a:solidFill>
+            </a:endParaRPr>
+          </a:p>
+        </p:txBody>
+      </p:sp>
+    </p:spTree>
+    <p:extLst>
+      <p:ext uri="{BB962C8B-B14F-4D97-AF65-F5344CB8AC3E}">
+        <p14:creationId xmlns:p14="http://schemas.microsoft.com/office/powerpoint/2010/main" val="1486421255"/>
+      </p:ext>
+    </p:extLst>
+  </p:cSld>
+  <p:clrMapOvr>
+    <a:masterClrMapping/>
+  </p:clrMapOvr>
+  <p:timing>
+    <p:tnLst>
+      <p:par>
+        <p:cTn id="1" dur="indefinite" restart="never" nodeType="tmRoot"/>
+      </p:par>
+    </p:tnLst>
+  </p:timing>
+</p:sld>
+</file>
+
+<file path=ppt/slides/slide21.xml><?xml version="1.0" encoding="utf-8"?>
 <p:sld xmlns:a="http://schemas.openxmlformats.org/drawingml/2006/main" xmlns:r="http://schemas.openxmlformats.org/officeDocument/2006/relationships" xmlns:p="http://schemas.openxmlformats.org/presentationml/2006/main">
   <p:cSld>
     <p:spTree>
@@ -17367,7 +18905,11 @@
           <a:p>
             <a:r>
               <a:rPr lang="en-US" dirty="0" smtClean="0"/>
-              <a:t>Demonstration of Prototype</a:t>
+              <a:t>Demo </a:t>
+            </a:r>
+            <a:r>
+              <a:rPr lang="en-US" dirty="0" smtClean="0"/>
+              <a:t>of Prototype</a:t>
             </a:r>
             <a:endParaRPr lang="en-US" dirty="0"/>
           </a:p>
@@ -17398,14 +18940,20 @@
       </p:sp>
       <p:pic>
         <p:nvPicPr>
-          <p:cNvPr id="8194" name="Picture 2"/>
+          <p:cNvPr id="2053" name="Picture 5" descr="C:\Users\Dio\AppData\Local\Microsoft\Windows\Temporary Internet Files\Content.IE5\TU5CEAC7\MC900318218[1].wmf"/>
           <p:cNvPicPr>
             <a:picLocks noChangeAspect="1" noChangeArrowheads="1"/>
           </p:cNvPicPr>
           <p:nvPr/>
         </p:nvPicPr>
         <p:blipFill>
-          <a:blip r:embed="rId2" cstate="print"/>
+          <a:blip r:embed="rId2" cstate="print">
+            <a:extLst>
+              <a:ext uri="{28A0092B-C50C-407E-A947-70E740481C1C}">
+                <a14:useLocalDpi xmlns:a14="http://schemas.microsoft.com/office/drawing/2010/main" val="0"/>
+              </a:ext>
+            </a:extLst>
+          </a:blip>
           <a:srcRect/>
           <a:stretch>
             <a:fillRect/>
@@ -17413,26 +18961,28 @@
         </p:blipFill>
         <p:spPr bwMode="auto">
           <a:xfrm>
-            <a:off x="838200" y="228600"/>
-            <a:ext cx="6791326" cy="3824118"/>
+            <a:off x="1219200" y="533399"/>
+            <a:ext cx="5410200" cy="3259385"/>
           </a:xfrm>
           <a:prstGeom prst="rect">
             <a:avLst/>
           </a:prstGeom>
           <a:noFill/>
-          <a:ln w="9525">
-            <a:noFill/>
-            <a:miter lim="800000"/>
-            <a:headEnd/>
-            <a:tailEnd/>
-          </a:ln>
-          <a:effectLst/>
+          <a:extLst>
+            <a:ext uri="{909E8E84-426E-40DD-AFC4-6F175D3DCCD1}">
+              <a14:hiddenFill xmlns:a14="http://schemas.microsoft.com/office/drawing/2010/main">
+                <a:solidFill>
+                  <a:srgbClr val="FFFFFF"/>
+                </a:solidFill>
+              </a14:hiddenFill>
+            </a:ext>
+          </a:extLst>
         </p:spPr>
       </p:pic>
     </p:spTree>
     <p:extLst>
       <p:ext uri="{BB962C8B-B14F-4D97-AF65-F5344CB8AC3E}">
-        <p14:creationId xmlns:p14="http://schemas.microsoft.com/office/powerpoint/2010/main" val="2779181314"/>
+        <p14:creationId xmlns:p14="http://schemas.microsoft.com/office/powerpoint/2010/main" val="1357882309"/>
       </p:ext>
     </p:extLst>
   </p:cSld>
@@ -17449,7 +18999,7 @@
 </p:sld>
 </file>
 
-<file path=ppt/slides/slide15.xml><?xml version="1.0" encoding="utf-8"?>
+<file path=ppt/slides/slide22.xml><?xml version="1.0" encoding="utf-8"?>
 <p:sld xmlns:a="http://schemas.openxmlformats.org/drawingml/2006/main" xmlns:r="http://schemas.openxmlformats.org/officeDocument/2006/relationships" xmlns:p="http://schemas.openxmlformats.org/presentationml/2006/main">
   <p:cSld>
     <p:spTree>
@@ -17510,8 +19060,33 @@
             </a:pPr>
             <a:r>
               <a:rPr lang="en-US" dirty="0" smtClean="0"/>
-              <a:t>Technical Prototype</a:t>
+              <a:t>Purpose of Technical Prototype:</a:t>
             </a:r>
+          </a:p>
+          <a:p>
+            <a:pPr lvl="1">
+              <a:buFont typeface="Wingdings" pitchFamily="2" charset="2"/>
+              <a:buChar char="v"/>
+            </a:pPr>
+            <a:r>
+              <a:rPr lang="en-US" dirty="0" smtClean="0"/>
+              <a:t>Confirm </a:t>
+            </a:r>
+            <a:r>
+              <a:rPr lang="en-US" dirty="0" smtClean="0"/>
+              <a:t>system components working</a:t>
+            </a:r>
+          </a:p>
+          <a:p>
+            <a:pPr lvl="1">
+              <a:buFont typeface="Wingdings" pitchFamily="2" charset="2"/>
+              <a:buChar char="v"/>
+            </a:pPr>
+            <a:r>
+              <a:rPr lang="en-US" dirty="0" smtClean="0"/>
+              <a:t>Confirm feasibility and reusability</a:t>
+            </a:r>
+            <a:endParaRPr lang="en-US" dirty="0" smtClean="0"/>
           </a:p>
           <a:p>
             <a:pPr>
@@ -17520,15 +19095,40 @@
             </a:pPr>
             <a:r>
               <a:rPr lang="en-US" dirty="0" smtClean="0"/>
-              <a:t>User Interface Prototype</a:t>
+              <a:t>User Interface </a:t>
             </a:r>
+            <a:r>
+              <a:rPr lang="en-US" dirty="0" smtClean="0"/>
+              <a:t>Prototype</a:t>
+            </a:r>
+          </a:p>
+          <a:p>
+            <a:pPr lvl="1">
+              <a:buFont typeface="Wingdings" pitchFamily="2" charset="2"/>
+              <a:buChar char="v"/>
+            </a:pPr>
+            <a:r>
+              <a:rPr lang="en-US" dirty="0" smtClean="0"/>
+              <a:t>Review usability</a:t>
+            </a:r>
+          </a:p>
+          <a:p>
+            <a:pPr lvl="1">
+              <a:buFont typeface="Wingdings" pitchFamily="2" charset="2"/>
+              <a:buChar char="v"/>
+            </a:pPr>
+            <a:r>
+              <a:rPr lang="en-US" dirty="0" smtClean="0"/>
+              <a:t>Confirm UI design with user</a:t>
+            </a:r>
+            <a:endParaRPr lang="en-US" dirty="0" smtClean="0"/>
           </a:p>
         </p:txBody>
       </p:sp>
     </p:spTree>
     <p:extLst>
       <p:ext uri="{BB962C8B-B14F-4D97-AF65-F5344CB8AC3E}">
-        <p14:creationId xmlns:p14="http://schemas.microsoft.com/office/powerpoint/2010/main" val="3227678710"/>
+        <p14:creationId xmlns:p14="http://schemas.microsoft.com/office/powerpoint/2010/main" val="1189294953"/>
       </p:ext>
     </p:extLst>
   </p:cSld>
@@ -17545,7 +19145,257 @@
 </p:sld>
 </file>
 
-<file path=ppt/slides/slide16.xml><?xml version="1.0" encoding="utf-8"?>
+<file path=ppt/slides/slide23.xml><?xml version="1.0" encoding="utf-8"?>
+<p:sld xmlns:a="http://schemas.openxmlformats.org/drawingml/2006/main" xmlns:r="http://schemas.openxmlformats.org/officeDocument/2006/relationships" xmlns:p="http://schemas.openxmlformats.org/presentationml/2006/main">
+  <p:cSld>
+    <p:spTree>
+      <p:nvGrpSpPr>
+        <p:cNvPr id="1" name=""/>
+        <p:cNvGrpSpPr/>
+        <p:nvPr/>
+      </p:nvGrpSpPr>
+      <p:grpSpPr>
+        <a:xfrm>
+          <a:off x="0" y="0"/>
+          <a:ext cx="0" cy="0"/>
+          <a:chOff x="0" y="0"/>
+          <a:chExt cx="0" cy="0"/>
+        </a:xfrm>
+      </p:grpSpPr>
+      <p:sp>
+        <p:nvSpPr>
+          <p:cNvPr id="22532" name="Rectangle 4"/>
+          <p:cNvSpPr>
+            <a:spLocks noGrp="1" noChangeArrowheads="1"/>
+          </p:cNvSpPr>
+          <p:nvPr>
+            <p:ph type="title"/>
+          </p:nvPr>
+        </p:nvSpPr>
+        <p:spPr/>
+        <p:txBody>
+          <a:bodyPr/>
+          <a:lstStyle/>
+          <a:p>
+            <a:r>
+              <a:rPr lang="en-US" dirty="0" smtClean="0"/>
+              <a:t>Agenda</a:t>
+            </a:r>
+            <a:endParaRPr lang="en-US" dirty="0"/>
+          </a:p>
+        </p:txBody>
+      </p:sp>
+      <p:sp>
+        <p:nvSpPr>
+          <p:cNvPr id="22533" name="Rectangle 5"/>
+          <p:cNvSpPr>
+            <a:spLocks noGrp="1" noChangeArrowheads="1"/>
+          </p:cNvSpPr>
+          <p:nvPr>
+            <p:ph type="body" idx="1"/>
+          </p:nvPr>
+        </p:nvSpPr>
+        <p:spPr>
+          <a:xfrm>
+            <a:off x="1143000" y="1524000"/>
+            <a:ext cx="7391400" cy="4648200"/>
+          </a:xfrm>
+        </p:spPr>
+        <p:txBody>
+          <a:bodyPr/>
+          <a:lstStyle/>
+          <a:p>
+            <a:pPr>
+              <a:buFont typeface="Wingdings" pitchFamily="2" charset="2"/>
+              <a:buChar char="v"/>
+            </a:pPr>
+            <a:r>
+              <a:rPr lang="en-US" dirty="0">
+                <a:solidFill>
+                  <a:schemeClr val="bg1">
+                    <a:lumMod val="75000"/>
+                  </a:schemeClr>
+                </a:solidFill>
+              </a:rPr>
+              <a:t>Project Revisit</a:t>
+            </a:r>
+          </a:p>
+          <a:p>
+            <a:pPr>
+              <a:buFont typeface="Wingdings" pitchFamily="2" charset="2"/>
+              <a:buChar char="v"/>
+            </a:pPr>
+            <a:r>
+              <a:rPr lang="en-US" dirty="0">
+                <a:solidFill>
+                  <a:schemeClr val="bg1">
+                    <a:lumMod val="75000"/>
+                  </a:schemeClr>
+                </a:solidFill>
+              </a:rPr>
+              <a:t>Use Case Modeling</a:t>
+            </a:r>
+          </a:p>
+          <a:p>
+            <a:pPr>
+              <a:buFont typeface="Wingdings" pitchFamily="2" charset="2"/>
+              <a:buChar char="v"/>
+            </a:pPr>
+            <a:r>
+              <a:rPr lang="en-US" dirty="0" smtClean="0">
+                <a:solidFill>
+                  <a:schemeClr val="bg1">
+                    <a:lumMod val="75000"/>
+                  </a:schemeClr>
+                </a:solidFill>
+              </a:rPr>
+              <a:t>Software Architecture</a:t>
+            </a:r>
+          </a:p>
+          <a:p>
+            <a:pPr>
+              <a:buFont typeface="Wingdings" pitchFamily="2" charset="2"/>
+              <a:buChar char="v"/>
+            </a:pPr>
+            <a:r>
+              <a:rPr lang="en-US" dirty="0" smtClean="0">
+                <a:solidFill>
+                  <a:schemeClr val="bg1">
+                    <a:lumMod val="75000"/>
+                  </a:schemeClr>
+                </a:solidFill>
+              </a:rPr>
+              <a:t>Demo of Prototype</a:t>
+            </a:r>
+          </a:p>
+          <a:p>
+            <a:pPr>
+              <a:buFont typeface="Wingdings" pitchFamily="2" charset="2"/>
+              <a:buChar char="v"/>
+            </a:pPr>
+            <a:r>
+              <a:rPr lang="en-US" b="1" dirty="0" smtClean="0"/>
+              <a:t>Transition Strategy</a:t>
+            </a:r>
+          </a:p>
+          <a:p>
+            <a:pPr>
+              <a:buFont typeface="Wingdings" pitchFamily="2" charset="2"/>
+              <a:buChar char="v"/>
+            </a:pPr>
+            <a:r>
+              <a:rPr lang="en-US" dirty="0" smtClean="0">
+                <a:solidFill>
+                  <a:schemeClr val="bg1">
+                    <a:lumMod val="75000"/>
+                  </a:schemeClr>
+                </a:solidFill>
+              </a:rPr>
+              <a:t>Project Progress</a:t>
+            </a:r>
+          </a:p>
+          <a:p>
+            <a:pPr>
+              <a:buFont typeface="Wingdings" pitchFamily="2" charset="2"/>
+              <a:buChar char="v"/>
+            </a:pPr>
+            <a:r>
+              <a:rPr lang="en-US" dirty="0">
+                <a:solidFill>
+                  <a:schemeClr val="bg1">
+                    <a:lumMod val="75000"/>
+                  </a:schemeClr>
+                </a:solidFill>
+              </a:rPr>
+              <a:t>Development </a:t>
+            </a:r>
+            <a:r>
+              <a:rPr lang="en-US" dirty="0" smtClean="0">
+                <a:solidFill>
+                  <a:schemeClr val="bg1">
+                    <a:lumMod val="75000"/>
+                  </a:schemeClr>
+                </a:solidFill>
+              </a:rPr>
+              <a:t>Plan</a:t>
+            </a:r>
+            <a:endParaRPr lang="en-US" dirty="0" smtClean="0">
+              <a:solidFill>
+                <a:schemeClr val="bg1">
+                  <a:lumMod val="75000"/>
+                </a:schemeClr>
+              </a:solidFill>
+            </a:endParaRPr>
+          </a:p>
+          <a:p>
+            <a:pPr>
+              <a:buFont typeface="Wingdings" pitchFamily="2" charset="2"/>
+              <a:buChar char="v"/>
+            </a:pPr>
+            <a:r>
+              <a:rPr lang="en-US" dirty="0" smtClean="0">
+                <a:solidFill>
+                  <a:schemeClr val="bg1">
+                    <a:lumMod val="75000"/>
+                  </a:schemeClr>
+                </a:solidFill>
+              </a:rPr>
+              <a:t>Challenges &amp; Problems</a:t>
+            </a:r>
+            <a:endParaRPr lang="en-US" dirty="0" smtClean="0">
+              <a:solidFill>
+                <a:schemeClr val="bg1">
+                  <a:lumMod val="75000"/>
+                </a:schemeClr>
+              </a:solidFill>
+            </a:endParaRPr>
+          </a:p>
+          <a:p>
+            <a:pPr>
+              <a:buFont typeface="Wingdings" pitchFamily="2" charset="2"/>
+              <a:buChar char="v"/>
+            </a:pPr>
+            <a:r>
+              <a:rPr lang="en-US" dirty="0" smtClean="0">
+                <a:solidFill>
+                  <a:schemeClr val="bg1">
+                    <a:lumMod val="75000"/>
+                  </a:schemeClr>
+                </a:solidFill>
+              </a:rPr>
+              <a:t>Q &amp; A</a:t>
+            </a:r>
+            <a:endParaRPr lang="en-US" dirty="0" smtClean="0">
+              <a:solidFill>
+                <a:schemeClr val="bg1">
+                  <a:lumMod val="75000"/>
+                </a:schemeClr>
+              </a:solidFill>
+            </a:endParaRPr>
+          </a:p>
+        </p:txBody>
+      </p:sp>
+    </p:spTree>
+    <p:extLst>
+      <p:ext uri="{BB962C8B-B14F-4D97-AF65-F5344CB8AC3E}">
+        <p14:creationId xmlns:p14="http://schemas.microsoft.com/office/powerpoint/2010/main" val="4091434407"/>
+      </p:ext>
+    </p:extLst>
+  </p:cSld>
+  <p:clrMapOvr>
+    <a:masterClrMapping/>
+  </p:clrMapOvr>
+  <p:timing>
+    <p:tnLst>
+      <p:par>
+        <p:cTn id="1" dur="indefinite" restart="never" nodeType="tmRoot"/>
+      </p:par>
+    </p:tnLst>
+  </p:timing>
+</p:sld>
+</file>
+
+<file path=ppt/slides/slide24.xml><?xml version="1.0" encoding="utf-8"?>
 <p:sld xmlns:a="http://schemas.openxmlformats.org/drawingml/2006/main" xmlns:r="http://schemas.openxmlformats.org/officeDocument/2006/relationships" xmlns:p="http://schemas.openxmlformats.org/presentationml/2006/main">
   <p:cSld>
     <p:spTree>
@@ -17656,7 +19506,7 @@
 </p:sld>
 </file>
 
-<file path=ppt/slides/slide17.xml><?xml version="1.0" encoding="utf-8"?>
+<file path=ppt/slides/slide25.xml><?xml version="1.0" encoding="utf-8"?>
 <p:sld xmlns:a="http://schemas.openxmlformats.org/drawingml/2006/main" xmlns:r="http://schemas.openxmlformats.org/officeDocument/2006/relationships" xmlns:p="http://schemas.openxmlformats.org/presentationml/2006/main">
   <p:cSld>
     <p:spTree>
@@ -17806,7 +19656,7 @@
 </p:sld>
 </file>
 
-<file path=ppt/slides/slide18.xml><?xml version="1.0" encoding="utf-8"?>
+<file path=ppt/slides/slide26.xml><?xml version="1.0" encoding="utf-8"?>
 <p:sld xmlns:a="http://schemas.openxmlformats.org/drawingml/2006/main" xmlns:r="http://schemas.openxmlformats.org/officeDocument/2006/relationships" xmlns:p="http://schemas.openxmlformats.org/presentationml/2006/main">
   <p:cSld>
     <p:spTree>
@@ -18565,7 +20415,7 @@
 </p:sld>
 </file>
 
-<file path=ppt/slides/slide19.xml><?xml version="1.0" encoding="utf-8"?>
+<file path=ppt/slides/slide27.xml><?xml version="1.0" encoding="utf-8"?>
 <p:sld xmlns:a="http://schemas.openxmlformats.org/drawingml/2006/main" xmlns:r="http://schemas.openxmlformats.org/officeDocument/2006/relationships" xmlns:p="http://schemas.openxmlformats.org/presentationml/2006/main">
   <p:cSld>
     <p:spTree>
@@ -18735,7 +20585,7 @@
 </p:sld>
 </file>
 
-<file path=ppt/slides/slide2.xml><?xml version="1.0" encoding="utf-8"?>
+<file path=ppt/slides/slide28.xml><?xml version="1.0" encoding="utf-8"?>
 <p:sld xmlns:a="http://schemas.openxmlformats.org/drawingml/2006/main" xmlns:r="http://schemas.openxmlformats.org/officeDocument/2006/relationships" xmlns:p="http://schemas.openxmlformats.org/presentationml/2006/main">
   <p:cSld>
     <p:spTree>
@@ -18800,14 +20650,15 @@
               <a:buChar char="v"/>
             </a:pPr>
             <a:r>
-              <a:rPr lang="en-US" dirty="0" smtClean="0"/>
-              <a:t>Projec</a:t>
+              <a:rPr lang="en-US" dirty="0">
+                <a:solidFill>
+                  <a:schemeClr val="bg1">
+                    <a:lumMod val="75000"/>
+                  </a:schemeClr>
+                </a:solidFill>
+              </a:rPr>
+              <a:t>Project Revisit</a:t>
             </a:r>
-            <a:r>
-              <a:rPr lang="en-US" dirty="0" smtClean="0"/>
-              <a:t>t revisit</a:t>
-            </a:r>
-            <a:endParaRPr lang="en-US" dirty="0" smtClean="0"/>
           </a:p>
           <a:p>
             <a:pPr>
@@ -18815,10 +20666,15 @@
               <a:buChar char="v"/>
             </a:pPr>
             <a:r>
-              <a:rPr lang="en-US" dirty="0" smtClean="0"/>
+              <a:rPr lang="en-US" dirty="0">
+                <a:solidFill>
+                  <a:schemeClr val="bg1">
+                    <a:lumMod val="75000"/>
+                  </a:schemeClr>
+                </a:solidFill>
+              </a:rPr>
               <a:t>Use Case Modeling</a:t>
             </a:r>
-            <a:endParaRPr lang="en-US" dirty="0"/>
           </a:p>
           <a:p>
             <a:pPr>
@@ -18826,7 +20682,13 @@
               <a:buChar char="v"/>
             </a:pPr>
             <a:r>
-              <a:rPr lang="en-US" dirty="0" smtClean="0"/>
+              <a:rPr lang="en-US" dirty="0" smtClean="0">
+                <a:solidFill>
+                  <a:schemeClr val="bg1">
+                    <a:lumMod val="75000"/>
+                  </a:schemeClr>
+                </a:solidFill>
+              </a:rPr>
               <a:t>Software Architecture</a:t>
             </a:r>
           </a:p>
@@ -18836,8 +20698,14 @@
               <a:buChar char="v"/>
             </a:pPr>
             <a:r>
-              <a:rPr lang="en-US" dirty="0" smtClean="0"/>
-              <a:t>Demonstration of Prototype</a:t>
+              <a:rPr lang="en-US" dirty="0" smtClean="0">
+                <a:solidFill>
+                  <a:schemeClr val="bg1">
+                    <a:lumMod val="75000"/>
+                  </a:schemeClr>
+                </a:solidFill>
+              </a:rPr>
+              <a:t>Demo of Prototype</a:t>
             </a:r>
           </a:p>
           <a:p>
@@ -18846,7 +20714,13 @@
               <a:buChar char="v"/>
             </a:pPr>
             <a:r>
-              <a:rPr lang="en-US" dirty="0" smtClean="0"/>
+              <a:rPr lang="en-US" dirty="0" smtClean="0">
+                <a:solidFill>
+                  <a:schemeClr val="bg1">
+                    <a:lumMod val="75000"/>
+                  </a:schemeClr>
+                </a:solidFill>
+              </a:rPr>
               <a:t>Transition Strategy</a:t>
             </a:r>
           </a:p>
@@ -18856,7 +20730,7 @@
               <a:buChar char="v"/>
             </a:pPr>
             <a:r>
-              <a:rPr lang="en-US" dirty="0" smtClean="0"/>
+              <a:rPr lang="en-US" b="1" dirty="0" smtClean="0"/>
               <a:t>Project Progress</a:t>
             </a:r>
           </a:p>
@@ -18866,9 +20740,26 @@
               <a:buChar char="v"/>
             </a:pPr>
             <a:r>
-              <a:rPr lang="en-US" dirty="0" smtClean="0"/>
-              <a:t>Management Problems</a:t>
+              <a:rPr lang="en-US" dirty="0">
+                <a:solidFill>
+                  <a:schemeClr val="bg1">
+                    <a:lumMod val="75000"/>
+                  </a:schemeClr>
+                </a:solidFill>
+              </a:rPr>
+              <a:t>Development </a:t>
             </a:r>
+            <a:r>
+              <a:rPr lang="en-US" dirty="0" smtClean="0">
+                <a:solidFill>
+                  <a:schemeClr val="bg1">
+                    <a:lumMod val="75000"/>
+                  </a:schemeClr>
+                </a:solidFill>
+              </a:rPr>
+              <a:t>Plan</a:t>
+            </a:r>
+            <a:endParaRPr lang="en-US" b="1" dirty="0" smtClean="0"/>
           </a:p>
           <a:p>
             <a:pPr>
@@ -18876,9 +20767,22 @@
               <a:buChar char="v"/>
             </a:pPr>
             <a:r>
-              <a:rPr lang="en-US" dirty="0" smtClean="0"/>
-              <a:t>Challenges</a:t>
+              <a:rPr lang="en-US" dirty="0" smtClean="0">
+                <a:solidFill>
+                  <a:schemeClr val="bg1">
+                    <a:lumMod val="75000"/>
+                  </a:schemeClr>
+                </a:solidFill>
+              </a:rPr>
+              <a:t>Challenges &amp; Problems</a:t>
             </a:r>
+            <a:endParaRPr lang="en-US" dirty="0" smtClean="0">
+              <a:solidFill>
+                <a:schemeClr val="bg1">
+                  <a:lumMod val="75000"/>
+                </a:schemeClr>
+              </a:solidFill>
+            </a:endParaRPr>
           </a:p>
           <a:p>
             <a:pPr>
@@ -18886,13 +20790,31 @@
               <a:buChar char="v"/>
             </a:pPr>
             <a:r>
-              <a:rPr lang="en-US" dirty="0" smtClean="0"/>
+              <a:rPr lang="en-US" dirty="0" smtClean="0">
+                <a:solidFill>
+                  <a:schemeClr val="bg1">
+                    <a:lumMod val="75000"/>
+                  </a:schemeClr>
+                </a:solidFill>
+              </a:rPr>
               <a:t>Q &amp; A</a:t>
             </a:r>
+            <a:endParaRPr lang="en-US" dirty="0" smtClean="0">
+              <a:solidFill>
+                <a:schemeClr val="bg1">
+                  <a:lumMod val="75000"/>
+                </a:schemeClr>
+              </a:solidFill>
+            </a:endParaRPr>
           </a:p>
         </p:txBody>
       </p:sp>
     </p:spTree>
+    <p:extLst>
+      <p:ext uri="{BB962C8B-B14F-4D97-AF65-F5344CB8AC3E}">
+        <p14:creationId xmlns:p14="http://schemas.microsoft.com/office/powerpoint/2010/main" val="4091434407"/>
+      </p:ext>
+    </p:extLst>
   </p:cSld>
   <p:clrMapOvr>
     <a:masterClrMapping/>
@@ -18907,7 +20829,7 @@
 </p:sld>
 </file>
 
-<file path=ppt/slides/slide20.xml><?xml version="1.0" encoding="utf-8"?>
+<file path=ppt/slides/slide29.xml><?xml version="1.0" encoding="utf-8"?>
 <p:sld xmlns:a="http://schemas.openxmlformats.org/drawingml/2006/main" xmlns:r="http://schemas.openxmlformats.org/officeDocument/2006/relationships" xmlns:p="http://schemas.openxmlformats.org/presentationml/2006/main">
   <p:cSld>
     <p:spTree>
@@ -19018,7 +20940,126 @@
 </p:sld>
 </file>
 
-<file path=ppt/slides/slide21.xml><?xml version="1.0" encoding="utf-8"?>
+<file path=ppt/slides/slide3.xml><?xml version="1.0" encoding="utf-8"?>
+<p:sld xmlns:a="http://schemas.openxmlformats.org/drawingml/2006/main" xmlns:r="http://schemas.openxmlformats.org/officeDocument/2006/relationships" xmlns:p="http://schemas.openxmlformats.org/presentationml/2006/main">
+  <p:cSld>
+    <p:spTree>
+      <p:nvGrpSpPr>
+        <p:cNvPr id="1" name=""/>
+        <p:cNvGrpSpPr/>
+        <p:nvPr/>
+      </p:nvGrpSpPr>
+      <p:grpSpPr>
+        <a:xfrm>
+          <a:off x="0" y="0"/>
+          <a:ext cx="0" cy="0"/>
+          <a:chOff x="0" y="0"/>
+          <a:chExt cx="0" cy="0"/>
+        </a:xfrm>
+      </p:grpSpPr>
+      <p:sp>
+        <p:nvSpPr>
+          <p:cNvPr id="4" name="Title 3"/>
+          <p:cNvSpPr>
+            <a:spLocks noGrp="1"/>
+          </p:cNvSpPr>
+          <p:nvPr>
+            <p:ph type="title"/>
+          </p:nvPr>
+        </p:nvSpPr>
+        <p:spPr/>
+        <p:txBody>
+          <a:bodyPr/>
+          <a:lstStyle/>
+          <a:p>
+            <a:r>
+              <a:rPr lang="en-US" dirty="0" smtClean="0"/>
+              <a:t>Project REVISIT</a:t>
+            </a:r>
+            <a:endParaRPr lang="en-US" dirty="0"/>
+          </a:p>
+        </p:txBody>
+      </p:sp>
+      <p:sp>
+        <p:nvSpPr>
+          <p:cNvPr id="5" name="Text Placeholder 4"/>
+          <p:cNvSpPr>
+            <a:spLocks noGrp="1"/>
+          </p:cNvSpPr>
+          <p:nvPr>
+            <p:ph type="body" idx="1"/>
+          </p:nvPr>
+        </p:nvSpPr>
+        <p:spPr/>
+        <p:txBody>
+          <a:bodyPr/>
+          <a:lstStyle/>
+          <a:p>
+            <a:r>
+              <a:rPr lang="en-US" dirty="0" smtClean="0"/>
+              <a:t>Volunteer Management System</a:t>
+            </a:r>
+            <a:endParaRPr lang="en-US" dirty="0"/>
+          </a:p>
+        </p:txBody>
+      </p:sp>
+      <p:pic>
+        <p:nvPicPr>
+          <p:cNvPr id="3074" name="Picture 2" descr="C:\Users\Dio\AppData\Local\Microsoft\Windows\Temporary Internet Files\Content.IE5\J694V2JJ\MC900383462[1].wmf"/>
+          <p:cNvPicPr>
+            <a:picLocks noChangeAspect="1" noChangeArrowheads="1"/>
+          </p:cNvPicPr>
+          <p:nvPr/>
+        </p:nvPicPr>
+        <p:blipFill>
+          <a:blip r:embed="rId2" cstate="print">
+            <a:extLst>
+              <a:ext uri="{28A0092B-C50C-407E-A947-70E740481C1C}">
+                <a14:useLocalDpi xmlns:a14="http://schemas.microsoft.com/office/drawing/2010/main" val="0"/>
+              </a:ext>
+            </a:extLst>
+          </a:blip>
+          <a:srcRect/>
+          <a:stretch>
+            <a:fillRect/>
+          </a:stretch>
+        </p:blipFill>
+        <p:spPr bwMode="auto">
+          <a:xfrm>
+            <a:off x="685800" y="762000"/>
+            <a:ext cx="3429000" cy="3036094"/>
+          </a:xfrm>
+          <a:prstGeom prst="rect">
+            <a:avLst/>
+          </a:prstGeom>
+          <a:noFill/>
+          <a:extLst>
+            <a:ext uri="{909E8E84-426E-40DD-AFC4-6F175D3DCCD1}">
+              <a14:hiddenFill xmlns:a14="http://schemas.microsoft.com/office/drawing/2010/main">
+                <a:solidFill>
+                  <a:srgbClr val="FFFFFF"/>
+                </a:solidFill>
+              </a14:hiddenFill>
+            </a:ext>
+          </a:extLst>
+        </p:spPr>
+      </p:pic>
+    </p:spTree>
+  </p:cSld>
+  <p:clrMapOvr>
+    <a:masterClrMapping/>
+  </p:clrMapOvr>
+  <p:timing>
+    <p:tnLst>
+      <p:par>
+        <p:cTn id="1" dur="indefinite" restart="never" nodeType="tmRoot"/>
+      </p:par>
+    </p:tnLst>
+  </p:timing>
+</p:sld>
+</file>
+
+<file path=ppt/slides/slide30.xml><?xml version="1.0" encoding="utf-8"?>
 <p:sld xmlns:a="http://schemas.openxmlformats.org/drawingml/2006/main" xmlns:r="http://schemas.openxmlformats.org/officeDocument/2006/relationships" xmlns:p="http://schemas.openxmlformats.org/presentationml/2006/main">
   <p:cSld>
     <p:spTree>
@@ -21590,7 +23631,238 @@
 </p:sld>
 </file>
 
-<file path=ppt/slides/slide22.xml><?xml version="1.0" encoding="utf-8"?>
+<file path=ppt/slides/slide31.xml><?xml version="1.0" encoding="utf-8"?>
+<p:sld xmlns:a="http://schemas.openxmlformats.org/drawingml/2006/main" xmlns:r="http://schemas.openxmlformats.org/officeDocument/2006/relationships" xmlns:p="http://schemas.openxmlformats.org/presentationml/2006/main">
+  <p:cSld>
+    <p:spTree>
+      <p:nvGrpSpPr>
+        <p:cNvPr id="1" name=""/>
+        <p:cNvGrpSpPr/>
+        <p:nvPr/>
+      </p:nvGrpSpPr>
+      <p:grpSpPr>
+        <a:xfrm>
+          <a:off x="0" y="0"/>
+          <a:ext cx="0" cy="0"/>
+          <a:chOff x="0" y="0"/>
+          <a:chExt cx="0" cy="0"/>
+        </a:xfrm>
+      </p:grpSpPr>
+      <p:sp>
+        <p:nvSpPr>
+          <p:cNvPr id="22532" name="Rectangle 4"/>
+          <p:cNvSpPr>
+            <a:spLocks noGrp="1" noChangeArrowheads="1"/>
+          </p:cNvSpPr>
+          <p:nvPr>
+            <p:ph type="title"/>
+          </p:nvPr>
+        </p:nvSpPr>
+        <p:spPr/>
+        <p:txBody>
+          <a:bodyPr/>
+          <a:lstStyle/>
+          <a:p>
+            <a:r>
+              <a:rPr lang="en-US" dirty="0" smtClean="0"/>
+              <a:t>Agenda</a:t>
+            </a:r>
+            <a:endParaRPr lang="en-US" dirty="0"/>
+          </a:p>
+        </p:txBody>
+      </p:sp>
+      <p:sp>
+        <p:nvSpPr>
+          <p:cNvPr id="22533" name="Rectangle 5"/>
+          <p:cNvSpPr>
+            <a:spLocks noGrp="1" noChangeArrowheads="1"/>
+          </p:cNvSpPr>
+          <p:nvPr>
+            <p:ph type="body" idx="1"/>
+          </p:nvPr>
+        </p:nvSpPr>
+        <p:spPr>
+          <a:xfrm>
+            <a:off x="1143000" y="1524000"/>
+            <a:ext cx="7391400" cy="4648200"/>
+          </a:xfrm>
+        </p:spPr>
+        <p:txBody>
+          <a:bodyPr/>
+          <a:lstStyle/>
+          <a:p>
+            <a:pPr>
+              <a:buFont typeface="Wingdings" pitchFamily="2" charset="2"/>
+              <a:buChar char="v"/>
+            </a:pPr>
+            <a:r>
+              <a:rPr lang="en-US" dirty="0">
+                <a:solidFill>
+                  <a:schemeClr val="bg1">
+                    <a:lumMod val="75000"/>
+                  </a:schemeClr>
+                </a:solidFill>
+              </a:rPr>
+              <a:t>Project Revisit</a:t>
+            </a:r>
+          </a:p>
+          <a:p>
+            <a:pPr>
+              <a:buFont typeface="Wingdings" pitchFamily="2" charset="2"/>
+              <a:buChar char="v"/>
+            </a:pPr>
+            <a:r>
+              <a:rPr lang="en-US" dirty="0">
+                <a:solidFill>
+                  <a:schemeClr val="bg1">
+                    <a:lumMod val="75000"/>
+                  </a:schemeClr>
+                </a:solidFill>
+              </a:rPr>
+              <a:t>Use Case Modeling</a:t>
+            </a:r>
+          </a:p>
+          <a:p>
+            <a:pPr>
+              <a:buFont typeface="Wingdings" pitchFamily="2" charset="2"/>
+              <a:buChar char="v"/>
+            </a:pPr>
+            <a:r>
+              <a:rPr lang="en-US" dirty="0" smtClean="0">
+                <a:solidFill>
+                  <a:schemeClr val="bg1">
+                    <a:lumMod val="75000"/>
+                  </a:schemeClr>
+                </a:solidFill>
+              </a:rPr>
+              <a:t>Software Architecture</a:t>
+            </a:r>
+          </a:p>
+          <a:p>
+            <a:pPr>
+              <a:buFont typeface="Wingdings" pitchFamily="2" charset="2"/>
+              <a:buChar char="v"/>
+            </a:pPr>
+            <a:r>
+              <a:rPr lang="en-US" dirty="0" smtClean="0">
+                <a:solidFill>
+                  <a:schemeClr val="bg1">
+                    <a:lumMod val="75000"/>
+                  </a:schemeClr>
+                </a:solidFill>
+              </a:rPr>
+              <a:t>Demo of Prototype</a:t>
+            </a:r>
+          </a:p>
+          <a:p>
+            <a:pPr>
+              <a:buFont typeface="Wingdings" pitchFamily="2" charset="2"/>
+              <a:buChar char="v"/>
+            </a:pPr>
+            <a:r>
+              <a:rPr lang="en-US" dirty="0" smtClean="0">
+                <a:solidFill>
+                  <a:schemeClr val="bg1">
+                    <a:lumMod val="75000"/>
+                  </a:schemeClr>
+                </a:solidFill>
+              </a:rPr>
+              <a:t>Transition Strategy</a:t>
+            </a:r>
+          </a:p>
+          <a:p>
+            <a:pPr>
+              <a:buFont typeface="Wingdings" pitchFamily="2" charset="2"/>
+              <a:buChar char="v"/>
+            </a:pPr>
+            <a:r>
+              <a:rPr lang="en-US" dirty="0" smtClean="0">
+                <a:solidFill>
+                  <a:schemeClr val="bg1">
+                    <a:lumMod val="75000"/>
+                  </a:schemeClr>
+                </a:solidFill>
+              </a:rPr>
+              <a:t>Project Progress</a:t>
+            </a:r>
+          </a:p>
+          <a:p>
+            <a:pPr>
+              <a:buFont typeface="Wingdings" pitchFamily="2" charset="2"/>
+              <a:buChar char="v"/>
+            </a:pPr>
+            <a:r>
+              <a:rPr lang="en-US" b="1" dirty="0"/>
+              <a:t>Development </a:t>
+            </a:r>
+            <a:r>
+              <a:rPr lang="en-US" b="1" dirty="0" smtClean="0"/>
+              <a:t>Plan</a:t>
+            </a:r>
+            <a:endParaRPr lang="en-US" b="1" dirty="0" smtClean="0"/>
+          </a:p>
+          <a:p>
+            <a:pPr>
+              <a:buFont typeface="Wingdings" pitchFamily="2" charset="2"/>
+              <a:buChar char="v"/>
+            </a:pPr>
+            <a:r>
+              <a:rPr lang="en-US" dirty="0">
+                <a:solidFill>
+                  <a:schemeClr val="bg1">
+                    <a:lumMod val="75000"/>
+                  </a:schemeClr>
+                </a:solidFill>
+              </a:rPr>
+              <a:t>Challenges &amp; Problems</a:t>
+            </a:r>
+          </a:p>
+          <a:p>
+            <a:pPr>
+              <a:buFont typeface="Wingdings" pitchFamily="2" charset="2"/>
+              <a:buChar char="v"/>
+            </a:pPr>
+            <a:r>
+              <a:rPr lang="en-US" dirty="0" smtClean="0">
+                <a:solidFill>
+                  <a:schemeClr val="bg1">
+                    <a:lumMod val="75000"/>
+                  </a:schemeClr>
+                </a:solidFill>
+              </a:rPr>
+              <a:t>Q &amp; A</a:t>
+            </a:r>
+            <a:endParaRPr lang="en-US" dirty="0" smtClean="0">
+              <a:solidFill>
+                <a:schemeClr val="bg1">
+                  <a:lumMod val="75000"/>
+                </a:schemeClr>
+              </a:solidFill>
+            </a:endParaRPr>
+          </a:p>
+        </p:txBody>
+      </p:sp>
+    </p:spTree>
+    <p:extLst>
+      <p:ext uri="{BB962C8B-B14F-4D97-AF65-F5344CB8AC3E}">
+        <p14:creationId xmlns:p14="http://schemas.microsoft.com/office/powerpoint/2010/main" val="4091434407"/>
+      </p:ext>
+    </p:extLst>
+  </p:cSld>
+  <p:clrMapOvr>
+    <a:masterClrMapping/>
+  </p:clrMapOvr>
+  <p:timing>
+    <p:tnLst>
+      <p:par>
+        <p:cTn id="1" dur="indefinite" restart="never" nodeType="tmRoot"/>
+      </p:par>
+    </p:tnLst>
+  </p:timing>
+</p:sld>
+</file>
+
+<file path=ppt/slides/slide32.xml><?xml version="1.0" encoding="utf-8"?>
 <p:sld xmlns:a="http://schemas.openxmlformats.org/drawingml/2006/main" xmlns:r="http://schemas.openxmlformats.org/officeDocument/2006/relationships" xmlns:p="http://schemas.openxmlformats.org/presentationml/2006/main">
   <p:cSld>
     <p:spTree>
@@ -21624,7 +23896,2944 @@
           <a:p>
             <a:r>
               <a:rPr lang="en-US" dirty="0" smtClean="0"/>
-              <a:t>Management Problems</a:t>
+              <a:t>DEVELOPMENT PLAN</a:t>
+            </a:r>
+            <a:endParaRPr lang="en-US" dirty="0"/>
+          </a:p>
+        </p:txBody>
+      </p:sp>
+      <p:sp>
+        <p:nvSpPr>
+          <p:cNvPr id="5" name="Text Placeholder 4"/>
+          <p:cNvSpPr>
+            <a:spLocks noGrp="1"/>
+          </p:cNvSpPr>
+          <p:nvPr>
+            <p:ph type="body" idx="1"/>
+          </p:nvPr>
+        </p:nvSpPr>
+        <p:spPr/>
+        <p:txBody>
+          <a:bodyPr/>
+          <a:lstStyle/>
+          <a:p>
+            <a:r>
+              <a:rPr lang="en-US" dirty="0" smtClean="0"/>
+              <a:t>Volunteer Management System</a:t>
+            </a:r>
+            <a:endParaRPr lang="en-US" dirty="0"/>
+          </a:p>
+        </p:txBody>
+      </p:sp>
+      <p:pic>
+        <p:nvPicPr>
+          <p:cNvPr id="1026" name="Picture 2"/>
+          <p:cNvPicPr>
+            <a:picLocks noChangeAspect="1" noChangeArrowheads="1"/>
+          </p:cNvPicPr>
+          <p:nvPr/>
+        </p:nvPicPr>
+        <p:blipFill>
+          <a:blip r:embed="rId2" cstate="print"/>
+          <a:srcRect/>
+          <a:stretch>
+            <a:fillRect/>
+          </a:stretch>
+        </p:blipFill>
+        <p:spPr bwMode="auto">
+          <a:xfrm>
+            <a:off x="533400" y="152400"/>
+            <a:ext cx="6759830" cy="3804782"/>
+          </a:xfrm>
+          <a:prstGeom prst="rect">
+            <a:avLst/>
+          </a:prstGeom>
+          <a:noFill/>
+          <a:ln w="9525">
+            <a:noFill/>
+            <a:miter lim="800000"/>
+            <a:headEnd/>
+            <a:tailEnd/>
+          </a:ln>
+          <a:effectLst/>
+        </p:spPr>
+      </p:pic>
+    </p:spTree>
+    <p:extLst>
+      <p:ext uri="{BB962C8B-B14F-4D97-AF65-F5344CB8AC3E}">
+        <p14:creationId xmlns:p14="http://schemas.microsoft.com/office/powerpoint/2010/main" val="3468599022"/>
+      </p:ext>
+    </p:extLst>
+  </p:cSld>
+  <p:clrMapOvr>
+    <a:masterClrMapping/>
+  </p:clrMapOvr>
+  <p:timing>
+    <p:tnLst>
+      <p:par>
+        <p:cTn id="1" dur="indefinite" restart="never" nodeType="tmRoot"/>
+      </p:par>
+    </p:tnLst>
+  </p:timing>
+</p:sld>
+</file>
+
+<file path=ppt/slides/slide33.xml><?xml version="1.0" encoding="utf-8"?>
+<p:sld xmlns:a="http://schemas.openxmlformats.org/drawingml/2006/main" xmlns:r="http://schemas.openxmlformats.org/officeDocument/2006/relationships" xmlns:p="http://schemas.openxmlformats.org/presentationml/2006/main">
+  <p:cSld>
+    <p:spTree>
+      <p:nvGrpSpPr>
+        <p:cNvPr id="1" name=""/>
+        <p:cNvGrpSpPr/>
+        <p:nvPr/>
+      </p:nvGrpSpPr>
+      <p:grpSpPr>
+        <a:xfrm>
+          <a:off x="0" y="0"/>
+          <a:ext cx="0" cy="0"/>
+          <a:chOff x="0" y="0"/>
+          <a:chExt cx="0" cy="0"/>
+        </a:xfrm>
+      </p:grpSpPr>
+      <p:sp>
+        <p:nvSpPr>
+          <p:cNvPr id="12292" name="Rectangle 4"/>
+          <p:cNvSpPr>
+            <a:spLocks noGrp="1" noChangeArrowheads="1"/>
+          </p:cNvSpPr>
+          <p:nvPr>
+            <p:ph type="title"/>
+          </p:nvPr>
+        </p:nvSpPr>
+        <p:spPr/>
+        <p:txBody>
+          <a:bodyPr/>
+          <a:lstStyle/>
+          <a:p>
+            <a:r>
+              <a:rPr lang="en-US" dirty="0" smtClean="0"/>
+              <a:t>Development plan</a:t>
+            </a:r>
+            <a:endParaRPr lang="en-US" dirty="0"/>
+          </a:p>
+        </p:txBody>
+      </p:sp>
+      <p:graphicFrame>
+        <p:nvGraphicFramePr>
+          <p:cNvPr id="7" name="Content Placeholder 4"/>
+          <p:cNvGraphicFramePr>
+            <a:graphicFrameLocks noGrp="1"/>
+          </p:cNvGraphicFramePr>
+          <p:nvPr>
+            <p:ph idx="1"/>
+          </p:nvPr>
+        </p:nvGraphicFramePr>
+        <p:xfrm>
+          <a:off x="381000" y="1524000"/>
+          <a:ext cx="8534400" cy="5179867"/>
+        </p:xfrm>
+        <a:graphic>
+          <a:graphicData uri="http://schemas.openxmlformats.org/drawingml/2006/table">
+            <a:tbl>
+              <a:tblPr firstRow="1" bandRow="1">
+                <a:tableStyleId>{5C22544A-7EE6-4342-B048-85BDC9FD1C3A}</a:tableStyleId>
+              </a:tblPr>
+              <a:tblGrid>
+                <a:gridCol w="381000"/>
+                <a:gridCol w="1375694"/>
+                <a:gridCol w="986506"/>
+                <a:gridCol w="914400"/>
+                <a:gridCol w="914400"/>
+                <a:gridCol w="914400"/>
+                <a:gridCol w="762000"/>
+                <a:gridCol w="685800"/>
+                <a:gridCol w="685800"/>
+                <a:gridCol w="914400"/>
+              </a:tblGrid>
+              <a:tr h="429451">
+                <a:tc>
+                  <a:txBody>
+                    <a:bodyPr/>
+                    <a:lstStyle/>
+                    <a:p>
+                      <a:r>
+                        <a:rPr lang="en-US" sz="1100" dirty="0" smtClean="0"/>
+                        <a:t>No</a:t>
+                      </a:r>
+                      <a:endParaRPr lang="en-US" sz="1100" dirty="0"/>
+                    </a:p>
+                  </a:txBody>
+                  <a:tcPr/>
+                </a:tc>
+                <a:tc>
+                  <a:txBody>
+                    <a:bodyPr/>
+                    <a:lstStyle/>
+                    <a:p>
+                      <a:r>
+                        <a:rPr lang="en-US" sz="1100" dirty="0" smtClean="0"/>
+                        <a:t>Activity</a:t>
+                      </a:r>
+                      <a:endParaRPr lang="en-US" sz="1100" dirty="0"/>
+                    </a:p>
+                  </a:txBody>
+                  <a:tcPr/>
+                </a:tc>
+                <a:tc>
+                  <a:txBody>
+                    <a:bodyPr/>
+                    <a:lstStyle/>
+                    <a:p>
+                      <a:r>
+                        <a:rPr lang="en-US" sz="1100" dirty="0" smtClean="0"/>
+                        <a:t>Planned Start Date</a:t>
+                      </a:r>
+                      <a:endParaRPr lang="en-US" sz="1100" dirty="0"/>
+                    </a:p>
+                  </a:txBody>
+                  <a:tcPr/>
+                </a:tc>
+                <a:tc>
+                  <a:txBody>
+                    <a:bodyPr/>
+                    <a:lstStyle/>
+                    <a:p>
+                      <a:r>
+                        <a:rPr lang="en-US" sz="1100" dirty="0" smtClean="0"/>
+                        <a:t>Planned End Date</a:t>
+                      </a:r>
+                      <a:endParaRPr lang="en-US" sz="1100" dirty="0"/>
+                    </a:p>
+                  </a:txBody>
+                  <a:tcPr/>
+                </a:tc>
+                <a:tc>
+                  <a:txBody>
+                    <a:bodyPr/>
+                    <a:lstStyle/>
+                    <a:p>
+                      <a:r>
+                        <a:rPr lang="en-US" sz="1100" dirty="0" smtClean="0"/>
+                        <a:t>Actual Start Date</a:t>
+                      </a:r>
+                      <a:endParaRPr lang="en-US" sz="1100" dirty="0"/>
+                    </a:p>
+                  </a:txBody>
+                  <a:tcPr/>
+                </a:tc>
+                <a:tc>
+                  <a:txBody>
+                    <a:bodyPr/>
+                    <a:lstStyle/>
+                    <a:p>
+                      <a:r>
+                        <a:rPr lang="en-US" sz="1100" dirty="0" smtClean="0"/>
+                        <a:t>Actual End Date</a:t>
+                      </a:r>
+                      <a:endParaRPr lang="en-US" sz="1100" dirty="0"/>
+                    </a:p>
+                  </a:txBody>
+                  <a:tcPr/>
+                </a:tc>
+                <a:tc>
+                  <a:txBody>
+                    <a:bodyPr/>
+                    <a:lstStyle/>
+                    <a:p>
+                      <a:r>
+                        <a:rPr lang="en-US" sz="1100" dirty="0" smtClean="0"/>
+                        <a:t>Planned Effort</a:t>
+                      </a:r>
+                      <a:endParaRPr lang="en-US" sz="1100" dirty="0"/>
+                    </a:p>
+                  </a:txBody>
+                  <a:tcPr/>
+                </a:tc>
+                <a:tc>
+                  <a:txBody>
+                    <a:bodyPr/>
+                    <a:lstStyle/>
+                    <a:p>
+                      <a:r>
+                        <a:rPr lang="en-US" sz="1100" dirty="0" smtClean="0"/>
+                        <a:t>Actual Effort</a:t>
+                      </a:r>
+                      <a:endParaRPr lang="en-US" sz="1100" dirty="0"/>
+                    </a:p>
+                  </a:txBody>
+                  <a:tcPr/>
+                </a:tc>
+                <a:tc>
+                  <a:txBody>
+                    <a:bodyPr/>
+                    <a:lstStyle/>
+                    <a:p>
+                      <a:r>
+                        <a:rPr lang="en-US" sz="1100" dirty="0" smtClean="0"/>
+                        <a:t>Task Status</a:t>
+                      </a:r>
+                      <a:endParaRPr lang="en-US" sz="1100" dirty="0"/>
+                    </a:p>
+                  </a:txBody>
+                  <a:tcPr/>
+                </a:tc>
+                <a:tc>
+                  <a:txBody>
+                    <a:bodyPr/>
+                    <a:lstStyle/>
+                    <a:p>
+                      <a:r>
+                        <a:rPr lang="en-US" sz="1100" dirty="0" smtClean="0"/>
+                        <a:t>Comments</a:t>
+                      </a:r>
+                      <a:endParaRPr lang="en-US" sz="1100" dirty="0"/>
+                    </a:p>
+                  </a:txBody>
+                  <a:tcPr/>
+                </a:tc>
+              </a:tr>
+              <a:tr h="348332">
+                <a:tc>
+                  <a:txBody>
+                    <a:bodyPr/>
+                    <a:lstStyle/>
+                    <a:p>
+                      <a:r>
+                        <a:rPr lang="en-US" sz="1000" b="1" dirty="0" smtClean="0"/>
+                        <a:t>1</a:t>
+                      </a:r>
+                      <a:endParaRPr lang="en-US" sz="1000" b="1" dirty="0"/>
+                    </a:p>
+                  </a:txBody>
+                  <a:tcPr/>
+                </a:tc>
+                <a:tc>
+                  <a:txBody>
+                    <a:bodyPr/>
+                    <a:lstStyle/>
+                    <a:p>
+                      <a:r>
+                        <a:rPr lang="en-US" sz="1000" b="1" dirty="0" smtClean="0"/>
+                        <a:t>Project</a:t>
+                      </a:r>
+                      <a:r>
+                        <a:rPr lang="en-US" sz="1000" b="1" baseline="0" dirty="0" smtClean="0"/>
+                        <a:t> Planning</a:t>
+                      </a:r>
+                      <a:endParaRPr lang="en-US" sz="1000" b="1" dirty="0"/>
+                    </a:p>
+                  </a:txBody>
+                  <a:tcPr/>
+                </a:tc>
+                <a:tc>
+                  <a:txBody>
+                    <a:bodyPr/>
+                    <a:lstStyle/>
+                    <a:p>
+                      <a:pPr marL="54610" marR="0">
+                        <a:lnSpc>
+                          <a:spcPts val="1200"/>
+                        </a:lnSpc>
+                        <a:spcBef>
+                          <a:spcPts val="600"/>
+                        </a:spcBef>
+                        <a:spcAft>
+                          <a:spcPts val="0"/>
+                        </a:spcAft>
+                      </a:pPr>
+                      <a:endParaRPr lang="en-US" sz="1000" b="1" kern="1200" dirty="0" smtClean="0">
+                        <a:solidFill>
+                          <a:schemeClr val="dk1"/>
+                        </a:solidFill>
+                        <a:latin typeface="+mn-lt"/>
+                        <a:ea typeface="+mn-ea"/>
+                        <a:cs typeface="+mn-cs"/>
+                      </a:endParaRPr>
+                    </a:p>
+                  </a:txBody>
+                  <a:tcPr marL="68580" marR="68580" marT="0" marB="0"/>
+                </a:tc>
+                <a:tc>
+                  <a:txBody>
+                    <a:bodyPr/>
+                    <a:lstStyle/>
+                    <a:p>
+                      <a:pPr marL="7620" marR="0">
+                        <a:lnSpc>
+                          <a:spcPts val="1200"/>
+                        </a:lnSpc>
+                        <a:spcBef>
+                          <a:spcPts val="600"/>
+                        </a:spcBef>
+                        <a:spcAft>
+                          <a:spcPts val="0"/>
+                        </a:spcAft>
+                      </a:pPr>
+                      <a:endParaRPr lang="en-US" sz="1000" b="1" kern="1200" dirty="0" smtClean="0">
+                        <a:solidFill>
+                          <a:schemeClr val="dk1"/>
+                        </a:solidFill>
+                        <a:latin typeface="+mn-lt"/>
+                        <a:ea typeface="+mn-ea"/>
+                        <a:cs typeface="+mn-cs"/>
+                      </a:endParaRPr>
+                    </a:p>
+                  </a:txBody>
+                  <a:tcPr marL="68580" marR="68580" marT="0" marB="0"/>
+                </a:tc>
+                <a:tc>
+                  <a:txBody>
+                    <a:bodyPr/>
+                    <a:lstStyle/>
+                    <a:p>
+                      <a:pPr marL="7620" marR="0">
+                        <a:lnSpc>
+                          <a:spcPts val="1200"/>
+                        </a:lnSpc>
+                        <a:spcBef>
+                          <a:spcPts val="600"/>
+                        </a:spcBef>
+                        <a:spcAft>
+                          <a:spcPts val="0"/>
+                        </a:spcAft>
+                      </a:pPr>
+                      <a:endParaRPr lang="en-US" sz="1000" b="1" kern="1200" dirty="0" smtClean="0">
+                        <a:solidFill>
+                          <a:schemeClr val="dk1"/>
+                        </a:solidFill>
+                        <a:latin typeface="+mn-lt"/>
+                        <a:ea typeface="+mn-ea"/>
+                        <a:cs typeface="+mn-cs"/>
+                      </a:endParaRPr>
+                    </a:p>
+                  </a:txBody>
+                  <a:tcPr marL="68580" marR="68580" marT="0" marB="0"/>
+                </a:tc>
+                <a:tc>
+                  <a:txBody>
+                    <a:bodyPr/>
+                    <a:lstStyle/>
+                    <a:p>
+                      <a:endParaRPr lang="en-US" sz="1000" b="1" kern="1200" dirty="0" smtClean="0">
+                        <a:solidFill>
+                          <a:schemeClr val="dk1"/>
+                        </a:solidFill>
+                        <a:latin typeface="+mn-lt"/>
+                        <a:ea typeface="+mn-ea"/>
+                        <a:cs typeface="+mn-cs"/>
+                      </a:endParaRPr>
+                    </a:p>
+                  </a:txBody>
+                  <a:tcPr/>
+                </a:tc>
+                <a:tc>
+                  <a:txBody>
+                    <a:bodyPr/>
+                    <a:lstStyle/>
+                    <a:p>
+                      <a:endParaRPr lang="en-US" sz="1000" b="1" kern="1200" dirty="0" smtClean="0">
+                        <a:solidFill>
+                          <a:schemeClr val="dk1"/>
+                        </a:solidFill>
+                        <a:latin typeface="+mn-lt"/>
+                        <a:ea typeface="+mn-ea"/>
+                        <a:cs typeface="+mn-cs"/>
+                      </a:endParaRPr>
+                    </a:p>
+                  </a:txBody>
+                  <a:tcPr/>
+                </a:tc>
+                <a:tc>
+                  <a:txBody>
+                    <a:bodyPr/>
+                    <a:lstStyle/>
+                    <a:p>
+                      <a:endParaRPr lang="en-US" sz="1000" b="1" kern="1200" dirty="0" smtClean="0">
+                        <a:solidFill>
+                          <a:schemeClr val="dk1"/>
+                        </a:solidFill>
+                        <a:latin typeface="+mn-lt"/>
+                        <a:ea typeface="+mn-ea"/>
+                        <a:cs typeface="+mn-cs"/>
+                      </a:endParaRPr>
+                    </a:p>
+                  </a:txBody>
+                  <a:tcPr/>
+                </a:tc>
+                <a:tc>
+                  <a:txBody>
+                    <a:bodyPr/>
+                    <a:lstStyle/>
+                    <a:p>
+                      <a:endParaRPr lang="en-US" sz="1000" b="1" kern="1200" dirty="0" smtClean="0">
+                        <a:solidFill>
+                          <a:schemeClr val="dk1"/>
+                        </a:solidFill>
+                        <a:latin typeface="+mn-lt"/>
+                        <a:ea typeface="+mn-ea"/>
+                        <a:cs typeface="+mn-cs"/>
+                      </a:endParaRPr>
+                    </a:p>
+                  </a:txBody>
+                  <a:tcPr/>
+                </a:tc>
+                <a:tc>
+                  <a:txBody>
+                    <a:bodyPr/>
+                    <a:lstStyle/>
+                    <a:p>
+                      <a:endParaRPr lang="en-US" sz="1000" b="1" kern="1200" dirty="0" smtClean="0">
+                        <a:solidFill>
+                          <a:schemeClr val="dk1"/>
+                        </a:solidFill>
+                        <a:latin typeface="+mn-lt"/>
+                        <a:ea typeface="+mn-ea"/>
+                        <a:cs typeface="+mn-cs"/>
+                      </a:endParaRPr>
+                    </a:p>
+                  </a:txBody>
+                  <a:tcPr/>
+                </a:tc>
+              </a:tr>
+              <a:tr h="348332">
+                <a:tc>
+                  <a:txBody>
+                    <a:bodyPr/>
+                    <a:lstStyle/>
+                    <a:p>
+                      <a:r>
+                        <a:rPr lang="en-US" sz="1000" dirty="0" smtClean="0"/>
+                        <a:t>1.1</a:t>
+                      </a:r>
+                      <a:endParaRPr lang="en-US" sz="1000" dirty="0"/>
+                    </a:p>
+                  </a:txBody>
+                  <a:tcPr/>
+                </a:tc>
+                <a:tc>
+                  <a:txBody>
+                    <a:bodyPr/>
+                    <a:lstStyle/>
+                    <a:p>
+                      <a:pPr marL="7620" marR="0" indent="0" algn="l" defTabSz="914400" rtl="0" eaLnBrk="1" fontAlgn="auto" latinLnBrk="0" hangingPunct="1">
+                        <a:lnSpc>
+                          <a:spcPts val="1200"/>
+                        </a:lnSpc>
+                        <a:spcBef>
+                          <a:spcPts val="600"/>
+                        </a:spcBef>
+                        <a:spcAft>
+                          <a:spcPts val="0"/>
+                        </a:spcAft>
+                        <a:buClrTx/>
+                        <a:buSzTx/>
+                        <a:buFontTx/>
+                        <a:buNone/>
+                        <a:tabLst/>
+                        <a:defRPr/>
+                      </a:pPr>
+                      <a:r>
+                        <a:rPr lang="en-US" sz="1000" kern="1200" dirty="0" smtClean="0">
+                          <a:solidFill>
+                            <a:srgbClr val="000000"/>
+                          </a:solidFill>
+                          <a:latin typeface="Arial"/>
+                          <a:ea typeface="Times New Roman"/>
+                          <a:cs typeface="Arial"/>
+                        </a:rPr>
+                        <a:t>Produce</a:t>
+                      </a:r>
+                      <a:r>
+                        <a:rPr lang="en-US" sz="1000" kern="1200" baseline="0" dirty="0" smtClean="0">
+                          <a:solidFill>
+                            <a:srgbClr val="000000"/>
+                          </a:solidFill>
+                          <a:latin typeface="Arial"/>
+                          <a:ea typeface="Times New Roman"/>
+                          <a:cs typeface="Arial"/>
+                        </a:rPr>
+                        <a:t> Project Plan</a:t>
+                      </a:r>
+                      <a:endParaRPr lang="en-US" sz="1000" kern="1200" dirty="0" smtClean="0">
+                        <a:solidFill>
+                          <a:srgbClr val="000000"/>
+                        </a:solidFill>
+                        <a:latin typeface="Arial"/>
+                        <a:ea typeface="Times New Roman"/>
+                        <a:cs typeface="Arial"/>
+                      </a:endParaRPr>
+                    </a:p>
+                  </a:txBody>
+                  <a:tcPr marL="68580" marR="68580" marT="0" marB="0"/>
+                </a:tc>
+                <a:tc>
+                  <a:txBody>
+                    <a:bodyPr/>
+                    <a:lstStyle/>
+                    <a:p>
+                      <a:pPr marL="7620" marR="0" indent="0" algn="l" defTabSz="914400" rtl="0" eaLnBrk="1" fontAlgn="auto" latinLnBrk="0" hangingPunct="1">
+                        <a:lnSpc>
+                          <a:spcPts val="1200"/>
+                        </a:lnSpc>
+                        <a:spcBef>
+                          <a:spcPts val="600"/>
+                        </a:spcBef>
+                        <a:spcAft>
+                          <a:spcPts val="0"/>
+                        </a:spcAft>
+                        <a:buClrTx/>
+                        <a:buSzTx/>
+                        <a:buFontTx/>
+                        <a:buNone/>
+                        <a:tabLst/>
+                        <a:defRPr/>
+                      </a:pPr>
+                      <a:r>
+                        <a:rPr lang="en-GB" sz="1000" kern="1200" dirty="0" smtClean="0">
+                          <a:solidFill>
+                            <a:srgbClr val="000000"/>
+                          </a:solidFill>
+                          <a:latin typeface="Arial"/>
+                          <a:ea typeface="Times New Roman"/>
+                          <a:cs typeface="Arial"/>
+                        </a:rPr>
+                        <a:t>21 Jan 2011</a:t>
+                      </a:r>
+                      <a:endParaRPr lang="en-US" sz="1000" kern="1200" dirty="0" smtClean="0">
+                        <a:solidFill>
+                          <a:srgbClr val="000000"/>
+                        </a:solidFill>
+                        <a:latin typeface="Arial"/>
+                        <a:ea typeface="Times New Roman"/>
+                        <a:cs typeface="Arial"/>
+                      </a:endParaRPr>
+                    </a:p>
+                  </a:txBody>
+                  <a:tcPr marL="68580" marR="68580" marT="0" marB="0"/>
+                </a:tc>
+                <a:tc>
+                  <a:txBody>
+                    <a:bodyPr/>
+                    <a:lstStyle/>
+                    <a:p>
+                      <a:pPr marL="7620" marR="0" indent="0" algn="l" defTabSz="914400" rtl="0" eaLnBrk="1" fontAlgn="auto" latinLnBrk="0" hangingPunct="1">
+                        <a:lnSpc>
+                          <a:spcPts val="1200"/>
+                        </a:lnSpc>
+                        <a:spcBef>
+                          <a:spcPts val="600"/>
+                        </a:spcBef>
+                        <a:spcAft>
+                          <a:spcPts val="0"/>
+                        </a:spcAft>
+                        <a:buClrTx/>
+                        <a:buSzTx/>
+                        <a:buFontTx/>
+                        <a:buNone/>
+                        <a:tabLst/>
+                        <a:defRPr/>
+                      </a:pPr>
+                      <a:r>
+                        <a:rPr lang="en-GB" sz="1000" kern="1200" dirty="0" smtClean="0">
+                          <a:solidFill>
+                            <a:srgbClr val="000000"/>
+                          </a:solidFill>
+                          <a:latin typeface="Arial"/>
+                          <a:ea typeface="Times New Roman"/>
+                          <a:cs typeface="Arial"/>
+                        </a:rPr>
+                        <a:t>02 Apr 2011</a:t>
+                      </a:r>
+                      <a:endParaRPr lang="en-US" sz="1000" kern="1200" dirty="0" smtClean="0">
+                        <a:solidFill>
+                          <a:srgbClr val="000000"/>
+                        </a:solidFill>
+                        <a:latin typeface="Arial"/>
+                        <a:ea typeface="Times New Roman"/>
+                        <a:cs typeface="Arial"/>
+                      </a:endParaRPr>
+                    </a:p>
+                  </a:txBody>
+                  <a:tcPr marL="68580" marR="68580" marT="0" marB="0"/>
+                </a:tc>
+                <a:tc>
+                  <a:txBody>
+                    <a:bodyPr/>
+                    <a:lstStyle/>
+                    <a:p>
+                      <a:pPr marL="7620" marR="0" indent="0" algn="l" defTabSz="914400" rtl="0" eaLnBrk="1" fontAlgn="auto" latinLnBrk="0" hangingPunct="1">
+                        <a:lnSpc>
+                          <a:spcPts val="1200"/>
+                        </a:lnSpc>
+                        <a:spcBef>
+                          <a:spcPts val="600"/>
+                        </a:spcBef>
+                        <a:spcAft>
+                          <a:spcPts val="0"/>
+                        </a:spcAft>
+                        <a:buClrTx/>
+                        <a:buSzTx/>
+                        <a:buFontTx/>
+                        <a:buNone/>
+                        <a:tabLst/>
+                        <a:defRPr/>
+                      </a:pPr>
+                      <a:r>
+                        <a:rPr lang="en-GB" sz="1000" dirty="0" smtClean="0">
+                          <a:solidFill>
+                            <a:srgbClr val="000000"/>
+                          </a:solidFill>
+                          <a:latin typeface="+mn-lt"/>
+                          <a:ea typeface="Times New Roman"/>
+                          <a:cs typeface="Arial"/>
+                        </a:rPr>
+                        <a:t>20 Feb 2011</a:t>
+                      </a:r>
+                      <a:endParaRPr lang="en-US" sz="1000" dirty="0" smtClean="0">
+                        <a:latin typeface="+mn-lt"/>
+                        <a:ea typeface="Times New Roman"/>
+                        <a:cs typeface="Times New Roman"/>
+                      </a:endParaRPr>
+                    </a:p>
+                  </a:txBody>
+                  <a:tcPr marL="68580" marR="68580" marT="0" marB="0"/>
+                </a:tc>
+                <a:tc>
+                  <a:txBody>
+                    <a:bodyPr/>
+                    <a:lstStyle/>
+                    <a:p>
+                      <a:pPr marL="7620" marR="0" indent="0" algn="l" defTabSz="914400" rtl="0" eaLnBrk="1" fontAlgn="auto" latinLnBrk="0" hangingPunct="1">
+                        <a:lnSpc>
+                          <a:spcPts val="1200"/>
+                        </a:lnSpc>
+                        <a:spcBef>
+                          <a:spcPts val="600"/>
+                        </a:spcBef>
+                        <a:spcAft>
+                          <a:spcPts val="0"/>
+                        </a:spcAft>
+                        <a:buClrTx/>
+                        <a:buSzTx/>
+                        <a:buFontTx/>
+                        <a:buNone/>
+                        <a:tabLst/>
+                        <a:defRPr/>
+                      </a:pPr>
+                      <a:r>
+                        <a:rPr lang="en-GB" sz="1000" kern="1200" dirty="0" smtClean="0">
+                          <a:solidFill>
+                            <a:srgbClr val="000000"/>
+                          </a:solidFill>
+                          <a:latin typeface="+mn-lt"/>
+                          <a:ea typeface="Times New Roman"/>
+                          <a:cs typeface="Arial"/>
+                        </a:rPr>
+                        <a:t>09 Apr 2011</a:t>
+                      </a:r>
+                      <a:endParaRPr lang="en-US" sz="1000" kern="1200" dirty="0" smtClean="0">
+                        <a:solidFill>
+                          <a:srgbClr val="000000"/>
+                        </a:solidFill>
+                        <a:latin typeface="+mn-lt"/>
+                        <a:ea typeface="Times New Roman"/>
+                        <a:cs typeface="Arial"/>
+                      </a:endParaRPr>
+                    </a:p>
+                  </a:txBody>
+                  <a:tcPr/>
+                </a:tc>
+                <a:tc>
+                  <a:txBody>
+                    <a:bodyPr/>
+                    <a:lstStyle/>
+                    <a:p>
+                      <a:pPr algn="ctr"/>
+                      <a:r>
+                        <a:rPr lang="en-US" sz="1000" kern="1200" dirty="0" smtClean="0">
+                          <a:solidFill>
+                            <a:schemeClr val="dk1"/>
+                          </a:solidFill>
+                          <a:latin typeface="+mn-lt"/>
+                          <a:ea typeface="+mn-ea"/>
+                          <a:cs typeface="+mn-cs"/>
+                        </a:rPr>
+                        <a:t>7</a:t>
+                      </a:r>
+                    </a:p>
+                  </a:txBody>
+                  <a:tcPr/>
+                </a:tc>
+                <a:tc>
+                  <a:txBody>
+                    <a:bodyPr/>
+                    <a:lstStyle/>
+                    <a:p>
+                      <a:pPr algn="ctr"/>
+                      <a:r>
+                        <a:rPr lang="en-US" sz="1000" kern="1200" dirty="0" smtClean="0">
+                          <a:solidFill>
+                            <a:schemeClr val="dk1"/>
+                          </a:solidFill>
+                          <a:latin typeface="+mn-lt"/>
+                          <a:ea typeface="+mn-ea"/>
+                          <a:cs typeface="+mn-cs"/>
+                        </a:rPr>
+                        <a:t>9</a:t>
+                      </a:r>
+                    </a:p>
+                  </a:txBody>
+                  <a:tcPr/>
+                </a:tc>
+                <a:tc>
+                  <a:txBody>
+                    <a:bodyPr/>
+                    <a:lstStyle/>
+                    <a:p>
+                      <a:r>
+                        <a:rPr lang="en-US" sz="1000" kern="1200" dirty="0" smtClean="0">
+                          <a:solidFill>
+                            <a:schemeClr val="dk1"/>
+                          </a:solidFill>
+                          <a:latin typeface="+mn-lt"/>
+                          <a:ea typeface="+mn-ea"/>
+                          <a:cs typeface="+mn-cs"/>
+                        </a:rPr>
+                        <a:t>Done</a:t>
+                      </a:r>
+                    </a:p>
+                  </a:txBody>
+                  <a:tcPr/>
+                </a:tc>
+                <a:tc>
+                  <a:txBody>
+                    <a:bodyPr/>
+                    <a:lstStyle/>
+                    <a:p>
+                      <a:r>
+                        <a:rPr lang="en-US" sz="1000" kern="1200" dirty="0" smtClean="0">
+                          <a:solidFill>
+                            <a:schemeClr val="dk1"/>
+                          </a:solidFill>
+                          <a:latin typeface="+mn-lt"/>
+                          <a:ea typeface="+mn-ea"/>
+                          <a:cs typeface="+mn-cs"/>
+                        </a:rPr>
+                        <a:t>Requirements</a:t>
+                      </a:r>
+                      <a:r>
+                        <a:rPr lang="en-US" sz="1000" kern="1200" baseline="0" dirty="0" smtClean="0">
+                          <a:solidFill>
+                            <a:schemeClr val="dk1"/>
+                          </a:solidFill>
+                          <a:latin typeface="+mn-lt"/>
+                          <a:ea typeface="+mn-ea"/>
+                          <a:cs typeface="+mn-cs"/>
+                        </a:rPr>
+                        <a:t> gathering issues.</a:t>
+                      </a:r>
+                      <a:endParaRPr lang="en-US" sz="1000" kern="1200" dirty="0" smtClean="0">
+                        <a:solidFill>
+                          <a:schemeClr val="dk1"/>
+                        </a:solidFill>
+                        <a:latin typeface="+mn-lt"/>
+                        <a:ea typeface="+mn-ea"/>
+                        <a:cs typeface="+mn-cs"/>
+                      </a:endParaRPr>
+                    </a:p>
+                  </a:txBody>
+                  <a:tcPr/>
+                </a:tc>
+              </a:tr>
+              <a:tr h="357876">
+                <a:tc>
+                  <a:txBody>
+                    <a:bodyPr/>
+                    <a:lstStyle/>
+                    <a:p>
+                      <a:r>
+                        <a:rPr lang="en-US" sz="1000" dirty="0" smtClean="0"/>
+                        <a:t>1.2</a:t>
+                      </a:r>
+                      <a:endParaRPr lang="en-US" sz="1000" dirty="0"/>
+                    </a:p>
+                  </a:txBody>
+                  <a:tcPr/>
+                </a:tc>
+                <a:tc>
+                  <a:txBody>
+                    <a:bodyPr/>
+                    <a:lstStyle/>
+                    <a:p>
+                      <a:pPr marL="0" marR="0" algn="l" defTabSz="914400" rtl="0" eaLnBrk="1" latinLnBrk="0" hangingPunct="1">
+                        <a:lnSpc>
+                          <a:spcPts val="1200"/>
+                        </a:lnSpc>
+                        <a:spcBef>
+                          <a:spcPts val="600"/>
+                        </a:spcBef>
+                        <a:spcAft>
+                          <a:spcPts val="0"/>
+                        </a:spcAft>
+                      </a:pPr>
+                      <a:r>
+                        <a:rPr lang="en-GB" sz="1000" kern="1200" dirty="0" smtClean="0">
+                          <a:solidFill>
+                            <a:schemeClr val="dk1"/>
+                          </a:solidFill>
+                          <a:latin typeface="+mn-lt"/>
+                          <a:ea typeface="+mn-ea"/>
+                          <a:cs typeface="+mn-cs"/>
+                        </a:rPr>
+                        <a:t>Produce Quality Plan</a:t>
+                      </a:r>
+                      <a:endParaRPr lang="en-US" sz="1000" kern="1200" dirty="0" smtClean="0">
+                        <a:solidFill>
+                          <a:schemeClr val="dk1"/>
+                        </a:solidFill>
+                        <a:latin typeface="+mn-lt"/>
+                        <a:ea typeface="+mn-ea"/>
+                        <a:cs typeface="+mn-cs"/>
+                      </a:endParaRPr>
+                    </a:p>
+                  </a:txBody>
+                  <a:tcPr marL="68580" marR="68580" marT="0" marB="0"/>
+                </a:tc>
+                <a:tc>
+                  <a:txBody>
+                    <a:bodyPr/>
+                    <a:lstStyle/>
+                    <a:p>
+                      <a:pPr marL="7620" marR="0">
+                        <a:lnSpc>
+                          <a:spcPts val="1200"/>
+                        </a:lnSpc>
+                        <a:spcBef>
+                          <a:spcPts val="600"/>
+                        </a:spcBef>
+                        <a:spcAft>
+                          <a:spcPts val="0"/>
+                        </a:spcAft>
+                      </a:pPr>
+                      <a:r>
+                        <a:rPr lang="en-GB" sz="1000" dirty="0">
+                          <a:solidFill>
+                            <a:srgbClr val="000000"/>
+                          </a:solidFill>
+                          <a:latin typeface="Arial"/>
+                          <a:ea typeface="Times New Roman"/>
+                          <a:cs typeface="Arial"/>
+                        </a:rPr>
+                        <a:t>21 Jan 2011</a:t>
+                      </a:r>
+                      <a:endParaRPr lang="en-US" sz="1000" dirty="0">
+                        <a:latin typeface="Arial"/>
+                        <a:ea typeface="Times New Roman"/>
+                        <a:cs typeface="Times New Roman"/>
+                      </a:endParaRPr>
+                    </a:p>
+                  </a:txBody>
+                  <a:tcPr marL="68580" marR="68580" marT="0" marB="0"/>
+                </a:tc>
+                <a:tc>
+                  <a:txBody>
+                    <a:bodyPr/>
+                    <a:lstStyle/>
+                    <a:p>
+                      <a:pPr marL="7620" marR="0">
+                        <a:lnSpc>
+                          <a:spcPts val="1200"/>
+                        </a:lnSpc>
+                        <a:spcBef>
+                          <a:spcPts val="600"/>
+                        </a:spcBef>
+                        <a:spcAft>
+                          <a:spcPts val="0"/>
+                        </a:spcAft>
+                      </a:pPr>
+                      <a:r>
+                        <a:rPr lang="en-GB" sz="1000" dirty="0" smtClean="0">
+                          <a:solidFill>
+                            <a:srgbClr val="000000"/>
+                          </a:solidFill>
+                          <a:latin typeface="Arial"/>
+                          <a:ea typeface="Times New Roman"/>
+                          <a:cs typeface="Arial"/>
+                        </a:rPr>
+                        <a:t>02 Apr 2011</a:t>
+                      </a:r>
+                      <a:endParaRPr lang="en-US" sz="1000" dirty="0">
+                        <a:latin typeface="Arial"/>
+                        <a:ea typeface="Times New Roman"/>
+                        <a:cs typeface="Times New Roman"/>
+                      </a:endParaRPr>
+                    </a:p>
+                  </a:txBody>
+                  <a:tcPr marL="68580" marR="68580" marT="0" marB="0"/>
+                </a:tc>
+                <a:tc>
+                  <a:txBody>
+                    <a:bodyPr/>
+                    <a:lstStyle/>
+                    <a:p>
+                      <a:pPr marL="7620" marR="0" indent="0" algn="l" defTabSz="914400" rtl="0" eaLnBrk="1" fontAlgn="auto" latinLnBrk="0" hangingPunct="1">
+                        <a:lnSpc>
+                          <a:spcPts val="1200"/>
+                        </a:lnSpc>
+                        <a:spcBef>
+                          <a:spcPts val="600"/>
+                        </a:spcBef>
+                        <a:spcAft>
+                          <a:spcPts val="0"/>
+                        </a:spcAft>
+                        <a:buClrTx/>
+                        <a:buSzTx/>
+                        <a:buFontTx/>
+                        <a:buNone/>
+                        <a:tabLst/>
+                        <a:defRPr/>
+                      </a:pPr>
+                      <a:r>
+                        <a:rPr lang="en-GB" sz="1000" dirty="0" smtClean="0">
+                          <a:solidFill>
+                            <a:srgbClr val="000000"/>
+                          </a:solidFill>
+                          <a:latin typeface="+mn-lt"/>
+                          <a:ea typeface="Times New Roman"/>
+                          <a:cs typeface="Arial"/>
+                        </a:rPr>
+                        <a:t>20 Feb 2011</a:t>
+                      </a:r>
+                      <a:endParaRPr lang="en-US" sz="1000" dirty="0" smtClean="0">
+                        <a:latin typeface="+mn-lt"/>
+                        <a:ea typeface="Times New Roman"/>
+                        <a:cs typeface="Times New Roman"/>
+                      </a:endParaRPr>
+                    </a:p>
+                    <a:p>
+                      <a:pPr marL="7620" marR="0">
+                        <a:lnSpc>
+                          <a:spcPts val="1200"/>
+                        </a:lnSpc>
+                        <a:spcBef>
+                          <a:spcPts val="600"/>
+                        </a:spcBef>
+                        <a:spcAft>
+                          <a:spcPts val="0"/>
+                        </a:spcAft>
+                      </a:pPr>
+                      <a:endParaRPr lang="en-US" sz="1000" kern="1200" dirty="0" smtClean="0">
+                        <a:solidFill>
+                          <a:schemeClr val="dk1"/>
+                        </a:solidFill>
+                        <a:latin typeface="+mn-lt"/>
+                        <a:ea typeface="+mn-ea"/>
+                        <a:cs typeface="+mn-cs"/>
+                      </a:endParaRPr>
+                    </a:p>
+                  </a:txBody>
+                  <a:tcPr marL="68580" marR="68580" marT="0" marB="0"/>
+                </a:tc>
+                <a:tc>
+                  <a:txBody>
+                    <a:bodyPr/>
+                    <a:lstStyle/>
+                    <a:p>
+                      <a:pPr marL="7620" marR="0">
+                        <a:lnSpc>
+                          <a:spcPts val="1200"/>
+                        </a:lnSpc>
+                        <a:spcBef>
+                          <a:spcPts val="600"/>
+                        </a:spcBef>
+                        <a:spcAft>
+                          <a:spcPts val="0"/>
+                        </a:spcAft>
+                      </a:pPr>
+                      <a:r>
+                        <a:rPr lang="en-GB" sz="1000" dirty="0" smtClean="0">
+                          <a:solidFill>
+                            <a:srgbClr val="000000"/>
+                          </a:solidFill>
+                          <a:latin typeface="+mn-lt"/>
+                          <a:ea typeface="Times New Roman"/>
+                          <a:cs typeface="Arial"/>
+                        </a:rPr>
+                        <a:t>05 Apr 2011</a:t>
+                      </a:r>
+                      <a:endParaRPr lang="en-US" sz="1000" dirty="0">
+                        <a:latin typeface="+mn-lt"/>
+                        <a:ea typeface="Times New Roman"/>
+                        <a:cs typeface="Times New Roman"/>
+                      </a:endParaRPr>
+                    </a:p>
+                  </a:txBody>
+                  <a:tcPr/>
+                </a:tc>
+                <a:tc>
+                  <a:txBody>
+                    <a:bodyPr/>
+                    <a:lstStyle/>
+                    <a:p>
+                      <a:pPr algn="ctr"/>
+                      <a:r>
+                        <a:rPr lang="en-US" sz="1000" kern="1200" dirty="0" smtClean="0">
+                          <a:solidFill>
+                            <a:schemeClr val="dk1"/>
+                          </a:solidFill>
+                          <a:latin typeface="+mn-lt"/>
+                          <a:ea typeface="+mn-ea"/>
+                          <a:cs typeface="+mn-cs"/>
+                        </a:rPr>
+                        <a:t>6</a:t>
+                      </a:r>
+                    </a:p>
+                  </a:txBody>
+                  <a:tcPr/>
+                </a:tc>
+                <a:tc>
+                  <a:txBody>
+                    <a:bodyPr/>
+                    <a:lstStyle/>
+                    <a:p>
+                      <a:pPr algn="ctr"/>
+                      <a:r>
+                        <a:rPr lang="en-US" sz="1000" kern="1200" dirty="0" smtClean="0">
+                          <a:solidFill>
+                            <a:schemeClr val="dk1"/>
+                          </a:solidFill>
+                          <a:latin typeface="+mn-lt"/>
+                          <a:ea typeface="+mn-ea"/>
+                          <a:cs typeface="+mn-cs"/>
+                        </a:rPr>
+                        <a:t>6.025</a:t>
+                      </a:r>
+                    </a:p>
+                  </a:txBody>
+                  <a:tcPr/>
+                </a:tc>
+                <a:tc>
+                  <a:txBody>
+                    <a:bodyPr/>
+                    <a:lstStyle/>
+                    <a:p>
+                      <a:r>
+                        <a:rPr lang="en-US" sz="1000" kern="1200" dirty="0" smtClean="0">
+                          <a:solidFill>
+                            <a:schemeClr val="dk1"/>
+                          </a:solidFill>
+                          <a:latin typeface="+mn-lt"/>
+                          <a:ea typeface="+mn-ea"/>
+                          <a:cs typeface="+mn-cs"/>
+                        </a:rPr>
+                        <a:t>Done</a:t>
+                      </a:r>
+                    </a:p>
+                  </a:txBody>
+                  <a:tcPr/>
+                </a:tc>
+                <a:tc>
+                  <a:txBody>
+                    <a:bodyPr/>
+                    <a:lstStyle/>
+                    <a:p>
+                      <a:r>
+                        <a:rPr lang="en-US" sz="1000" kern="1200" dirty="0" smtClean="0">
+                          <a:solidFill>
+                            <a:schemeClr val="dk1"/>
+                          </a:solidFill>
+                          <a:latin typeface="+mn-lt"/>
+                          <a:ea typeface="+mn-ea"/>
+                          <a:cs typeface="+mn-cs"/>
+                        </a:rPr>
+                        <a:t>Makes changes based</a:t>
+                      </a:r>
+                      <a:r>
+                        <a:rPr lang="en-US" sz="1000" kern="1200" baseline="0" dirty="0" smtClean="0">
+                          <a:solidFill>
+                            <a:schemeClr val="dk1"/>
+                          </a:solidFill>
+                          <a:latin typeface="+mn-lt"/>
+                          <a:ea typeface="+mn-ea"/>
+                          <a:cs typeface="+mn-cs"/>
+                        </a:rPr>
+                        <a:t> on Audit Meeting feedback</a:t>
+                      </a:r>
+                      <a:endParaRPr lang="en-US" sz="1000" kern="1200" dirty="0" smtClean="0">
+                        <a:solidFill>
+                          <a:schemeClr val="dk1"/>
+                        </a:solidFill>
+                        <a:latin typeface="+mn-lt"/>
+                        <a:ea typeface="+mn-ea"/>
+                        <a:cs typeface="+mn-cs"/>
+                      </a:endParaRPr>
+                    </a:p>
+                  </a:txBody>
+                  <a:tcPr/>
+                </a:tc>
+              </a:tr>
+              <a:tr h="348332">
+                <a:tc>
+                  <a:txBody>
+                    <a:bodyPr/>
+                    <a:lstStyle/>
+                    <a:p>
+                      <a:r>
+                        <a:rPr lang="en-US" sz="1000" dirty="0" smtClean="0"/>
+                        <a:t>1.3</a:t>
+                      </a:r>
+                      <a:endParaRPr lang="en-US" sz="1000" dirty="0"/>
+                    </a:p>
+                  </a:txBody>
+                  <a:tcPr/>
+                </a:tc>
+                <a:tc>
+                  <a:txBody>
+                    <a:bodyPr/>
+                    <a:lstStyle/>
+                    <a:p>
+                      <a:pPr marL="0" marR="0" algn="l" defTabSz="914400" rtl="0" eaLnBrk="1" latinLnBrk="0" hangingPunct="1">
+                        <a:lnSpc>
+                          <a:spcPts val="1200"/>
+                        </a:lnSpc>
+                        <a:spcBef>
+                          <a:spcPts val="600"/>
+                        </a:spcBef>
+                        <a:spcAft>
+                          <a:spcPts val="0"/>
+                        </a:spcAft>
+                      </a:pPr>
+                      <a:r>
+                        <a:rPr lang="en-GB" sz="1000" kern="1200" dirty="0" smtClean="0">
+                          <a:solidFill>
+                            <a:schemeClr val="dk1"/>
+                          </a:solidFill>
+                          <a:latin typeface="+mn-lt"/>
+                          <a:ea typeface="+mn-ea"/>
+                          <a:cs typeface="+mn-cs"/>
+                        </a:rPr>
+                        <a:t>Prepare  First Audit &amp; Presentation </a:t>
+                      </a:r>
+                      <a:endParaRPr lang="en-US" sz="1000" kern="1200" dirty="0" smtClean="0">
+                        <a:solidFill>
+                          <a:schemeClr val="dk1"/>
+                        </a:solidFill>
+                        <a:latin typeface="+mn-lt"/>
+                        <a:ea typeface="+mn-ea"/>
+                        <a:cs typeface="+mn-cs"/>
+                      </a:endParaRPr>
+                    </a:p>
+                  </a:txBody>
+                  <a:tcPr marL="68580" marR="68580" marT="0" marB="0"/>
+                </a:tc>
+                <a:tc>
+                  <a:txBody>
+                    <a:bodyPr/>
+                    <a:lstStyle/>
+                    <a:p>
+                      <a:pPr marL="7620" marR="0">
+                        <a:lnSpc>
+                          <a:spcPts val="1200"/>
+                        </a:lnSpc>
+                        <a:spcBef>
+                          <a:spcPts val="600"/>
+                        </a:spcBef>
+                        <a:spcAft>
+                          <a:spcPts val="0"/>
+                        </a:spcAft>
+                      </a:pPr>
+                      <a:r>
+                        <a:rPr lang="en-GB" sz="1000" dirty="0">
+                          <a:solidFill>
+                            <a:srgbClr val="000000"/>
+                          </a:solidFill>
+                          <a:latin typeface="Arial"/>
+                          <a:ea typeface="Times New Roman"/>
+                          <a:cs typeface="Arial"/>
+                        </a:rPr>
+                        <a:t>21 Jan 2011</a:t>
+                      </a:r>
+                      <a:endParaRPr lang="en-US" sz="1000" dirty="0">
+                        <a:latin typeface="Arial"/>
+                        <a:ea typeface="Times New Roman"/>
+                        <a:cs typeface="Times New Roman"/>
+                      </a:endParaRPr>
+                    </a:p>
+                  </a:txBody>
+                  <a:tcPr marL="68580" marR="68580" marT="0" marB="0"/>
+                </a:tc>
+                <a:tc>
+                  <a:txBody>
+                    <a:bodyPr/>
+                    <a:lstStyle/>
+                    <a:p>
+                      <a:pPr marL="7620" marR="0">
+                        <a:lnSpc>
+                          <a:spcPts val="1200"/>
+                        </a:lnSpc>
+                        <a:spcBef>
+                          <a:spcPts val="600"/>
+                        </a:spcBef>
+                        <a:spcAft>
+                          <a:spcPts val="0"/>
+                        </a:spcAft>
+                      </a:pPr>
+                      <a:r>
+                        <a:rPr lang="en-GB" sz="1000" dirty="0">
+                          <a:solidFill>
+                            <a:srgbClr val="000000"/>
+                          </a:solidFill>
+                          <a:latin typeface="Arial"/>
+                          <a:ea typeface="Times New Roman"/>
+                          <a:cs typeface="Arial"/>
+                        </a:rPr>
+                        <a:t>02 Apr 2011</a:t>
+                      </a:r>
+                      <a:endParaRPr lang="en-US" sz="1000" dirty="0">
+                        <a:latin typeface="Arial"/>
+                        <a:ea typeface="Times New Roman"/>
+                        <a:cs typeface="Times New Roman"/>
+                      </a:endParaRPr>
+                    </a:p>
+                  </a:txBody>
+                  <a:tcPr marL="68580" marR="68580" marT="0" marB="0"/>
+                </a:tc>
+                <a:tc>
+                  <a:txBody>
+                    <a:bodyPr/>
+                    <a:lstStyle/>
+                    <a:p>
+                      <a:pPr marL="0" marR="0" indent="0" algn="l" defTabSz="914400" rtl="0" eaLnBrk="1" fontAlgn="auto" latinLnBrk="0" hangingPunct="1">
+                        <a:lnSpc>
+                          <a:spcPts val="1200"/>
+                        </a:lnSpc>
+                        <a:spcBef>
+                          <a:spcPts val="600"/>
+                        </a:spcBef>
+                        <a:spcAft>
+                          <a:spcPts val="0"/>
+                        </a:spcAft>
+                        <a:buClrTx/>
+                        <a:buSzTx/>
+                        <a:buFontTx/>
+                        <a:buNone/>
+                        <a:tabLst/>
+                        <a:defRPr/>
+                      </a:pPr>
+                      <a:r>
+                        <a:rPr lang="en-GB" sz="1000" dirty="0" smtClean="0">
+                          <a:solidFill>
+                            <a:srgbClr val="000000"/>
+                          </a:solidFill>
+                          <a:latin typeface="+mn-lt"/>
+                          <a:ea typeface="Times New Roman"/>
+                          <a:cs typeface="Arial"/>
+                        </a:rPr>
+                        <a:t>03 Apr 2011</a:t>
+                      </a:r>
+                      <a:endParaRPr lang="en-US" sz="1000" dirty="0" smtClean="0">
+                        <a:latin typeface="+mn-lt"/>
+                        <a:ea typeface="Times New Roman"/>
+                        <a:cs typeface="Times New Roman"/>
+                      </a:endParaRPr>
+                    </a:p>
+                  </a:txBody>
+                  <a:tcPr marL="68580" marR="68580" marT="0" marB="0"/>
+                </a:tc>
+                <a:tc>
+                  <a:txBody>
+                    <a:bodyPr/>
+                    <a:lstStyle/>
+                    <a:p>
+                      <a:pPr marL="0" marR="0" indent="0" algn="l" defTabSz="914400" rtl="0" eaLnBrk="1" fontAlgn="auto" latinLnBrk="0" hangingPunct="1">
+                        <a:lnSpc>
+                          <a:spcPct val="100000"/>
+                        </a:lnSpc>
+                        <a:spcBef>
+                          <a:spcPts val="0"/>
+                        </a:spcBef>
+                        <a:spcAft>
+                          <a:spcPts val="0"/>
+                        </a:spcAft>
+                        <a:buClrTx/>
+                        <a:buSzTx/>
+                        <a:buFontTx/>
+                        <a:buNone/>
+                        <a:tabLst/>
+                        <a:defRPr/>
+                      </a:pPr>
+                      <a:r>
+                        <a:rPr lang="en-GB" sz="1000" kern="1200" dirty="0" smtClean="0">
+                          <a:solidFill>
+                            <a:srgbClr val="000000"/>
+                          </a:solidFill>
+                          <a:latin typeface="+mn-lt"/>
+                          <a:ea typeface="Times New Roman"/>
+                          <a:cs typeface="Arial"/>
+                        </a:rPr>
+                        <a:t>09 Apr 2011</a:t>
+                      </a:r>
+                      <a:endParaRPr lang="en-US" sz="1000" kern="1200" dirty="0" smtClean="0">
+                        <a:solidFill>
+                          <a:srgbClr val="000000"/>
+                        </a:solidFill>
+                        <a:latin typeface="+mn-lt"/>
+                        <a:ea typeface="Times New Roman"/>
+                        <a:cs typeface="Arial"/>
+                      </a:endParaRPr>
+                    </a:p>
+                  </a:txBody>
+                  <a:tcPr/>
+                </a:tc>
+                <a:tc>
+                  <a:txBody>
+                    <a:bodyPr/>
+                    <a:lstStyle/>
+                    <a:p>
+                      <a:pPr algn="ctr"/>
+                      <a:r>
+                        <a:rPr lang="en-US" sz="1000" kern="1200" dirty="0" smtClean="0">
+                          <a:solidFill>
+                            <a:schemeClr val="dk1"/>
+                          </a:solidFill>
+                          <a:latin typeface="+mn-lt"/>
+                          <a:ea typeface="+mn-ea"/>
+                          <a:cs typeface="+mn-cs"/>
+                        </a:rPr>
+                        <a:t>9</a:t>
+                      </a:r>
+                    </a:p>
+                  </a:txBody>
+                  <a:tcPr/>
+                </a:tc>
+                <a:tc>
+                  <a:txBody>
+                    <a:bodyPr/>
+                    <a:lstStyle/>
+                    <a:p>
+                      <a:pPr algn="ctr"/>
+                      <a:r>
+                        <a:rPr lang="en-US" sz="1000" kern="1200" dirty="0" smtClean="0">
+                          <a:solidFill>
+                            <a:schemeClr val="dk1"/>
+                          </a:solidFill>
+                          <a:latin typeface="+mn-lt"/>
+                          <a:ea typeface="+mn-ea"/>
+                          <a:cs typeface="+mn-cs"/>
+                        </a:rPr>
+                        <a:t>9</a:t>
+                      </a:r>
+                    </a:p>
+                  </a:txBody>
+                  <a:tcPr/>
+                </a:tc>
+                <a:tc>
+                  <a:txBody>
+                    <a:bodyPr/>
+                    <a:lstStyle/>
+                    <a:p>
+                      <a:r>
+                        <a:rPr lang="en-US" sz="1000" kern="1200" dirty="0" smtClean="0">
+                          <a:solidFill>
+                            <a:schemeClr val="dk1"/>
+                          </a:solidFill>
+                          <a:latin typeface="+mn-lt"/>
+                          <a:ea typeface="+mn-ea"/>
+                          <a:cs typeface="+mn-cs"/>
+                        </a:rPr>
+                        <a:t>Done</a:t>
+                      </a:r>
+                    </a:p>
+                  </a:txBody>
+                  <a:tcPr/>
+                </a:tc>
+                <a:tc>
+                  <a:txBody>
+                    <a:bodyPr/>
+                    <a:lstStyle/>
+                    <a:p>
+                      <a:endParaRPr lang="en-US" sz="1000" kern="1200" dirty="0" smtClean="0">
+                        <a:solidFill>
+                          <a:schemeClr val="dk1"/>
+                        </a:solidFill>
+                        <a:latin typeface="+mn-lt"/>
+                        <a:ea typeface="+mn-ea"/>
+                        <a:cs typeface="+mn-cs"/>
+                      </a:endParaRPr>
+                    </a:p>
+                  </a:txBody>
+                  <a:tcPr/>
+                </a:tc>
+              </a:tr>
+              <a:tr h="372191">
+                <a:tc>
+                  <a:txBody>
+                    <a:bodyPr/>
+                    <a:lstStyle/>
+                    <a:p>
+                      <a:r>
+                        <a:rPr lang="en-US" sz="1000" b="1" dirty="0" smtClean="0"/>
+                        <a:t>2</a:t>
+                      </a:r>
+                      <a:endParaRPr lang="en-US" sz="1000" b="1" dirty="0"/>
+                    </a:p>
+                  </a:txBody>
+                  <a:tcPr/>
+                </a:tc>
+                <a:tc>
+                  <a:txBody>
+                    <a:bodyPr/>
+                    <a:lstStyle/>
+                    <a:p>
+                      <a:pPr marL="0" algn="l" defTabSz="914400" rtl="0" eaLnBrk="1" latinLnBrk="0" hangingPunct="1"/>
+                      <a:r>
+                        <a:rPr lang="en-GB" sz="1000" b="1" kern="1200" dirty="0" smtClean="0">
+                          <a:solidFill>
+                            <a:schemeClr val="dk1"/>
+                          </a:solidFill>
+                          <a:latin typeface="+mn-lt"/>
+                          <a:ea typeface="+mn-ea"/>
+                          <a:cs typeface="+mn-cs"/>
+                        </a:rPr>
+                        <a:t>Requirement Analysis</a:t>
+                      </a:r>
+                      <a:endParaRPr lang="en-US" sz="1000" b="1" kern="1200" dirty="0" smtClean="0">
+                        <a:solidFill>
+                          <a:schemeClr val="dk1"/>
+                        </a:solidFill>
+                        <a:latin typeface="+mn-lt"/>
+                        <a:ea typeface="+mn-ea"/>
+                        <a:cs typeface="+mn-cs"/>
+                      </a:endParaRPr>
+                    </a:p>
+                  </a:txBody>
+                  <a:tcPr/>
+                </a:tc>
+                <a:tc>
+                  <a:txBody>
+                    <a:bodyPr/>
+                    <a:lstStyle/>
+                    <a:p>
+                      <a:pPr marL="7620" marR="0">
+                        <a:lnSpc>
+                          <a:spcPts val="1200"/>
+                        </a:lnSpc>
+                        <a:spcBef>
+                          <a:spcPts val="600"/>
+                        </a:spcBef>
+                        <a:spcAft>
+                          <a:spcPts val="0"/>
+                        </a:spcAft>
+                      </a:pPr>
+                      <a:endParaRPr lang="en-US" sz="1000" b="1" dirty="0">
+                        <a:latin typeface="Arial"/>
+                        <a:ea typeface="Times New Roman"/>
+                        <a:cs typeface="Times New Roman"/>
+                      </a:endParaRPr>
+                    </a:p>
+                  </a:txBody>
+                  <a:tcPr marL="68580" marR="68580" marT="0" marB="0"/>
+                </a:tc>
+                <a:tc>
+                  <a:txBody>
+                    <a:bodyPr/>
+                    <a:lstStyle/>
+                    <a:p>
+                      <a:pPr marL="0" marR="0">
+                        <a:lnSpc>
+                          <a:spcPts val="1200"/>
+                        </a:lnSpc>
+                        <a:spcBef>
+                          <a:spcPts val="600"/>
+                        </a:spcBef>
+                        <a:spcAft>
+                          <a:spcPts val="0"/>
+                        </a:spcAft>
+                      </a:pPr>
+                      <a:endParaRPr lang="en-US" sz="1000" b="1" dirty="0">
+                        <a:latin typeface="Arial"/>
+                        <a:ea typeface="Times New Roman"/>
+                        <a:cs typeface="Times New Roman"/>
+                      </a:endParaRPr>
+                    </a:p>
+                  </a:txBody>
+                  <a:tcPr marL="68580" marR="68580" marT="0" marB="0"/>
+                </a:tc>
+                <a:tc>
+                  <a:txBody>
+                    <a:bodyPr/>
+                    <a:lstStyle/>
+                    <a:p>
+                      <a:endParaRPr lang="en-US" sz="1000" b="1" kern="1200" dirty="0" smtClean="0">
+                        <a:solidFill>
+                          <a:schemeClr val="dk1"/>
+                        </a:solidFill>
+                        <a:latin typeface="+mn-lt"/>
+                        <a:ea typeface="+mn-ea"/>
+                        <a:cs typeface="+mn-cs"/>
+                      </a:endParaRPr>
+                    </a:p>
+                  </a:txBody>
+                  <a:tcPr/>
+                </a:tc>
+                <a:tc>
+                  <a:txBody>
+                    <a:bodyPr/>
+                    <a:lstStyle/>
+                    <a:p>
+                      <a:endParaRPr lang="en-US" sz="1000" b="1" kern="1200" dirty="0" smtClean="0">
+                        <a:solidFill>
+                          <a:schemeClr val="dk1"/>
+                        </a:solidFill>
+                        <a:latin typeface="+mn-lt"/>
+                        <a:ea typeface="+mn-ea"/>
+                        <a:cs typeface="+mn-cs"/>
+                      </a:endParaRPr>
+                    </a:p>
+                  </a:txBody>
+                  <a:tcPr/>
+                </a:tc>
+                <a:tc>
+                  <a:txBody>
+                    <a:bodyPr/>
+                    <a:lstStyle/>
+                    <a:p>
+                      <a:pPr algn="ctr"/>
+                      <a:endParaRPr lang="en-US" sz="1000" b="1" kern="1200" dirty="0" smtClean="0">
+                        <a:solidFill>
+                          <a:schemeClr val="dk1"/>
+                        </a:solidFill>
+                        <a:latin typeface="+mn-lt"/>
+                        <a:ea typeface="+mn-ea"/>
+                        <a:cs typeface="+mn-cs"/>
+                      </a:endParaRPr>
+                    </a:p>
+                  </a:txBody>
+                  <a:tcPr/>
+                </a:tc>
+                <a:tc>
+                  <a:txBody>
+                    <a:bodyPr/>
+                    <a:lstStyle/>
+                    <a:p>
+                      <a:pPr algn="ctr"/>
+                      <a:endParaRPr lang="en-US" sz="1000" b="1" kern="1200" dirty="0" smtClean="0">
+                        <a:solidFill>
+                          <a:schemeClr val="dk1"/>
+                        </a:solidFill>
+                        <a:latin typeface="+mn-lt"/>
+                        <a:ea typeface="+mn-ea"/>
+                        <a:cs typeface="+mn-cs"/>
+                      </a:endParaRPr>
+                    </a:p>
+                  </a:txBody>
+                  <a:tcPr/>
+                </a:tc>
+                <a:tc>
+                  <a:txBody>
+                    <a:bodyPr/>
+                    <a:lstStyle/>
+                    <a:p>
+                      <a:endParaRPr lang="en-US" sz="1000" b="1" kern="1200" dirty="0" smtClean="0">
+                        <a:solidFill>
+                          <a:schemeClr val="dk1"/>
+                        </a:solidFill>
+                        <a:latin typeface="+mn-lt"/>
+                        <a:ea typeface="+mn-ea"/>
+                        <a:cs typeface="+mn-cs"/>
+                      </a:endParaRPr>
+                    </a:p>
+                  </a:txBody>
+                  <a:tcPr/>
+                </a:tc>
+                <a:tc>
+                  <a:txBody>
+                    <a:bodyPr/>
+                    <a:lstStyle/>
+                    <a:p>
+                      <a:endParaRPr lang="en-US" sz="1000" b="1" kern="1200" dirty="0" smtClean="0">
+                        <a:solidFill>
+                          <a:schemeClr val="dk1"/>
+                        </a:solidFill>
+                        <a:latin typeface="+mn-lt"/>
+                        <a:ea typeface="+mn-ea"/>
+                        <a:cs typeface="+mn-cs"/>
+                      </a:endParaRPr>
+                    </a:p>
+                  </a:txBody>
+                  <a:tcPr/>
+                </a:tc>
+              </a:tr>
+              <a:tr h="515341">
+                <a:tc>
+                  <a:txBody>
+                    <a:bodyPr/>
+                    <a:lstStyle/>
+                    <a:p>
+                      <a:r>
+                        <a:rPr lang="en-US" sz="1000" dirty="0" smtClean="0"/>
+                        <a:t>2.1</a:t>
+                      </a:r>
+                      <a:endParaRPr lang="en-US" sz="1000" dirty="0"/>
+                    </a:p>
+                  </a:txBody>
+                  <a:tcPr/>
+                </a:tc>
+                <a:tc>
+                  <a:txBody>
+                    <a:bodyPr/>
+                    <a:lstStyle/>
+                    <a:p>
+                      <a:pPr marL="0" algn="l" defTabSz="914400" rtl="0" eaLnBrk="1" latinLnBrk="0" hangingPunct="1"/>
+                      <a:r>
+                        <a:rPr lang="en-GB" sz="1000" kern="1200" dirty="0" smtClean="0">
+                          <a:solidFill>
+                            <a:schemeClr val="dk1"/>
+                          </a:solidFill>
+                          <a:latin typeface="+mn-lt"/>
+                          <a:ea typeface="+mn-ea"/>
+                          <a:cs typeface="+mn-cs"/>
+                        </a:rPr>
+                        <a:t>Produce User Requirements Specifications</a:t>
+                      </a:r>
+                      <a:endParaRPr lang="en-US" sz="1000" kern="1200" dirty="0" smtClean="0">
+                        <a:solidFill>
+                          <a:schemeClr val="dk1"/>
+                        </a:solidFill>
+                        <a:latin typeface="+mn-lt"/>
+                        <a:ea typeface="+mn-ea"/>
+                        <a:cs typeface="+mn-cs"/>
+                      </a:endParaRPr>
+                    </a:p>
+                  </a:txBody>
+                  <a:tcPr/>
+                </a:tc>
+                <a:tc>
+                  <a:txBody>
+                    <a:bodyPr/>
+                    <a:lstStyle/>
+                    <a:p>
+                      <a:pPr marL="7620" marR="0">
+                        <a:lnSpc>
+                          <a:spcPts val="1200"/>
+                        </a:lnSpc>
+                        <a:spcBef>
+                          <a:spcPts val="600"/>
+                        </a:spcBef>
+                        <a:spcAft>
+                          <a:spcPts val="0"/>
+                        </a:spcAft>
+                      </a:pPr>
+                      <a:r>
+                        <a:rPr lang="en-GB" sz="1000" dirty="0">
+                          <a:solidFill>
+                            <a:srgbClr val="000000"/>
+                          </a:solidFill>
+                          <a:latin typeface="Arial"/>
+                          <a:ea typeface="Times New Roman"/>
+                          <a:cs typeface="Arial"/>
+                        </a:rPr>
+                        <a:t>22 Jan 2011</a:t>
+                      </a:r>
+                      <a:endParaRPr lang="en-US" sz="1000" dirty="0">
+                        <a:latin typeface="Arial"/>
+                        <a:ea typeface="Times New Roman"/>
+                        <a:cs typeface="Times New Roman"/>
+                      </a:endParaRPr>
+                    </a:p>
+                  </a:txBody>
+                  <a:tcPr marL="68580" marR="68580" marT="0" marB="0"/>
+                </a:tc>
+                <a:tc>
+                  <a:txBody>
+                    <a:bodyPr/>
+                    <a:lstStyle/>
+                    <a:p>
+                      <a:pPr marL="7620" marR="0">
+                        <a:lnSpc>
+                          <a:spcPts val="1200"/>
+                        </a:lnSpc>
+                        <a:spcBef>
+                          <a:spcPts val="600"/>
+                        </a:spcBef>
+                        <a:spcAft>
+                          <a:spcPts val="0"/>
+                        </a:spcAft>
+                      </a:pPr>
+                      <a:r>
+                        <a:rPr lang="en-GB" sz="1000" dirty="0">
+                          <a:solidFill>
+                            <a:srgbClr val="000000"/>
+                          </a:solidFill>
+                          <a:latin typeface="Arial"/>
+                          <a:ea typeface="Times New Roman"/>
+                          <a:cs typeface="Arial"/>
+                        </a:rPr>
+                        <a:t>02 Apr 2011</a:t>
+                      </a:r>
+                      <a:endParaRPr lang="en-US" sz="1000" dirty="0">
+                        <a:latin typeface="Arial"/>
+                        <a:ea typeface="Times New Roman"/>
+                        <a:cs typeface="Times New Roman"/>
+                      </a:endParaRPr>
+                    </a:p>
+                  </a:txBody>
+                  <a:tcPr marL="68580" marR="68580" marT="0" marB="0"/>
+                </a:tc>
+                <a:tc>
+                  <a:txBody>
+                    <a:bodyPr/>
+                    <a:lstStyle/>
+                    <a:p>
+                      <a:pPr marL="7620" marR="0" indent="0" algn="l" defTabSz="914400" rtl="0" eaLnBrk="1" fontAlgn="auto" latinLnBrk="0" hangingPunct="1">
+                        <a:lnSpc>
+                          <a:spcPts val="1200"/>
+                        </a:lnSpc>
+                        <a:spcBef>
+                          <a:spcPts val="600"/>
+                        </a:spcBef>
+                        <a:spcAft>
+                          <a:spcPts val="0"/>
+                        </a:spcAft>
+                        <a:buClrTx/>
+                        <a:buSzTx/>
+                        <a:buFontTx/>
+                        <a:buNone/>
+                        <a:tabLst/>
+                        <a:defRPr/>
+                      </a:pPr>
+                      <a:r>
+                        <a:rPr lang="en-GB" sz="1000" kern="1200" dirty="0" smtClean="0">
+                          <a:solidFill>
+                            <a:srgbClr val="000000"/>
+                          </a:solidFill>
+                          <a:latin typeface="Arial"/>
+                          <a:ea typeface="Times New Roman"/>
+                          <a:cs typeface="Arial"/>
+                        </a:rPr>
+                        <a:t>20 Jan 2011</a:t>
+                      </a:r>
+                      <a:endParaRPr lang="en-US" sz="1000" kern="1200" dirty="0" smtClean="0">
+                        <a:solidFill>
+                          <a:srgbClr val="000000"/>
+                        </a:solidFill>
+                        <a:latin typeface="Arial"/>
+                        <a:ea typeface="Times New Roman"/>
+                        <a:cs typeface="Arial"/>
+                      </a:endParaRPr>
+                    </a:p>
+                  </a:txBody>
+                  <a:tcPr/>
+                </a:tc>
+                <a:tc>
+                  <a:txBody>
+                    <a:bodyPr/>
+                    <a:lstStyle/>
+                    <a:p>
+                      <a:pPr marL="7620" marR="0" indent="0" algn="l" defTabSz="914400" rtl="0" eaLnBrk="1" fontAlgn="auto" latinLnBrk="0" hangingPunct="1">
+                        <a:lnSpc>
+                          <a:spcPts val="1200"/>
+                        </a:lnSpc>
+                        <a:spcBef>
+                          <a:spcPts val="600"/>
+                        </a:spcBef>
+                        <a:spcAft>
+                          <a:spcPts val="0"/>
+                        </a:spcAft>
+                        <a:buClrTx/>
+                        <a:buSzTx/>
+                        <a:buFontTx/>
+                        <a:buNone/>
+                        <a:tabLst/>
+                        <a:defRPr/>
+                      </a:pPr>
+                      <a:r>
+                        <a:rPr lang="en-GB" sz="1000" kern="1200" dirty="0" smtClean="0">
+                          <a:solidFill>
+                            <a:srgbClr val="000000"/>
+                          </a:solidFill>
+                          <a:latin typeface="Arial"/>
+                          <a:ea typeface="Times New Roman"/>
+                          <a:cs typeface="Arial"/>
+                        </a:rPr>
+                        <a:t>02 Apr 2011</a:t>
+                      </a:r>
+                      <a:endParaRPr lang="en-US" sz="1000" kern="1200" dirty="0" smtClean="0">
+                        <a:solidFill>
+                          <a:srgbClr val="000000"/>
+                        </a:solidFill>
+                        <a:latin typeface="Arial"/>
+                        <a:ea typeface="Times New Roman"/>
+                        <a:cs typeface="Arial"/>
+                      </a:endParaRPr>
+                    </a:p>
+                  </a:txBody>
+                  <a:tcPr/>
+                </a:tc>
+                <a:tc>
+                  <a:txBody>
+                    <a:bodyPr/>
+                    <a:lstStyle/>
+                    <a:p>
+                      <a:pPr algn="ctr"/>
+                      <a:r>
+                        <a:rPr lang="en-US" sz="1000" kern="1200" dirty="0" smtClean="0">
+                          <a:solidFill>
+                            <a:schemeClr val="dk1"/>
+                          </a:solidFill>
+                          <a:latin typeface="+mn-lt"/>
+                          <a:ea typeface="+mn-ea"/>
+                          <a:cs typeface="+mn-cs"/>
+                        </a:rPr>
+                        <a:t>18</a:t>
+                      </a:r>
+                    </a:p>
+                  </a:txBody>
+                  <a:tcPr/>
+                </a:tc>
+                <a:tc>
+                  <a:txBody>
+                    <a:bodyPr/>
+                    <a:lstStyle/>
+                    <a:p>
+                      <a:pPr algn="ctr"/>
+                      <a:r>
+                        <a:rPr lang="en-US" sz="1000" kern="1200" dirty="0" smtClean="0">
+                          <a:solidFill>
+                            <a:schemeClr val="dk1"/>
+                          </a:solidFill>
+                          <a:latin typeface="+mn-lt"/>
+                          <a:ea typeface="+mn-ea"/>
+                          <a:cs typeface="+mn-cs"/>
+                        </a:rPr>
+                        <a:t>13.6875</a:t>
+                      </a:r>
+                    </a:p>
+                  </a:txBody>
+                  <a:tcPr/>
+                </a:tc>
+                <a:tc>
+                  <a:txBody>
+                    <a:bodyPr/>
+                    <a:lstStyle/>
+                    <a:p>
+                      <a:r>
+                        <a:rPr lang="en-US" sz="1000" kern="1200" dirty="0" smtClean="0">
+                          <a:solidFill>
+                            <a:schemeClr val="dk1"/>
+                          </a:solidFill>
+                          <a:latin typeface="+mn-lt"/>
+                          <a:ea typeface="+mn-ea"/>
+                          <a:cs typeface="+mn-cs"/>
+                        </a:rPr>
+                        <a:t>Done</a:t>
+                      </a:r>
+                    </a:p>
+                  </a:txBody>
+                  <a:tcPr/>
+                </a:tc>
+                <a:tc>
+                  <a:txBody>
+                    <a:bodyPr/>
+                    <a:lstStyle/>
+                    <a:p>
+                      <a:endParaRPr lang="en-US" sz="1000" kern="1200" dirty="0" smtClean="0">
+                        <a:solidFill>
+                          <a:schemeClr val="dk1"/>
+                        </a:solidFill>
+                        <a:latin typeface="+mn-lt"/>
+                        <a:ea typeface="+mn-ea"/>
+                        <a:cs typeface="+mn-cs"/>
+                      </a:endParaRPr>
+                    </a:p>
+                  </a:txBody>
+                  <a:tcPr/>
+                </a:tc>
+              </a:tr>
+              <a:tr h="372191">
+                <a:tc>
+                  <a:txBody>
+                    <a:bodyPr/>
+                    <a:lstStyle/>
+                    <a:p>
+                      <a:r>
+                        <a:rPr lang="en-US" sz="1000" b="1" dirty="0" smtClean="0"/>
+                        <a:t>3</a:t>
+                      </a:r>
+                      <a:endParaRPr lang="en-US" sz="1000" b="1" dirty="0"/>
+                    </a:p>
+                  </a:txBody>
+                  <a:tcPr/>
+                </a:tc>
+                <a:tc>
+                  <a:txBody>
+                    <a:bodyPr/>
+                    <a:lstStyle/>
+                    <a:p>
+                      <a:pPr marL="0" algn="l" defTabSz="914400" rtl="0" eaLnBrk="1" latinLnBrk="0" hangingPunct="1"/>
+                      <a:r>
+                        <a:rPr lang="en-GB" sz="1000" b="1" kern="1200" dirty="0" smtClean="0">
+                          <a:solidFill>
+                            <a:schemeClr val="dk1"/>
+                          </a:solidFill>
+                          <a:latin typeface="+mn-lt"/>
+                          <a:ea typeface="+mn-ea"/>
+                          <a:cs typeface="+mn-cs"/>
+                        </a:rPr>
+                        <a:t>Analysis Modelling</a:t>
+                      </a:r>
+                      <a:endParaRPr lang="en-US" sz="1000" b="1" kern="1200" dirty="0" smtClean="0">
+                        <a:solidFill>
+                          <a:schemeClr val="dk1"/>
+                        </a:solidFill>
+                        <a:latin typeface="+mn-lt"/>
+                        <a:ea typeface="+mn-ea"/>
+                        <a:cs typeface="+mn-cs"/>
+                      </a:endParaRPr>
+                    </a:p>
+                  </a:txBody>
+                  <a:tcPr/>
+                </a:tc>
+                <a:tc>
+                  <a:txBody>
+                    <a:bodyPr/>
+                    <a:lstStyle/>
+                    <a:p>
+                      <a:pPr marL="7620" marR="0">
+                        <a:lnSpc>
+                          <a:spcPts val="1200"/>
+                        </a:lnSpc>
+                        <a:spcBef>
+                          <a:spcPts val="600"/>
+                        </a:spcBef>
+                        <a:spcAft>
+                          <a:spcPts val="0"/>
+                        </a:spcAft>
+                      </a:pPr>
+                      <a:endParaRPr lang="en-US" sz="1000" b="1" dirty="0">
+                        <a:latin typeface="Arial"/>
+                        <a:ea typeface="Times New Roman"/>
+                        <a:cs typeface="Times New Roman"/>
+                      </a:endParaRPr>
+                    </a:p>
+                  </a:txBody>
+                  <a:tcPr marL="68580" marR="68580" marT="0" marB="0"/>
+                </a:tc>
+                <a:tc>
+                  <a:txBody>
+                    <a:bodyPr/>
+                    <a:lstStyle/>
+                    <a:p>
+                      <a:pPr marL="7620" marR="0">
+                        <a:lnSpc>
+                          <a:spcPts val="1200"/>
+                        </a:lnSpc>
+                        <a:spcBef>
+                          <a:spcPts val="600"/>
+                        </a:spcBef>
+                        <a:spcAft>
+                          <a:spcPts val="0"/>
+                        </a:spcAft>
+                      </a:pPr>
+                      <a:endParaRPr lang="en-US" sz="1000" b="1" dirty="0">
+                        <a:latin typeface="Arial"/>
+                        <a:ea typeface="Times New Roman"/>
+                        <a:cs typeface="Times New Roman"/>
+                      </a:endParaRPr>
+                    </a:p>
+                  </a:txBody>
+                  <a:tcPr marL="68580" marR="68580" marT="0" marB="0"/>
+                </a:tc>
+                <a:tc>
+                  <a:txBody>
+                    <a:bodyPr/>
+                    <a:lstStyle/>
+                    <a:p>
+                      <a:endParaRPr lang="en-US" sz="1000" b="1" kern="1200" dirty="0" smtClean="0">
+                        <a:solidFill>
+                          <a:schemeClr val="dk1"/>
+                        </a:solidFill>
+                        <a:latin typeface="+mn-lt"/>
+                        <a:ea typeface="+mn-ea"/>
+                        <a:cs typeface="+mn-cs"/>
+                      </a:endParaRPr>
+                    </a:p>
+                  </a:txBody>
+                  <a:tcPr/>
+                </a:tc>
+                <a:tc>
+                  <a:txBody>
+                    <a:bodyPr/>
+                    <a:lstStyle/>
+                    <a:p>
+                      <a:endParaRPr lang="en-US" sz="1000" b="1" kern="1200" dirty="0" smtClean="0">
+                        <a:solidFill>
+                          <a:schemeClr val="dk1"/>
+                        </a:solidFill>
+                        <a:latin typeface="+mn-lt"/>
+                        <a:ea typeface="+mn-ea"/>
+                        <a:cs typeface="+mn-cs"/>
+                      </a:endParaRPr>
+                    </a:p>
+                  </a:txBody>
+                  <a:tcPr/>
+                </a:tc>
+                <a:tc>
+                  <a:txBody>
+                    <a:bodyPr/>
+                    <a:lstStyle/>
+                    <a:p>
+                      <a:pPr algn="ctr"/>
+                      <a:endParaRPr lang="en-US" sz="1000" b="1" kern="1200" dirty="0" smtClean="0">
+                        <a:solidFill>
+                          <a:schemeClr val="dk1"/>
+                        </a:solidFill>
+                        <a:latin typeface="+mn-lt"/>
+                        <a:ea typeface="+mn-ea"/>
+                        <a:cs typeface="+mn-cs"/>
+                      </a:endParaRPr>
+                    </a:p>
+                  </a:txBody>
+                  <a:tcPr/>
+                </a:tc>
+                <a:tc>
+                  <a:txBody>
+                    <a:bodyPr/>
+                    <a:lstStyle/>
+                    <a:p>
+                      <a:pPr algn="ctr"/>
+                      <a:endParaRPr lang="en-US" sz="1000" b="1" kern="1200" dirty="0" smtClean="0">
+                        <a:solidFill>
+                          <a:schemeClr val="dk1"/>
+                        </a:solidFill>
+                        <a:latin typeface="+mn-lt"/>
+                        <a:ea typeface="+mn-ea"/>
+                        <a:cs typeface="+mn-cs"/>
+                      </a:endParaRPr>
+                    </a:p>
+                  </a:txBody>
+                  <a:tcPr/>
+                </a:tc>
+                <a:tc>
+                  <a:txBody>
+                    <a:bodyPr/>
+                    <a:lstStyle/>
+                    <a:p>
+                      <a:endParaRPr lang="en-US" sz="1000" b="1" kern="1200" dirty="0" smtClean="0">
+                        <a:solidFill>
+                          <a:schemeClr val="dk1"/>
+                        </a:solidFill>
+                        <a:latin typeface="+mn-lt"/>
+                        <a:ea typeface="+mn-ea"/>
+                        <a:cs typeface="+mn-cs"/>
+                      </a:endParaRPr>
+                    </a:p>
+                  </a:txBody>
+                  <a:tcPr/>
+                </a:tc>
+                <a:tc>
+                  <a:txBody>
+                    <a:bodyPr/>
+                    <a:lstStyle/>
+                    <a:p>
+                      <a:endParaRPr lang="en-US" sz="1000" b="1" kern="1200" dirty="0" smtClean="0">
+                        <a:solidFill>
+                          <a:schemeClr val="dk1"/>
+                        </a:solidFill>
+                        <a:latin typeface="+mn-lt"/>
+                        <a:ea typeface="+mn-ea"/>
+                        <a:cs typeface="+mn-cs"/>
+                      </a:endParaRPr>
+                    </a:p>
+                  </a:txBody>
+                  <a:tcPr/>
+                </a:tc>
+              </a:tr>
+              <a:tr h="572601">
+                <a:tc>
+                  <a:txBody>
+                    <a:bodyPr/>
+                    <a:lstStyle/>
+                    <a:p>
+                      <a:r>
+                        <a:rPr lang="en-US" sz="1000" dirty="0" smtClean="0"/>
+                        <a:t>3.1</a:t>
+                      </a:r>
+                      <a:endParaRPr lang="en-US" sz="1000" dirty="0"/>
+                    </a:p>
+                  </a:txBody>
+                  <a:tcPr/>
+                </a:tc>
+                <a:tc>
+                  <a:txBody>
+                    <a:bodyPr/>
+                    <a:lstStyle/>
+                    <a:p>
+                      <a:pPr marL="54610" marR="0">
+                        <a:lnSpc>
+                          <a:spcPts val="1200"/>
+                        </a:lnSpc>
+                        <a:spcBef>
+                          <a:spcPts val="600"/>
+                        </a:spcBef>
+                        <a:spcAft>
+                          <a:spcPts val="0"/>
+                        </a:spcAft>
+                      </a:pPr>
+                      <a:r>
+                        <a:rPr lang="en-GB" sz="1000" kern="1200" dirty="0" smtClean="0">
+                          <a:solidFill>
+                            <a:schemeClr val="dk1"/>
+                          </a:solidFill>
+                          <a:latin typeface="+mn-lt"/>
+                          <a:ea typeface="+mn-ea"/>
+                          <a:cs typeface="+mn-cs"/>
+                        </a:rPr>
+                        <a:t>Produce Functional Specifications : UCMS and UCRR (Analysis) </a:t>
+                      </a:r>
+                      <a:endParaRPr lang="en-US" sz="1000" kern="1200" dirty="0" smtClean="0">
+                        <a:solidFill>
+                          <a:schemeClr val="dk1"/>
+                        </a:solidFill>
+                        <a:latin typeface="+mn-lt"/>
+                        <a:ea typeface="+mn-ea"/>
+                        <a:cs typeface="+mn-cs"/>
+                      </a:endParaRPr>
+                    </a:p>
+                  </a:txBody>
+                  <a:tcPr marL="68580" marR="68580" marT="0" marB="0"/>
+                </a:tc>
+                <a:tc>
+                  <a:txBody>
+                    <a:bodyPr/>
+                    <a:lstStyle/>
+                    <a:p>
+                      <a:pPr marL="7620" marR="0">
+                        <a:lnSpc>
+                          <a:spcPts val="1200"/>
+                        </a:lnSpc>
+                        <a:spcBef>
+                          <a:spcPts val="600"/>
+                        </a:spcBef>
+                        <a:spcAft>
+                          <a:spcPts val="0"/>
+                        </a:spcAft>
+                      </a:pPr>
+                      <a:r>
+                        <a:rPr lang="en-GB" sz="1000" dirty="0">
+                          <a:solidFill>
+                            <a:srgbClr val="000000"/>
+                          </a:solidFill>
+                          <a:latin typeface="Arial"/>
+                          <a:ea typeface="Times New Roman"/>
+                          <a:cs typeface="Arial"/>
+                        </a:rPr>
+                        <a:t>10 Apr 2011</a:t>
+                      </a:r>
+                      <a:endParaRPr lang="en-US" sz="1000" dirty="0">
+                        <a:latin typeface="Arial"/>
+                        <a:ea typeface="Times New Roman"/>
+                        <a:cs typeface="Times New Roman"/>
+                      </a:endParaRPr>
+                    </a:p>
+                  </a:txBody>
+                  <a:tcPr marL="68580" marR="68580" marT="0" marB="0"/>
+                </a:tc>
+                <a:tc>
+                  <a:txBody>
+                    <a:bodyPr/>
+                    <a:lstStyle/>
+                    <a:p>
+                      <a:pPr marL="7620" marR="0">
+                        <a:lnSpc>
+                          <a:spcPts val="1200"/>
+                        </a:lnSpc>
+                        <a:spcBef>
+                          <a:spcPts val="600"/>
+                        </a:spcBef>
+                        <a:spcAft>
+                          <a:spcPts val="0"/>
+                        </a:spcAft>
+                      </a:pPr>
+                      <a:r>
+                        <a:rPr lang="en-GB" sz="1000" dirty="0">
+                          <a:solidFill>
+                            <a:srgbClr val="000000"/>
+                          </a:solidFill>
+                          <a:latin typeface="Arial"/>
+                          <a:ea typeface="Times New Roman"/>
+                          <a:cs typeface="Arial"/>
+                        </a:rPr>
+                        <a:t>07 Jul 2011</a:t>
+                      </a:r>
+                      <a:endParaRPr lang="en-US" sz="1000" dirty="0">
+                        <a:latin typeface="Arial"/>
+                        <a:ea typeface="Times New Roman"/>
+                        <a:cs typeface="Times New Roman"/>
+                      </a:endParaRPr>
+                    </a:p>
+                  </a:txBody>
+                  <a:tcPr marL="68580" marR="68580" marT="0" marB="0"/>
+                </a:tc>
+                <a:tc>
+                  <a:txBody>
+                    <a:bodyPr/>
+                    <a:lstStyle/>
+                    <a:p>
+                      <a:endParaRPr lang="en-US" sz="1000" kern="1200" dirty="0" smtClean="0">
+                        <a:solidFill>
+                          <a:schemeClr val="dk1"/>
+                        </a:solidFill>
+                        <a:latin typeface="+mn-lt"/>
+                        <a:ea typeface="+mn-ea"/>
+                        <a:cs typeface="+mn-cs"/>
+                      </a:endParaRPr>
+                    </a:p>
+                  </a:txBody>
+                  <a:tcPr/>
+                </a:tc>
+                <a:tc>
+                  <a:txBody>
+                    <a:bodyPr/>
+                    <a:lstStyle/>
+                    <a:p>
+                      <a:endParaRPr lang="en-US" sz="1000" kern="1200" dirty="0" smtClean="0">
+                        <a:solidFill>
+                          <a:schemeClr val="dk1"/>
+                        </a:solidFill>
+                        <a:latin typeface="+mn-lt"/>
+                        <a:ea typeface="+mn-ea"/>
+                        <a:cs typeface="+mn-cs"/>
+                      </a:endParaRPr>
+                    </a:p>
+                  </a:txBody>
+                  <a:tcPr/>
+                </a:tc>
+                <a:tc>
+                  <a:txBody>
+                    <a:bodyPr/>
+                    <a:lstStyle/>
+                    <a:p>
+                      <a:pPr algn="ctr"/>
+                      <a:r>
+                        <a:rPr lang="en-US" sz="1000" kern="1200" dirty="0" smtClean="0">
+                          <a:solidFill>
+                            <a:schemeClr val="dk1"/>
+                          </a:solidFill>
+                          <a:latin typeface="+mn-lt"/>
+                          <a:ea typeface="+mn-ea"/>
+                          <a:cs typeface="+mn-cs"/>
+                        </a:rPr>
+                        <a:t>38</a:t>
+                      </a:r>
+                    </a:p>
+                  </a:txBody>
+                  <a:tcPr/>
+                </a:tc>
+                <a:tc>
+                  <a:txBody>
+                    <a:bodyPr/>
+                    <a:lstStyle/>
+                    <a:p>
+                      <a:pPr algn="ctr"/>
+                      <a:endParaRPr lang="en-US" sz="1000" kern="1200" dirty="0" smtClean="0">
+                        <a:solidFill>
+                          <a:schemeClr val="dk1"/>
+                        </a:solidFill>
+                        <a:latin typeface="+mn-lt"/>
+                        <a:ea typeface="+mn-ea"/>
+                        <a:cs typeface="+mn-cs"/>
+                      </a:endParaRPr>
+                    </a:p>
+                  </a:txBody>
+                  <a:tcPr/>
+                </a:tc>
+                <a:tc>
+                  <a:txBody>
+                    <a:bodyPr/>
+                    <a:lstStyle/>
+                    <a:p>
+                      <a:r>
+                        <a:rPr lang="en-US" sz="1000" kern="1200" dirty="0" smtClean="0">
+                          <a:solidFill>
+                            <a:schemeClr val="dk1"/>
+                          </a:solidFill>
+                          <a:latin typeface="+mn-lt"/>
+                          <a:ea typeface="+mn-ea"/>
+                          <a:cs typeface="+mn-cs"/>
+                        </a:rPr>
+                        <a:t>Open</a:t>
+                      </a:r>
+                    </a:p>
+                  </a:txBody>
+                  <a:tcPr/>
+                </a:tc>
+                <a:tc>
+                  <a:txBody>
+                    <a:bodyPr/>
+                    <a:lstStyle/>
+                    <a:p>
+                      <a:endParaRPr lang="en-US" sz="1000" kern="1200" dirty="0" smtClean="0">
+                        <a:solidFill>
+                          <a:schemeClr val="dk1"/>
+                        </a:solidFill>
+                        <a:latin typeface="+mn-lt"/>
+                        <a:ea typeface="+mn-ea"/>
+                        <a:cs typeface="+mn-cs"/>
+                      </a:endParaRPr>
+                    </a:p>
+                  </a:txBody>
+                  <a:tcPr/>
+                </a:tc>
+              </a:tr>
+              <a:tr h="572601">
+                <a:tc>
+                  <a:txBody>
+                    <a:bodyPr/>
+                    <a:lstStyle/>
+                    <a:p>
+                      <a:r>
+                        <a:rPr lang="en-US" sz="1000" dirty="0" smtClean="0"/>
+                        <a:t>3.3</a:t>
+                      </a:r>
+                      <a:endParaRPr lang="en-US" sz="1000" dirty="0"/>
+                    </a:p>
+                  </a:txBody>
+                  <a:tcPr/>
+                </a:tc>
+                <a:tc>
+                  <a:txBody>
+                    <a:bodyPr/>
+                    <a:lstStyle/>
+                    <a:p>
+                      <a:pPr marL="54610" marR="0">
+                        <a:lnSpc>
+                          <a:spcPts val="1200"/>
+                        </a:lnSpc>
+                        <a:spcBef>
+                          <a:spcPts val="600"/>
+                        </a:spcBef>
+                        <a:spcAft>
+                          <a:spcPts val="0"/>
+                        </a:spcAft>
+                      </a:pPr>
+                      <a:r>
+                        <a:rPr lang="en-GB" sz="1000" kern="1200" dirty="0" smtClean="0">
+                          <a:solidFill>
+                            <a:schemeClr val="dk1"/>
+                          </a:solidFill>
+                          <a:latin typeface="+mn-lt"/>
+                          <a:ea typeface="+mn-ea"/>
+                          <a:cs typeface="+mn-cs"/>
+                        </a:rPr>
+                        <a:t>Produce Prototyping Study Report</a:t>
+                      </a:r>
+                      <a:endParaRPr lang="en-US" sz="1000" kern="1200" dirty="0" smtClean="0">
+                        <a:solidFill>
+                          <a:schemeClr val="dk1"/>
+                        </a:solidFill>
+                        <a:latin typeface="+mn-lt"/>
+                        <a:ea typeface="+mn-ea"/>
+                        <a:cs typeface="+mn-cs"/>
+                      </a:endParaRPr>
+                    </a:p>
+                  </a:txBody>
+                  <a:tcPr marL="68580" marR="68580" marT="0" marB="0"/>
+                </a:tc>
+                <a:tc>
+                  <a:txBody>
+                    <a:bodyPr/>
+                    <a:lstStyle/>
+                    <a:p>
+                      <a:pPr marL="7620" marR="0">
+                        <a:lnSpc>
+                          <a:spcPts val="1200"/>
+                        </a:lnSpc>
+                        <a:spcBef>
+                          <a:spcPts val="600"/>
+                        </a:spcBef>
+                        <a:spcAft>
+                          <a:spcPts val="0"/>
+                        </a:spcAft>
+                      </a:pPr>
+                      <a:r>
+                        <a:rPr lang="en-GB" sz="1000" dirty="0">
+                          <a:solidFill>
+                            <a:srgbClr val="000000"/>
+                          </a:solidFill>
+                          <a:latin typeface="Arial"/>
+                          <a:ea typeface="Times New Roman"/>
+                          <a:cs typeface="Arial"/>
+                        </a:rPr>
+                        <a:t>10 Apr 2011</a:t>
+                      </a:r>
+                      <a:endParaRPr lang="en-US" sz="1000" dirty="0">
+                        <a:latin typeface="Arial"/>
+                        <a:ea typeface="Times New Roman"/>
+                        <a:cs typeface="Times New Roman"/>
+                      </a:endParaRPr>
+                    </a:p>
+                  </a:txBody>
+                  <a:tcPr marL="68580" marR="68580" marT="0" marB="0"/>
+                </a:tc>
+                <a:tc>
+                  <a:txBody>
+                    <a:bodyPr/>
+                    <a:lstStyle/>
+                    <a:p>
+                      <a:pPr marL="7620" marR="0">
+                        <a:lnSpc>
+                          <a:spcPts val="1200"/>
+                        </a:lnSpc>
+                        <a:spcBef>
+                          <a:spcPts val="600"/>
+                        </a:spcBef>
+                        <a:spcAft>
+                          <a:spcPts val="0"/>
+                        </a:spcAft>
+                      </a:pPr>
+                      <a:r>
+                        <a:rPr lang="en-GB" sz="1000" dirty="0">
+                          <a:solidFill>
+                            <a:srgbClr val="000000"/>
+                          </a:solidFill>
+                          <a:latin typeface="Arial"/>
+                          <a:ea typeface="Times New Roman"/>
+                          <a:cs typeface="Arial"/>
+                        </a:rPr>
+                        <a:t>12 Jun 2011</a:t>
+                      </a:r>
+                      <a:endParaRPr lang="en-US" sz="1000" dirty="0">
+                        <a:latin typeface="Arial"/>
+                        <a:ea typeface="Times New Roman"/>
+                        <a:cs typeface="Times New Roman"/>
+                      </a:endParaRPr>
+                    </a:p>
+                  </a:txBody>
+                  <a:tcPr marL="68580" marR="68580" marT="0" marB="0"/>
+                </a:tc>
+                <a:tc>
+                  <a:txBody>
+                    <a:bodyPr/>
+                    <a:lstStyle/>
+                    <a:p>
+                      <a:endParaRPr lang="en-US" sz="1000" kern="1200" dirty="0" smtClean="0">
+                        <a:solidFill>
+                          <a:schemeClr val="dk1"/>
+                        </a:solidFill>
+                        <a:latin typeface="+mn-lt"/>
+                        <a:ea typeface="+mn-ea"/>
+                        <a:cs typeface="+mn-cs"/>
+                      </a:endParaRPr>
+                    </a:p>
+                  </a:txBody>
+                  <a:tcPr/>
+                </a:tc>
+                <a:tc>
+                  <a:txBody>
+                    <a:bodyPr/>
+                    <a:lstStyle/>
+                    <a:p>
+                      <a:endParaRPr lang="en-US" sz="1000" kern="1200" dirty="0" smtClean="0">
+                        <a:solidFill>
+                          <a:schemeClr val="dk1"/>
+                        </a:solidFill>
+                        <a:latin typeface="+mn-lt"/>
+                        <a:ea typeface="+mn-ea"/>
+                        <a:cs typeface="+mn-cs"/>
+                      </a:endParaRPr>
+                    </a:p>
+                  </a:txBody>
+                  <a:tcPr/>
+                </a:tc>
+                <a:tc>
+                  <a:txBody>
+                    <a:bodyPr/>
+                    <a:lstStyle/>
+                    <a:p>
+                      <a:pPr algn="ctr"/>
+                      <a:r>
+                        <a:rPr lang="en-US" sz="1000" kern="1200" smtClean="0">
+                          <a:solidFill>
+                            <a:schemeClr val="dk1"/>
+                          </a:solidFill>
+                          <a:latin typeface="+mn-lt"/>
+                          <a:ea typeface="+mn-ea"/>
+                          <a:cs typeface="+mn-cs"/>
+                        </a:rPr>
+                        <a:t>17.5</a:t>
+                      </a:r>
+                      <a:endParaRPr lang="en-US" sz="1000" kern="1200" dirty="0" smtClean="0">
+                        <a:solidFill>
+                          <a:schemeClr val="dk1"/>
+                        </a:solidFill>
+                        <a:latin typeface="+mn-lt"/>
+                        <a:ea typeface="+mn-ea"/>
+                        <a:cs typeface="+mn-cs"/>
+                      </a:endParaRPr>
+                    </a:p>
+                  </a:txBody>
+                  <a:tcPr/>
+                </a:tc>
+                <a:tc>
+                  <a:txBody>
+                    <a:bodyPr/>
+                    <a:lstStyle/>
+                    <a:p>
+                      <a:pPr algn="ctr"/>
+                      <a:endParaRPr lang="en-US" sz="1000" kern="1200" dirty="0" smtClean="0">
+                        <a:solidFill>
+                          <a:schemeClr val="dk1"/>
+                        </a:solidFill>
+                        <a:latin typeface="+mn-lt"/>
+                        <a:ea typeface="+mn-ea"/>
+                        <a:cs typeface="+mn-cs"/>
+                      </a:endParaRPr>
+                    </a:p>
+                  </a:txBody>
+                  <a:tcPr/>
+                </a:tc>
+                <a:tc>
+                  <a:txBody>
+                    <a:bodyPr/>
+                    <a:lstStyle/>
+                    <a:p>
+                      <a:r>
+                        <a:rPr lang="en-US" sz="1000" kern="1200" dirty="0" smtClean="0">
+                          <a:solidFill>
+                            <a:schemeClr val="dk1"/>
+                          </a:solidFill>
+                          <a:latin typeface="+mn-lt"/>
+                          <a:ea typeface="+mn-ea"/>
+                          <a:cs typeface="+mn-cs"/>
+                        </a:rPr>
+                        <a:t>Open</a:t>
+                      </a:r>
+                    </a:p>
+                  </a:txBody>
+                  <a:tcPr/>
+                </a:tc>
+                <a:tc>
+                  <a:txBody>
+                    <a:bodyPr/>
+                    <a:lstStyle/>
+                    <a:p>
+                      <a:endParaRPr lang="en-US" sz="1000" kern="1200" dirty="0" smtClean="0">
+                        <a:solidFill>
+                          <a:schemeClr val="dk1"/>
+                        </a:solidFill>
+                        <a:latin typeface="+mn-lt"/>
+                        <a:ea typeface="+mn-ea"/>
+                        <a:cs typeface="+mn-cs"/>
+                      </a:endParaRPr>
+                    </a:p>
+                  </a:txBody>
+                  <a:tcPr/>
+                </a:tc>
+              </a:tr>
+            </a:tbl>
+          </a:graphicData>
+        </a:graphic>
+      </p:graphicFrame>
+    </p:spTree>
+    <p:extLst>
+      <p:ext uri="{BB962C8B-B14F-4D97-AF65-F5344CB8AC3E}">
+        <p14:creationId xmlns:p14="http://schemas.microsoft.com/office/powerpoint/2010/main" val="923722062"/>
+      </p:ext>
+    </p:extLst>
+  </p:cSld>
+  <p:clrMapOvr>
+    <a:masterClrMapping/>
+  </p:clrMapOvr>
+  <p:timing>
+    <p:tnLst>
+      <p:par>
+        <p:cTn id="1" dur="indefinite" restart="never" nodeType="tmRoot"/>
+      </p:par>
+    </p:tnLst>
+  </p:timing>
+</p:sld>
+</file>
+
+<file path=ppt/slides/slide34.xml><?xml version="1.0" encoding="utf-8"?>
+<p:sld xmlns:a="http://schemas.openxmlformats.org/drawingml/2006/main" xmlns:r="http://schemas.openxmlformats.org/officeDocument/2006/relationships" xmlns:p="http://schemas.openxmlformats.org/presentationml/2006/main">
+  <p:cSld>
+    <p:spTree>
+      <p:nvGrpSpPr>
+        <p:cNvPr id="1" name=""/>
+        <p:cNvGrpSpPr/>
+        <p:nvPr/>
+      </p:nvGrpSpPr>
+      <p:grpSpPr>
+        <a:xfrm>
+          <a:off x="0" y="0"/>
+          <a:ext cx="0" cy="0"/>
+          <a:chOff x="0" y="0"/>
+          <a:chExt cx="0" cy="0"/>
+        </a:xfrm>
+      </p:grpSpPr>
+      <p:sp>
+        <p:nvSpPr>
+          <p:cNvPr id="22532" name="Rectangle 4"/>
+          <p:cNvSpPr>
+            <a:spLocks noGrp="1" noChangeArrowheads="1"/>
+          </p:cNvSpPr>
+          <p:nvPr>
+            <p:ph type="title"/>
+          </p:nvPr>
+        </p:nvSpPr>
+        <p:spPr/>
+        <p:txBody>
+          <a:bodyPr/>
+          <a:lstStyle/>
+          <a:p>
+            <a:r>
+              <a:rPr lang="en-US" dirty="0" smtClean="0"/>
+              <a:t>Agenda</a:t>
+            </a:r>
+            <a:endParaRPr lang="en-US" dirty="0"/>
+          </a:p>
+        </p:txBody>
+      </p:sp>
+      <p:sp>
+        <p:nvSpPr>
+          <p:cNvPr id="22533" name="Rectangle 5"/>
+          <p:cNvSpPr>
+            <a:spLocks noGrp="1" noChangeArrowheads="1"/>
+          </p:cNvSpPr>
+          <p:nvPr>
+            <p:ph type="body" idx="1"/>
+          </p:nvPr>
+        </p:nvSpPr>
+        <p:spPr>
+          <a:xfrm>
+            <a:off x="1143000" y="1524000"/>
+            <a:ext cx="7391400" cy="4648200"/>
+          </a:xfrm>
+        </p:spPr>
+        <p:txBody>
+          <a:bodyPr/>
+          <a:lstStyle/>
+          <a:p>
+            <a:pPr>
+              <a:buFont typeface="Wingdings" pitchFamily="2" charset="2"/>
+              <a:buChar char="v"/>
+            </a:pPr>
+            <a:r>
+              <a:rPr lang="en-US" dirty="0">
+                <a:solidFill>
+                  <a:schemeClr val="bg1">
+                    <a:lumMod val="75000"/>
+                  </a:schemeClr>
+                </a:solidFill>
+              </a:rPr>
+              <a:t>Project Revisit</a:t>
+            </a:r>
+          </a:p>
+          <a:p>
+            <a:pPr>
+              <a:buFont typeface="Wingdings" pitchFamily="2" charset="2"/>
+              <a:buChar char="v"/>
+            </a:pPr>
+            <a:r>
+              <a:rPr lang="en-US" dirty="0">
+                <a:solidFill>
+                  <a:schemeClr val="bg1">
+                    <a:lumMod val="75000"/>
+                  </a:schemeClr>
+                </a:solidFill>
+              </a:rPr>
+              <a:t>Use Case Modeling</a:t>
+            </a:r>
+          </a:p>
+          <a:p>
+            <a:pPr>
+              <a:buFont typeface="Wingdings" pitchFamily="2" charset="2"/>
+              <a:buChar char="v"/>
+            </a:pPr>
+            <a:r>
+              <a:rPr lang="en-US" dirty="0" smtClean="0">
+                <a:solidFill>
+                  <a:schemeClr val="bg1">
+                    <a:lumMod val="75000"/>
+                  </a:schemeClr>
+                </a:solidFill>
+              </a:rPr>
+              <a:t>Software Architecture</a:t>
+            </a:r>
+          </a:p>
+          <a:p>
+            <a:pPr>
+              <a:buFont typeface="Wingdings" pitchFamily="2" charset="2"/>
+              <a:buChar char="v"/>
+            </a:pPr>
+            <a:r>
+              <a:rPr lang="en-US" dirty="0" smtClean="0">
+                <a:solidFill>
+                  <a:schemeClr val="bg1">
+                    <a:lumMod val="75000"/>
+                  </a:schemeClr>
+                </a:solidFill>
+              </a:rPr>
+              <a:t>Demo of Prototype</a:t>
+            </a:r>
+          </a:p>
+          <a:p>
+            <a:pPr>
+              <a:buFont typeface="Wingdings" pitchFamily="2" charset="2"/>
+              <a:buChar char="v"/>
+            </a:pPr>
+            <a:r>
+              <a:rPr lang="en-US" dirty="0" smtClean="0">
+                <a:solidFill>
+                  <a:schemeClr val="bg1">
+                    <a:lumMod val="75000"/>
+                  </a:schemeClr>
+                </a:solidFill>
+              </a:rPr>
+              <a:t>Transition Strategy</a:t>
+            </a:r>
+          </a:p>
+          <a:p>
+            <a:pPr>
+              <a:buFont typeface="Wingdings" pitchFamily="2" charset="2"/>
+              <a:buChar char="v"/>
+            </a:pPr>
+            <a:r>
+              <a:rPr lang="en-US" dirty="0" smtClean="0">
+                <a:solidFill>
+                  <a:schemeClr val="bg1">
+                    <a:lumMod val="75000"/>
+                  </a:schemeClr>
+                </a:solidFill>
+              </a:rPr>
+              <a:t>Project Progress</a:t>
+            </a:r>
+          </a:p>
+          <a:p>
+            <a:pPr>
+              <a:buFont typeface="Wingdings" pitchFamily="2" charset="2"/>
+              <a:buChar char="v"/>
+            </a:pPr>
+            <a:r>
+              <a:rPr lang="en-US" dirty="0">
+                <a:solidFill>
+                  <a:schemeClr val="bg1">
+                    <a:lumMod val="75000"/>
+                  </a:schemeClr>
+                </a:solidFill>
+              </a:rPr>
+              <a:t>Development </a:t>
+            </a:r>
+            <a:r>
+              <a:rPr lang="en-US" dirty="0" smtClean="0">
+                <a:solidFill>
+                  <a:schemeClr val="bg1">
+                    <a:lumMod val="75000"/>
+                  </a:schemeClr>
+                </a:solidFill>
+              </a:rPr>
+              <a:t>Plan</a:t>
+            </a:r>
+            <a:endParaRPr lang="en-US" dirty="0" smtClean="0">
+              <a:solidFill>
+                <a:schemeClr val="bg1">
+                  <a:lumMod val="75000"/>
+                </a:schemeClr>
+              </a:solidFill>
+            </a:endParaRPr>
+          </a:p>
+          <a:p>
+            <a:pPr>
+              <a:buFont typeface="Wingdings" pitchFamily="2" charset="2"/>
+              <a:buChar char="v"/>
+            </a:pPr>
+            <a:r>
+              <a:rPr lang="en-US" b="1" dirty="0" smtClean="0"/>
+              <a:t>Challenges &amp; Problems</a:t>
+            </a:r>
+            <a:endParaRPr lang="en-US" b="1" dirty="0" smtClean="0"/>
+          </a:p>
+          <a:p>
+            <a:pPr>
+              <a:buFont typeface="Wingdings" pitchFamily="2" charset="2"/>
+              <a:buChar char="v"/>
+            </a:pPr>
+            <a:r>
+              <a:rPr lang="en-US" dirty="0" smtClean="0">
+                <a:solidFill>
+                  <a:schemeClr val="bg1">
+                    <a:lumMod val="75000"/>
+                  </a:schemeClr>
+                </a:solidFill>
+              </a:rPr>
+              <a:t>Q &amp; A</a:t>
+            </a:r>
+            <a:endParaRPr lang="en-US" dirty="0" smtClean="0">
+              <a:solidFill>
+                <a:schemeClr val="bg1">
+                  <a:lumMod val="75000"/>
+                </a:schemeClr>
+              </a:solidFill>
+            </a:endParaRPr>
+          </a:p>
+        </p:txBody>
+      </p:sp>
+    </p:spTree>
+    <p:extLst>
+      <p:ext uri="{BB962C8B-B14F-4D97-AF65-F5344CB8AC3E}">
+        <p14:creationId xmlns:p14="http://schemas.microsoft.com/office/powerpoint/2010/main" val="674631353"/>
+      </p:ext>
+    </p:extLst>
+  </p:cSld>
+  <p:clrMapOvr>
+    <a:masterClrMapping/>
+  </p:clrMapOvr>
+  <p:timing>
+    <p:tnLst>
+      <p:par>
+        <p:cTn id="1" dur="indefinite" restart="never" nodeType="tmRoot"/>
+      </p:par>
+    </p:tnLst>
+  </p:timing>
+</p:sld>
+</file>
+
+<file path=ppt/slides/slide35.xml><?xml version="1.0" encoding="utf-8"?>
+<p:sld xmlns:a="http://schemas.openxmlformats.org/drawingml/2006/main" xmlns:r="http://schemas.openxmlformats.org/officeDocument/2006/relationships" xmlns:p="http://schemas.openxmlformats.org/presentationml/2006/main">
+  <p:cSld>
+    <p:spTree>
+      <p:nvGrpSpPr>
+        <p:cNvPr id="1" name=""/>
+        <p:cNvGrpSpPr/>
+        <p:nvPr/>
+      </p:nvGrpSpPr>
+      <p:grpSpPr>
+        <a:xfrm>
+          <a:off x="0" y="0"/>
+          <a:ext cx="0" cy="0"/>
+          <a:chOff x="0" y="0"/>
+          <a:chExt cx="0" cy="0"/>
+        </a:xfrm>
+      </p:grpSpPr>
+      <p:sp>
+        <p:nvSpPr>
+          <p:cNvPr id="4" name="Title 3"/>
+          <p:cNvSpPr>
+            <a:spLocks noGrp="1"/>
+          </p:cNvSpPr>
+          <p:nvPr>
+            <p:ph type="title"/>
+          </p:nvPr>
+        </p:nvSpPr>
+        <p:spPr/>
+        <p:txBody>
+          <a:bodyPr/>
+          <a:lstStyle/>
+          <a:p>
+            <a:r>
+              <a:rPr lang="en-US" dirty="0" smtClean="0"/>
+              <a:t>Challenges &amp; Problems</a:t>
             </a:r>
             <a:endParaRPr lang="en-US" dirty="0"/>
           </a:p>
@@ -21701,7 +26910,7 @@
 </p:sld>
 </file>
 
-<file path=ppt/slides/slide23.xml><?xml version="1.0" encoding="utf-8"?>
+<file path=ppt/slides/slide36.xml><?xml version="1.0" encoding="utf-8"?>
 <p:sld xmlns:a="http://schemas.openxmlformats.org/drawingml/2006/main" xmlns:r="http://schemas.openxmlformats.org/officeDocument/2006/relationships" xmlns:p="http://schemas.openxmlformats.org/presentationml/2006/main">
   <p:cSld>
     <p:spTree>
@@ -21735,7 +26944,7 @@
           <a:p>
             <a:r>
               <a:rPr lang="en-US" dirty="0" smtClean="0"/>
-              <a:t>Management Problems</a:t>
+              <a:t>Challenges &amp; Problems</a:t>
             </a:r>
             <a:endParaRPr lang="en-US" dirty="0"/>
           </a:p>
@@ -22220,7 +27429,7 @@
 </p:sld>
 </file>
 
-<file path=ppt/slides/slide24.xml><?xml version="1.0" encoding="utf-8"?>
+<file path=ppt/slides/slide37.xml><?xml version="1.0" encoding="utf-8"?>
 <p:sld xmlns:a="http://schemas.openxmlformats.org/drawingml/2006/main" xmlns:r="http://schemas.openxmlformats.org/officeDocument/2006/relationships" xmlns:p="http://schemas.openxmlformats.org/presentationml/2006/main">
   <p:cSld>
     <p:spTree>
@@ -22239,9 +27448,9 @@
       </p:grpSpPr>
       <p:sp>
         <p:nvSpPr>
-          <p:cNvPr id="4" name="Title 3"/>
+          <p:cNvPr id="22532" name="Rectangle 4"/>
           <p:cNvSpPr>
-            <a:spLocks noGrp="1"/>
+            <a:spLocks noGrp="1" noChangeArrowheads="1"/>
           </p:cNvSpPr>
           <p:nvPr>
             <p:ph type="title"/>
@@ -22254,7 +27463,7 @@
           <a:p>
             <a:r>
               <a:rPr lang="en-US" dirty="0" smtClean="0"/>
-              <a:t>Challenges</a:t>
+              <a:t>Agenda</a:t>
             </a:r>
             <a:endParaRPr lang="en-US" dirty="0"/>
           </a:p>
@@ -22262,61 +27471,161 @@
       </p:sp>
       <p:sp>
         <p:nvSpPr>
-          <p:cNvPr id="5" name="Text Placeholder 4"/>
+          <p:cNvPr id="22533" name="Rectangle 5"/>
           <p:cNvSpPr>
-            <a:spLocks noGrp="1"/>
+            <a:spLocks noGrp="1" noChangeArrowheads="1"/>
           </p:cNvSpPr>
           <p:nvPr>
             <p:ph type="body" idx="1"/>
           </p:nvPr>
         </p:nvSpPr>
-        <p:spPr/>
+        <p:spPr>
+          <a:xfrm>
+            <a:off x="1143000" y="1524000"/>
+            <a:ext cx="7391400" cy="4648200"/>
+          </a:xfrm>
+        </p:spPr>
         <p:txBody>
           <a:bodyPr/>
           <a:lstStyle/>
           <a:p>
+            <a:pPr>
+              <a:buFont typeface="Wingdings" pitchFamily="2" charset="2"/>
+              <a:buChar char="v"/>
+            </a:pPr>
             <a:r>
-              <a:rPr lang="en-US" dirty="0" smtClean="0"/>
-              <a:t>Volunteer Management System</a:t>
+              <a:rPr lang="en-US" dirty="0">
+                <a:solidFill>
+                  <a:schemeClr val="bg1">
+                    <a:lumMod val="75000"/>
+                  </a:schemeClr>
+                </a:solidFill>
+              </a:rPr>
+              <a:t>Project Revisit</a:t>
             </a:r>
-            <a:endParaRPr lang="en-US" dirty="0"/>
+          </a:p>
+          <a:p>
+            <a:pPr>
+              <a:buFont typeface="Wingdings" pitchFamily="2" charset="2"/>
+              <a:buChar char="v"/>
+            </a:pPr>
+            <a:r>
+              <a:rPr lang="en-US" dirty="0">
+                <a:solidFill>
+                  <a:schemeClr val="bg1">
+                    <a:lumMod val="75000"/>
+                  </a:schemeClr>
+                </a:solidFill>
+              </a:rPr>
+              <a:t>Use Case Modeling</a:t>
+            </a:r>
+          </a:p>
+          <a:p>
+            <a:pPr>
+              <a:buFont typeface="Wingdings" pitchFamily="2" charset="2"/>
+              <a:buChar char="v"/>
+            </a:pPr>
+            <a:r>
+              <a:rPr lang="en-US" dirty="0" smtClean="0">
+                <a:solidFill>
+                  <a:schemeClr val="bg1">
+                    <a:lumMod val="75000"/>
+                  </a:schemeClr>
+                </a:solidFill>
+              </a:rPr>
+              <a:t>Software Architecture</a:t>
+            </a:r>
+          </a:p>
+          <a:p>
+            <a:pPr>
+              <a:buFont typeface="Wingdings" pitchFamily="2" charset="2"/>
+              <a:buChar char="v"/>
+            </a:pPr>
+            <a:r>
+              <a:rPr lang="en-US" dirty="0" smtClean="0">
+                <a:solidFill>
+                  <a:schemeClr val="bg1">
+                    <a:lumMod val="75000"/>
+                  </a:schemeClr>
+                </a:solidFill>
+              </a:rPr>
+              <a:t>Demo of Prototype</a:t>
+            </a:r>
+          </a:p>
+          <a:p>
+            <a:pPr>
+              <a:buFont typeface="Wingdings" pitchFamily="2" charset="2"/>
+              <a:buChar char="v"/>
+            </a:pPr>
+            <a:r>
+              <a:rPr lang="en-US" dirty="0" smtClean="0">
+                <a:solidFill>
+                  <a:schemeClr val="bg1">
+                    <a:lumMod val="75000"/>
+                  </a:schemeClr>
+                </a:solidFill>
+              </a:rPr>
+              <a:t>Transition Strategy</a:t>
+            </a:r>
+          </a:p>
+          <a:p>
+            <a:pPr>
+              <a:buFont typeface="Wingdings" pitchFamily="2" charset="2"/>
+              <a:buChar char="v"/>
+            </a:pPr>
+            <a:r>
+              <a:rPr lang="en-US" dirty="0" smtClean="0">
+                <a:solidFill>
+                  <a:schemeClr val="bg1">
+                    <a:lumMod val="75000"/>
+                  </a:schemeClr>
+                </a:solidFill>
+              </a:rPr>
+              <a:t>Project Progress</a:t>
+            </a:r>
+          </a:p>
+          <a:p>
+            <a:pPr>
+              <a:buFont typeface="Wingdings" pitchFamily="2" charset="2"/>
+              <a:buChar char="v"/>
+            </a:pPr>
+            <a:r>
+              <a:rPr lang="en-US" dirty="0" smtClean="0">
+                <a:solidFill>
+                  <a:schemeClr val="bg1">
+                    <a:lumMod val="75000"/>
+                  </a:schemeClr>
+                </a:solidFill>
+              </a:rPr>
+              <a:t>Challenges &amp; Problems</a:t>
+            </a:r>
+            <a:endParaRPr lang="en-US" dirty="0" smtClean="0">
+              <a:solidFill>
+                <a:schemeClr val="bg1">
+                  <a:lumMod val="75000"/>
+                </a:schemeClr>
+              </a:solidFill>
+            </a:endParaRPr>
+          </a:p>
+          <a:p>
+            <a:pPr>
+              <a:buFont typeface="Wingdings" pitchFamily="2" charset="2"/>
+              <a:buChar char="v"/>
+            </a:pPr>
+            <a:r>
+              <a:rPr lang="en-US" b="1" dirty="0" smtClean="0"/>
+              <a:t>Q &amp; A</a:t>
+            </a:r>
+            <a:endParaRPr lang="en-US" b="1" dirty="0" smtClean="0"/>
           </a:p>
         </p:txBody>
       </p:sp>
-      <p:pic>
-        <p:nvPicPr>
-          <p:cNvPr id="9218" name="Picture 2"/>
-          <p:cNvPicPr>
-            <a:picLocks noChangeAspect="1" noChangeArrowheads="1"/>
-          </p:cNvPicPr>
-          <p:nvPr/>
-        </p:nvPicPr>
-        <p:blipFill>
-          <a:blip r:embed="rId2" cstate="print"/>
-          <a:srcRect/>
-          <a:stretch>
-            <a:fillRect/>
-          </a:stretch>
-        </p:blipFill>
-        <p:spPr bwMode="auto">
-          <a:xfrm>
-            <a:off x="1219200" y="304800"/>
-            <a:ext cx="6460064" cy="3633786"/>
-          </a:xfrm>
-          <a:prstGeom prst="rect">
-            <a:avLst/>
-          </a:prstGeom>
-          <a:noFill/>
-          <a:ln w="9525">
-            <a:noFill/>
-            <a:miter lim="800000"/>
-            <a:headEnd/>
-            <a:tailEnd/>
-          </a:ln>
-          <a:effectLst/>
-        </p:spPr>
-      </p:pic>
     </p:spTree>
+    <p:extLst>
+      <p:ext uri="{BB962C8B-B14F-4D97-AF65-F5344CB8AC3E}">
+        <p14:creationId xmlns:p14="http://schemas.microsoft.com/office/powerpoint/2010/main" val="4091434407"/>
+      </p:ext>
+    </p:extLst>
   </p:cSld>
   <p:clrMapOvr>
     <a:masterClrMapping/>
@@ -22331,576 +27640,7 @@
 </p:sld>
 </file>
 
-<file path=ppt/slides/slide25.xml><?xml version="1.0" encoding="utf-8"?>
-<p:sld xmlns:a="http://schemas.openxmlformats.org/drawingml/2006/main" xmlns:r="http://schemas.openxmlformats.org/officeDocument/2006/relationships" xmlns:p="http://schemas.openxmlformats.org/presentationml/2006/main">
-  <p:cSld>
-    <p:spTree>
-      <p:nvGrpSpPr>
-        <p:cNvPr id="1" name=""/>
-        <p:cNvGrpSpPr/>
-        <p:nvPr/>
-      </p:nvGrpSpPr>
-      <p:grpSpPr>
-        <a:xfrm>
-          <a:off x="0" y="0"/>
-          <a:ext cx="0" cy="0"/>
-          <a:chOff x="0" y="0"/>
-          <a:chExt cx="0" cy="0"/>
-        </a:xfrm>
-      </p:grpSpPr>
-      <p:sp>
-        <p:nvSpPr>
-          <p:cNvPr id="10244" name="Rectangle 4"/>
-          <p:cNvSpPr>
-            <a:spLocks noGrp="1" noChangeArrowheads="1"/>
-          </p:cNvSpPr>
-          <p:nvPr>
-            <p:ph type="title"/>
-          </p:nvPr>
-        </p:nvSpPr>
-        <p:spPr/>
-        <p:txBody>
-          <a:bodyPr/>
-          <a:lstStyle/>
-          <a:p>
-            <a:r>
-              <a:rPr lang="en-US" dirty="0" smtClean="0"/>
-              <a:t>Challenges</a:t>
-            </a:r>
-            <a:endParaRPr lang="en-US" dirty="0"/>
-          </a:p>
-        </p:txBody>
-      </p:sp>
-      <p:graphicFrame>
-        <p:nvGraphicFramePr>
-          <p:cNvPr id="6" name="Table 5"/>
-          <p:cNvGraphicFramePr>
-            <a:graphicFrameLocks noGrp="1"/>
-          </p:cNvGraphicFramePr>
-          <p:nvPr>
-            <p:extLst>
-              <p:ext uri="{D42A27DB-BD31-4B8C-83A1-F6EECF244321}">
-                <p14:modId xmlns:p14="http://schemas.microsoft.com/office/powerpoint/2010/main" val="1682286493"/>
-              </p:ext>
-            </p:extLst>
-          </p:nvPr>
-        </p:nvGraphicFramePr>
-        <p:xfrm>
-          <a:off x="685801" y="1676401"/>
-          <a:ext cx="7238999" cy="3919325"/>
-        </p:xfrm>
-        <a:graphic>
-          <a:graphicData uri="http://schemas.openxmlformats.org/drawingml/2006/table">
-            <a:tbl>
-              <a:tblPr firstRow="1" bandRow="1">
-                <a:tableStyleId>{5C22544A-7EE6-4342-B048-85BDC9FD1C3A}</a:tableStyleId>
-              </a:tblPr>
-              <a:tblGrid>
-                <a:gridCol w="645060"/>
-                <a:gridCol w="3870356"/>
-                <a:gridCol w="2723583"/>
-              </a:tblGrid>
-              <a:tr h="493642">
-                <a:tc>
-                  <a:txBody>
-                    <a:bodyPr/>
-                    <a:lstStyle/>
-                    <a:p>
-                      <a:r>
-                        <a:rPr lang="en-US" dirty="0" smtClean="0"/>
-                        <a:t>No</a:t>
-                      </a:r>
-                      <a:endParaRPr lang="en-US" dirty="0"/>
-                    </a:p>
-                  </a:txBody>
-                  <a:tcPr/>
-                </a:tc>
-                <a:tc>
-                  <a:txBody>
-                    <a:bodyPr/>
-                    <a:lstStyle/>
-                    <a:p>
-                      <a:r>
-                        <a:rPr lang="en-US" dirty="0" smtClean="0"/>
-                        <a:t>Challenge</a:t>
-                      </a:r>
-                      <a:endParaRPr lang="en-US" dirty="0"/>
-                    </a:p>
-                  </a:txBody>
-                  <a:tcPr/>
-                </a:tc>
-                <a:tc>
-                  <a:txBody>
-                    <a:bodyPr/>
-                    <a:lstStyle/>
-                    <a:p>
-                      <a:r>
-                        <a:rPr lang="en-US" dirty="0" smtClean="0"/>
-                        <a:t>Strategies</a:t>
-                      </a:r>
-                      <a:endParaRPr lang="en-US" dirty="0"/>
-                    </a:p>
-                  </a:txBody>
-                  <a:tcPr/>
-                </a:tc>
-              </a:tr>
-              <a:tr h="493642">
-                <a:tc>
-                  <a:txBody>
-                    <a:bodyPr/>
-                    <a:lstStyle/>
-                    <a:p>
-                      <a:pPr marL="342900" indent="-342900">
-                        <a:buFont typeface="+mj-lt"/>
-                        <a:buNone/>
-                      </a:pPr>
-                      <a:r>
-                        <a:rPr lang="en-US" baseline="0" dirty="0" smtClean="0">
-                          <a:solidFill>
-                            <a:schemeClr val="tx1"/>
-                          </a:solidFill>
-                        </a:rPr>
-                        <a:t> 1.</a:t>
-                      </a:r>
-                    </a:p>
-                  </a:txBody>
-                  <a:tcPr/>
-                </a:tc>
-                <a:tc>
-                  <a:txBody>
-                    <a:bodyPr/>
-                    <a:lstStyle/>
-                    <a:p>
-                      <a:r>
-                        <a:rPr lang="en-US" dirty="0" smtClean="0"/>
-                        <a:t>Phung Kim</a:t>
-                      </a:r>
-                      <a:r>
-                        <a:rPr lang="en-US" baseline="0" dirty="0" smtClean="0"/>
-                        <a:t> Cuong, Dio</a:t>
-                      </a:r>
-                      <a:endParaRPr lang="en-US" dirty="0"/>
-                    </a:p>
-                  </a:txBody>
-                  <a:tcPr/>
-                </a:tc>
-                <a:tc>
-                  <a:txBody>
-                    <a:bodyPr/>
-                    <a:lstStyle/>
-                    <a:p>
-                      <a:r>
-                        <a:rPr lang="en-US" dirty="0" smtClean="0"/>
-                        <a:t>Project</a:t>
-                      </a:r>
-                      <a:r>
-                        <a:rPr lang="en-US" baseline="0" dirty="0" smtClean="0"/>
-                        <a:t> Manager</a:t>
-                      </a:r>
-                      <a:endParaRPr lang="en-US" dirty="0"/>
-                    </a:p>
-                  </a:txBody>
-                  <a:tcPr/>
-                </a:tc>
-              </a:tr>
-              <a:tr h="493642">
-                <a:tc>
-                  <a:txBody>
-                    <a:bodyPr/>
-                    <a:lstStyle/>
-                    <a:p>
-                      <a:pPr marL="342900" indent="-342900">
-                        <a:buFont typeface="+mj-lt"/>
-                        <a:buNone/>
-                      </a:pPr>
-                      <a:r>
-                        <a:rPr lang="en-US" baseline="0" dirty="0" smtClean="0">
-                          <a:solidFill>
-                            <a:schemeClr val="tx1"/>
-                          </a:solidFill>
-                        </a:rPr>
-                        <a:t> 2.</a:t>
-                      </a:r>
-                    </a:p>
-                  </a:txBody>
-                  <a:tcPr/>
-                </a:tc>
-                <a:tc>
-                  <a:txBody>
-                    <a:bodyPr/>
-                    <a:lstStyle/>
-                    <a:p>
-                      <a:r>
-                        <a:rPr lang="en-US" dirty="0" smtClean="0"/>
-                        <a:t>Zaw</a:t>
-                      </a:r>
-                      <a:r>
-                        <a:rPr lang="en-US" baseline="0" dirty="0" smtClean="0"/>
-                        <a:t> Htet</a:t>
-                      </a:r>
-                      <a:endParaRPr lang="en-US" dirty="0"/>
-                    </a:p>
-                  </a:txBody>
-                  <a:tcPr/>
-                </a:tc>
-                <a:tc>
-                  <a:txBody>
-                    <a:bodyPr/>
-                    <a:lstStyle/>
-                    <a:p>
-                      <a:r>
-                        <a:rPr lang="en-US" dirty="0" smtClean="0"/>
-                        <a:t>Technical</a:t>
-                      </a:r>
-                      <a:r>
-                        <a:rPr lang="en-US" baseline="0" dirty="0" smtClean="0"/>
-                        <a:t> Lead</a:t>
-                      </a:r>
-                      <a:endParaRPr lang="en-US" dirty="0"/>
-                    </a:p>
-                  </a:txBody>
-                  <a:tcPr/>
-                </a:tc>
-              </a:tr>
-              <a:tr h="493642">
-                <a:tc>
-                  <a:txBody>
-                    <a:bodyPr/>
-                    <a:lstStyle/>
-                    <a:p>
-                      <a:pPr marL="342900" indent="-342900">
-                        <a:buFont typeface="+mj-lt"/>
-                        <a:buNone/>
-                      </a:pPr>
-                      <a:r>
-                        <a:rPr lang="en-US" baseline="0" dirty="0" smtClean="0">
-                          <a:solidFill>
-                            <a:schemeClr val="tx1"/>
-                          </a:solidFill>
-                        </a:rPr>
-                        <a:t> 3.</a:t>
-                      </a:r>
-                    </a:p>
-                  </a:txBody>
-                  <a:tcPr/>
-                </a:tc>
-                <a:tc>
-                  <a:txBody>
-                    <a:bodyPr/>
-                    <a:lstStyle/>
-                    <a:p>
-                      <a:r>
-                        <a:rPr lang="en-US" dirty="0" smtClean="0"/>
-                        <a:t>Thida Khin Myo Thaung</a:t>
-                      </a:r>
-                      <a:endParaRPr lang="en-US" dirty="0"/>
-                    </a:p>
-                  </a:txBody>
-                  <a:tcPr/>
-                </a:tc>
-                <a:tc>
-                  <a:txBody>
-                    <a:bodyPr/>
-                    <a:lstStyle/>
-                    <a:p>
-                      <a:r>
-                        <a:rPr lang="en-US" dirty="0" smtClean="0"/>
-                        <a:t>Business Analyst</a:t>
-                      </a:r>
-                      <a:endParaRPr lang="en-US" dirty="0"/>
-                    </a:p>
-                  </a:txBody>
-                  <a:tcPr/>
-                </a:tc>
-              </a:tr>
-              <a:tr h="463831">
-                <a:tc>
-                  <a:txBody>
-                    <a:bodyPr/>
-                    <a:lstStyle/>
-                    <a:p>
-                      <a:pPr marL="342900" indent="-342900">
-                        <a:buFont typeface="+mj-lt"/>
-                        <a:buNone/>
-                      </a:pPr>
-                      <a:r>
-                        <a:rPr lang="en-US" baseline="0" dirty="0" smtClean="0">
-                          <a:solidFill>
-                            <a:schemeClr val="tx1"/>
-                          </a:solidFill>
-                        </a:rPr>
-                        <a:t> 4.</a:t>
-                      </a:r>
-                    </a:p>
-                  </a:txBody>
-                  <a:tcPr/>
-                </a:tc>
-                <a:tc>
-                  <a:txBody>
-                    <a:bodyPr/>
-                    <a:lstStyle/>
-                    <a:p>
-                      <a:r>
-                        <a:rPr lang="en-US" dirty="0" smtClean="0"/>
-                        <a:t>Hnin Nu Aye</a:t>
-                      </a:r>
-                      <a:endParaRPr lang="en-US" dirty="0"/>
-                    </a:p>
-                  </a:txBody>
-                  <a:tcPr/>
-                </a:tc>
-                <a:tc>
-                  <a:txBody>
-                    <a:bodyPr/>
-                    <a:lstStyle/>
-                    <a:p>
-                      <a:pPr marL="0" marR="0" indent="0" algn="l" defTabSz="914400" rtl="0" eaLnBrk="1" fontAlgn="auto" latinLnBrk="0" hangingPunct="1">
-                        <a:lnSpc>
-                          <a:spcPct val="100000"/>
-                        </a:lnSpc>
-                        <a:spcBef>
-                          <a:spcPts val="0"/>
-                        </a:spcBef>
-                        <a:spcAft>
-                          <a:spcPts val="0"/>
-                        </a:spcAft>
-                        <a:buClrTx/>
-                        <a:buSzTx/>
-                        <a:buFontTx/>
-                        <a:buNone/>
-                        <a:tabLst/>
-                        <a:defRPr/>
-                      </a:pPr>
-                      <a:r>
-                        <a:rPr lang="en-US" dirty="0" smtClean="0"/>
-                        <a:t>Business Analyst</a:t>
-                      </a:r>
-                      <a:endParaRPr lang="en-US" dirty="0"/>
-                    </a:p>
-                  </a:txBody>
-                  <a:tcPr/>
-                </a:tc>
-              </a:tr>
-              <a:tr h="493642">
-                <a:tc>
-                  <a:txBody>
-                    <a:bodyPr/>
-                    <a:lstStyle/>
-                    <a:p>
-                      <a:pPr marL="342900" indent="-342900">
-                        <a:buFont typeface="+mj-lt"/>
-                        <a:buNone/>
-                      </a:pPr>
-                      <a:r>
-                        <a:rPr lang="en-US" baseline="0" dirty="0" smtClean="0">
-                          <a:solidFill>
-                            <a:schemeClr val="tx1"/>
-                          </a:solidFill>
-                        </a:rPr>
-                        <a:t> 5.</a:t>
-                      </a:r>
-                    </a:p>
-                  </a:txBody>
-                  <a:tcPr/>
-                </a:tc>
-                <a:tc>
-                  <a:txBody>
-                    <a:bodyPr/>
-                    <a:lstStyle/>
-                    <a:p>
-                      <a:r>
-                        <a:rPr lang="en-US" dirty="0" smtClean="0"/>
-                        <a:t>Feng Yan</a:t>
-                      </a:r>
-                      <a:endParaRPr lang="en-US" dirty="0"/>
-                    </a:p>
-                  </a:txBody>
-                  <a:tcPr/>
-                </a:tc>
-                <a:tc>
-                  <a:txBody>
-                    <a:bodyPr/>
-                    <a:lstStyle/>
-                    <a:p>
-                      <a:r>
-                        <a:rPr lang="en-US" dirty="0" smtClean="0"/>
-                        <a:t>Development Lead</a:t>
-                      </a:r>
-                      <a:endParaRPr lang="en-US" dirty="0"/>
-                    </a:p>
-                  </a:txBody>
-                  <a:tcPr/>
-                </a:tc>
-              </a:tr>
-              <a:tr h="493642">
-                <a:tc>
-                  <a:txBody>
-                    <a:bodyPr/>
-                    <a:lstStyle/>
-                    <a:p>
-                      <a:pPr marL="342900" indent="-342900">
-                        <a:buFont typeface="+mj-lt"/>
-                        <a:buNone/>
-                      </a:pPr>
-                      <a:r>
-                        <a:rPr lang="en-US" baseline="0" dirty="0" smtClean="0">
-                          <a:solidFill>
-                            <a:schemeClr val="tx1"/>
-                          </a:solidFill>
-                        </a:rPr>
-                        <a:t> 6.</a:t>
-                      </a:r>
-                    </a:p>
-                  </a:txBody>
-                  <a:tcPr/>
-                </a:tc>
-                <a:tc>
-                  <a:txBody>
-                    <a:bodyPr/>
-                    <a:lstStyle/>
-                    <a:p>
-                      <a:r>
-                        <a:rPr lang="en-US" dirty="0" smtClean="0"/>
-                        <a:t>Jiang Jifa</a:t>
-                      </a:r>
-                      <a:endParaRPr lang="en-US" dirty="0"/>
-                    </a:p>
-                  </a:txBody>
-                  <a:tcPr/>
-                </a:tc>
-                <a:tc>
-                  <a:txBody>
-                    <a:bodyPr/>
-                    <a:lstStyle/>
-                    <a:p>
-                      <a:r>
-                        <a:rPr lang="en-US" dirty="0" smtClean="0"/>
-                        <a:t>Test Lead</a:t>
-                      </a:r>
-                      <a:endParaRPr lang="en-US" dirty="0"/>
-                    </a:p>
-                  </a:txBody>
-                  <a:tcPr/>
-                </a:tc>
-              </a:tr>
-              <a:tr h="493642">
-                <a:tc>
-                  <a:txBody>
-                    <a:bodyPr/>
-                    <a:lstStyle/>
-                    <a:p>
-                      <a:pPr marL="342900" indent="-342900">
-                        <a:buFont typeface="+mj-lt"/>
-                        <a:buNone/>
-                      </a:pPr>
-                      <a:r>
-                        <a:rPr lang="en-US" baseline="0" dirty="0" smtClean="0">
-                          <a:solidFill>
-                            <a:schemeClr val="tx1"/>
-                          </a:solidFill>
-                        </a:rPr>
-                        <a:t> 7.</a:t>
-                      </a:r>
-                    </a:p>
-                  </a:txBody>
-                  <a:tcPr/>
-                </a:tc>
-                <a:tc>
-                  <a:txBody>
-                    <a:bodyPr/>
-                    <a:lstStyle/>
-                    <a:p>
-                      <a:r>
-                        <a:rPr lang="en-US" dirty="0" smtClean="0"/>
-                        <a:t>Liu Peishan</a:t>
-                      </a:r>
-                      <a:endParaRPr lang="en-US" dirty="0"/>
-                    </a:p>
-                  </a:txBody>
-                  <a:tcPr/>
-                </a:tc>
-                <a:tc>
-                  <a:txBody>
-                    <a:bodyPr/>
-                    <a:lstStyle/>
-                    <a:p>
-                      <a:r>
-                        <a:rPr lang="en-US" dirty="0" smtClean="0"/>
-                        <a:t>Quality Manager</a:t>
-                      </a:r>
-                      <a:endParaRPr lang="en-US" dirty="0"/>
-                    </a:p>
-                  </a:txBody>
-                  <a:tcPr/>
-                </a:tc>
-              </a:tr>
-            </a:tbl>
-          </a:graphicData>
-        </a:graphic>
-      </p:graphicFrame>
-      <p:sp>
-        <p:nvSpPr>
-          <p:cNvPr id="7" name="TextBox 6"/>
-          <p:cNvSpPr txBox="1"/>
-          <p:nvPr/>
-        </p:nvSpPr>
-        <p:spPr>
-          <a:xfrm>
-            <a:off x="685800" y="5943600"/>
-            <a:ext cx="7239000" cy="338554"/>
-          </a:xfrm>
-          <a:prstGeom prst="rect">
-            <a:avLst/>
-          </a:prstGeom>
-        </p:spPr>
-        <p:style>
-          <a:lnRef idx="2">
-            <a:schemeClr val="accent3"/>
-          </a:lnRef>
-          <a:fillRef idx="1">
-            <a:schemeClr val="lt1"/>
-          </a:fillRef>
-          <a:effectRef idx="0">
-            <a:schemeClr val="accent3"/>
-          </a:effectRef>
-          <a:fontRef idx="minor">
-            <a:schemeClr val="dk1"/>
-          </a:fontRef>
-        </p:style>
-        <p:txBody>
-          <a:bodyPr wrap="square" rtlCol="0">
-            <a:spAutoFit/>
-          </a:bodyPr>
-          <a:lstStyle/>
-          <a:p>
-            <a:pPr>
-              <a:buNone/>
-            </a:pPr>
-            <a:r>
-              <a:rPr lang="en-US" sz="1600" dirty="0" smtClean="0"/>
-              <a:t>Note: All team members will be programmer as well.</a:t>
-            </a:r>
-            <a:endParaRPr lang="en-US" sz="1600" dirty="0"/>
-          </a:p>
-        </p:txBody>
-      </p:sp>
-    </p:spTree>
-  </p:cSld>
-  <p:clrMapOvr>
-    <a:masterClrMapping/>
-  </p:clrMapOvr>
-  <p:transition/>
-  <p:timing>
-    <p:tnLst>
-      <p:par>
-        <p:cTn id="1" dur="indefinite" restart="never" nodeType="tmRoot"/>
-      </p:par>
-    </p:tnLst>
-  </p:timing>
-</p:sld>
-</file>
-
-<file path=ppt/slides/slide26.xml><?xml version="1.0" encoding="utf-8"?>
+<file path=ppt/slides/slide38.xml><?xml version="1.0" encoding="utf-8"?>
 <p:sld xmlns:a="http://schemas.openxmlformats.org/drawingml/2006/main" xmlns:r="http://schemas.openxmlformats.org/officeDocument/2006/relationships" xmlns:p="http://schemas.openxmlformats.org/presentationml/2006/main">
   <p:cSld>
     <p:spTree>
@@ -22990,119 +27730,6 @@
 </p:sld>
 </file>
 
-<file path=ppt/slides/slide3.xml><?xml version="1.0" encoding="utf-8"?>
-<p:sld xmlns:a="http://schemas.openxmlformats.org/drawingml/2006/main" xmlns:r="http://schemas.openxmlformats.org/officeDocument/2006/relationships" xmlns:p="http://schemas.openxmlformats.org/presentationml/2006/main">
-  <p:cSld>
-    <p:spTree>
-      <p:nvGrpSpPr>
-        <p:cNvPr id="1" name=""/>
-        <p:cNvGrpSpPr/>
-        <p:nvPr/>
-      </p:nvGrpSpPr>
-      <p:grpSpPr>
-        <a:xfrm>
-          <a:off x="0" y="0"/>
-          <a:ext cx="0" cy="0"/>
-          <a:chOff x="0" y="0"/>
-          <a:chExt cx="0" cy="0"/>
-        </a:xfrm>
-      </p:grpSpPr>
-      <p:sp>
-        <p:nvSpPr>
-          <p:cNvPr id="4" name="Title 3"/>
-          <p:cNvSpPr>
-            <a:spLocks noGrp="1"/>
-          </p:cNvSpPr>
-          <p:nvPr>
-            <p:ph type="title"/>
-          </p:nvPr>
-        </p:nvSpPr>
-        <p:spPr/>
-        <p:txBody>
-          <a:bodyPr/>
-          <a:lstStyle/>
-          <a:p>
-            <a:pPr algn="ctr"/>
-            <a:r>
-              <a:rPr lang="en-US" dirty="0" smtClean="0"/>
-              <a:t>Introduction</a:t>
-            </a:r>
-            <a:endParaRPr lang="en-US" dirty="0"/>
-          </a:p>
-        </p:txBody>
-      </p:sp>
-      <p:sp>
-        <p:nvSpPr>
-          <p:cNvPr id="5" name="Text Placeholder 4"/>
-          <p:cNvSpPr>
-            <a:spLocks noGrp="1"/>
-          </p:cNvSpPr>
-          <p:nvPr>
-            <p:ph type="body" idx="1"/>
-          </p:nvPr>
-        </p:nvSpPr>
-        <p:spPr/>
-        <p:txBody>
-          <a:bodyPr/>
-          <a:lstStyle/>
-          <a:p>
-            <a:pPr algn="ctr"/>
-            <a:r>
-              <a:rPr lang="en-US" dirty="0" smtClean="0"/>
-              <a:t>Volunteer Management System</a:t>
-            </a:r>
-            <a:endParaRPr lang="en-US" dirty="0"/>
-          </a:p>
-        </p:txBody>
-      </p:sp>
-      <p:pic>
-        <p:nvPicPr>
-          <p:cNvPr id="2052" name="Picture 4"/>
-          <p:cNvPicPr>
-            <a:picLocks noChangeAspect="1" noChangeArrowheads="1"/>
-          </p:cNvPicPr>
-          <p:nvPr/>
-        </p:nvPicPr>
-        <p:blipFill>
-          <a:blip r:embed="rId2" cstate="print"/>
-          <a:srcRect/>
-          <a:stretch>
-            <a:fillRect/>
-          </a:stretch>
-        </p:blipFill>
-        <p:spPr bwMode="auto">
-          <a:xfrm>
-            <a:off x="1600200" y="228600"/>
-            <a:ext cx="5670662" cy="3769323"/>
-          </a:xfrm>
-          <a:prstGeom prst="rect">
-            <a:avLst/>
-          </a:prstGeom>
-          <a:noFill/>
-          <a:ln w="9525">
-            <a:noFill/>
-            <a:miter lim="800000"/>
-            <a:headEnd/>
-            <a:tailEnd/>
-          </a:ln>
-          <a:effectLst/>
-        </p:spPr>
-      </p:pic>
-    </p:spTree>
-  </p:cSld>
-  <p:clrMapOvr>
-    <a:masterClrMapping/>
-  </p:clrMapOvr>
-  <p:timing>
-    <p:tnLst>
-      <p:par>
-        <p:cTn id="1" dur="indefinite" restart="never" nodeType="tmRoot"/>
-      </p:par>
-    </p:tnLst>
-  </p:timing>
-</p:sld>
-</file>
-
 <file path=ppt/slides/slide4.xml><?xml version="1.0" encoding="utf-8"?>
 <p:sld xmlns:a="http://schemas.openxmlformats.org/drawingml/2006/main" xmlns:r="http://schemas.openxmlformats.org/officeDocument/2006/relationships" xmlns:p="http://schemas.openxmlformats.org/presentationml/2006/main">
   <p:cSld>
@@ -23137,11 +27764,7 @@
           <a:p>
             <a:r>
               <a:rPr lang="en-US" dirty="0" smtClean="0"/>
-              <a:t>Introduction – Recap of </a:t>
-            </a:r>
-            <a:r>
-              <a:rPr lang="en-US" dirty="0" smtClean="0"/>
-              <a:t>Project Requirements</a:t>
+              <a:t>Project revisit </a:t>
             </a:r>
             <a:endParaRPr lang="en-US" dirty="0"/>
           </a:p>
@@ -23155,11 +27778,16 @@
           </p:cNvGraphicFramePr>
           <p:nvPr>
             <p:ph idx="1"/>
+            <p:extLst>
+              <p:ext uri="{D42A27DB-BD31-4B8C-83A1-F6EECF244321}">
+                <p14:modId xmlns:p14="http://schemas.microsoft.com/office/powerpoint/2010/main" val="280186270"/>
+              </p:ext>
+            </p:extLst>
           </p:nvPr>
         </p:nvGraphicFramePr>
         <p:xfrm>
-          <a:off x="1143000" y="1524000"/>
-          <a:ext cx="7391400" cy="4411663"/>
+          <a:off x="1066800" y="3581400"/>
+          <a:ext cx="7467600" cy="2811463"/>
         </p:xfrm>
         <a:graphic>
           <a:graphicData uri="http://schemas.openxmlformats.org/drawingml/2006/diagram">
@@ -23167,6 +27795,67 @@
           </a:graphicData>
         </a:graphic>
       </p:graphicFrame>
+      <p:sp>
+        <p:nvSpPr>
+          <p:cNvPr id="2" name="TextBox 1"/>
+          <p:cNvSpPr txBox="1"/>
+          <p:nvPr/>
+        </p:nvSpPr>
+        <p:spPr>
+          <a:xfrm>
+            <a:off x="609600" y="1752600"/>
+            <a:ext cx="8001000" cy="2252924"/>
+          </a:xfrm>
+          <a:prstGeom prst="rect">
+            <a:avLst/>
+          </a:prstGeom>
+          <a:noFill/>
+        </p:spPr>
+        <p:txBody>
+          <a:bodyPr wrap="square" rtlCol="0">
+            <a:spAutoFit/>
+          </a:bodyPr>
+          <a:lstStyle/>
+          <a:p>
+            <a:pPr marL="457200" indent="-457200">
+              <a:buFont typeface="Wingdings" pitchFamily="2" charset="2"/>
+              <a:buChar char="v"/>
+            </a:pPr>
+            <a:r>
+              <a:rPr lang="en-US" b="1" dirty="0" smtClean="0"/>
+              <a:t>Purpose: </a:t>
+            </a:r>
+            <a:r>
+              <a:rPr lang="en-US" sz="2400" i="1" dirty="0" smtClean="0"/>
+              <a:t>To build a web-based solution to facilitate the process of volunteer registration, project management till retention</a:t>
+            </a:r>
+            <a:r>
+              <a:rPr lang="en-US" dirty="0" smtClean="0"/>
+              <a:t>.</a:t>
+            </a:r>
+          </a:p>
+          <a:p>
+            <a:pPr marL="457200" indent="-457200">
+              <a:buFont typeface="Wingdings" pitchFamily="2" charset="2"/>
+              <a:buChar char="v"/>
+            </a:pPr>
+            <a:r>
+              <a:rPr lang="en-US" b="1" dirty="0" smtClean="0"/>
+              <a:t>Requirement overview</a:t>
+            </a:r>
+            <a:r>
+              <a:rPr lang="en-US" dirty="0" smtClean="0"/>
+              <a:t>:</a:t>
+            </a:r>
+          </a:p>
+          <a:p>
+            <a:pPr>
+              <a:buNone/>
+            </a:pPr>
+            <a:endParaRPr lang="en-US" dirty="0"/>
+          </a:p>
+        </p:txBody>
+      </p:sp>
     </p:spTree>
   </p:cSld>
   <p:clrMapOvr>
@@ -23183,6 +27872,246 @@
 </file>
 
 <file path=ppt/slides/slide5.xml><?xml version="1.0" encoding="utf-8"?>
+<p:sld xmlns:a="http://schemas.openxmlformats.org/drawingml/2006/main" xmlns:r="http://schemas.openxmlformats.org/officeDocument/2006/relationships" xmlns:p="http://schemas.openxmlformats.org/presentationml/2006/main">
+  <p:cSld>
+    <p:spTree>
+      <p:nvGrpSpPr>
+        <p:cNvPr id="1" name=""/>
+        <p:cNvGrpSpPr/>
+        <p:nvPr/>
+      </p:nvGrpSpPr>
+      <p:grpSpPr>
+        <a:xfrm>
+          <a:off x="0" y="0"/>
+          <a:ext cx="0" cy="0"/>
+          <a:chOff x="0" y="0"/>
+          <a:chExt cx="0" cy="0"/>
+        </a:xfrm>
+      </p:grpSpPr>
+      <p:sp>
+        <p:nvSpPr>
+          <p:cNvPr id="22532" name="Rectangle 4"/>
+          <p:cNvSpPr>
+            <a:spLocks noGrp="1" noChangeArrowheads="1"/>
+          </p:cNvSpPr>
+          <p:nvPr>
+            <p:ph type="title"/>
+          </p:nvPr>
+        </p:nvSpPr>
+        <p:spPr/>
+        <p:txBody>
+          <a:bodyPr/>
+          <a:lstStyle/>
+          <a:p>
+            <a:r>
+              <a:rPr lang="en-US" dirty="0" smtClean="0"/>
+              <a:t>Agenda</a:t>
+            </a:r>
+            <a:endParaRPr lang="en-US" dirty="0"/>
+          </a:p>
+        </p:txBody>
+      </p:sp>
+      <p:sp>
+        <p:nvSpPr>
+          <p:cNvPr id="22533" name="Rectangle 5"/>
+          <p:cNvSpPr>
+            <a:spLocks noGrp="1" noChangeArrowheads="1"/>
+          </p:cNvSpPr>
+          <p:nvPr>
+            <p:ph type="body" idx="1"/>
+          </p:nvPr>
+        </p:nvSpPr>
+        <p:spPr>
+          <a:xfrm>
+            <a:off x="1143000" y="1524000"/>
+            <a:ext cx="7391400" cy="4648200"/>
+          </a:xfrm>
+        </p:spPr>
+        <p:txBody>
+          <a:bodyPr/>
+          <a:lstStyle/>
+          <a:p>
+            <a:pPr>
+              <a:buFont typeface="Wingdings" pitchFamily="2" charset="2"/>
+              <a:buChar char="v"/>
+            </a:pPr>
+            <a:r>
+              <a:rPr lang="en-US" dirty="0" smtClean="0">
+                <a:solidFill>
+                  <a:schemeClr val="bg1">
+                    <a:lumMod val="75000"/>
+                  </a:schemeClr>
+                </a:solidFill>
+              </a:rPr>
+              <a:t>Project Revisit</a:t>
+            </a:r>
+          </a:p>
+          <a:p>
+            <a:pPr>
+              <a:buFont typeface="Wingdings" pitchFamily="2" charset="2"/>
+              <a:buChar char="v"/>
+            </a:pPr>
+            <a:r>
+              <a:rPr lang="en-US" b="1" dirty="0"/>
+              <a:t>Use Case Modeling</a:t>
+            </a:r>
+          </a:p>
+          <a:p>
+            <a:pPr>
+              <a:buFont typeface="Wingdings" pitchFamily="2" charset="2"/>
+              <a:buChar char="v"/>
+            </a:pPr>
+            <a:r>
+              <a:rPr lang="en-US" dirty="0" smtClean="0">
+                <a:solidFill>
+                  <a:schemeClr val="bg1">
+                    <a:lumMod val="75000"/>
+                  </a:schemeClr>
+                </a:solidFill>
+              </a:rPr>
+              <a:t>Software Architecture</a:t>
+            </a:r>
+          </a:p>
+          <a:p>
+            <a:pPr>
+              <a:buFont typeface="Wingdings" pitchFamily="2" charset="2"/>
+              <a:buChar char="v"/>
+            </a:pPr>
+            <a:r>
+              <a:rPr lang="en-US" dirty="0" smtClean="0">
+                <a:solidFill>
+                  <a:schemeClr val="bg1">
+                    <a:lumMod val="75000"/>
+                  </a:schemeClr>
+                </a:solidFill>
+              </a:rPr>
+              <a:t>Demo of Prototype</a:t>
+            </a:r>
+          </a:p>
+          <a:p>
+            <a:pPr>
+              <a:buFont typeface="Wingdings" pitchFamily="2" charset="2"/>
+              <a:buChar char="v"/>
+            </a:pPr>
+            <a:r>
+              <a:rPr lang="en-US" dirty="0" smtClean="0">
+                <a:solidFill>
+                  <a:schemeClr val="bg1">
+                    <a:lumMod val="75000"/>
+                  </a:schemeClr>
+                </a:solidFill>
+              </a:rPr>
+              <a:t>Transition Strategy</a:t>
+            </a:r>
+          </a:p>
+          <a:p>
+            <a:pPr>
+              <a:buFont typeface="Wingdings" pitchFamily="2" charset="2"/>
+              <a:buChar char="v"/>
+            </a:pPr>
+            <a:r>
+              <a:rPr lang="en-US" dirty="0" smtClean="0">
+                <a:solidFill>
+                  <a:schemeClr val="bg1">
+                    <a:lumMod val="75000"/>
+                  </a:schemeClr>
+                </a:solidFill>
+              </a:rPr>
+              <a:t>Project Progress</a:t>
+            </a:r>
+          </a:p>
+          <a:p>
+            <a:pPr>
+              <a:buFont typeface="Wingdings" pitchFamily="2" charset="2"/>
+              <a:buChar char="v"/>
+            </a:pPr>
+            <a:r>
+              <a:rPr lang="en-US" dirty="0" smtClean="0">
+                <a:solidFill>
+                  <a:schemeClr val="bg1">
+                    <a:lumMod val="75000"/>
+                  </a:schemeClr>
+                </a:solidFill>
+              </a:rPr>
+              <a:t>Development Plan</a:t>
+            </a:r>
+            <a:endParaRPr lang="en-US" dirty="0" smtClean="0">
+              <a:solidFill>
+                <a:schemeClr val="bg1">
+                  <a:lumMod val="75000"/>
+                </a:schemeClr>
+              </a:solidFill>
+            </a:endParaRPr>
+          </a:p>
+          <a:p>
+            <a:pPr>
+              <a:buFont typeface="Wingdings" pitchFamily="2" charset="2"/>
+              <a:buChar char="v"/>
+            </a:pPr>
+            <a:r>
+              <a:rPr lang="en-US" dirty="0" smtClean="0">
+                <a:solidFill>
+                  <a:schemeClr val="bg1">
+                    <a:lumMod val="75000"/>
+                  </a:schemeClr>
+                </a:solidFill>
+              </a:rPr>
+              <a:t>Challenges &amp; Problems</a:t>
+            </a:r>
+            <a:endParaRPr lang="en-US" dirty="0" smtClean="0">
+              <a:solidFill>
+                <a:schemeClr val="bg1">
+                  <a:lumMod val="75000"/>
+                </a:schemeClr>
+              </a:solidFill>
+            </a:endParaRPr>
+          </a:p>
+          <a:p>
+            <a:pPr>
+              <a:buFont typeface="Wingdings" pitchFamily="2" charset="2"/>
+              <a:buChar char="v"/>
+            </a:pPr>
+            <a:r>
+              <a:rPr lang="en-US" dirty="0" smtClean="0">
+                <a:solidFill>
+                  <a:schemeClr val="bg1">
+                    <a:lumMod val="75000"/>
+                  </a:schemeClr>
+                </a:solidFill>
+              </a:rPr>
+              <a:t>Q &amp; A</a:t>
+            </a:r>
+            <a:endParaRPr lang="en-US" dirty="0" smtClean="0">
+              <a:solidFill>
+                <a:schemeClr val="bg1">
+                  <a:lumMod val="75000"/>
+                </a:schemeClr>
+              </a:solidFill>
+            </a:endParaRPr>
+          </a:p>
+        </p:txBody>
+      </p:sp>
+    </p:spTree>
+    <p:extLst>
+      <p:ext uri="{BB962C8B-B14F-4D97-AF65-F5344CB8AC3E}">
+        <p14:creationId xmlns:p14="http://schemas.microsoft.com/office/powerpoint/2010/main" val="706440204"/>
+      </p:ext>
+    </p:extLst>
+  </p:cSld>
+  <p:clrMapOvr>
+    <a:masterClrMapping/>
+  </p:clrMapOvr>
+  <p:timing>
+    <p:tnLst>
+      <p:par>
+        <p:cTn id="1" dur="indefinite" restart="never" nodeType="tmRoot"/>
+      </p:par>
+    </p:tnLst>
+  </p:timing>
+</p:sld>
+</file>
+
+<file path=ppt/slides/slide6.xml><?xml version="1.0" encoding="utf-8"?>
 <p:sld xmlns:a="http://schemas.openxmlformats.org/drawingml/2006/main" xmlns:r="http://schemas.openxmlformats.org/officeDocument/2006/relationships" xmlns:p="http://schemas.openxmlformats.org/presentationml/2006/main">
   <p:cSld>
     <p:spTree>
@@ -23247,14 +28176,20 @@
       </p:sp>
       <p:pic>
         <p:nvPicPr>
-          <p:cNvPr id="6" name="Picture 3"/>
+          <p:cNvPr id="5123" name="Picture 3" descr="C:\Users\Dio\AppData\Local\Microsoft\Windows\Temporary Internet Files\Content.IE5\J694V2JJ\MC900330873[1].wmf"/>
           <p:cNvPicPr>
             <a:picLocks noChangeAspect="1" noChangeArrowheads="1"/>
           </p:cNvPicPr>
           <p:nvPr/>
         </p:nvPicPr>
         <p:blipFill>
-          <a:blip r:embed="rId2" cstate="print"/>
+          <a:blip r:embed="rId2" cstate="print">
+            <a:extLst>
+              <a:ext uri="{28A0092B-C50C-407E-A947-70E740481C1C}">
+                <a14:useLocalDpi xmlns:a14="http://schemas.microsoft.com/office/drawing/2010/main" val="0"/>
+              </a:ext>
+            </a:extLst>
+          </a:blip>
           <a:srcRect/>
           <a:stretch>
             <a:fillRect/>
@@ -23262,134 +28197,22 @@
         </p:blipFill>
         <p:spPr bwMode="auto">
           <a:xfrm>
-            <a:off x="1371600" y="533400"/>
-            <a:ext cx="5943600" cy="3343275"/>
+            <a:off x="838200" y="533400"/>
+            <a:ext cx="2590800" cy="3414868"/>
           </a:xfrm>
           <a:prstGeom prst="rect">
             <a:avLst/>
           </a:prstGeom>
           <a:noFill/>
-          <a:ln w="9525">
-            <a:noFill/>
-            <a:miter lim="800000"/>
-            <a:headEnd/>
-            <a:tailEnd/>
-          </a:ln>
-          <a:effectLst/>
-        </p:spPr>
-      </p:pic>
-    </p:spTree>
-  </p:cSld>
-  <p:clrMapOvr>
-    <a:masterClrMapping/>
-  </p:clrMapOvr>
-  <p:timing>
-    <p:tnLst>
-      <p:par>
-        <p:cTn id="1" dur="indefinite" restart="never" nodeType="tmRoot"/>
-      </p:par>
-    </p:tnLst>
-  </p:timing>
-</p:sld>
-</file>
-
-<file path=ppt/slides/slide6.xml><?xml version="1.0" encoding="utf-8"?>
-<p:sld xmlns:a="http://schemas.openxmlformats.org/drawingml/2006/main" xmlns:r="http://schemas.openxmlformats.org/officeDocument/2006/relationships" xmlns:p="http://schemas.openxmlformats.org/presentationml/2006/main">
-  <p:cSld>
-    <p:spTree>
-      <p:nvGrpSpPr>
-        <p:cNvPr id="1" name=""/>
-        <p:cNvGrpSpPr/>
-        <p:nvPr/>
-      </p:nvGrpSpPr>
-      <p:grpSpPr>
-        <a:xfrm>
-          <a:off x="0" y="0"/>
-          <a:ext cx="0" cy="0"/>
-          <a:chOff x="0" y="0"/>
-          <a:chExt cx="0" cy="0"/>
-        </a:xfrm>
-      </p:grpSpPr>
-      <p:sp>
-        <p:nvSpPr>
-          <p:cNvPr id="8196" name="Rectangle 4"/>
-          <p:cNvSpPr>
-            <a:spLocks noGrp="1" noChangeArrowheads="1"/>
-          </p:cNvSpPr>
-          <p:nvPr>
-            <p:ph type="title"/>
-          </p:nvPr>
-        </p:nvSpPr>
-        <p:spPr/>
-        <p:txBody>
-          <a:bodyPr/>
-          <a:lstStyle/>
-          <a:p>
-            <a:r>
-              <a:rPr lang="en-US" dirty="0" smtClean="0"/>
-              <a:t>Use Case Modeling – Overview of Use Cases</a:t>
-            </a:r>
-            <a:endParaRPr lang="en-US" dirty="0"/>
-          </a:p>
-        </p:txBody>
-      </p:sp>
-      <p:sp>
-        <p:nvSpPr>
-          <p:cNvPr id="8197" name="Rectangle 5"/>
-          <p:cNvSpPr>
-            <a:spLocks noGrp="1" noChangeArrowheads="1"/>
-          </p:cNvSpPr>
-          <p:nvPr>
-            <p:ph type="body" idx="1"/>
-          </p:nvPr>
-        </p:nvSpPr>
-        <p:spPr/>
-        <p:txBody>
-          <a:bodyPr/>
-          <a:lstStyle/>
-          <a:p>
-            <a:pPr>
-              <a:buFont typeface="Wingdings" pitchFamily="2" charset="2"/>
-              <a:buChar char="v"/>
-            </a:pPr>
-            <a:r>
-              <a:rPr lang="en-US" dirty="0" smtClean="0"/>
-              <a:t>In total: 28 Use cases – spread across 4 major components</a:t>
-            </a:r>
-          </a:p>
-        </p:txBody>
-      </p:sp>
-      <p:pic>
-        <p:nvPicPr>
-          <p:cNvPr id="3074" name="Picture 2"/>
-          <p:cNvPicPr>
-            <a:picLocks noChangeAspect="1" noChangeArrowheads="1"/>
-          </p:cNvPicPr>
-          <p:nvPr/>
-        </p:nvPicPr>
-        <p:blipFill>
-          <a:blip r:embed="rId2" cstate="print"/>
-          <a:srcRect/>
-          <a:stretch>
-            <a:fillRect/>
-          </a:stretch>
-        </p:blipFill>
-        <p:spPr bwMode="auto">
-          <a:xfrm>
-            <a:off x="6172200" y="5257800"/>
-            <a:ext cx="2099733" cy="1181100"/>
-          </a:xfrm>
-          <a:prstGeom prst="rect">
-            <a:avLst/>
-          </a:prstGeom>
-          <a:noFill/>
-          <a:ln w="9525">
-            <a:noFill/>
-            <a:miter lim="800000"/>
-            <a:headEnd/>
-            <a:tailEnd/>
-          </a:ln>
-          <a:effectLst/>
+          <a:extLst>
+            <a:ext uri="{909E8E84-426E-40DD-AFC4-6F175D3DCCD1}">
+              <a14:hiddenFill xmlns:a14="http://schemas.microsoft.com/office/drawing/2010/main">
+                <a:solidFill>
+                  <a:srgbClr val="FFFFFF"/>
+                </a:solidFill>
+              </a14:hiddenFill>
+            </a:ext>
+          </a:extLst>
         </p:spPr>
       </p:pic>
     </p:spTree>
@@ -23440,14 +28263,10 @@
           <a:lstStyle/>
           <a:p>
             <a:r>
-              <a:rPr lang="en-US" sz="2800" dirty="0" smtClean="0"/>
-              <a:t>Use Case Modeling – Analysis of Use Case </a:t>
+              <a:rPr lang="en-US" dirty="0" smtClean="0"/>
+              <a:t>Use Case Modeling</a:t>
             </a:r>
-            <a:r>
-              <a:rPr lang="en-US" sz="2800" dirty="0" smtClean="0"/>
-              <a:t>1 – Assign Role to Member</a:t>
-            </a:r>
-            <a:endParaRPr lang="en-US" sz="2800" dirty="0"/>
+            <a:endParaRPr lang="en-US" dirty="0"/>
           </a:p>
         </p:txBody>
       </p:sp>
@@ -23461,18 +28280,35 @@
             <p:ph type="body" idx="1"/>
           </p:nvPr>
         </p:nvSpPr>
-        <p:spPr/>
+        <p:spPr>
+          <a:xfrm>
+            <a:off x="457200" y="1524000"/>
+            <a:ext cx="8077200" cy="5029200"/>
+          </a:xfrm>
+        </p:spPr>
         <p:txBody>
           <a:bodyPr/>
           <a:lstStyle/>
           <a:p>
-            <a:pPr>
+            <a:pPr lvl="1">
               <a:buFont typeface="Wingdings" pitchFamily="2" charset="2"/>
               <a:buChar char="v"/>
             </a:pPr>
             <a:r>
-              <a:rPr lang="en-US" dirty="0" smtClean="0"/>
-              <a:t>This use case allows:</a:t>
+              <a:rPr lang="en-US" sz="2600" kern="1200" dirty="0">
+                <a:latin typeface="Arial" charset="0"/>
+                <a:ea typeface="+mn-ea"/>
+                <a:cs typeface="+mn-cs"/>
+              </a:rPr>
+              <a:t>27 use </a:t>
+            </a:r>
+            <a:r>
+              <a:rPr lang="en-US" sz="2600" kern="1200" dirty="0" smtClean="0">
+                <a:latin typeface="Arial" charset="0"/>
+                <a:ea typeface="+mn-ea"/>
+                <a:cs typeface="+mn-cs"/>
+              </a:rPr>
+              <a:t>cases</a:t>
             </a:r>
           </a:p>
           <a:p>
@@ -23481,9 +28317,50 @@
               <a:buChar char="v"/>
             </a:pPr>
             <a:r>
-              <a:rPr lang="en-US" dirty="0" smtClean="0"/>
-              <a:t>Project Manager to assign different role to the project members</a:t>
+              <a:rPr lang="en-US" sz="2600" kern="1200" dirty="0">
+                <a:latin typeface="Arial" charset="0"/>
+              </a:rPr>
+              <a:t>2 </a:t>
             </a:r>
+            <a:r>
+              <a:rPr lang="en-US" sz="2600" kern="1200" dirty="0">
+                <a:latin typeface="Arial" charset="0"/>
+              </a:rPr>
+              <a:t>p</a:t>
+            </a:r>
+            <a:r>
+              <a:rPr lang="en-US" sz="2600" kern="1200" dirty="0" smtClean="0">
+                <a:latin typeface="Arial" charset="0"/>
+              </a:rPr>
+              <a:t>arent actors</a:t>
+            </a:r>
+          </a:p>
+          <a:p>
+            <a:pPr lvl="2">
+              <a:buFont typeface="Wingdings" pitchFamily="2" charset="2"/>
+              <a:buChar char="v"/>
+            </a:pPr>
+            <a:r>
+              <a:rPr lang="en-US" b="1" kern="1200" dirty="0" smtClean="0">
+                <a:latin typeface="Arial" charset="0"/>
+              </a:rPr>
+              <a:t>Staff</a:t>
+            </a:r>
+          </a:p>
+          <a:p>
+            <a:pPr lvl="2">
+              <a:buFont typeface="Wingdings" pitchFamily="2" charset="2"/>
+              <a:buChar char="v"/>
+            </a:pPr>
+            <a:r>
+              <a:rPr lang="en-US" b="1" kern="1200" dirty="0" smtClean="0">
+                <a:latin typeface="Arial" charset="0"/>
+              </a:rPr>
+              <a:t>User</a:t>
+            </a:r>
+            <a:endParaRPr lang="en-US" b="1" kern="1200" dirty="0">
+              <a:latin typeface="Arial" charset="0"/>
+            </a:endParaRPr>
           </a:p>
           <a:p>
             <a:pPr lvl="1">
@@ -23491,23 +28368,134 @@
               <a:buChar char="v"/>
             </a:pPr>
             <a:r>
+              <a:rPr lang="en-US" sz="2600" kern="1200" dirty="0" smtClean="0">
+                <a:latin typeface="Arial" charset="0"/>
+                <a:ea typeface="+mn-ea"/>
+                <a:cs typeface="+mn-cs"/>
+              </a:rPr>
+              <a:t>5 specific Actors</a:t>
+            </a:r>
+          </a:p>
+          <a:p>
+            <a:pPr lvl="2">
+              <a:buFont typeface="Wingdings" pitchFamily="2" charset="2"/>
+              <a:buChar char="v"/>
+            </a:pPr>
+            <a:r>
+              <a:rPr lang="en-US" b="1" kern="1200" dirty="0" smtClean="0">
+                <a:latin typeface="Arial" charset="0"/>
+                <a:ea typeface="+mn-ea"/>
+                <a:cs typeface="+mn-cs"/>
+              </a:rPr>
+              <a:t>Staff:</a:t>
+            </a:r>
+          </a:p>
+          <a:p>
+            <a:pPr lvl="3"/>
+            <a:r>
+              <a:rPr lang="en-US" dirty="0"/>
+              <a:t>Project Manager</a:t>
+            </a:r>
+          </a:p>
+          <a:p>
+            <a:pPr lvl="3"/>
+            <a:r>
+              <a:rPr lang="en-US" dirty="0"/>
+              <a:t>Coordinator </a:t>
+            </a:r>
+          </a:p>
+          <a:p>
+            <a:pPr lvl="3"/>
+            <a:r>
               <a:rPr lang="en-US" dirty="0" smtClean="0"/>
-              <a:t>Require interaction across Project Management, Volunteer Management modules</a:t>
+              <a:t>System Administrator</a:t>
             </a:r>
-            <a:endParaRPr lang="en-US" dirty="0"/>
+          </a:p>
+          <a:p>
+            <a:pPr lvl="2">
+              <a:buFont typeface="Wingdings" pitchFamily="2" charset="2"/>
+              <a:buChar char="v"/>
+            </a:pPr>
+            <a:r>
+              <a:rPr lang="en-US" b="1" kern="1200" dirty="0">
+                <a:latin typeface="Arial" charset="0"/>
+                <a:ea typeface="+mn-ea"/>
+                <a:cs typeface="+mn-cs"/>
+              </a:rPr>
+              <a:t>Use</a:t>
+            </a:r>
+            <a:r>
+              <a:rPr lang="en-US" b="1" kern="1200" dirty="0">
+                <a:latin typeface="Arial" charset="0"/>
+                <a:ea typeface="+mn-ea"/>
+                <a:cs typeface="+mn-cs"/>
+              </a:rPr>
+              <a:t>r</a:t>
+            </a:r>
+          </a:p>
+          <a:p>
+            <a:pPr lvl="3">
+              <a:buFont typeface="Arial" pitchFamily="34" charset="0"/>
+              <a:buChar char="•"/>
+            </a:pPr>
+            <a:r>
+              <a:rPr lang="en-US" dirty="0" smtClean="0"/>
+              <a:t>Volunteer</a:t>
+            </a:r>
+          </a:p>
+          <a:p>
+            <a:pPr lvl="3">
+              <a:buFont typeface="Arial" pitchFamily="34" charset="0"/>
+              <a:buChar char="•"/>
+            </a:pPr>
+            <a:r>
+              <a:rPr lang="en-US" dirty="0" smtClean="0"/>
+              <a:t>Anonymous user</a:t>
+            </a:r>
+          </a:p>
+          <a:p>
+            <a:endParaRPr lang="en-US" dirty="0" smtClean="0"/>
+          </a:p>
+          <a:p>
+            <a:pPr lvl="2">
+              <a:buFont typeface="Wingdings" pitchFamily="2" charset="2"/>
+              <a:buChar char="v"/>
+            </a:pPr>
+            <a:endParaRPr lang="en-US" b="1" kern="1200" dirty="0" smtClean="0">
+              <a:latin typeface="Arial" charset="0"/>
+              <a:ea typeface="+mn-ea"/>
+              <a:cs typeface="+mn-cs"/>
+            </a:endParaRPr>
+          </a:p>
+          <a:p>
+            <a:pPr lvl="3">
+              <a:buFont typeface="Wingdings" pitchFamily="2" charset="2"/>
+              <a:buChar char="v"/>
+            </a:pPr>
+            <a:endParaRPr lang="en-US" b="1" kern="1200" dirty="0">
+              <a:latin typeface="Arial" charset="0"/>
+              <a:ea typeface="+mn-ea"/>
+              <a:cs typeface="+mn-cs"/>
+            </a:endParaRPr>
           </a:p>
         </p:txBody>
       </p:sp>
       <p:pic>
         <p:nvPicPr>
-          <p:cNvPr id="3074" name="Picture 2"/>
+          <p:cNvPr id="6148" name="Picture 4" descr="C:\Users\Dio\AppData\Local\Microsoft\Windows\Temporary Internet Files\Content.IE5\0N9B4E04\MC900198293[1].wmf"/>
           <p:cNvPicPr>
             <a:picLocks noChangeAspect="1" noChangeArrowheads="1"/>
           </p:cNvPicPr>
           <p:nvPr/>
         </p:nvPicPr>
         <p:blipFill>
-          <a:blip r:embed="rId2" cstate="print"/>
+          <a:blip r:embed="rId2" cstate="print">
+            <a:extLst>
+              <a:ext uri="{28A0092B-C50C-407E-A947-70E740481C1C}">
+                <a14:useLocalDpi xmlns:a14="http://schemas.microsoft.com/office/drawing/2010/main" val="0"/>
+              </a:ext>
+            </a:extLst>
+          </a:blip>
           <a:srcRect/>
           <a:stretch>
             <a:fillRect/>
@@ -23515,28 +28503,25 @@
         </p:blipFill>
         <p:spPr bwMode="auto">
           <a:xfrm>
-            <a:off x="6172200" y="5257800"/>
-            <a:ext cx="2099733" cy="1181100"/>
+            <a:off x="6445352" y="4191000"/>
+            <a:ext cx="2165248" cy="2209800"/>
           </a:xfrm>
           <a:prstGeom prst="rect">
             <a:avLst/>
           </a:prstGeom>
           <a:noFill/>
-          <a:ln w="9525">
-            <a:noFill/>
-            <a:miter lim="800000"/>
-            <a:headEnd/>
-            <a:tailEnd/>
-          </a:ln>
-          <a:effectLst/>
+          <a:extLst>
+            <a:ext uri="{909E8E84-426E-40DD-AFC4-6F175D3DCCD1}">
+              <a14:hiddenFill xmlns:a14="http://schemas.microsoft.com/office/drawing/2010/main">
+                <a:solidFill>
+                  <a:srgbClr val="FFFFFF"/>
+                </a:solidFill>
+              </a14:hiddenFill>
+            </a:ext>
+          </a:extLst>
         </p:spPr>
       </p:pic>
     </p:spTree>
-    <p:extLst>
-      <p:ext uri="{BB962C8B-B14F-4D97-AF65-F5344CB8AC3E}">
-        <p14:creationId xmlns:p14="http://schemas.microsoft.com/office/powerpoint/2010/main" val="2842280405"/>
-      </p:ext>
-    </p:extLst>
   </p:cSld>
   <p:clrMapOvr>
     <a:masterClrMapping/>
@@ -23568,98 +28553,22 @@
           <a:chExt cx="0" cy="0"/>
         </a:xfrm>
       </p:grpSpPr>
-      <p:sp>
-        <p:nvSpPr>
-          <p:cNvPr id="8196" name="Rectangle 4"/>
-          <p:cNvSpPr>
-            <a:spLocks noGrp="1" noChangeArrowheads="1"/>
-          </p:cNvSpPr>
-          <p:nvPr>
-            <p:ph type="title"/>
-          </p:nvPr>
-        </p:nvSpPr>
-        <p:spPr/>
-        <p:txBody>
-          <a:bodyPr/>
-          <a:lstStyle/>
-          <a:p>
-            <a:r>
-              <a:rPr lang="en-US" dirty="0"/>
-              <a:t>Use Case Modeling – Analysis of Use Case </a:t>
-            </a:r>
-            <a:r>
-              <a:rPr lang="en-US" dirty="0" smtClean="0"/>
-              <a:t>2 – Generate Report</a:t>
-            </a:r>
-            <a:endParaRPr lang="en-US" dirty="0"/>
-          </a:p>
-        </p:txBody>
-      </p:sp>
-      <p:sp>
-        <p:nvSpPr>
-          <p:cNvPr id="8197" name="Rectangle 5"/>
-          <p:cNvSpPr>
-            <a:spLocks noGrp="1" noChangeArrowheads="1"/>
-          </p:cNvSpPr>
-          <p:nvPr>
-            <p:ph type="body" idx="1"/>
-          </p:nvPr>
-        </p:nvSpPr>
-        <p:spPr/>
-        <p:txBody>
-          <a:bodyPr/>
-          <a:lstStyle/>
-          <a:p>
-            <a:pPr>
-              <a:buFont typeface="Wingdings" pitchFamily="2" charset="2"/>
-              <a:buChar char="v"/>
-            </a:pPr>
-            <a:r>
-              <a:rPr lang="en-US" dirty="0" smtClean="0"/>
-              <a:t>This use case allows:</a:t>
-            </a:r>
-          </a:p>
-          <a:p>
-            <a:pPr lvl="1">
-              <a:buFont typeface="Wingdings" pitchFamily="2" charset="2"/>
-              <a:buChar char="v"/>
-            </a:pPr>
-            <a:r>
-              <a:rPr lang="en-US" dirty="0" smtClean="0"/>
-              <a:t>Project Manager / Coordinator to generate Project Report / Volunteer Report</a:t>
-            </a:r>
-          </a:p>
-          <a:p>
-            <a:pPr lvl="1">
-              <a:buFont typeface="Wingdings" pitchFamily="2" charset="2"/>
-              <a:buChar char="v"/>
-            </a:pPr>
-            <a:r>
-              <a:rPr lang="en-US" dirty="0" smtClean="0"/>
-              <a:t>Demonstrated the use of </a:t>
-            </a:r>
-            <a:r>
-              <a:rPr lang="en-US" dirty="0" err="1" smtClean="0"/>
-              <a:t>JasperReport</a:t>
-            </a:r>
-            <a:r>
-              <a:rPr lang="en-US" dirty="0" smtClean="0"/>
-              <a:t> components</a:t>
-            </a:r>
-            <a:endParaRPr lang="en-US" dirty="0"/>
-          </a:p>
-        </p:txBody>
-      </p:sp>
       <p:pic>
         <p:nvPicPr>
-          <p:cNvPr id="4098" name="Picture 2"/>
+          <p:cNvPr id="1026" name="Picture 2" descr="ucms"/>
           <p:cNvPicPr>
             <a:picLocks noChangeAspect="1" noChangeArrowheads="1"/>
           </p:cNvPicPr>
           <p:nvPr/>
         </p:nvPicPr>
         <p:blipFill>
-          <a:blip r:embed="rId2" cstate="print"/>
+          <a:blip r:embed="rId2">
+            <a:extLst>
+              <a:ext uri="{28A0092B-C50C-407E-A947-70E740481C1C}">
+                <a14:useLocalDpi xmlns:a14="http://schemas.microsoft.com/office/drawing/2010/main" val="0"/>
+              </a:ext>
+            </a:extLst>
+          </a:blip>
           <a:srcRect/>
           <a:stretch>
             <a:fillRect/>
@@ -23667,23 +28576,43 @@
         </p:blipFill>
         <p:spPr bwMode="auto">
           <a:xfrm>
-            <a:off x="2286000" y="3657600"/>
-            <a:ext cx="4430440" cy="2519270"/>
+            <a:off x="76200" y="126124"/>
+            <a:ext cx="8960513" cy="6477000"/>
           </a:xfrm>
           <a:prstGeom prst="rect">
             <a:avLst/>
           </a:prstGeom>
           <a:noFill/>
-          <a:ln w="9525">
+          <a:ln>
             <a:noFill/>
-            <a:miter lim="800000"/>
-            <a:headEnd/>
-            <a:tailEnd/>
           </a:ln>
-          <a:effectLst/>
+          <a:extLst>
+            <a:ext uri="{909E8E84-426E-40DD-AFC4-6F175D3DCCD1}">
+              <a14:hiddenFill xmlns:a14="http://schemas.microsoft.com/office/drawing/2010/main">
+                <a:solidFill>
+                  <a:srgbClr val="FFFFFF"/>
+                </a:solidFill>
+              </a14:hiddenFill>
+            </a:ext>
+            <a:ext uri="{91240B29-F687-4F45-9708-019B960494DF}">
+              <a14:hiddenLine xmlns:a14="http://schemas.microsoft.com/office/drawing/2010/main" w="9525">
+                <a:solidFill>
+                  <a:srgbClr val="000000"/>
+                </a:solidFill>
+                <a:miter lim="800000"/>
+                <a:headEnd/>
+                <a:tailEnd/>
+              </a14:hiddenLine>
+            </a:ext>
+          </a:extLst>
         </p:spPr>
       </p:pic>
     </p:spTree>
+    <p:extLst>
+      <p:ext uri="{BB962C8B-B14F-4D97-AF65-F5344CB8AC3E}">
+        <p14:creationId xmlns:p14="http://schemas.microsoft.com/office/powerpoint/2010/main" val="107169001"/>
+      </p:ext>
+    </p:extLst>
   </p:cSld>
   <p:clrMapOvr>
     <a:masterClrMapping/>
@@ -23717,7 +28646,7 @@
       </p:grpSpPr>
       <p:sp>
         <p:nvSpPr>
-          <p:cNvPr id="4" name="Title 3"/>
+          <p:cNvPr id="2" name="Title 1"/>
           <p:cNvSpPr>
             <a:spLocks noGrp="1"/>
           </p:cNvSpPr>
@@ -23731,32 +28660,58 @@
           <a:lstStyle/>
           <a:p>
             <a:r>
-              <a:rPr lang="en-US" dirty="0" smtClean="0"/>
-              <a:t>Software Architecture</a:t>
+              <a:rPr lang="en-US" dirty="0"/>
+              <a:t>Use Case Modeling – </a:t>
             </a:r>
-            <a:endParaRPr lang="en-US" dirty="0"/>
+            <a:br>
+              <a:rPr lang="en-US" dirty="0"/>
+            </a:br>
+            <a:r>
+              <a:rPr lang="en-US" sz="2800" i="1" dirty="0" smtClean="0"/>
+              <a:t>Use Case 1: Search Project Member</a:t>
+            </a:r>
+            <a:endParaRPr lang="en-US" i="1" dirty="0"/>
           </a:p>
         </p:txBody>
       </p:sp>
       <p:sp>
         <p:nvSpPr>
-          <p:cNvPr id="5" name="Text Placeholder 4"/>
+          <p:cNvPr id="3" name="Content Placeholder 2"/>
           <p:cNvSpPr>
             <a:spLocks noGrp="1"/>
           </p:cNvSpPr>
           <p:nvPr>
-            <p:ph type="body" idx="1"/>
+            <p:ph idx="1"/>
           </p:nvPr>
         </p:nvSpPr>
-        <p:spPr/>
+        <p:spPr>
+          <a:xfrm>
+            <a:off x="381000" y="1524000"/>
+            <a:ext cx="8153400" cy="4411663"/>
+          </a:xfrm>
+        </p:spPr>
         <p:txBody>
           <a:bodyPr/>
           <a:lstStyle/>
           <a:p>
             <a:r>
+              <a:rPr lang="en-US" b="1" dirty="0"/>
+              <a:t>Description: </a:t>
+            </a:r>
+            <a:r>
               <a:rPr lang="en-US" dirty="0" smtClean="0"/>
-              <a:t>Volunteer Management System</a:t>
+              <a:t>This use case allows VMS user to search and view </a:t>
             </a:r>
+            <a:r>
+              <a:rPr lang="en-US" dirty="0"/>
+              <a:t>the member list of a </a:t>
+            </a:r>
+            <a:r>
+              <a:rPr lang="en-US" dirty="0" smtClean="0"/>
+              <a:t>project.</a:t>
+            </a:r>
+          </a:p>
+          <a:p>
             <a:endParaRPr lang="en-US" dirty="0"/>
           </a:p>
         </p:txBody>
@@ -23770,7 +28725,13 @@
           <p:nvPr/>
         </p:nvPicPr>
         <p:blipFill>
-          <a:blip r:embed="rId2" cstate="print"/>
+          <a:blip r:embed="rId2">
+            <a:extLst>
+              <a:ext uri="{28A0092B-C50C-407E-A947-70E740481C1C}">
+                <a14:useLocalDpi xmlns:a14="http://schemas.microsoft.com/office/drawing/2010/main" val="0"/>
+              </a:ext>
+            </a:extLst>
+          </a:blip>
           <a:srcRect/>
           <a:stretch>
             <a:fillRect/>
@@ -23778,23 +28739,53 @@
         </p:blipFill>
         <p:spPr bwMode="auto">
           <a:xfrm>
-            <a:off x="990600" y="228600"/>
-            <a:ext cx="6812977" cy="3819526"/>
+            <a:off x="609600" y="2438400"/>
+            <a:ext cx="8133249" cy="4100513"/>
           </a:xfrm>
           <a:prstGeom prst="rect">
             <a:avLst/>
           </a:prstGeom>
           <a:noFill/>
-          <a:ln w="9525">
+          <a:ln>
             <a:noFill/>
-            <a:miter lim="800000"/>
-            <a:headEnd/>
-            <a:tailEnd/>
           </a:ln>
           <a:effectLst/>
+          <a:extLst>
+            <a:ext uri="{909E8E84-426E-40DD-AFC4-6F175D3DCCD1}">
+              <a14:hiddenFill xmlns:a14="http://schemas.microsoft.com/office/drawing/2010/main">
+                <a:solidFill>
+                  <a:schemeClr val="accent1"/>
+                </a:solidFill>
+              </a14:hiddenFill>
+            </a:ext>
+            <a:ext uri="{91240B29-F687-4F45-9708-019B960494DF}">
+              <a14:hiddenLine xmlns:a14="http://schemas.microsoft.com/office/drawing/2010/main" w="9525">
+                <a:solidFill>
+                  <a:schemeClr val="tx1"/>
+                </a:solidFill>
+                <a:miter lim="800000"/>
+                <a:headEnd/>
+                <a:tailEnd/>
+              </a14:hiddenLine>
+            </a:ext>
+            <a:ext uri="{AF507438-7753-43E0-B8FC-AC1667EBCBE1}">
+              <a14:hiddenEffects xmlns:a14="http://schemas.microsoft.com/office/drawing/2010/main">
+                <a:effectLst>
+                  <a:outerShdw dist="35921" dir="2700000" algn="ctr" rotWithShape="0">
+                    <a:schemeClr val="bg2"/>
+                  </a:outerShdw>
+                </a:effectLst>
+              </a14:hiddenEffects>
+            </a:ext>
+          </a:extLst>
         </p:spPr>
       </p:pic>
     </p:spTree>
+    <p:extLst>
+      <p:ext uri="{BB962C8B-B14F-4D97-AF65-F5344CB8AC3E}">
+        <p14:creationId xmlns:p14="http://schemas.microsoft.com/office/powerpoint/2010/main" val="1219137844"/>
+      </p:ext>
+    </p:extLst>
   </p:cSld>
   <p:clrMapOvr>
     <a:masterClrMapping/>

--- a/docs/W-9 Working Document/W-9.3 Presentation Slides/Phase 2/vms_presentation_2_v0.1.pptx
+++ b/docs/W-9 Working Document/W-9.3 Presentation Slides/Phase 2/vms_presentation_2_v0.1.pptx
@@ -5,50 +5,46 @@
     <p:sldMasterId id="2147483652" r:id="rId1"/>
   </p:sldMasterIdLst>
   <p:notesMasterIdLst>
-    <p:notesMasterId r:id="rId40"/>
+    <p:notesMasterId r:id="rId36"/>
   </p:notesMasterIdLst>
   <p:handoutMasterIdLst>
-    <p:handoutMasterId r:id="rId41"/>
+    <p:handoutMasterId r:id="rId37"/>
   </p:handoutMasterIdLst>
   <p:sldIdLst>
     <p:sldId id="256" r:id="rId2"/>
     <p:sldId id="304" r:id="rId3"/>
-    <p:sldId id="272" r:id="rId4"/>
-    <p:sldId id="271" r:id="rId5"/>
-    <p:sldId id="303" r:id="rId6"/>
-    <p:sldId id="273" r:id="rId7"/>
-    <p:sldId id="257" r:id="rId8"/>
-    <p:sldId id="302" r:id="rId9"/>
-    <p:sldId id="312" r:id="rId10"/>
-    <p:sldId id="313" r:id="rId11"/>
-    <p:sldId id="314" r:id="rId12"/>
-    <p:sldId id="315" r:id="rId13"/>
-    <p:sldId id="316" r:id="rId14"/>
-    <p:sldId id="305" r:id="rId15"/>
-    <p:sldId id="279" r:id="rId16"/>
-    <p:sldId id="265" r:id="rId17"/>
-    <p:sldId id="292" r:id="rId18"/>
-    <p:sldId id="285" r:id="rId19"/>
-    <p:sldId id="286" r:id="rId20"/>
-    <p:sldId id="317" r:id="rId21"/>
-    <p:sldId id="318" r:id="rId22"/>
-    <p:sldId id="319" r:id="rId23"/>
-    <p:sldId id="307" r:id="rId24"/>
-    <p:sldId id="274" r:id="rId25"/>
-    <p:sldId id="284" r:id="rId26"/>
-    <p:sldId id="283" r:id="rId27"/>
-    <p:sldId id="298" r:id="rId28"/>
-    <p:sldId id="308" r:id="rId29"/>
-    <p:sldId id="275" r:id="rId30"/>
-    <p:sldId id="261" r:id="rId31"/>
-    <p:sldId id="309" r:id="rId32"/>
-    <p:sldId id="321" r:id="rId33"/>
-    <p:sldId id="322" r:id="rId34"/>
-    <p:sldId id="320" r:id="rId35"/>
-    <p:sldId id="278" r:id="rId36"/>
-    <p:sldId id="262" r:id="rId37"/>
-    <p:sldId id="311" r:id="rId38"/>
-    <p:sldId id="282" r:id="rId39"/>
+    <p:sldId id="271" r:id="rId4"/>
+    <p:sldId id="303" r:id="rId5"/>
+    <p:sldId id="257" r:id="rId6"/>
+    <p:sldId id="302" r:id="rId7"/>
+    <p:sldId id="312" r:id="rId8"/>
+    <p:sldId id="313" r:id="rId9"/>
+    <p:sldId id="323" r:id="rId10"/>
+    <p:sldId id="324" r:id="rId11"/>
+    <p:sldId id="305" r:id="rId12"/>
+    <p:sldId id="265" r:id="rId13"/>
+    <p:sldId id="292" r:id="rId14"/>
+    <p:sldId id="285" r:id="rId15"/>
+    <p:sldId id="286" r:id="rId16"/>
+    <p:sldId id="317" r:id="rId17"/>
+    <p:sldId id="318" r:id="rId18"/>
+    <p:sldId id="319" r:id="rId19"/>
+    <p:sldId id="307" r:id="rId20"/>
+    <p:sldId id="274" r:id="rId21"/>
+    <p:sldId id="284" r:id="rId22"/>
+    <p:sldId id="283" r:id="rId23"/>
+    <p:sldId id="298" r:id="rId24"/>
+    <p:sldId id="308" r:id="rId25"/>
+    <p:sldId id="275" r:id="rId26"/>
+    <p:sldId id="261" r:id="rId27"/>
+    <p:sldId id="309" r:id="rId28"/>
+    <p:sldId id="321" r:id="rId29"/>
+    <p:sldId id="322" r:id="rId30"/>
+    <p:sldId id="320" r:id="rId31"/>
+    <p:sldId id="278" r:id="rId32"/>
+    <p:sldId id="262" r:id="rId33"/>
+    <p:sldId id="311" r:id="rId34"/>
+    <p:sldId id="282" r:id="rId35"/>
   </p:sldIdLst>
   <p:sldSz cx="9144000" cy="6858000" type="screen4x3"/>
   <p:notesSz cx="7010400" cy="9296400"/>
@@ -3208,7 +3204,7 @@
 <dgm:dataModel xmlns:dgm="http://schemas.openxmlformats.org/drawingml/2006/diagram" xmlns:a="http://schemas.openxmlformats.org/drawingml/2006/main">
   <dgm:ptLst>
     <dgm:pt modelId="{EF1F78ED-E9D5-44E4-97D4-B3FEFD902986}" type="doc">
-      <dgm:prSet loTypeId="urn:microsoft.com/office/officeart/2005/8/layout/list1" loCatId="list" qsTypeId="urn:microsoft.com/office/officeart/2005/8/quickstyle/simple1" qsCatId="simple" csTypeId="urn:microsoft.com/office/officeart/2005/8/colors/accent1_2" csCatId="accent1" phldr="1"/>
+      <dgm:prSet loTypeId="urn:microsoft.com/office/officeart/2005/8/layout/list1" loCatId="list" qsTypeId="urn:microsoft.com/office/officeart/2005/8/quickstyle/simple3" qsCatId="simple" csTypeId="urn:microsoft.com/office/officeart/2005/8/colors/accent1_2" csCatId="accent1" phldr="1"/>
       <dgm:spPr/>
       <dgm:t>
         <a:bodyPr/>
@@ -3226,13 +3222,16 @@
         <a:lstStyle/>
         <a:p>
           <a:r>
-            <a:rPr lang="en-US" sz="1600" b="1" dirty="0" smtClean="0"/>
-            <a:t>Volunteer </a:t>
+            <a:rPr lang="en-US" sz="1600" b="1" cap="none" spc="0" smtClean="0">
+              <a:ln/>
+              <a:effectLst/>
+            </a:rPr>
+            <a:t>Volunteer Management</a:t>
           </a:r>
-          <a:r>
-            <a:rPr lang="en-US" sz="1600" b="1" dirty="0" smtClean="0"/>
-            <a:t>Management</a:t>
-          </a:r>
+          <a:endParaRPr lang="en-US" sz="1600" b="1" cap="none" spc="0" dirty="0" smtClean="0">
+            <a:ln/>
+            <a:effectLst/>
+          </a:endParaRPr>
         </a:p>
       </dgm:t>
     </dgm:pt>
@@ -3243,7 +3242,13 @@
         <a:bodyPr/>
         <a:lstStyle/>
         <a:p>
-          <a:endParaRPr lang="en-US" sz="1600" b="1"/>
+          <a:endParaRPr lang="en-US" sz="1600" b="1" cap="none" spc="0">
+            <a:ln/>
+            <a:solidFill>
+              <a:schemeClr val="accent3"/>
+            </a:solidFill>
+            <a:effectLst/>
+          </a:endParaRPr>
         </a:p>
       </dgm:t>
     </dgm:pt>
@@ -3254,7 +3259,13 @@
         <a:bodyPr/>
         <a:lstStyle/>
         <a:p>
-          <a:endParaRPr lang="en-US" sz="1600" b="1"/>
+          <a:endParaRPr lang="en-US" sz="1600" b="1" cap="none" spc="0">
+            <a:ln/>
+            <a:solidFill>
+              <a:schemeClr val="accent3"/>
+            </a:solidFill>
+            <a:effectLst/>
+          </a:endParaRPr>
         </a:p>
       </dgm:t>
     </dgm:pt>
@@ -3266,10 +3277,16 @@
         <a:lstStyle/>
         <a:p>
           <a:r>
-            <a:rPr lang="en-US" sz="1600" b="1" dirty="0" smtClean="0"/>
+            <a:rPr lang="en-US" sz="1600" b="1" cap="none" spc="0" dirty="0" smtClean="0">
+              <a:ln/>
+              <a:effectLst/>
+            </a:rPr>
             <a:t>Staff Management</a:t>
           </a:r>
-          <a:endParaRPr lang="en-US" sz="1600" b="1" dirty="0"/>
+          <a:endParaRPr lang="en-US" sz="1600" b="1" cap="none" spc="0" dirty="0">
+            <a:ln/>
+            <a:effectLst/>
+          </a:endParaRPr>
         </a:p>
       </dgm:t>
     </dgm:pt>
@@ -3280,7 +3297,13 @@
         <a:bodyPr/>
         <a:lstStyle/>
         <a:p>
-          <a:endParaRPr lang="en-US" sz="1600" b="1"/>
+          <a:endParaRPr lang="en-US" sz="1600" b="1" cap="none" spc="0">
+            <a:ln/>
+            <a:solidFill>
+              <a:schemeClr val="accent3"/>
+            </a:solidFill>
+            <a:effectLst/>
+          </a:endParaRPr>
         </a:p>
       </dgm:t>
     </dgm:pt>
@@ -3291,7 +3314,13 @@
         <a:bodyPr/>
         <a:lstStyle/>
         <a:p>
-          <a:endParaRPr lang="en-US" sz="1600" b="1"/>
+          <a:endParaRPr lang="en-US" sz="1600" b="1" cap="none" spc="0">
+            <a:ln/>
+            <a:solidFill>
+              <a:schemeClr val="accent3"/>
+            </a:solidFill>
+            <a:effectLst/>
+          </a:endParaRPr>
         </a:p>
       </dgm:t>
     </dgm:pt>
@@ -3303,10 +3332,16 @@
         <a:lstStyle/>
         <a:p>
           <a:r>
-            <a:rPr lang="en-US" sz="1600" b="1" dirty="0" smtClean="0"/>
+            <a:rPr lang="en-US" sz="1600" b="1" cap="none" spc="0" dirty="0" smtClean="0">
+              <a:ln/>
+              <a:effectLst/>
+            </a:rPr>
             <a:t>Project Management</a:t>
           </a:r>
-          <a:endParaRPr lang="en-US" sz="1600" b="1" dirty="0"/>
+          <a:endParaRPr lang="en-US" sz="1600" b="1" cap="none" spc="0" dirty="0">
+            <a:ln/>
+            <a:effectLst/>
+          </a:endParaRPr>
         </a:p>
       </dgm:t>
     </dgm:pt>
@@ -3317,7 +3352,13 @@
         <a:bodyPr/>
         <a:lstStyle/>
         <a:p>
-          <a:endParaRPr lang="en-US" sz="1600" b="1"/>
+          <a:endParaRPr lang="en-US" sz="1600" b="1" cap="none" spc="0">
+            <a:ln/>
+            <a:solidFill>
+              <a:schemeClr val="accent3"/>
+            </a:solidFill>
+            <a:effectLst/>
+          </a:endParaRPr>
         </a:p>
       </dgm:t>
     </dgm:pt>
@@ -3328,7 +3369,13 @@
         <a:bodyPr/>
         <a:lstStyle/>
         <a:p>
-          <a:endParaRPr lang="en-US" sz="1600" b="1"/>
+          <a:endParaRPr lang="en-US" sz="1600" b="1" cap="none" spc="0">
+            <a:ln/>
+            <a:solidFill>
+              <a:schemeClr val="accent3"/>
+            </a:solidFill>
+            <a:effectLst/>
+          </a:endParaRPr>
         </a:p>
       </dgm:t>
     </dgm:pt>
@@ -3340,10 +3387,16 @@
         <a:lstStyle/>
         <a:p>
           <a:r>
-            <a:rPr lang="en-US" sz="1600" b="1" dirty="0" smtClean="0"/>
+            <a:rPr lang="en-US" sz="1600" b="1" cap="none" spc="0" dirty="0" smtClean="0">
+              <a:ln/>
+              <a:effectLst/>
+            </a:rPr>
             <a:t>Itinerary Management</a:t>
           </a:r>
-          <a:endParaRPr lang="en-US" sz="1600" b="1" dirty="0"/>
+          <a:endParaRPr lang="en-US" sz="1600" b="1" cap="none" spc="0" dirty="0">
+            <a:ln/>
+            <a:effectLst/>
+          </a:endParaRPr>
         </a:p>
       </dgm:t>
     </dgm:pt>
@@ -3354,7 +3407,13 @@
         <a:bodyPr/>
         <a:lstStyle/>
         <a:p>
-          <a:endParaRPr lang="en-US" sz="1600" b="1"/>
+          <a:endParaRPr lang="en-US" sz="1600" b="1" cap="none" spc="0">
+            <a:ln/>
+            <a:solidFill>
+              <a:schemeClr val="accent3"/>
+            </a:solidFill>
+            <a:effectLst/>
+          </a:endParaRPr>
         </a:p>
       </dgm:t>
     </dgm:pt>
@@ -3365,7 +3424,13 @@
         <a:bodyPr/>
         <a:lstStyle/>
         <a:p>
-          <a:endParaRPr lang="en-US" sz="1600" b="1"/>
+          <a:endParaRPr lang="en-US" sz="1600" b="1" cap="none" spc="0">
+            <a:ln/>
+            <a:solidFill>
+              <a:schemeClr val="accent3"/>
+            </a:solidFill>
+            <a:effectLst/>
+          </a:endParaRPr>
         </a:p>
       </dgm:t>
     </dgm:pt>
@@ -3377,10 +3442,16 @@
         <a:lstStyle/>
         <a:p>
           <a:r>
-            <a:rPr lang="en-US" sz="1600" b="1" dirty="0" smtClean="0"/>
+            <a:rPr lang="en-US" sz="1600" b="1" cap="none" spc="0" dirty="0" smtClean="0">
+              <a:ln/>
+              <a:effectLst/>
+            </a:rPr>
             <a:t>Administration</a:t>
           </a:r>
-          <a:endParaRPr lang="en-US" sz="1600" b="1" dirty="0"/>
+          <a:endParaRPr lang="en-US" sz="1600" b="1" cap="none" spc="0" dirty="0">
+            <a:ln/>
+            <a:effectLst/>
+          </a:endParaRPr>
         </a:p>
       </dgm:t>
     </dgm:pt>
@@ -3391,7 +3462,13 @@
         <a:bodyPr/>
         <a:lstStyle/>
         <a:p>
-          <a:endParaRPr lang="en-US" sz="1600" b="1"/>
+          <a:endParaRPr lang="en-US" sz="1600" b="1" cap="none" spc="0">
+            <a:ln/>
+            <a:solidFill>
+              <a:schemeClr val="accent3"/>
+            </a:solidFill>
+            <a:effectLst/>
+          </a:endParaRPr>
         </a:p>
       </dgm:t>
     </dgm:pt>
@@ -3402,7 +3479,13 @@
         <a:bodyPr/>
         <a:lstStyle/>
         <a:p>
-          <a:endParaRPr lang="en-US" sz="1600" b="1"/>
+          <a:endParaRPr lang="en-US" sz="1600" b="1" cap="none" spc="0">
+            <a:ln/>
+            <a:solidFill>
+              <a:schemeClr val="accent3"/>
+            </a:solidFill>
+            <a:effectLst/>
+          </a:endParaRPr>
         </a:p>
       </dgm:t>
     </dgm:pt>
@@ -3426,6 +3509,13 @@
     <dgm:pt modelId="{2AC9D863-F73C-450B-9D85-60B005DA622F}" type="pres">
       <dgm:prSet presAssocID="{885613C5-7A76-4AA0-92F0-EEDD9B446661}" presName="parentLin" presStyleCnt="0"/>
       <dgm:spPr/>
+      <dgm:t>
+        <a:bodyPr/>
+        <a:lstStyle/>
+        <a:p>
+          <a:endParaRPr lang="en-US"/>
+        </a:p>
+      </dgm:t>
     </dgm:pt>
     <dgm:pt modelId="{81666E97-5860-45F1-88A5-99FAA589A582}" type="pres">
       <dgm:prSet presAssocID="{885613C5-7A76-4AA0-92F0-EEDD9B446661}" presName="parentLeftMargin" presStyleLbl="node1" presStyleIdx="0" presStyleCnt="5"/>
@@ -3457,6 +3547,13 @@
     <dgm:pt modelId="{D56B0920-15E2-4004-802C-40F44EE50B32}" type="pres">
       <dgm:prSet presAssocID="{885613C5-7A76-4AA0-92F0-EEDD9B446661}" presName="negativeSpace" presStyleCnt="0"/>
       <dgm:spPr/>
+      <dgm:t>
+        <a:bodyPr/>
+        <a:lstStyle/>
+        <a:p>
+          <a:endParaRPr lang="en-US"/>
+        </a:p>
+      </dgm:t>
     </dgm:pt>
     <dgm:pt modelId="{BDDB4458-80D3-44D0-B84B-56AD138986B6}" type="pres">
       <dgm:prSet presAssocID="{885613C5-7A76-4AA0-92F0-EEDD9B446661}" presName="childText" presStyleLbl="conFgAcc1" presStyleIdx="0" presStyleCnt="5">
@@ -3465,14 +3562,35 @@
         </dgm:presLayoutVars>
       </dgm:prSet>
       <dgm:spPr/>
+      <dgm:t>
+        <a:bodyPr/>
+        <a:lstStyle/>
+        <a:p>
+          <a:endParaRPr lang="en-US"/>
+        </a:p>
+      </dgm:t>
     </dgm:pt>
     <dgm:pt modelId="{E2BBED80-C124-45E1-8334-14F6E2349726}" type="pres">
       <dgm:prSet presAssocID="{6C21FB75-BC17-41CC-880D-0FB92EFFD8D8}" presName="spaceBetweenRectangles" presStyleCnt="0"/>
       <dgm:spPr/>
+      <dgm:t>
+        <a:bodyPr/>
+        <a:lstStyle/>
+        <a:p>
+          <a:endParaRPr lang="en-US"/>
+        </a:p>
+      </dgm:t>
     </dgm:pt>
     <dgm:pt modelId="{55369A39-AAEC-465F-9413-7014ACD7EBA2}" type="pres">
       <dgm:prSet presAssocID="{68CDD154-F438-49AE-AED8-77DB9EC9D634}" presName="parentLin" presStyleCnt="0"/>
       <dgm:spPr/>
+      <dgm:t>
+        <a:bodyPr/>
+        <a:lstStyle/>
+        <a:p>
+          <a:endParaRPr lang="en-US"/>
+        </a:p>
+      </dgm:t>
     </dgm:pt>
     <dgm:pt modelId="{21C03DFF-8234-4BBD-95B9-2622D999B6CC}" type="pres">
       <dgm:prSet presAssocID="{68CDD154-F438-49AE-AED8-77DB9EC9D634}" presName="parentLeftMargin" presStyleLbl="node1" presStyleIdx="0" presStyleCnt="5"/>
@@ -3504,6 +3622,13 @@
     <dgm:pt modelId="{C06D8DE2-402D-435C-802A-B654C27DCCEC}" type="pres">
       <dgm:prSet presAssocID="{68CDD154-F438-49AE-AED8-77DB9EC9D634}" presName="negativeSpace" presStyleCnt="0"/>
       <dgm:spPr/>
+      <dgm:t>
+        <a:bodyPr/>
+        <a:lstStyle/>
+        <a:p>
+          <a:endParaRPr lang="en-US"/>
+        </a:p>
+      </dgm:t>
     </dgm:pt>
     <dgm:pt modelId="{F6B0ED51-C4BD-4727-BD27-53060818C439}" type="pres">
       <dgm:prSet presAssocID="{68CDD154-F438-49AE-AED8-77DB9EC9D634}" presName="childText" presStyleLbl="conFgAcc1" presStyleIdx="1" presStyleCnt="5">
@@ -3512,14 +3637,35 @@
         </dgm:presLayoutVars>
       </dgm:prSet>
       <dgm:spPr/>
+      <dgm:t>
+        <a:bodyPr/>
+        <a:lstStyle/>
+        <a:p>
+          <a:endParaRPr lang="en-US"/>
+        </a:p>
+      </dgm:t>
     </dgm:pt>
     <dgm:pt modelId="{6D0E8308-C920-46C3-A438-4529411307A8}" type="pres">
       <dgm:prSet presAssocID="{8E8D4616-98CD-450E-B33D-2C9FC2B13B55}" presName="spaceBetweenRectangles" presStyleCnt="0"/>
       <dgm:spPr/>
+      <dgm:t>
+        <a:bodyPr/>
+        <a:lstStyle/>
+        <a:p>
+          <a:endParaRPr lang="en-US"/>
+        </a:p>
+      </dgm:t>
     </dgm:pt>
     <dgm:pt modelId="{0D06F5E2-48C8-4660-800A-8A1356970832}" type="pres">
       <dgm:prSet presAssocID="{89B52B6D-D82C-42B0-BE38-A3B3D68F9C27}" presName="parentLin" presStyleCnt="0"/>
       <dgm:spPr/>
+      <dgm:t>
+        <a:bodyPr/>
+        <a:lstStyle/>
+        <a:p>
+          <a:endParaRPr lang="en-US"/>
+        </a:p>
+      </dgm:t>
     </dgm:pt>
     <dgm:pt modelId="{0BB3654B-9C6D-4A61-87CC-E802B5686BC1}" type="pres">
       <dgm:prSet presAssocID="{89B52B6D-D82C-42B0-BE38-A3B3D68F9C27}" presName="parentLeftMargin" presStyleLbl="node1" presStyleIdx="1" presStyleCnt="5"/>
@@ -3551,6 +3697,13 @@
     <dgm:pt modelId="{868AE5E0-B723-46BA-9B8A-7BDE27FDAC96}" type="pres">
       <dgm:prSet presAssocID="{89B52B6D-D82C-42B0-BE38-A3B3D68F9C27}" presName="negativeSpace" presStyleCnt="0"/>
       <dgm:spPr/>
+      <dgm:t>
+        <a:bodyPr/>
+        <a:lstStyle/>
+        <a:p>
+          <a:endParaRPr lang="en-US"/>
+        </a:p>
+      </dgm:t>
     </dgm:pt>
     <dgm:pt modelId="{6F1F44CC-2CF6-4D1F-9380-EB8B891F3B87}" type="pres">
       <dgm:prSet presAssocID="{89B52B6D-D82C-42B0-BE38-A3B3D68F9C27}" presName="childText" presStyleLbl="conFgAcc1" presStyleIdx="2" presStyleCnt="5">
@@ -3559,14 +3712,35 @@
         </dgm:presLayoutVars>
       </dgm:prSet>
       <dgm:spPr/>
+      <dgm:t>
+        <a:bodyPr/>
+        <a:lstStyle/>
+        <a:p>
+          <a:endParaRPr lang="en-US"/>
+        </a:p>
+      </dgm:t>
     </dgm:pt>
     <dgm:pt modelId="{2830F6C9-0CD4-4CC1-B63C-B8212F78FF42}" type="pres">
       <dgm:prSet presAssocID="{86F3C531-528D-49DB-9EB7-8C6D718BDBE9}" presName="spaceBetweenRectangles" presStyleCnt="0"/>
       <dgm:spPr/>
+      <dgm:t>
+        <a:bodyPr/>
+        <a:lstStyle/>
+        <a:p>
+          <a:endParaRPr lang="en-US"/>
+        </a:p>
+      </dgm:t>
     </dgm:pt>
     <dgm:pt modelId="{D633A690-4C7E-41DE-AAB7-6D1D25518FAE}" type="pres">
       <dgm:prSet presAssocID="{4209E399-DA0C-42D5-962A-8276C02AA8EC}" presName="parentLin" presStyleCnt="0"/>
       <dgm:spPr/>
+      <dgm:t>
+        <a:bodyPr/>
+        <a:lstStyle/>
+        <a:p>
+          <a:endParaRPr lang="en-US"/>
+        </a:p>
+      </dgm:t>
     </dgm:pt>
     <dgm:pt modelId="{C6C87D8D-4034-4397-984C-9BF8EEE0A79B}" type="pres">
       <dgm:prSet presAssocID="{4209E399-DA0C-42D5-962A-8276C02AA8EC}" presName="parentLeftMargin" presStyleLbl="node1" presStyleIdx="2" presStyleCnt="5"/>
@@ -3598,6 +3772,13 @@
     <dgm:pt modelId="{2B688452-9676-4572-8FCC-7EBB2177883D}" type="pres">
       <dgm:prSet presAssocID="{4209E399-DA0C-42D5-962A-8276C02AA8EC}" presName="negativeSpace" presStyleCnt="0"/>
       <dgm:spPr/>
+      <dgm:t>
+        <a:bodyPr/>
+        <a:lstStyle/>
+        <a:p>
+          <a:endParaRPr lang="en-US"/>
+        </a:p>
+      </dgm:t>
     </dgm:pt>
     <dgm:pt modelId="{1B040495-5579-4301-BCA9-162DC725BE9B}" type="pres">
       <dgm:prSet presAssocID="{4209E399-DA0C-42D5-962A-8276C02AA8EC}" presName="childText" presStyleLbl="conFgAcc1" presStyleIdx="3" presStyleCnt="5">
@@ -3606,14 +3787,35 @@
         </dgm:presLayoutVars>
       </dgm:prSet>
       <dgm:spPr/>
+      <dgm:t>
+        <a:bodyPr/>
+        <a:lstStyle/>
+        <a:p>
+          <a:endParaRPr lang="en-US"/>
+        </a:p>
+      </dgm:t>
     </dgm:pt>
     <dgm:pt modelId="{FA29502E-CFDF-46D5-838D-B163F0FB93F1}" type="pres">
       <dgm:prSet presAssocID="{F7F538C6-58F2-4EB2-9D5A-112410F40135}" presName="spaceBetweenRectangles" presStyleCnt="0"/>
       <dgm:spPr/>
+      <dgm:t>
+        <a:bodyPr/>
+        <a:lstStyle/>
+        <a:p>
+          <a:endParaRPr lang="en-US"/>
+        </a:p>
+      </dgm:t>
     </dgm:pt>
     <dgm:pt modelId="{35976697-83B8-454B-ACE2-4571E527B678}" type="pres">
       <dgm:prSet presAssocID="{BF9A83B9-8111-4B78-8600-312D1688C140}" presName="parentLin" presStyleCnt="0"/>
       <dgm:spPr/>
+      <dgm:t>
+        <a:bodyPr/>
+        <a:lstStyle/>
+        <a:p>
+          <a:endParaRPr lang="en-US"/>
+        </a:p>
+      </dgm:t>
     </dgm:pt>
     <dgm:pt modelId="{8ED20E6A-F08F-4955-95AA-301A4ACB2F6E}" type="pres">
       <dgm:prSet presAssocID="{BF9A83B9-8111-4B78-8600-312D1688C140}" presName="parentLeftMargin" presStyleLbl="node1" presStyleIdx="3" presStyleCnt="5"/>
@@ -3645,6 +3847,13 @@
     <dgm:pt modelId="{8C709240-4DF1-42AB-B93B-B126A518580F}" type="pres">
       <dgm:prSet presAssocID="{BF9A83B9-8111-4B78-8600-312D1688C140}" presName="negativeSpace" presStyleCnt="0"/>
       <dgm:spPr/>
+      <dgm:t>
+        <a:bodyPr/>
+        <a:lstStyle/>
+        <a:p>
+          <a:endParaRPr lang="en-US"/>
+        </a:p>
+      </dgm:t>
     </dgm:pt>
     <dgm:pt modelId="{40AFF034-79FB-446D-A396-A1D78C5E83DA}" type="pres">
       <dgm:prSet presAssocID="{BF9A83B9-8111-4B78-8600-312D1688C140}" presName="childText" presStyleLbl="conFgAcc1" presStyleIdx="4" presStyleCnt="5">
@@ -3653,6 +3862,13 @@
         </dgm:presLayoutVars>
       </dgm:prSet>
       <dgm:spPr/>
+      <dgm:t>
+        <a:bodyPr/>
+        <a:lstStyle/>
+        <a:p>
+          <a:endParaRPr lang="en-US"/>
+        </a:p>
+      </dgm:t>
     </dgm:pt>
   </dgm:ptLst>
   <dgm:cxnLst>
@@ -4334,7 +4550,7 @@
             <a:alphaOff val="0"/>
           </a:schemeClr>
         </a:solidFill>
-        <a:ln w="25400" cap="flat" cmpd="sng" algn="ctr">
+        <a:ln w="9525" cap="flat" cmpd="sng" algn="ctr">
           <a:solidFill>
             <a:schemeClr val="accent1">
               <a:hueOff val="0"/>
@@ -4348,7 +4564,7 @@
         <a:effectLst/>
       </dsp:spPr>
       <dsp:style>
-        <a:lnRef idx="2">
+        <a:lnRef idx="1">
           <a:scrgbClr r="0" g="0" b="0"/>
         </a:lnRef>
         <a:fillRef idx="1">
@@ -4373,39 +4589,71 @@
         <a:prstGeom prst="roundRect">
           <a:avLst/>
         </a:prstGeom>
-        <a:solidFill>
-          <a:schemeClr val="accent1">
-            <a:hueOff val="0"/>
-            <a:satOff val="0"/>
-            <a:lumOff val="0"/>
-            <a:alphaOff val="0"/>
-          </a:schemeClr>
-        </a:solidFill>
-        <a:ln w="25400" cap="flat" cmpd="sng" algn="ctr">
-          <a:solidFill>
-            <a:schemeClr val="lt1">
-              <a:hueOff val="0"/>
-              <a:satOff val="0"/>
-              <a:lumOff val="0"/>
-              <a:alphaOff val="0"/>
-            </a:schemeClr>
-          </a:solidFill>
-          <a:prstDash val="solid"/>
+        <a:gradFill rotWithShape="0">
+          <a:gsLst>
+            <a:gs pos="0">
+              <a:schemeClr val="accent1">
+                <a:hueOff val="0"/>
+                <a:satOff val="0"/>
+                <a:lumOff val="0"/>
+                <a:alphaOff val="0"/>
+                <a:tint val="50000"/>
+                <a:satMod val="300000"/>
+              </a:schemeClr>
+            </a:gs>
+            <a:gs pos="35000">
+              <a:schemeClr val="accent1">
+                <a:hueOff val="0"/>
+                <a:satOff val="0"/>
+                <a:lumOff val="0"/>
+                <a:alphaOff val="0"/>
+                <a:tint val="37000"/>
+                <a:satMod val="300000"/>
+              </a:schemeClr>
+            </a:gs>
+            <a:gs pos="100000">
+              <a:schemeClr val="accent1">
+                <a:hueOff val="0"/>
+                <a:satOff val="0"/>
+                <a:lumOff val="0"/>
+                <a:alphaOff val="0"/>
+                <a:tint val="15000"/>
+                <a:satMod val="350000"/>
+              </a:schemeClr>
+            </a:gs>
+          </a:gsLst>
+          <a:lin ang="16200000" scaled="1"/>
+        </a:gradFill>
+        <a:ln>
+          <a:noFill/>
         </a:ln>
-        <a:effectLst/>
+        <a:effectLst>
+          <a:outerShdw blurRad="40000" dist="20000" dir="5400000" rotWithShape="0">
+            <a:srgbClr val="000000">
+              <a:alpha val="38000"/>
+            </a:srgbClr>
+          </a:outerShdw>
+        </a:effectLst>
+        <a:scene3d>
+          <a:camera prst="orthographicFront"/>
+          <a:lightRig rig="flat" dir="t"/>
+        </a:scene3d>
+        <a:sp3d prstMaterial="dkEdge">
+          <a:bevelT w="8200" h="38100"/>
+        </a:sp3d>
       </dsp:spPr>
       <dsp:style>
-        <a:lnRef idx="2">
+        <a:lnRef idx="0">
           <a:scrgbClr r="0" g="0" b="0"/>
         </a:lnRef>
-        <a:fillRef idx="1">
+        <a:fillRef idx="2">
           <a:scrgbClr r="0" g="0" b="0"/>
         </a:fillRef>
-        <a:effectRef idx="0">
+        <a:effectRef idx="1">
           <a:scrgbClr r="0" g="0" b="0"/>
         </a:effectRef>
         <a:fontRef idx="minor">
-          <a:schemeClr val="lt1"/>
+          <a:schemeClr val="dk1"/>
         </a:fontRef>
       </dsp:style>
       <dsp:txBody>
@@ -4426,13 +4674,16 @@
             </a:spcAft>
           </a:pPr>
           <a:r>
-            <a:rPr lang="en-US" sz="1600" b="1" kern="1200" dirty="0" smtClean="0"/>
-            <a:t>Volunteer </a:t>
+            <a:rPr lang="en-US" sz="1600" b="1" kern="1200" cap="none" spc="0" smtClean="0">
+              <a:ln/>
+              <a:effectLst/>
+            </a:rPr>
+            <a:t>Volunteer Management</a:t>
           </a:r>
-          <a:r>
-            <a:rPr lang="en-US" sz="1600" b="1" kern="1200" dirty="0" smtClean="0"/>
-            <a:t>Management</a:t>
-          </a:r>
+          <a:endParaRPr lang="en-US" sz="1600" b="1" kern="1200" cap="none" spc="0" dirty="0" smtClean="0">
+            <a:ln/>
+            <a:effectLst/>
+          </a:endParaRPr>
         </a:p>
       </dsp:txBody>
       <dsp:txXfrm>
@@ -4462,7 +4713,7 @@
             <a:alphaOff val="0"/>
           </a:schemeClr>
         </a:solidFill>
-        <a:ln w="25400" cap="flat" cmpd="sng" algn="ctr">
+        <a:ln w="9525" cap="flat" cmpd="sng" algn="ctr">
           <a:solidFill>
             <a:schemeClr val="accent1">
               <a:hueOff val="0"/>
@@ -4476,7 +4727,7 @@
         <a:effectLst/>
       </dsp:spPr>
       <dsp:style>
-        <a:lnRef idx="2">
+        <a:lnRef idx="1">
           <a:scrgbClr r="0" g="0" b="0"/>
         </a:lnRef>
         <a:fillRef idx="1">
@@ -4501,39 +4752,71 @@
         <a:prstGeom prst="roundRect">
           <a:avLst/>
         </a:prstGeom>
-        <a:solidFill>
-          <a:schemeClr val="accent1">
-            <a:hueOff val="0"/>
-            <a:satOff val="0"/>
-            <a:lumOff val="0"/>
-            <a:alphaOff val="0"/>
-          </a:schemeClr>
-        </a:solidFill>
-        <a:ln w="25400" cap="flat" cmpd="sng" algn="ctr">
-          <a:solidFill>
-            <a:schemeClr val="lt1">
-              <a:hueOff val="0"/>
-              <a:satOff val="0"/>
-              <a:lumOff val="0"/>
-              <a:alphaOff val="0"/>
-            </a:schemeClr>
-          </a:solidFill>
-          <a:prstDash val="solid"/>
+        <a:gradFill rotWithShape="0">
+          <a:gsLst>
+            <a:gs pos="0">
+              <a:schemeClr val="accent1">
+                <a:hueOff val="0"/>
+                <a:satOff val="0"/>
+                <a:lumOff val="0"/>
+                <a:alphaOff val="0"/>
+                <a:tint val="50000"/>
+                <a:satMod val="300000"/>
+              </a:schemeClr>
+            </a:gs>
+            <a:gs pos="35000">
+              <a:schemeClr val="accent1">
+                <a:hueOff val="0"/>
+                <a:satOff val="0"/>
+                <a:lumOff val="0"/>
+                <a:alphaOff val="0"/>
+                <a:tint val="37000"/>
+                <a:satMod val="300000"/>
+              </a:schemeClr>
+            </a:gs>
+            <a:gs pos="100000">
+              <a:schemeClr val="accent1">
+                <a:hueOff val="0"/>
+                <a:satOff val="0"/>
+                <a:lumOff val="0"/>
+                <a:alphaOff val="0"/>
+                <a:tint val="15000"/>
+                <a:satMod val="350000"/>
+              </a:schemeClr>
+            </a:gs>
+          </a:gsLst>
+          <a:lin ang="16200000" scaled="1"/>
+        </a:gradFill>
+        <a:ln>
+          <a:noFill/>
         </a:ln>
-        <a:effectLst/>
+        <a:effectLst>
+          <a:outerShdw blurRad="40000" dist="20000" dir="5400000" rotWithShape="0">
+            <a:srgbClr val="000000">
+              <a:alpha val="38000"/>
+            </a:srgbClr>
+          </a:outerShdw>
+        </a:effectLst>
+        <a:scene3d>
+          <a:camera prst="orthographicFront"/>
+          <a:lightRig rig="flat" dir="t"/>
+        </a:scene3d>
+        <a:sp3d prstMaterial="dkEdge">
+          <a:bevelT w="8200" h="38100"/>
+        </a:sp3d>
       </dsp:spPr>
       <dsp:style>
-        <a:lnRef idx="2">
+        <a:lnRef idx="0">
           <a:scrgbClr r="0" g="0" b="0"/>
         </a:lnRef>
-        <a:fillRef idx="1">
+        <a:fillRef idx="2">
           <a:scrgbClr r="0" g="0" b="0"/>
         </a:fillRef>
-        <a:effectRef idx="0">
+        <a:effectRef idx="1">
           <a:scrgbClr r="0" g="0" b="0"/>
         </a:effectRef>
         <a:fontRef idx="minor">
-          <a:schemeClr val="lt1"/>
+          <a:schemeClr val="dk1"/>
         </a:fontRef>
       </dsp:style>
       <dsp:txBody>
@@ -4554,10 +4837,16 @@
             </a:spcAft>
           </a:pPr>
           <a:r>
-            <a:rPr lang="en-US" sz="1600" b="1" kern="1200" dirty="0" smtClean="0"/>
+            <a:rPr lang="en-US" sz="1600" b="1" kern="1200" cap="none" spc="0" dirty="0" smtClean="0">
+              <a:ln/>
+              <a:effectLst/>
+            </a:rPr>
             <a:t>Staff Management</a:t>
           </a:r>
-          <a:endParaRPr lang="en-US" sz="1600" b="1" kern="1200" dirty="0"/>
+          <a:endParaRPr lang="en-US" sz="1600" b="1" kern="1200" cap="none" spc="0" dirty="0">
+            <a:ln/>
+            <a:effectLst/>
+          </a:endParaRPr>
         </a:p>
       </dsp:txBody>
       <dsp:txXfrm>
@@ -4587,7 +4876,7 @@
             <a:alphaOff val="0"/>
           </a:schemeClr>
         </a:solidFill>
-        <a:ln w="25400" cap="flat" cmpd="sng" algn="ctr">
+        <a:ln w="9525" cap="flat" cmpd="sng" algn="ctr">
           <a:solidFill>
             <a:schemeClr val="accent1">
               <a:hueOff val="0"/>
@@ -4601,7 +4890,7 @@
         <a:effectLst/>
       </dsp:spPr>
       <dsp:style>
-        <a:lnRef idx="2">
+        <a:lnRef idx="1">
           <a:scrgbClr r="0" g="0" b="0"/>
         </a:lnRef>
         <a:fillRef idx="1">
@@ -4626,39 +4915,71 @@
         <a:prstGeom prst="roundRect">
           <a:avLst/>
         </a:prstGeom>
-        <a:solidFill>
-          <a:schemeClr val="accent1">
-            <a:hueOff val="0"/>
-            <a:satOff val="0"/>
-            <a:lumOff val="0"/>
-            <a:alphaOff val="0"/>
-          </a:schemeClr>
-        </a:solidFill>
-        <a:ln w="25400" cap="flat" cmpd="sng" algn="ctr">
-          <a:solidFill>
-            <a:schemeClr val="lt1">
-              <a:hueOff val="0"/>
-              <a:satOff val="0"/>
-              <a:lumOff val="0"/>
-              <a:alphaOff val="0"/>
-            </a:schemeClr>
-          </a:solidFill>
-          <a:prstDash val="solid"/>
+        <a:gradFill rotWithShape="0">
+          <a:gsLst>
+            <a:gs pos="0">
+              <a:schemeClr val="accent1">
+                <a:hueOff val="0"/>
+                <a:satOff val="0"/>
+                <a:lumOff val="0"/>
+                <a:alphaOff val="0"/>
+                <a:tint val="50000"/>
+                <a:satMod val="300000"/>
+              </a:schemeClr>
+            </a:gs>
+            <a:gs pos="35000">
+              <a:schemeClr val="accent1">
+                <a:hueOff val="0"/>
+                <a:satOff val="0"/>
+                <a:lumOff val="0"/>
+                <a:alphaOff val="0"/>
+                <a:tint val="37000"/>
+                <a:satMod val="300000"/>
+              </a:schemeClr>
+            </a:gs>
+            <a:gs pos="100000">
+              <a:schemeClr val="accent1">
+                <a:hueOff val="0"/>
+                <a:satOff val="0"/>
+                <a:lumOff val="0"/>
+                <a:alphaOff val="0"/>
+                <a:tint val="15000"/>
+                <a:satMod val="350000"/>
+              </a:schemeClr>
+            </a:gs>
+          </a:gsLst>
+          <a:lin ang="16200000" scaled="1"/>
+        </a:gradFill>
+        <a:ln>
+          <a:noFill/>
         </a:ln>
-        <a:effectLst/>
+        <a:effectLst>
+          <a:outerShdw blurRad="40000" dist="20000" dir="5400000" rotWithShape="0">
+            <a:srgbClr val="000000">
+              <a:alpha val="38000"/>
+            </a:srgbClr>
+          </a:outerShdw>
+        </a:effectLst>
+        <a:scene3d>
+          <a:camera prst="orthographicFront"/>
+          <a:lightRig rig="flat" dir="t"/>
+        </a:scene3d>
+        <a:sp3d prstMaterial="dkEdge">
+          <a:bevelT w="8200" h="38100"/>
+        </a:sp3d>
       </dsp:spPr>
       <dsp:style>
-        <a:lnRef idx="2">
+        <a:lnRef idx="0">
           <a:scrgbClr r="0" g="0" b="0"/>
         </a:lnRef>
-        <a:fillRef idx="1">
+        <a:fillRef idx="2">
           <a:scrgbClr r="0" g="0" b="0"/>
         </a:fillRef>
-        <a:effectRef idx="0">
+        <a:effectRef idx="1">
           <a:scrgbClr r="0" g="0" b="0"/>
         </a:effectRef>
         <a:fontRef idx="minor">
-          <a:schemeClr val="lt1"/>
+          <a:schemeClr val="dk1"/>
         </a:fontRef>
       </dsp:style>
       <dsp:txBody>
@@ -4679,10 +5000,16 @@
             </a:spcAft>
           </a:pPr>
           <a:r>
-            <a:rPr lang="en-US" sz="1600" b="1" kern="1200" dirty="0" smtClean="0"/>
+            <a:rPr lang="en-US" sz="1600" b="1" kern="1200" cap="none" spc="0" dirty="0" smtClean="0">
+              <a:ln/>
+              <a:effectLst/>
+            </a:rPr>
             <a:t>Project Management</a:t>
           </a:r>
-          <a:endParaRPr lang="en-US" sz="1600" b="1" kern="1200" dirty="0"/>
+          <a:endParaRPr lang="en-US" sz="1600" b="1" kern="1200" cap="none" spc="0" dirty="0">
+            <a:ln/>
+            <a:effectLst/>
+          </a:endParaRPr>
         </a:p>
       </dsp:txBody>
       <dsp:txXfrm>
@@ -4712,7 +5039,7 @@
             <a:alphaOff val="0"/>
           </a:schemeClr>
         </a:solidFill>
-        <a:ln w="25400" cap="flat" cmpd="sng" algn="ctr">
+        <a:ln w="9525" cap="flat" cmpd="sng" algn="ctr">
           <a:solidFill>
             <a:schemeClr val="accent1">
               <a:hueOff val="0"/>
@@ -4726,7 +5053,7 @@
         <a:effectLst/>
       </dsp:spPr>
       <dsp:style>
-        <a:lnRef idx="2">
+        <a:lnRef idx="1">
           <a:scrgbClr r="0" g="0" b="0"/>
         </a:lnRef>
         <a:fillRef idx="1">
@@ -4751,39 +5078,71 @@
         <a:prstGeom prst="roundRect">
           <a:avLst/>
         </a:prstGeom>
-        <a:solidFill>
-          <a:schemeClr val="accent1">
-            <a:hueOff val="0"/>
-            <a:satOff val="0"/>
-            <a:lumOff val="0"/>
-            <a:alphaOff val="0"/>
-          </a:schemeClr>
-        </a:solidFill>
-        <a:ln w="25400" cap="flat" cmpd="sng" algn="ctr">
-          <a:solidFill>
-            <a:schemeClr val="lt1">
-              <a:hueOff val="0"/>
-              <a:satOff val="0"/>
-              <a:lumOff val="0"/>
-              <a:alphaOff val="0"/>
-            </a:schemeClr>
-          </a:solidFill>
-          <a:prstDash val="solid"/>
+        <a:gradFill rotWithShape="0">
+          <a:gsLst>
+            <a:gs pos="0">
+              <a:schemeClr val="accent1">
+                <a:hueOff val="0"/>
+                <a:satOff val="0"/>
+                <a:lumOff val="0"/>
+                <a:alphaOff val="0"/>
+                <a:tint val="50000"/>
+                <a:satMod val="300000"/>
+              </a:schemeClr>
+            </a:gs>
+            <a:gs pos="35000">
+              <a:schemeClr val="accent1">
+                <a:hueOff val="0"/>
+                <a:satOff val="0"/>
+                <a:lumOff val="0"/>
+                <a:alphaOff val="0"/>
+                <a:tint val="37000"/>
+                <a:satMod val="300000"/>
+              </a:schemeClr>
+            </a:gs>
+            <a:gs pos="100000">
+              <a:schemeClr val="accent1">
+                <a:hueOff val="0"/>
+                <a:satOff val="0"/>
+                <a:lumOff val="0"/>
+                <a:alphaOff val="0"/>
+                <a:tint val="15000"/>
+                <a:satMod val="350000"/>
+              </a:schemeClr>
+            </a:gs>
+          </a:gsLst>
+          <a:lin ang="16200000" scaled="1"/>
+        </a:gradFill>
+        <a:ln>
+          <a:noFill/>
         </a:ln>
-        <a:effectLst/>
+        <a:effectLst>
+          <a:outerShdw blurRad="40000" dist="20000" dir="5400000" rotWithShape="0">
+            <a:srgbClr val="000000">
+              <a:alpha val="38000"/>
+            </a:srgbClr>
+          </a:outerShdw>
+        </a:effectLst>
+        <a:scene3d>
+          <a:camera prst="orthographicFront"/>
+          <a:lightRig rig="flat" dir="t"/>
+        </a:scene3d>
+        <a:sp3d prstMaterial="dkEdge">
+          <a:bevelT w="8200" h="38100"/>
+        </a:sp3d>
       </dsp:spPr>
       <dsp:style>
-        <a:lnRef idx="2">
+        <a:lnRef idx="0">
           <a:scrgbClr r="0" g="0" b="0"/>
         </a:lnRef>
-        <a:fillRef idx="1">
+        <a:fillRef idx="2">
           <a:scrgbClr r="0" g="0" b="0"/>
         </a:fillRef>
-        <a:effectRef idx="0">
+        <a:effectRef idx="1">
           <a:scrgbClr r="0" g="0" b="0"/>
         </a:effectRef>
         <a:fontRef idx="minor">
-          <a:schemeClr val="lt1"/>
+          <a:schemeClr val="dk1"/>
         </a:fontRef>
       </dsp:style>
       <dsp:txBody>
@@ -4804,10 +5163,16 @@
             </a:spcAft>
           </a:pPr>
           <a:r>
-            <a:rPr lang="en-US" sz="1600" b="1" kern="1200" dirty="0" smtClean="0"/>
+            <a:rPr lang="en-US" sz="1600" b="1" kern="1200" cap="none" spc="0" dirty="0" smtClean="0">
+              <a:ln/>
+              <a:effectLst/>
+            </a:rPr>
             <a:t>Itinerary Management</a:t>
           </a:r>
-          <a:endParaRPr lang="en-US" sz="1600" b="1" kern="1200" dirty="0"/>
+          <a:endParaRPr lang="en-US" sz="1600" b="1" kern="1200" cap="none" spc="0" dirty="0">
+            <a:ln/>
+            <a:effectLst/>
+          </a:endParaRPr>
         </a:p>
       </dsp:txBody>
       <dsp:txXfrm>
@@ -4837,7 +5202,7 @@
             <a:alphaOff val="0"/>
           </a:schemeClr>
         </a:solidFill>
-        <a:ln w="25400" cap="flat" cmpd="sng" algn="ctr">
+        <a:ln w="9525" cap="flat" cmpd="sng" algn="ctr">
           <a:solidFill>
             <a:schemeClr val="accent1">
               <a:hueOff val="0"/>
@@ -4851,7 +5216,7 @@
         <a:effectLst/>
       </dsp:spPr>
       <dsp:style>
-        <a:lnRef idx="2">
+        <a:lnRef idx="1">
           <a:scrgbClr r="0" g="0" b="0"/>
         </a:lnRef>
         <a:fillRef idx="1">
@@ -4876,39 +5241,71 @@
         <a:prstGeom prst="roundRect">
           <a:avLst/>
         </a:prstGeom>
-        <a:solidFill>
-          <a:schemeClr val="accent1">
-            <a:hueOff val="0"/>
-            <a:satOff val="0"/>
-            <a:lumOff val="0"/>
-            <a:alphaOff val="0"/>
-          </a:schemeClr>
-        </a:solidFill>
-        <a:ln w="25400" cap="flat" cmpd="sng" algn="ctr">
-          <a:solidFill>
-            <a:schemeClr val="lt1">
-              <a:hueOff val="0"/>
-              <a:satOff val="0"/>
-              <a:lumOff val="0"/>
-              <a:alphaOff val="0"/>
-            </a:schemeClr>
-          </a:solidFill>
-          <a:prstDash val="solid"/>
+        <a:gradFill rotWithShape="0">
+          <a:gsLst>
+            <a:gs pos="0">
+              <a:schemeClr val="accent1">
+                <a:hueOff val="0"/>
+                <a:satOff val="0"/>
+                <a:lumOff val="0"/>
+                <a:alphaOff val="0"/>
+                <a:tint val="50000"/>
+                <a:satMod val="300000"/>
+              </a:schemeClr>
+            </a:gs>
+            <a:gs pos="35000">
+              <a:schemeClr val="accent1">
+                <a:hueOff val="0"/>
+                <a:satOff val="0"/>
+                <a:lumOff val="0"/>
+                <a:alphaOff val="0"/>
+                <a:tint val="37000"/>
+                <a:satMod val="300000"/>
+              </a:schemeClr>
+            </a:gs>
+            <a:gs pos="100000">
+              <a:schemeClr val="accent1">
+                <a:hueOff val="0"/>
+                <a:satOff val="0"/>
+                <a:lumOff val="0"/>
+                <a:alphaOff val="0"/>
+                <a:tint val="15000"/>
+                <a:satMod val="350000"/>
+              </a:schemeClr>
+            </a:gs>
+          </a:gsLst>
+          <a:lin ang="16200000" scaled="1"/>
+        </a:gradFill>
+        <a:ln>
+          <a:noFill/>
         </a:ln>
-        <a:effectLst/>
+        <a:effectLst>
+          <a:outerShdw blurRad="40000" dist="20000" dir="5400000" rotWithShape="0">
+            <a:srgbClr val="000000">
+              <a:alpha val="38000"/>
+            </a:srgbClr>
+          </a:outerShdw>
+        </a:effectLst>
+        <a:scene3d>
+          <a:camera prst="orthographicFront"/>
+          <a:lightRig rig="flat" dir="t"/>
+        </a:scene3d>
+        <a:sp3d prstMaterial="dkEdge">
+          <a:bevelT w="8200" h="38100"/>
+        </a:sp3d>
       </dsp:spPr>
       <dsp:style>
-        <a:lnRef idx="2">
+        <a:lnRef idx="0">
           <a:scrgbClr r="0" g="0" b="0"/>
         </a:lnRef>
-        <a:fillRef idx="1">
+        <a:fillRef idx="2">
           <a:scrgbClr r="0" g="0" b="0"/>
         </a:fillRef>
-        <a:effectRef idx="0">
+        <a:effectRef idx="1">
           <a:scrgbClr r="0" g="0" b="0"/>
         </a:effectRef>
         <a:fontRef idx="minor">
-          <a:schemeClr val="lt1"/>
+          <a:schemeClr val="dk1"/>
         </a:fontRef>
       </dsp:style>
       <dsp:txBody>
@@ -4929,10 +5326,16 @@
             </a:spcAft>
           </a:pPr>
           <a:r>
-            <a:rPr lang="en-US" sz="1600" b="1" kern="1200" dirty="0" smtClean="0"/>
+            <a:rPr lang="en-US" sz="1600" b="1" kern="1200" cap="none" spc="0" dirty="0" smtClean="0">
+              <a:ln/>
+              <a:effectLst/>
+            </a:rPr>
             <a:t>Administration</a:t>
           </a:r>
-          <a:endParaRPr lang="en-US" sz="1600" b="1" kern="1200" dirty="0"/>
+          <a:endParaRPr lang="en-US" sz="1600" b="1" kern="1200" cap="none" spc="0" dirty="0">
+            <a:ln/>
+            <a:effectLst/>
+          </a:endParaRPr>
         </a:p>
       </dsp:txBody>
       <dsp:txXfrm>
@@ -6498,11 +6901,11 @@
 </file>
 
 <file path=ppt/diagrams/quickStyle1.xml><?xml version="1.0" encoding="utf-8"?>
-<dgm:styleDef xmlns:dgm="http://schemas.openxmlformats.org/drawingml/2006/diagram" xmlns:a="http://schemas.openxmlformats.org/drawingml/2006/main" uniqueId="urn:microsoft.com/office/officeart/2005/8/quickstyle/simple1">
+<dgm:styleDef xmlns:dgm="http://schemas.openxmlformats.org/drawingml/2006/diagram" xmlns:a="http://schemas.openxmlformats.org/drawingml/2006/main" uniqueId="urn:microsoft.com/office/officeart/2005/8/quickstyle/simple3">
   <dgm:title val=""/>
   <dgm:desc val=""/>
   <dgm:catLst>
-    <dgm:cat type="simple" pri="10100"/>
+    <dgm:cat type="simple" pri="10300"/>
   </dgm:catLst>
   <dgm:scene3d>
     <a:camera prst="orthographicFront"/>
@@ -6511,59 +6914,65 @@
   <dgm:styleLbl name="node0">
     <dgm:scene3d>
       <a:camera prst="orthographicFront"/>
-      <a:lightRig rig="threePt" dir="t"/>
+      <a:lightRig rig="flat" dir="t"/>
     </dgm:scene3d>
-    <dgm:sp3d/>
+    <dgm:sp3d prstMaterial="dkEdge">
+      <a:bevelT w="8200" h="38100"/>
+    </dgm:sp3d>
     <dgm:txPr/>
     <dgm:style>
-      <a:lnRef idx="2">
+      <a:lnRef idx="0">
         <a:scrgbClr r="0" g="0" b="0"/>
       </a:lnRef>
-      <a:fillRef idx="1">
+      <a:fillRef idx="2">
         <a:scrgbClr r="0" g="0" b="0"/>
       </a:fillRef>
-      <a:effectRef idx="0">
+      <a:effectRef idx="1">
         <a:scrgbClr r="0" g="0" b="0"/>
       </a:effectRef>
       <a:fontRef idx="minor">
-        <a:schemeClr val="lt1"/>
+        <a:schemeClr val="dk1"/>
       </a:fontRef>
     </dgm:style>
   </dgm:styleLbl>
   <dgm:styleLbl name="lnNode1">
     <dgm:scene3d>
       <a:camera prst="orthographicFront"/>
-      <a:lightRig rig="threePt" dir="t"/>
+      <a:lightRig rig="flat" dir="t"/>
     </dgm:scene3d>
-    <dgm:sp3d/>
+    <dgm:sp3d prstMaterial="dkEdge">
+      <a:bevelT w="8200" h="38100"/>
+    </dgm:sp3d>
     <dgm:txPr/>
     <dgm:style>
-      <a:lnRef idx="2">
+      <a:lnRef idx="1">
         <a:scrgbClr r="0" g="0" b="0"/>
       </a:lnRef>
-      <a:fillRef idx="1">
+      <a:fillRef idx="2">
         <a:scrgbClr r="0" g="0" b="0"/>
       </a:fillRef>
       <a:effectRef idx="0">
         <a:scrgbClr r="0" g="0" b="0"/>
       </a:effectRef>
       <a:fontRef idx="minor">
-        <a:schemeClr val="lt1"/>
+        <a:schemeClr val="dk1"/>
       </a:fontRef>
     </dgm:style>
   </dgm:styleLbl>
   <dgm:styleLbl name="vennNode1">
     <dgm:scene3d>
       <a:camera prst="orthographicFront"/>
-      <a:lightRig rig="threePt" dir="t"/>
+      <a:lightRig rig="flat" dir="t"/>
     </dgm:scene3d>
-    <dgm:sp3d/>
+    <dgm:sp3d prstMaterial="dkEdge">
+      <a:bevelT w="8200" h="38100"/>
+    </dgm:sp3d>
     <dgm:txPr/>
     <dgm:style>
-      <a:lnRef idx="2">
+      <a:lnRef idx="0">
         <a:scrgbClr r="0" g="0" b="0"/>
       </a:lnRef>
-      <a:fillRef idx="1">
+      <a:fillRef idx="2">
         <a:scrgbClr r="0" g="0" b="0"/>
       </a:fillRef>
       <a:effectRef idx="0">
@@ -6582,105 +6991,113 @@
     <dgm:sp3d/>
     <dgm:txPr/>
     <dgm:style>
-      <a:lnRef idx="2">
+      <a:lnRef idx="1">
         <a:scrgbClr r="0" g="0" b="0"/>
       </a:lnRef>
-      <a:fillRef idx="1">
+      <a:fillRef idx="2">
         <a:scrgbClr r="0" g="0" b="0"/>
       </a:fillRef>
-      <a:effectRef idx="0">
+      <a:effectRef idx="1">
         <a:scrgbClr r="0" g="0" b="0"/>
       </a:effectRef>
       <a:fontRef idx="minor">
-        <a:schemeClr val="lt1"/>
+        <a:schemeClr val="dk1"/>
       </a:fontRef>
     </dgm:style>
   </dgm:styleLbl>
   <dgm:styleLbl name="node1">
     <dgm:scene3d>
       <a:camera prst="orthographicFront"/>
-      <a:lightRig rig="threePt" dir="t"/>
+      <a:lightRig rig="flat" dir="t"/>
     </dgm:scene3d>
-    <dgm:sp3d/>
+    <dgm:sp3d prstMaterial="dkEdge">
+      <a:bevelT w="8200" h="38100"/>
+    </dgm:sp3d>
     <dgm:txPr/>
     <dgm:style>
-      <a:lnRef idx="2">
+      <a:lnRef idx="0">
         <a:scrgbClr r="0" g="0" b="0"/>
       </a:lnRef>
-      <a:fillRef idx="1">
+      <a:fillRef idx="2">
         <a:scrgbClr r="0" g="0" b="0"/>
       </a:fillRef>
-      <a:effectRef idx="0">
+      <a:effectRef idx="1">
         <a:scrgbClr r="0" g="0" b="0"/>
       </a:effectRef>
       <a:fontRef idx="minor">
-        <a:schemeClr val="lt1"/>
+        <a:schemeClr val="dk1"/>
       </a:fontRef>
     </dgm:style>
   </dgm:styleLbl>
   <dgm:styleLbl name="node2">
     <dgm:scene3d>
       <a:camera prst="orthographicFront"/>
-      <a:lightRig rig="threePt" dir="t"/>
+      <a:lightRig rig="flat" dir="t"/>
     </dgm:scene3d>
-    <dgm:sp3d/>
+    <dgm:sp3d prstMaterial="dkEdge">
+      <a:bevelT w="8200" h="38100"/>
+    </dgm:sp3d>
     <dgm:txPr/>
     <dgm:style>
-      <a:lnRef idx="2">
+      <a:lnRef idx="0">
         <a:scrgbClr r="0" g="0" b="0"/>
       </a:lnRef>
-      <a:fillRef idx="1">
+      <a:fillRef idx="2">
         <a:scrgbClr r="0" g="0" b="0"/>
       </a:fillRef>
-      <a:effectRef idx="0">
+      <a:effectRef idx="1">
         <a:scrgbClr r="0" g="0" b="0"/>
       </a:effectRef>
       <a:fontRef idx="minor">
-        <a:schemeClr val="lt1"/>
+        <a:schemeClr val="dk1"/>
       </a:fontRef>
     </dgm:style>
   </dgm:styleLbl>
   <dgm:styleLbl name="node3">
     <dgm:scene3d>
       <a:camera prst="orthographicFront"/>
-      <a:lightRig rig="threePt" dir="t"/>
+      <a:lightRig rig="flat" dir="t"/>
     </dgm:scene3d>
-    <dgm:sp3d/>
+    <dgm:sp3d prstMaterial="dkEdge">
+      <a:bevelT w="8200" h="38100"/>
+    </dgm:sp3d>
     <dgm:txPr/>
     <dgm:style>
-      <a:lnRef idx="2">
+      <a:lnRef idx="0">
         <a:scrgbClr r="0" g="0" b="0"/>
       </a:lnRef>
-      <a:fillRef idx="1">
+      <a:fillRef idx="2">
         <a:scrgbClr r="0" g="0" b="0"/>
       </a:fillRef>
-      <a:effectRef idx="0">
+      <a:effectRef idx="1">
         <a:scrgbClr r="0" g="0" b="0"/>
       </a:effectRef>
       <a:fontRef idx="minor">
-        <a:schemeClr val="lt1"/>
+        <a:schemeClr val="dk1"/>
       </a:fontRef>
     </dgm:style>
   </dgm:styleLbl>
   <dgm:styleLbl name="node4">
     <dgm:scene3d>
       <a:camera prst="orthographicFront"/>
-      <a:lightRig rig="threePt" dir="t"/>
+      <a:lightRig rig="flat" dir="t"/>
     </dgm:scene3d>
-    <dgm:sp3d/>
+    <dgm:sp3d prstMaterial="dkEdge">
+      <a:bevelT w="8200" h="38100"/>
+    </dgm:sp3d>
     <dgm:txPr/>
     <dgm:style>
-      <a:lnRef idx="2">
+      <a:lnRef idx="0">
         <a:scrgbClr r="0" g="0" b="0"/>
       </a:lnRef>
-      <a:fillRef idx="1">
+      <a:fillRef idx="2">
         <a:scrgbClr r="0" g="0" b="0"/>
       </a:fillRef>
-      <a:effectRef idx="0">
+      <a:effectRef idx="1">
         <a:scrgbClr r="0" g="0" b="0"/>
       </a:effectRef>
       <a:fontRef idx="minor">
-        <a:schemeClr val="lt1"/>
+        <a:schemeClr val="dk1"/>
       </a:fontRef>
     </dgm:style>
   </dgm:styleLbl>
@@ -6692,13 +7109,13 @@
     <dgm:sp3d/>
     <dgm:txPr/>
     <dgm:style>
-      <a:lnRef idx="2">
+      <a:lnRef idx="1">
         <a:scrgbClr r="0" g="0" b="0"/>
       </a:lnRef>
       <a:fillRef idx="1">
         <a:scrgbClr r="0" g="0" b="0"/>
       </a:fillRef>
-      <a:effectRef idx="0">
+      <a:effectRef idx="1">
         <a:scrgbClr r="0" g="0" b="0"/>
       </a:effectRef>
       <a:fontRef idx="minor"/>
@@ -6712,13 +7129,13 @@
     <dgm:sp3d/>
     <dgm:txPr/>
     <dgm:style>
-      <a:lnRef idx="2">
+      <a:lnRef idx="1">
         <a:scrgbClr r="0" g="0" b="0"/>
       </a:lnRef>
       <a:fillRef idx="1">
         <a:scrgbClr r="0" g="0" b="0"/>
       </a:fillRef>
-      <a:effectRef idx="0">
+      <a:effectRef idx="1">
         <a:scrgbClr r="0" g="0" b="0"/>
       </a:effectRef>
       <a:fontRef idx="minor"/>
@@ -6732,13 +7149,13 @@
     <dgm:sp3d/>
     <dgm:txPr/>
     <dgm:style>
-      <a:lnRef idx="2">
+      <a:lnRef idx="1">
         <a:scrgbClr r="0" g="0" b="0"/>
       </a:lnRef>
       <a:fillRef idx="1">
         <a:scrgbClr r="0" g="0" b="0"/>
       </a:fillRef>
-      <a:effectRef idx="0">
+      <a:effectRef idx="1">
         <a:scrgbClr r="0" g="0" b="0"/>
       </a:effectRef>
       <a:fontRef idx="minor"/>
@@ -6755,14 +7172,14 @@
       <a:lnRef idx="0">
         <a:scrgbClr r="0" g="0" b="0"/>
       </a:lnRef>
-      <a:fillRef idx="1">
+      <a:fillRef idx="2">
         <a:scrgbClr r="0" g="0" b="0"/>
       </a:fillRef>
-      <a:effectRef idx="0">
+      <a:effectRef idx="1">
         <a:scrgbClr r="0" g="0" b="0"/>
       </a:effectRef>
       <a:fontRef idx="minor">
-        <a:schemeClr val="lt1"/>
+        <a:schemeClr val="dk1"/>
       </a:fontRef>
     </dgm:style>
   </dgm:styleLbl>
@@ -6777,14 +7194,14 @@
       <a:lnRef idx="0">
         <a:scrgbClr r="0" g="0" b="0"/>
       </a:lnRef>
-      <a:fillRef idx="1">
+      <a:fillRef idx="2">
         <a:scrgbClr r="0" g="0" b="0"/>
       </a:fillRef>
-      <a:effectRef idx="0">
+      <a:effectRef idx="1">
         <a:scrgbClr r="0" g="0" b="0"/>
       </a:effectRef>
       <a:fontRef idx="minor">
-        <a:schemeClr val="lt1"/>
+        <a:schemeClr val="dk1"/>
       </a:fontRef>
     </dgm:style>
   </dgm:styleLbl>
@@ -6799,14 +7216,14 @@
       <a:lnRef idx="0">
         <a:scrgbClr r="0" g="0" b="0"/>
       </a:lnRef>
-      <a:fillRef idx="1">
+      <a:fillRef idx="2">
         <a:scrgbClr r="0" g="0" b="0"/>
       </a:fillRef>
-      <a:effectRef idx="0">
+      <a:effectRef idx="1">
         <a:scrgbClr r="0" g="0" b="0"/>
       </a:effectRef>
       <a:fontRef idx="minor">
-        <a:schemeClr val="lt1"/>
+        <a:schemeClr val="dk1"/>
       </a:fontRef>
     </dgm:style>
   </dgm:styleLbl>
@@ -6838,13 +7255,13 @@
     <dgm:sp3d/>
     <dgm:txPr/>
     <dgm:style>
-      <a:lnRef idx="2">
+      <a:lnRef idx="1">
         <a:scrgbClr r="0" g="0" b="0"/>
       </a:lnRef>
-      <a:fillRef idx="1">
+      <a:fillRef idx="2">
         <a:scrgbClr r="0" g="0" b="0"/>
       </a:fillRef>
-      <a:effectRef idx="0">
+      <a:effectRef idx="1">
         <a:scrgbClr r="0" g="0" b="0"/>
       </a:effectRef>
       <a:fontRef idx="minor"/>
@@ -6853,110 +7270,120 @@
   <dgm:styleLbl name="asst0">
     <dgm:scene3d>
       <a:camera prst="orthographicFront"/>
-      <a:lightRig rig="threePt" dir="t"/>
+      <a:lightRig rig="flat" dir="t"/>
     </dgm:scene3d>
-    <dgm:sp3d/>
+    <dgm:sp3d prstMaterial="dkEdge">
+      <a:bevelT w="8200" h="38100"/>
+    </dgm:sp3d>
     <dgm:txPr/>
     <dgm:style>
-      <a:lnRef idx="2">
+      <a:lnRef idx="0">
         <a:scrgbClr r="0" g="0" b="0"/>
       </a:lnRef>
-      <a:fillRef idx="1">
+      <a:fillRef idx="2">
         <a:scrgbClr r="0" g="0" b="0"/>
       </a:fillRef>
-      <a:effectRef idx="0">
+      <a:effectRef idx="1">
         <a:scrgbClr r="0" g="0" b="0"/>
       </a:effectRef>
       <a:fontRef idx="minor">
-        <a:schemeClr val="lt1"/>
+        <a:schemeClr val="dk1"/>
       </a:fontRef>
     </dgm:style>
   </dgm:styleLbl>
   <dgm:styleLbl name="asst1">
     <dgm:scene3d>
       <a:camera prst="orthographicFront"/>
-      <a:lightRig rig="threePt" dir="t"/>
+      <a:lightRig rig="flat" dir="t"/>
     </dgm:scene3d>
-    <dgm:sp3d/>
+    <dgm:sp3d prstMaterial="dkEdge">
+      <a:bevelT w="8200" h="38100"/>
+    </dgm:sp3d>
     <dgm:txPr/>
     <dgm:style>
-      <a:lnRef idx="2">
+      <a:lnRef idx="0">
         <a:scrgbClr r="0" g="0" b="0"/>
       </a:lnRef>
-      <a:fillRef idx="1">
+      <a:fillRef idx="2">
         <a:scrgbClr r="0" g="0" b="0"/>
       </a:fillRef>
-      <a:effectRef idx="0">
+      <a:effectRef idx="1">
         <a:scrgbClr r="0" g="0" b="0"/>
       </a:effectRef>
       <a:fontRef idx="minor">
-        <a:schemeClr val="lt1"/>
+        <a:schemeClr val="dk1"/>
       </a:fontRef>
     </dgm:style>
   </dgm:styleLbl>
   <dgm:styleLbl name="asst2">
     <dgm:scene3d>
       <a:camera prst="orthographicFront"/>
-      <a:lightRig rig="threePt" dir="t"/>
+      <a:lightRig rig="flat" dir="t"/>
     </dgm:scene3d>
-    <dgm:sp3d/>
+    <dgm:sp3d prstMaterial="dkEdge">
+      <a:bevelT w="8200" h="38100"/>
+    </dgm:sp3d>
     <dgm:txPr/>
     <dgm:style>
-      <a:lnRef idx="2">
+      <a:lnRef idx="0">
         <a:scrgbClr r="0" g="0" b="0"/>
       </a:lnRef>
-      <a:fillRef idx="1">
+      <a:fillRef idx="2">
         <a:scrgbClr r="0" g="0" b="0"/>
       </a:fillRef>
-      <a:effectRef idx="0">
+      <a:effectRef idx="1">
         <a:scrgbClr r="0" g="0" b="0"/>
       </a:effectRef>
       <a:fontRef idx="minor">
-        <a:schemeClr val="lt1"/>
+        <a:schemeClr val="dk1"/>
       </a:fontRef>
     </dgm:style>
   </dgm:styleLbl>
   <dgm:styleLbl name="asst3">
     <dgm:scene3d>
       <a:camera prst="orthographicFront"/>
-      <a:lightRig rig="threePt" dir="t"/>
+      <a:lightRig rig="flat" dir="t"/>
     </dgm:scene3d>
-    <dgm:sp3d/>
+    <dgm:sp3d prstMaterial="dkEdge">
+      <a:bevelT w="8200" h="38100"/>
+    </dgm:sp3d>
     <dgm:txPr/>
     <dgm:style>
-      <a:lnRef idx="2">
+      <a:lnRef idx="0">
         <a:scrgbClr r="0" g="0" b="0"/>
       </a:lnRef>
-      <a:fillRef idx="1">
+      <a:fillRef idx="2">
         <a:scrgbClr r="0" g="0" b="0"/>
       </a:fillRef>
-      <a:effectRef idx="0">
+      <a:effectRef idx="1">
         <a:scrgbClr r="0" g="0" b="0"/>
       </a:effectRef>
       <a:fontRef idx="minor">
-        <a:schemeClr val="lt1"/>
+        <a:schemeClr val="dk1"/>
       </a:fontRef>
     </dgm:style>
   </dgm:styleLbl>
   <dgm:styleLbl name="asst4">
     <dgm:scene3d>
       <a:camera prst="orthographicFront"/>
-      <a:lightRig rig="threePt" dir="t"/>
+      <a:lightRig rig="flat" dir="t"/>
     </dgm:scene3d>
-    <dgm:sp3d/>
+    <dgm:sp3d prstMaterial="dkEdge">
+      <a:bevelT w="8200" h="38100"/>
+    </dgm:sp3d>
     <dgm:txPr/>
     <dgm:style>
-      <a:lnRef idx="2">
+      <a:lnRef idx="0">
         <a:scrgbClr r="0" g="0" b="0"/>
       </a:lnRef>
-      <a:fillRef idx="1">
+      <a:fillRef idx="2">
         <a:scrgbClr r="0" g="0" b="0"/>
       </a:fillRef>
-      <a:effectRef idx="0">
+      <a:effectRef idx="1">
         <a:scrgbClr r="0" g="0" b="0"/>
       </a:effectRef>
       <a:fontRef idx="minor">
-        <a:schemeClr val="lt1"/>
+        <a:schemeClr val="dk1"/>
       </a:fontRef>
     </dgm:style>
   </dgm:styleLbl>
@@ -6968,17 +7395,17 @@
     <dgm:sp3d/>
     <dgm:txPr/>
     <dgm:style>
-      <a:lnRef idx="2">
+      <a:lnRef idx="1">
         <a:scrgbClr r="0" g="0" b="0"/>
       </a:lnRef>
-      <a:fillRef idx="1">
+      <a:fillRef idx="2">
         <a:scrgbClr r="0" g="0" b="0"/>
       </a:fillRef>
-      <a:effectRef idx="0">
+      <a:effectRef idx="1">
         <a:scrgbClr r="0" g="0" b="0"/>
       </a:effectRef>
       <a:fontRef idx="minor">
-        <a:schemeClr val="lt1"/>
+        <a:schemeClr val="dk1"/>
       </a:fontRef>
     </dgm:style>
   </dgm:styleLbl>
@@ -6990,17 +7417,17 @@
     <dgm:sp3d/>
     <dgm:txPr/>
     <dgm:style>
-      <a:lnRef idx="2">
+      <a:lnRef idx="1">
         <a:scrgbClr r="0" g="0" b="0"/>
       </a:lnRef>
-      <a:fillRef idx="1">
+      <a:fillRef idx="2">
         <a:scrgbClr r="0" g="0" b="0"/>
       </a:fillRef>
-      <a:effectRef idx="0">
+      <a:effectRef idx="1">
         <a:scrgbClr r="0" g="0" b="0"/>
       </a:effectRef>
       <a:fontRef idx="minor">
-        <a:schemeClr val="lt1"/>
+        <a:schemeClr val="dk1"/>
       </a:fontRef>
     </dgm:style>
   </dgm:styleLbl>
@@ -7012,17 +7439,17 @@
     <dgm:sp3d/>
     <dgm:txPr/>
     <dgm:style>
-      <a:lnRef idx="2">
+      <a:lnRef idx="1">
         <a:scrgbClr r="0" g="0" b="0"/>
       </a:lnRef>
-      <a:fillRef idx="1">
+      <a:fillRef idx="2">
         <a:scrgbClr r="0" g="0" b="0"/>
       </a:fillRef>
-      <a:effectRef idx="0">
+      <a:effectRef idx="1">
         <a:scrgbClr r="0" g="0" b="0"/>
       </a:effectRef>
       <a:fontRef idx="minor">
-        <a:schemeClr val="lt1"/>
+        <a:schemeClr val="dk1"/>
       </a:fontRef>
     </dgm:style>
   </dgm:styleLbl>
@@ -7034,17 +7461,17 @@
     <dgm:sp3d/>
     <dgm:txPr/>
     <dgm:style>
-      <a:lnRef idx="2">
+      <a:lnRef idx="1">
         <a:scrgbClr r="0" g="0" b="0"/>
       </a:lnRef>
-      <a:fillRef idx="1">
+      <a:fillRef idx="2">
         <a:scrgbClr r="0" g="0" b="0"/>
       </a:fillRef>
-      <a:effectRef idx="0">
+      <a:effectRef idx="1">
         <a:scrgbClr r="0" g="0" b="0"/>
       </a:effectRef>
       <a:fontRef idx="minor">
-        <a:schemeClr val="lt1"/>
+        <a:schemeClr val="dk1"/>
       </a:fontRef>
     </dgm:style>
   </dgm:styleLbl>
@@ -7136,7 +7563,7 @@
     <dgm:sp3d/>
     <dgm:txPr/>
     <dgm:style>
-      <a:lnRef idx="2">
+      <a:lnRef idx="1">
         <a:scrgbClr r="0" g="0" b="0"/>
       </a:lnRef>
       <a:fillRef idx="1">
@@ -7156,7 +7583,7 @@
     <dgm:sp3d/>
     <dgm:txPr/>
     <dgm:style>
-      <a:lnRef idx="2">
+      <a:lnRef idx="1">
         <a:scrgbClr r="0" g="0" b="0"/>
       </a:lnRef>
       <a:fillRef idx="1">
@@ -7176,7 +7603,7 @@
     <dgm:sp3d/>
     <dgm:txPr/>
     <dgm:style>
-      <a:lnRef idx="2">
+      <a:lnRef idx="1">
         <a:scrgbClr r="0" g="0" b="0"/>
       </a:lnRef>
       <a:fillRef idx="1">
@@ -7216,7 +7643,7 @@
     <dgm:sp3d/>
     <dgm:txPr/>
     <dgm:style>
-      <a:lnRef idx="2">
+      <a:lnRef idx="1">
         <a:scrgbClr r="0" g="0" b="0"/>
       </a:lnRef>
       <a:fillRef idx="1">
@@ -7236,10 +7663,10 @@
     <dgm:sp3d/>
     <dgm:txPr/>
     <dgm:style>
-      <a:lnRef idx="2">
+      <a:lnRef idx="1">
         <a:scrgbClr r="0" g="0" b="0"/>
       </a:lnRef>
-      <a:fillRef idx="1">
+      <a:fillRef idx="2">
         <a:scrgbClr r="0" g="0" b="0"/>
       </a:fillRef>
       <a:effectRef idx="0">
@@ -7256,7 +7683,7 @@
     <dgm:sp3d/>
     <dgm:txPr/>
     <dgm:style>
-      <a:lnRef idx="2">
+      <a:lnRef idx="1">
         <a:scrgbClr r="0" g="0" b="0"/>
       </a:lnRef>
       <a:fillRef idx="1">
@@ -7276,7 +7703,7 @@
     <dgm:sp3d/>
     <dgm:txPr/>
     <dgm:style>
-      <a:lnRef idx="2">
+      <a:lnRef idx="1">
         <a:scrgbClr r="0" g="0" b="0"/>
       </a:lnRef>
       <a:fillRef idx="1">
@@ -7296,7 +7723,7 @@
     <dgm:sp3d/>
     <dgm:txPr/>
     <dgm:style>
-      <a:lnRef idx="2">
+      <a:lnRef idx="1">
         <a:scrgbClr r="0" g="0" b="0"/>
       </a:lnRef>
       <a:fillRef idx="1">
@@ -7316,7 +7743,7 @@
     <dgm:sp3d/>
     <dgm:txPr/>
     <dgm:style>
-      <a:lnRef idx="2">
+      <a:lnRef idx="1">
         <a:scrgbClr r="0" g="0" b="0"/>
       </a:lnRef>
       <a:fillRef idx="1">
@@ -7336,7 +7763,7 @@
     <dgm:sp3d/>
     <dgm:txPr/>
     <dgm:style>
-      <a:lnRef idx="2">
+      <a:lnRef idx="1">
         <a:scrgbClr r="0" g="0" b="0"/>
       </a:lnRef>
       <a:fillRef idx="1">
@@ -7356,7 +7783,7 @@
     <dgm:sp3d/>
     <dgm:txPr/>
     <dgm:style>
-      <a:lnRef idx="2">
+      <a:lnRef idx="1">
         <a:scrgbClr r="0" g="0" b="0"/>
       </a:lnRef>
       <a:fillRef idx="1">
@@ -7376,7 +7803,7 @@
     <dgm:sp3d/>
     <dgm:txPr/>
     <dgm:style>
-      <a:lnRef idx="2">
+      <a:lnRef idx="1">
         <a:scrgbClr r="0" g="0" b="0"/>
       </a:lnRef>
       <a:fillRef idx="1">
@@ -7396,7 +7823,7 @@
     <dgm:sp3d/>
     <dgm:txPr/>
     <dgm:style>
-      <a:lnRef idx="2">
+      <a:lnRef idx="1">
         <a:scrgbClr r="0" g="0" b="0"/>
       </a:lnRef>
       <a:fillRef idx="1">
@@ -7416,7 +7843,7 @@
     <dgm:sp3d/>
     <dgm:txPr/>
     <dgm:style>
-      <a:lnRef idx="2">
+      <a:lnRef idx="1">
         <a:scrgbClr r="0" g="0" b="0"/>
       </a:lnRef>
       <a:fillRef idx="1">
@@ -7442,7 +7869,7 @@
       <a:fillRef idx="1">
         <a:scrgbClr r="0" g="0" b="0"/>
       </a:fillRef>
-      <a:effectRef idx="0">
+      <a:effectRef idx="1">
         <a:scrgbClr r="0" g="0" b="0"/>
       </a:effectRef>
       <a:fontRef idx="minor"/>
@@ -7462,7 +7889,7 @@
       <a:fillRef idx="1">
         <a:scrgbClr r="0" g="0" b="0"/>
       </a:fillRef>
-      <a:effectRef idx="0">
+      <a:effectRef idx="1">
         <a:scrgbClr r="0" g="0" b="0"/>
       </a:effectRef>
       <a:fontRef idx="minor"/>
@@ -7491,18 +7918,20 @@
   <dgm:styleLbl name="fgShp">
     <dgm:scene3d>
       <a:camera prst="orthographicFront"/>
-      <a:lightRig rig="threePt" dir="t"/>
+      <a:lightRig rig="flat" dir="t"/>
     </dgm:scene3d>
-    <dgm:sp3d/>
+    <dgm:sp3d prstMaterial="dkEdge">
+      <a:bevelT w="8200" h="38100"/>
+    </dgm:sp3d>
     <dgm:txPr/>
     <dgm:style>
-      <a:lnRef idx="2">
+      <a:lnRef idx="1">
         <a:scrgbClr r="0" g="0" b="0"/>
       </a:lnRef>
-      <a:fillRef idx="1">
+      <a:fillRef idx="2">
         <a:scrgbClr r="0" g="0" b="0"/>
       </a:fillRef>
-      <a:effectRef idx="0">
+      <a:effectRef idx="1">
         <a:scrgbClr r="0" g="0" b="0"/>
       </a:effectRef>
       <a:fontRef idx="minor"/>
@@ -16885,7 +17314,7 @@
         </p:blipFill>
         <p:spPr bwMode="auto">
           <a:xfrm>
-            <a:off x="3276600" y="3657600"/>
+            <a:off x="316651" y="2971800"/>
             <a:ext cx="1969349" cy="1965434"/>
           </a:xfrm>
           <a:prstGeom prst="rect">
@@ -16915,7 +17344,7 @@
         </p:nvSpPr>
         <p:spPr>
           <a:xfrm>
-            <a:off x="228600" y="1273175"/>
+            <a:off x="381000" y="1295400"/>
             <a:ext cx="7086600" cy="1470025"/>
           </a:xfrm>
         </p:spPr>
@@ -16925,19 +17354,15 @@
           <a:p>
             <a:pPr algn="l"/>
             <a:r>
-              <a:rPr lang="en-US" sz="3600" dirty="0" smtClean="0">
-                <a:solidFill>
-                  <a:schemeClr val="tx1"/>
-                </a:solidFill>
-                <a:cs typeface="Aharoni" pitchFamily="2" charset="-79"/>
+              <a:rPr lang="en-US" sz="4000" dirty="0">
+                <a:latin typeface="Calibri" pitchFamily="34" charset="0"/>
+                <a:cs typeface="Calibri" pitchFamily="34" charset="0"/>
               </a:rPr>
               <a:t>Volunteer Management System</a:t>
             </a:r>
-            <a:endParaRPr lang="en-US" sz="3600" dirty="0">
-              <a:solidFill>
-                <a:schemeClr val="tx1"/>
-              </a:solidFill>
-              <a:cs typeface="Aharoni" pitchFamily="2" charset="-79"/>
+            <a:endParaRPr lang="en-US" sz="4000" dirty="0">
+              <a:latin typeface="Calibri" pitchFamily="34" charset="0"/>
+              <a:cs typeface="Calibri" pitchFamily="34" charset="0"/>
             </a:endParaRPr>
           </a:p>
         </p:txBody>
@@ -17044,18 +17469,18 @@
           <a:p>
             <a:r>
               <a:rPr lang="en-US" dirty="0"/>
-              <a:t>Use Case Modeling – </a:t>
+              <a:t>Use Case Modeling </a:t>
+            </a:r>
+            <a:br>
+              <a:rPr lang="en-US" dirty="0"/>
+            </a:br>
+            <a:r>
+              <a:rPr lang="en-US" sz="2400" dirty="0"/>
+              <a:t>Sample </a:t>
             </a:r>
             <a:r>
-              <a:rPr lang="en-US" sz="2800" dirty="0"/>
-              <a:t/>
-            </a:r>
-            <a:br>
-              <a:rPr lang="en-US" sz="2800" dirty="0"/>
-            </a:br>
-            <a:r>
-              <a:rPr lang="en-US" sz="2800" i="1" dirty="0"/>
-              <a:t>Use Case 1: Search Project Member</a:t>
+              <a:rPr lang="en-US" sz="2400" dirty="0" smtClean="0"/>
+              <a:t>2: Generate Certificate</a:t>
             </a:r>
             <a:endParaRPr lang="en-US" sz="2800" dirty="0"/>
           </a:p>
@@ -17071,22 +17496,28 @@
             <p:ph idx="1"/>
           </p:nvPr>
         </p:nvSpPr>
-        <p:spPr/>
+        <p:spPr>
+          <a:xfrm>
+            <a:off x="228600" y="1524000"/>
+            <a:ext cx="8371764" cy="4953000"/>
+          </a:xfrm>
+        </p:spPr>
         <p:txBody>
           <a:bodyPr/>
           <a:lstStyle/>
           <a:p>
+            <a:pPr marL="1588" indent="15875"/>
             <a:r>
-              <a:rPr lang="en-US" dirty="0" smtClean="0"/>
+              <a:rPr lang="en-US" sz="2000" b="1" u="sng" dirty="0"/>
               <a:t>Class diagram</a:t>
             </a:r>
-            <a:endParaRPr lang="en-US" dirty="0"/>
+            <a:endParaRPr lang="en-US" sz="2000" b="1" u="sng" dirty="0"/>
           </a:p>
         </p:txBody>
       </p:sp>
       <p:pic>
         <p:nvPicPr>
-          <p:cNvPr id="8194" name="Picture 2"/>
+          <p:cNvPr id="4098" name="Picture 1"/>
           <p:cNvPicPr>
             <a:picLocks noChangeAspect="1" noChangeArrowheads="1"/>
           </p:cNvPicPr>
@@ -17107,8 +17538,8 @@
         </p:blipFill>
         <p:spPr bwMode="auto">
           <a:xfrm>
-            <a:off x="1066800" y="2133600"/>
-            <a:ext cx="7533564" cy="3657600"/>
+            <a:off x="2057400" y="2286000"/>
+            <a:ext cx="4378569" cy="4065814"/>
           </a:xfrm>
           <a:prstGeom prst="rect">
             <a:avLst/>
@@ -17141,7 +17572,7 @@
     </p:spTree>
     <p:extLst>
       <p:ext uri="{BB962C8B-B14F-4D97-AF65-F5344CB8AC3E}">
-        <p14:creationId xmlns:p14="http://schemas.microsoft.com/office/powerpoint/2010/main" val="3749085125"/>
+        <p14:creationId xmlns:p14="http://schemas.microsoft.com/office/powerpoint/2010/main" val="3699847220"/>
       </p:ext>
     </p:extLst>
   </p:cSld>
@@ -17159,468 +17590,6 @@
 </file>
 
 <file path=ppt/slides/slide11.xml><?xml version="1.0" encoding="utf-8"?>
-<p:sld xmlns:a="http://schemas.openxmlformats.org/drawingml/2006/main" xmlns:r="http://schemas.openxmlformats.org/officeDocument/2006/relationships" xmlns:p="http://schemas.openxmlformats.org/presentationml/2006/main">
-  <p:cSld>
-    <p:spTree>
-      <p:nvGrpSpPr>
-        <p:cNvPr id="1" name=""/>
-        <p:cNvGrpSpPr/>
-        <p:nvPr/>
-      </p:nvGrpSpPr>
-      <p:grpSpPr>
-        <a:xfrm>
-          <a:off x="0" y="0"/>
-          <a:ext cx="0" cy="0"/>
-          <a:chOff x="0" y="0"/>
-          <a:chExt cx="0" cy="0"/>
-        </a:xfrm>
-      </p:grpSpPr>
-      <p:sp>
-        <p:nvSpPr>
-          <p:cNvPr id="2" name="Title 1"/>
-          <p:cNvSpPr>
-            <a:spLocks noGrp="1"/>
-          </p:cNvSpPr>
-          <p:nvPr>
-            <p:ph type="title"/>
-          </p:nvPr>
-        </p:nvSpPr>
-        <p:spPr/>
-        <p:txBody>
-          <a:bodyPr/>
-          <a:lstStyle/>
-          <a:p>
-            <a:r>
-              <a:rPr lang="en-US" dirty="0"/>
-              <a:t>Use Case Modeling – </a:t>
-            </a:r>
-            <a:br>
-              <a:rPr lang="en-US" dirty="0"/>
-            </a:br>
-            <a:r>
-              <a:rPr lang="en-US" sz="2800" i="1" dirty="0" smtClean="0"/>
-              <a:t>Use Case 2: Print Certificate</a:t>
-            </a:r>
-            <a:endParaRPr lang="en-US" i="1" dirty="0"/>
-          </a:p>
-        </p:txBody>
-      </p:sp>
-      <p:sp>
-        <p:nvSpPr>
-          <p:cNvPr id="3" name="Content Placeholder 2"/>
-          <p:cNvSpPr>
-            <a:spLocks noGrp="1"/>
-          </p:cNvSpPr>
-          <p:nvPr>
-            <p:ph idx="1"/>
-          </p:nvPr>
-        </p:nvSpPr>
-        <p:spPr>
-          <a:xfrm>
-            <a:off x="381000" y="1524000"/>
-            <a:ext cx="8153400" cy="4411663"/>
-          </a:xfrm>
-        </p:spPr>
-        <p:txBody>
-          <a:bodyPr/>
-          <a:lstStyle/>
-          <a:p>
-            <a:r>
-              <a:rPr lang="en-US" sz="2400" b="1" dirty="0"/>
-              <a:t>Description: </a:t>
-            </a:r>
-            <a:r>
-              <a:rPr lang="en-GB" sz="2400" dirty="0"/>
-              <a:t>The use case enables the System Administrator to print certificate of a volunteer for the projects that he/she has participated in</a:t>
-            </a:r>
-            <a:r>
-              <a:rPr lang="en-US" sz="2400" dirty="0" smtClean="0"/>
-              <a:t>.</a:t>
-            </a:r>
-          </a:p>
-          <a:p>
-            <a:endParaRPr lang="en-US" sz="2400" dirty="0"/>
-          </a:p>
-        </p:txBody>
-      </p:sp>
-      <p:pic>
-        <p:nvPicPr>
-          <p:cNvPr id="9220" name="Picture 4" descr="21"/>
-          <p:cNvPicPr>
-            <a:picLocks noChangeAspect="1" noChangeArrowheads="1"/>
-          </p:cNvPicPr>
-          <p:nvPr/>
-        </p:nvPicPr>
-        <p:blipFill>
-          <a:blip r:embed="rId2">
-            <a:extLst>
-              <a:ext uri="{28A0092B-C50C-407E-A947-70E740481C1C}">
-                <a14:useLocalDpi xmlns:a14="http://schemas.microsoft.com/office/drawing/2010/main" val="0"/>
-              </a:ext>
-            </a:extLst>
-          </a:blip>
-          <a:srcRect/>
-          <a:stretch>
-            <a:fillRect/>
-          </a:stretch>
-        </p:blipFill>
-        <p:spPr bwMode="auto">
-          <a:xfrm>
-            <a:off x="1066800" y="3048000"/>
-            <a:ext cx="7239000" cy="2911801"/>
-          </a:xfrm>
-          <a:prstGeom prst="rect">
-            <a:avLst/>
-          </a:prstGeom>
-          <a:noFill/>
-          <a:ln>
-            <a:noFill/>
-          </a:ln>
-          <a:extLst>
-            <a:ext uri="{909E8E84-426E-40DD-AFC4-6F175D3DCCD1}">
-              <a14:hiddenFill xmlns:a14="http://schemas.microsoft.com/office/drawing/2010/main">
-                <a:solidFill>
-                  <a:srgbClr val="FFFFFF"/>
-                </a:solidFill>
-              </a14:hiddenFill>
-            </a:ext>
-            <a:ext uri="{91240B29-F687-4F45-9708-019B960494DF}">
-              <a14:hiddenLine xmlns:a14="http://schemas.microsoft.com/office/drawing/2010/main" w="9525">
-                <a:solidFill>
-                  <a:srgbClr val="000000"/>
-                </a:solidFill>
-                <a:miter lim="800000"/>
-                <a:headEnd/>
-                <a:tailEnd/>
-              </a14:hiddenLine>
-            </a:ext>
-          </a:extLst>
-        </p:spPr>
-      </p:pic>
-    </p:spTree>
-    <p:extLst>
-      <p:ext uri="{BB962C8B-B14F-4D97-AF65-F5344CB8AC3E}">
-        <p14:creationId xmlns:p14="http://schemas.microsoft.com/office/powerpoint/2010/main" val="4211273508"/>
-      </p:ext>
-    </p:extLst>
-  </p:cSld>
-  <p:clrMapOvr>
-    <a:masterClrMapping/>
-  </p:clrMapOvr>
-  <p:timing>
-    <p:tnLst>
-      <p:par>
-        <p:cTn id="1" dur="indefinite" restart="never" nodeType="tmRoot"/>
-      </p:par>
-    </p:tnLst>
-  </p:timing>
-</p:sld>
-</file>
-
-<file path=ppt/slides/slide12.xml><?xml version="1.0" encoding="utf-8"?>
-<p:sld xmlns:a="http://schemas.openxmlformats.org/drawingml/2006/main" xmlns:r="http://schemas.openxmlformats.org/officeDocument/2006/relationships" xmlns:p="http://schemas.openxmlformats.org/presentationml/2006/main">
-  <p:cSld>
-    <p:spTree>
-      <p:nvGrpSpPr>
-        <p:cNvPr id="1" name=""/>
-        <p:cNvGrpSpPr/>
-        <p:nvPr/>
-      </p:nvGrpSpPr>
-      <p:grpSpPr>
-        <a:xfrm>
-          <a:off x="0" y="0"/>
-          <a:ext cx="0" cy="0"/>
-          <a:chOff x="0" y="0"/>
-          <a:chExt cx="0" cy="0"/>
-        </a:xfrm>
-      </p:grpSpPr>
-      <p:sp>
-        <p:nvSpPr>
-          <p:cNvPr id="2" name="Title 1"/>
-          <p:cNvSpPr>
-            <a:spLocks noGrp="1"/>
-          </p:cNvSpPr>
-          <p:nvPr>
-            <p:ph type="title"/>
-          </p:nvPr>
-        </p:nvSpPr>
-        <p:spPr/>
-        <p:txBody>
-          <a:bodyPr/>
-          <a:lstStyle/>
-          <a:p>
-            <a:r>
-              <a:rPr lang="en-US" dirty="0" smtClean="0"/>
-              <a:t>Use Case Modeling – </a:t>
-            </a:r>
-            <a:r>
-              <a:rPr lang="en-US" sz="2800" dirty="0" smtClean="0"/>
-              <a:t/>
-            </a:r>
-            <a:br>
-              <a:rPr lang="en-US" sz="2800" dirty="0" smtClean="0"/>
-            </a:br>
-            <a:r>
-              <a:rPr lang="en-US" sz="2800" i="1" dirty="0"/>
-              <a:t>Use Case 2: </a:t>
-            </a:r>
-            <a:r>
-              <a:rPr lang="en-US" sz="2800" i="1" dirty="0" smtClean="0"/>
-              <a:t>Print Certificate</a:t>
-            </a:r>
-            <a:endParaRPr lang="en-US" sz="2800" dirty="0"/>
-          </a:p>
-        </p:txBody>
-      </p:sp>
-      <p:sp>
-        <p:nvSpPr>
-          <p:cNvPr id="3" name="Content Placeholder 2"/>
-          <p:cNvSpPr>
-            <a:spLocks noGrp="1"/>
-          </p:cNvSpPr>
-          <p:nvPr>
-            <p:ph idx="1"/>
-          </p:nvPr>
-        </p:nvSpPr>
-        <p:spPr/>
-        <p:txBody>
-          <a:bodyPr/>
-          <a:lstStyle/>
-          <a:p>
-            <a:r>
-              <a:rPr lang="en-US" dirty="0" smtClean="0"/>
-              <a:t>Class diagram</a:t>
-            </a:r>
-            <a:endParaRPr lang="en-US" dirty="0"/>
-          </a:p>
-        </p:txBody>
-      </p:sp>
-      <p:pic>
-        <p:nvPicPr>
-          <p:cNvPr id="10242" name="Picture 2" descr="14"/>
-          <p:cNvPicPr>
-            <a:picLocks noChangeAspect="1" noChangeArrowheads="1"/>
-          </p:cNvPicPr>
-          <p:nvPr/>
-        </p:nvPicPr>
-        <p:blipFill>
-          <a:blip r:embed="rId2">
-            <a:extLst>
-              <a:ext uri="{28A0092B-C50C-407E-A947-70E740481C1C}">
-                <a14:useLocalDpi xmlns:a14="http://schemas.microsoft.com/office/drawing/2010/main" val="0"/>
-              </a:ext>
-            </a:extLst>
-          </a:blip>
-          <a:srcRect/>
-          <a:stretch>
-            <a:fillRect/>
-          </a:stretch>
-        </p:blipFill>
-        <p:spPr bwMode="auto">
-          <a:xfrm>
-            <a:off x="1295400" y="2133599"/>
-            <a:ext cx="6324600" cy="4333381"/>
-          </a:xfrm>
-          <a:prstGeom prst="rect">
-            <a:avLst/>
-          </a:prstGeom>
-          <a:noFill/>
-          <a:ln>
-            <a:noFill/>
-          </a:ln>
-          <a:extLst>
-            <a:ext uri="{909E8E84-426E-40DD-AFC4-6F175D3DCCD1}">
-              <a14:hiddenFill xmlns:a14="http://schemas.microsoft.com/office/drawing/2010/main">
-                <a:solidFill>
-                  <a:srgbClr val="FFFFFF"/>
-                </a:solidFill>
-              </a14:hiddenFill>
-            </a:ext>
-            <a:ext uri="{91240B29-F687-4F45-9708-019B960494DF}">
-              <a14:hiddenLine xmlns:a14="http://schemas.microsoft.com/office/drawing/2010/main" w="9525">
-                <a:solidFill>
-                  <a:srgbClr val="000000"/>
-                </a:solidFill>
-                <a:miter lim="800000"/>
-                <a:headEnd/>
-                <a:tailEnd/>
-              </a14:hiddenLine>
-            </a:ext>
-          </a:extLst>
-        </p:spPr>
-      </p:pic>
-    </p:spTree>
-    <p:extLst>
-      <p:ext uri="{BB962C8B-B14F-4D97-AF65-F5344CB8AC3E}">
-        <p14:creationId xmlns:p14="http://schemas.microsoft.com/office/powerpoint/2010/main" val="4097963867"/>
-      </p:ext>
-    </p:extLst>
-  </p:cSld>
-  <p:clrMapOvr>
-    <a:masterClrMapping/>
-  </p:clrMapOvr>
-  <p:timing>
-    <p:tnLst>
-      <p:par>
-        <p:cTn id="1" dur="indefinite" restart="never" nodeType="tmRoot"/>
-      </p:par>
-    </p:tnLst>
-  </p:timing>
-</p:sld>
-</file>
-
-<file path=ppt/slides/slide13.xml><?xml version="1.0" encoding="utf-8"?>
-<p:sld xmlns:a="http://schemas.openxmlformats.org/drawingml/2006/main" xmlns:r="http://schemas.openxmlformats.org/officeDocument/2006/relationships" xmlns:p="http://schemas.openxmlformats.org/presentationml/2006/main">
-  <p:cSld>
-    <p:spTree>
-      <p:nvGrpSpPr>
-        <p:cNvPr id="1" name=""/>
-        <p:cNvGrpSpPr/>
-        <p:nvPr/>
-      </p:nvGrpSpPr>
-      <p:grpSpPr>
-        <a:xfrm>
-          <a:off x="0" y="0"/>
-          <a:ext cx="0" cy="0"/>
-          <a:chOff x="0" y="0"/>
-          <a:chExt cx="0" cy="0"/>
-        </a:xfrm>
-      </p:grpSpPr>
-      <p:sp>
-        <p:nvSpPr>
-          <p:cNvPr id="2" name="Title 1"/>
-          <p:cNvSpPr>
-            <a:spLocks noGrp="1"/>
-          </p:cNvSpPr>
-          <p:nvPr>
-            <p:ph type="title"/>
-          </p:nvPr>
-        </p:nvSpPr>
-        <p:spPr/>
-        <p:txBody>
-          <a:bodyPr/>
-          <a:lstStyle/>
-          <a:p>
-            <a:r>
-              <a:rPr lang="en-US" dirty="0"/>
-              <a:t>Use Case Modeling – </a:t>
-            </a:r>
-            <a:br>
-              <a:rPr lang="en-US" dirty="0"/>
-            </a:br>
-            <a:r>
-              <a:rPr lang="en-US" sz="2800" i="1" dirty="0"/>
-              <a:t>Use Case 2: Assign Role to Project Member</a:t>
-            </a:r>
-            <a:endParaRPr lang="en-US" i="1" dirty="0"/>
-          </a:p>
-        </p:txBody>
-      </p:sp>
-      <p:sp>
-        <p:nvSpPr>
-          <p:cNvPr id="3" name="Content Placeholder 2"/>
-          <p:cNvSpPr>
-            <a:spLocks noGrp="1"/>
-          </p:cNvSpPr>
-          <p:nvPr>
-            <p:ph idx="1"/>
-          </p:nvPr>
-        </p:nvSpPr>
-        <p:spPr>
-          <a:xfrm>
-            <a:off x="381000" y="1524000"/>
-            <a:ext cx="8153400" cy="4411663"/>
-          </a:xfrm>
-        </p:spPr>
-        <p:txBody>
-          <a:bodyPr/>
-          <a:lstStyle/>
-          <a:p>
-            <a:r>
-              <a:rPr lang="en-US" dirty="0" smtClean="0"/>
-              <a:t>Class diagram</a:t>
-            </a:r>
-          </a:p>
-          <a:p>
-            <a:endParaRPr lang="en-US" dirty="0"/>
-          </a:p>
-        </p:txBody>
-      </p:sp>
-      <p:pic>
-        <p:nvPicPr>
-          <p:cNvPr id="11266" name="Picture 1"/>
-          <p:cNvPicPr>
-            <a:picLocks noChangeAspect="1" noChangeArrowheads="1"/>
-          </p:cNvPicPr>
-          <p:nvPr/>
-        </p:nvPicPr>
-        <p:blipFill>
-          <a:blip r:embed="rId2">
-            <a:extLst>
-              <a:ext uri="{28A0092B-C50C-407E-A947-70E740481C1C}">
-                <a14:useLocalDpi xmlns:a14="http://schemas.microsoft.com/office/drawing/2010/main" val="0"/>
-              </a:ext>
-            </a:extLst>
-          </a:blip>
-          <a:srcRect/>
-          <a:stretch>
-            <a:fillRect/>
-          </a:stretch>
-        </p:blipFill>
-        <p:spPr bwMode="auto">
-          <a:xfrm>
-            <a:off x="2286000" y="2209799"/>
-            <a:ext cx="4572000" cy="4239661"/>
-          </a:xfrm>
-          <a:prstGeom prst="rect">
-            <a:avLst/>
-          </a:prstGeom>
-          <a:noFill/>
-          <a:ln>
-            <a:noFill/>
-          </a:ln>
-          <a:extLst>
-            <a:ext uri="{909E8E84-426E-40DD-AFC4-6F175D3DCCD1}">
-              <a14:hiddenFill xmlns:a14="http://schemas.microsoft.com/office/drawing/2010/main">
-                <a:solidFill>
-                  <a:srgbClr val="FFFFFF"/>
-                </a:solidFill>
-              </a14:hiddenFill>
-            </a:ext>
-            <a:ext uri="{91240B29-F687-4F45-9708-019B960494DF}">
-              <a14:hiddenLine xmlns:a14="http://schemas.microsoft.com/office/drawing/2010/main" w="9525">
-                <a:solidFill>
-                  <a:srgbClr val="000000"/>
-                </a:solidFill>
-                <a:miter lim="800000"/>
-                <a:headEnd/>
-                <a:tailEnd/>
-              </a14:hiddenLine>
-            </a:ext>
-          </a:extLst>
-        </p:spPr>
-      </p:pic>
-    </p:spTree>
-    <p:extLst>
-      <p:ext uri="{BB962C8B-B14F-4D97-AF65-F5344CB8AC3E}">
-        <p14:creationId xmlns:p14="http://schemas.microsoft.com/office/powerpoint/2010/main" val="4211273508"/>
-      </p:ext>
-    </p:extLst>
-  </p:cSld>
-  <p:clrMapOvr>
-    <a:masterClrMapping/>
-  </p:clrMapOvr>
-  <p:timing>
-    <p:tnLst>
-      <p:par>
-        <p:cTn id="1" dur="indefinite" restart="never" nodeType="tmRoot"/>
-      </p:par>
-    </p:tnLst>
-  </p:timing>
-</p:sld>
-</file>
-
-<file path=ppt/slides/slide14.xml><?xml version="1.0" encoding="utf-8"?>
 <p:sld xmlns:a="http://schemas.openxmlformats.org/drawingml/2006/main" xmlns:r="http://schemas.openxmlformats.org/officeDocument/2006/relationships" xmlns:p="http://schemas.openxmlformats.org/presentationml/2006/main">
   <p:cSld>
     <p:spTree>
@@ -17794,13 +17763,6 @@
               </a:rPr>
               <a:t>Plan</a:t>
             </a:r>
-            <a:endParaRPr lang="en-US" dirty="0" smtClean="0">
-              <a:solidFill>
-                <a:schemeClr val="bg1">
-                  <a:lumMod val="75000"/>
-                </a:schemeClr>
-              </a:solidFill>
-            </a:endParaRPr>
           </a:p>
           <a:p>
             <a:pPr>
@@ -17817,13 +17779,6 @@
               </a:rPr>
               <a:t>Challenges &amp; Problems</a:t>
             </a:r>
-            <a:endParaRPr lang="en-US" dirty="0" smtClean="0">
-              <a:solidFill>
-                <a:schemeClr val="bg1">
-                  <a:lumMod val="75000"/>
-                </a:schemeClr>
-              </a:solidFill>
-            </a:endParaRPr>
           </a:p>
           <a:p>
             <a:pPr>
@@ -17840,16 +17795,42 @@
               </a:rPr>
               <a:t>Q &amp; A</a:t>
             </a:r>
-            <a:endParaRPr lang="en-US" dirty="0" smtClean="0">
-              <a:solidFill>
-                <a:schemeClr val="bg1">
-                  <a:lumMod val="75000"/>
-                </a:schemeClr>
-              </a:solidFill>
-            </a:endParaRPr>
           </a:p>
         </p:txBody>
       </p:sp>
+      <p:pic>
+        <p:nvPicPr>
+          <p:cNvPr id="4" name="Picture 2"/>
+          <p:cNvPicPr>
+            <a:picLocks noChangeAspect="1" noChangeArrowheads="1"/>
+          </p:cNvPicPr>
+          <p:nvPr/>
+        </p:nvPicPr>
+        <p:blipFill>
+          <a:blip r:embed="rId2" cstate="print"/>
+          <a:srcRect/>
+          <a:stretch>
+            <a:fillRect/>
+          </a:stretch>
+        </p:blipFill>
+        <p:spPr bwMode="auto">
+          <a:xfrm>
+            <a:off x="5867400" y="1752600"/>
+            <a:ext cx="2990233" cy="1676400"/>
+          </a:xfrm>
+          <a:prstGeom prst="rect">
+            <a:avLst/>
+          </a:prstGeom>
+          <a:noFill/>
+          <a:ln w="9525">
+            <a:noFill/>
+            <a:miter lim="800000"/>
+            <a:headEnd/>
+            <a:tailEnd/>
+          </a:ln>
+          <a:effectLst/>
+        </p:spPr>
+      </p:pic>
     </p:spTree>
     <p:extLst>
       <p:ext uri="{BB962C8B-B14F-4D97-AF65-F5344CB8AC3E}">
@@ -17870,118 +17851,7 @@
 </p:sld>
 </file>
 
-<file path=ppt/slides/slide15.xml><?xml version="1.0" encoding="utf-8"?>
-<p:sld xmlns:a="http://schemas.openxmlformats.org/drawingml/2006/main" xmlns:r="http://schemas.openxmlformats.org/officeDocument/2006/relationships" xmlns:p="http://schemas.openxmlformats.org/presentationml/2006/main">
-  <p:cSld>
-    <p:spTree>
-      <p:nvGrpSpPr>
-        <p:cNvPr id="1" name=""/>
-        <p:cNvGrpSpPr/>
-        <p:nvPr/>
-      </p:nvGrpSpPr>
-      <p:grpSpPr>
-        <a:xfrm>
-          <a:off x="0" y="0"/>
-          <a:ext cx="0" cy="0"/>
-          <a:chOff x="0" y="0"/>
-          <a:chExt cx="0" cy="0"/>
-        </a:xfrm>
-      </p:grpSpPr>
-      <p:sp>
-        <p:nvSpPr>
-          <p:cNvPr id="4" name="Title 3"/>
-          <p:cNvSpPr>
-            <a:spLocks noGrp="1"/>
-          </p:cNvSpPr>
-          <p:nvPr>
-            <p:ph type="title"/>
-          </p:nvPr>
-        </p:nvSpPr>
-        <p:spPr/>
-        <p:txBody>
-          <a:bodyPr/>
-          <a:lstStyle/>
-          <a:p>
-            <a:r>
-              <a:rPr lang="en-US" dirty="0" smtClean="0"/>
-              <a:t>Software Architecture</a:t>
-            </a:r>
-            <a:endParaRPr lang="en-US" dirty="0"/>
-          </a:p>
-        </p:txBody>
-      </p:sp>
-      <p:sp>
-        <p:nvSpPr>
-          <p:cNvPr id="5" name="Text Placeholder 4"/>
-          <p:cNvSpPr>
-            <a:spLocks noGrp="1"/>
-          </p:cNvSpPr>
-          <p:nvPr>
-            <p:ph type="body" idx="1"/>
-          </p:nvPr>
-        </p:nvSpPr>
-        <p:spPr/>
-        <p:txBody>
-          <a:bodyPr/>
-          <a:lstStyle/>
-          <a:p>
-            <a:r>
-              <a:rPr lang="en-US" dirty="0" smtClean="0"/>
-              <a:t>Volunteer Management System</a:t>
-            </a:r>
-            <a:endParaRPr lang="en-US" dirty="0"/>
-          </a:p>
-        </p:txBody>
-      </p:sp>
-      <p:pic>
-        <p:nvPicPr>
-          <p:cNvPr id="7170" name="Picture 2"/>
-          <p:cNvPicPr>
-            <a:picLocks noChangeAspect="1" noChangeArrowheads="1"/>
-          </p:cNvPicPr>
-          <p:nvPr/>
-        </p:nvPicPr>
-        <p:blipFill>
-          <a:blip r:embed="rId2" cstate="print"/>
-          <a:srcRect/>
-          <a:stretch>
-            <a:fillRect/>
-          </a:stretch>
-        </p:blipFill>
-        <p:spPr bwMode="auto">
-          <a:xfrm>
-            <a:off x="685800" y="990600"/>
-            <a:ext cx="5029029" cy="2819400"/>
-          </a:xfrm>
-          <a:prstGeom prst="rect">
-            <a:avLst/>
-          </a:prstGeom>
-          <a:noFill/>
-          <a:ln w="9525">
-            <a:noFill/>
-            <a:miter lim="800000"/>
-            <a:headEnd/>
-            <a:tailEnd/>
-          </a:ln>
-          <a:effectLst/>
-        </p:spPr>
-      </p:pic>
-    </p:spTree>
-  </p:cSld>
-  <p:clrMapOvr>
-    <a:masterClrMapping/>
-  </p:clrMapOvr>
-  <p:timing>
-    <p:tnLst>
-      <p:par>
-        <p:cTn id="1" dur="indefinite" restart="never" nodeType="tmRoot"/>
-      </p:par>
-    </p:tnLst>
-  </p:timing>
-</p:sld>
-</file>
-
-<file path=ppt/slides/slide16.xml><?xml version="1.0" encoding="utf-8"?>
+<file path=ppt/slides/slide12.xml><?xml version="1.0" encoding="utf-8"?>
 <p:sld xmlns:a="http://schemas.openxmlformats.org/drawingml/2006/main" xmlns:r="http://schemas.openxmlformats.org/officeDocument/2006/relationships" xmlns:p="http://schemas.openxmlformats.org/presentationml/2006/main">
   <p:cSld>
     <p:spTree>
@@ -18015,7 +17885,15 @@
           <a:p>
             <a:r>
               <a:rPr lang="en-US" dirty="0" smtClean="0"/>
-              <a:t>High Level Architecture –Architecture Overview</a:t>
+              <a:t>Software </a:t>
+            </a:r>
+            <a:r>
+              <a:rPr lang="en-US" dirty="0" smtClean="0"/>
+              <a:t>Architecture </a:t>
+            </a:r>
+            <a:r>
+              <a:rPr lang="en-US" dirty="0" smtClean="0"/>
+              <a:t>–Overview</a:t>
             </a:r>
             <a:endParaRPr lang="en-US" dirty="0"/>
           </a:p>
@@ -18070,7 +17948,7 @@
 </p:sld>
 </file>
 
-<file path=ppt/slides/slide17.xml><?xml version="1.0" encoding="utf-8"?>
+<file path=ppt/slides/slide13.xml><?xml version="1.0" encoding="utf-8"?>
 <p:sld xmlns:a="http://schemas.openxmlformats.org/drawingml/2006/main" xmlns:r="http://schemas.openxmlformats.org/officeDocument/2006/relationships" xmlns:p="http://schemas.openxmlformats.org/presentationml/2006/main">
   <p:cSld>
     <p:spTree>
@@ -18103,8 +17981,12 @@
           <a:lstStyle/>
           <a:p>
             <a:r>
+              <a:rPr lang="en-US" dirty="0" smtClean="0"/>
+              <a:t>Software Architecture </a:t>
+            </a:r>
+            <a:r>
               <a:rPr lang="en-US" dirty="0"/>
-              <a:t>High Level Architecture –Architecture Overview</a:t>
+              <a:t>–Architecture Overview</a:t>
             </a:r>
           </a:p>
         </p:txBody>
@@ -18170,9 +18052,10 @@
           <a:p>
             <a:pPr lvl="1"/>
             <a:r>
-              <a:rPr lang="en-US" dirty="0"/>
-              <a:t>Microsoft SQL Server 2008</a:t>
+              <a:rPr lang="en-US" dirty="0" smtClean="0"/>
+              <a:t>MySQL 5</a:t>
             </a:r>
+            <a:endParaRPr lang="en-US" dirty="0"/>
           </a:p>
           <a:p>
             <a:r>
@@ -18183,8 +18066,20 @@
           <a:p>
             <a:pPr lvl="1"/>
             <a:r>
+              <a:rPr lang="en-US" dirty="0" smtClean="0"/>
+              <a:t>Any </a:t>
+            </a:r>
+            <a:r>
+              <a:rPr lang="en-US" dirty="0" smtClean="0"/>
+              <a:t>Java-supported </a:t>
+            </a:r>
+            <a:r>
+              <a:rPr lang="en-US" dirty="0" smtClean="0"/>
+              <a:t>mail </a:t>
+            </a:r>
+            <a:r>
               <a:rPr lang="en-US" dirty="0"/>
-              <a:t>POP Mail server (</a:t>
+              <a:t>server (</a:t>
             </a:r>
             <a:r>
               <a:rPr lang="en-US" dirty="0" err="1"/>
@@ -18213,7 +18108,7 @@
 </p:sld>
 </file>
 
-<file path=ppt/slides/slide18.xml><?xml version="1.0" encoding="utf-8"?>
+<file path=ppt/slides/slide14.xml><?xml version="1.0" encoding="utf-8"?>
 <p:sld xmlns:a="http://schemas.openxmlformats.org/drawingml/2006/main" xmlns:r="http://schemas.openxmlformats.org/officeDocument/2006/relationships" xmlns:p="http://schemas.openxmlformats.org/presentationml/2006/main">
   <p:cSld>
     <p:spTree>
@@ -18300,7 +18195,7 @@
 </p:sld>
 </file>
 
-<file path=ppt/slides/slide19.xml><?xml version="1.0" encoding="utf-8"?>
+<file path=ppt/slides/slide15.xml><?xml version="1.0" encoding="utf-8"?>
 <p:sld xmlns:a="http://schemas.openxmlformats.org/drawingml/2006/main" xmlns:r="http://schemas.openxmlformats.org/officeDocument/2006/relationships" xmlns:p="http://schemas.openxmlformats.org/presentationml/2006/main">
   <p:cSld>
     <p:spTree>
@@ -18373,6 +18268,724 @@
         </p:spPr>
       </p:pic>
     </p:spTree>
+  </p:cSld>
+  <p:clrMapOvr>
+    <a:masterClrMapping/>
+  </p:clrMapOvr>
+  <p:timing>
+    <p:tnLst>
+      <p:par>
+        <p:cTn id="1" dur="indefinite" restart="never" nodeType="tmRoot"/>
+      </p:par>
+    </p:tnLst>
+  </p:timing>
+</p:sld>
+</file>
+
+<file path=ppt/slides/slide16.xml><?xml version="1.0" encoding="utf-8"?>
+<p:sld xmlns:a="http://schemas.openxmlformats.org/drawingml/2006/main" xmlns:r="http://schemas.openxmlformats.org/officeDocument/2006/relationships" xmlns:p="http://schemas.openxmlformats.org/presentationml/2006/main">
+  <p:cSld>
+    <p:spTree>
+      <p:nvGrpSpPr>
+        <p:cNvPr id="1" name=""/>
+        <p:cNvGrpSpPr/>
+        <p:nvPr/>
+      </p:nvGrpSpPr>
+      <p:grpSpPr>
+        <a:xfrm>
+          <a:off x="0" y="0"/>
+          <a:ext cx="0" cy="0"/>
+          <a:chOff x="0" y="0"/>
+          <a:chExt cx="0" cy="0"/>
+        </a:xfrm>
+      </p:grpSpPr>
+      <p:sp>
+        <p:nvSpPr>
+          <p:cNvPr id="22532" name="Rectangle 4"/>
+          <p:cNvSpPr>
+            <a:spLocks noGrp="1" noChangeArrowheads="1"/>
+          </p:cNvSpPr>
+          <p:nvPr>
+            <p:ph type="title"/>
+          </p:nvPr>
+        </p:nvSpPr>
+        <p:spPr/>
+        <p:txBody>
+          <a:bodyPr/>
+          <a:lstStyle/>
+          <a:p>
+            <a:r>
+              <a:rPr lang="en-US" dirty="0" smtClean="0"/>
+              <a:t>Agenda</a:t>
+            </a:r>
+            <a:endParaRPr lang="en-US" dirty="0"/>
+          </a:p>
+        </p:txBody>
+      </p:sp>
+      <p:sp>
+        <p:nvSpPr>
+          <p:cNvPr id="22533" name="Rectangle 5"/>
+          <p:cNvSpPr>
+            <a:spLocks noGrp="1" noChangeArrowheads="1"/>
+          </p:cNvSpPr>
+          <p:nvPr>
+            <p:ph type="body" idx="1"/>
+          </p:nvPr>
+        </p:nvSpPr>
+        <p:spPr>
+          <a:xfrm>
+            <a:off x="1143000" y="1524000"/>
+            <a:ext cx="7391400" cy="4648200"/>
+          </a:xfrm>
+        </p:spPr>
+        <p:txBody>
+          <a:bodyPr/>
+          <a:lstStyle/>
+          <a:p>
+            <a:pPr>
+              <a:buFont typeface="Wingdings" pitchFamily="2" charset="2"/>
+              <a:buChar char="v"/>
+            </a:pPr>
+            <a:r>
+              <a:rPr lang="en-US" dirty="0">
+                <a:solidFill>
+                  <a:schemeClr val="bg1">
+                    <a:lumMod val="75000"/>
+                  </a:schemeClr>
+                </a:solidFill>
+              </a:rPr>
+              <a:t>Project Revisit</a:t>
+            </a:r>
+          </a:p>
+          <a:p>
+            <a:pPr>
+              <a:buFont typeface="Wingdings" pitchFamily="2" charset="2"/>
+              <a:buChar char="v"/>
+            </a:pPr>
+            <a:r>
+              <a:rPr lang="en-US" dirty="0">
+                <a:solidFill>
+                  <a:schemeClr val="bg1">
+                    <a:lumMod val="75000"/>
+                  </a:schemeClr>
+                </a:solidFill>
+              </a:rPr>
+              <a:t>Use Case Modeling</a:t>
+            </a:r>
+          </a:p>
+          <a:p>
+            <a:pPr>
+              <a:buFont typeface="Wingdings" pitchFamily="2" charset="2"/>
+              <a:buChar char="v"/>
+            </a:pPr>
+            <a:r>
+              <a:rPr lang="en-US" dirty="0" smtClean="0">
+                <a:solidFill>
+                  <a:schemeClr val="bg1">
+                    <a:lumMod val="75000"/>
+                  </a:schemeClr>
+                </a:solidFill>
+              </a:rPr>
+              <a:t>Software Architecture</a:t>
+            </a:r>
+          </a:p>
+          <a:p>
+            <a:pPr>
+              <a:buFont typeface="Wingdings" pitchFamily="2" charset="2"/>
+              <a:buChar char="v"/>
+            </a:pPr>
+            <a:r>
+              <a:rPr lang="en-US" b="1" dirty="0" smtClean="0"/>
+              <a:t>Demo of Prototype</a:t>
+            </a:r>
+          </a:p>
+          <a:p>
+            <a:pPr>
+              <a:buFont typeface="Wingdings" pitchFamily="2" charset="2"/>
+              <a:buChar char="v"/>
+            </a:pPr>
+            <a:r>
+              <a:rPr lang="en-US" dirty="0" smtClean="0">
+                <a:solidFill>
+                  <a:schemeClr val="bg1">
+                    <a:lumMod val="75000"/>
+                  </a:schemeClr>
+                </a:solidFill>
+              </a:rPr>
+              <a:t>Transition Strategy</a:t>
+            </a:r>
+          </a:p>
+          <a:p>
+            <a:pPr>
+              <a:buFont typeface="Wingdings" pitchFamily="2" charset="2"/>
+              <a:buChar char="v"/>
+            </a:pPr>
+            <a:r>
+              <a:rPr lang="en-US" dirty="0" smtClean="0">
+                <a:solidFill>
+                  <a:schemeClr val="bg1">
+                    <a:lumMod val="75000"/>
+                  </a:schemeClr>
+                </a:solidFill>
+              </a:rPr>
+              <a:t>Project Progress</a:t>
+            </a:r>
+          </a:p>
+          <a:p>
+            <a:pPr>
+              <a:buFont typeface="Wingdings" pitchFamily="2" charset="2"/>
+              <a:buChar char="v"/>
+            </a:pPr>
+            <a:r>
+              <a:rPr lang="en-US" dirty="0">
+                <a:solidFill>
+                  <a:schemeClr val="bg1">
+                    <a:lumMod val="75000"/>
+                  </a:schemeClr>
+                </a:solidFill>
+              </a:rPr>
+              <a:t>Development </a:t>
+            </a:r>
+            <a:r>
+              <a:rPr lang="en-US" dirty="0" smtClean="0">
+                <a:solidFill>
+                  <a:schemeClr val="bg1">
+                    <a:lumMod val="75000"/>
+                  </a:schemeClr>
+                </a:solidFill>
+              </a:rPr>
+              <a:t>Plan</a:t>
+            </a:r>
+          </a:p>
+          <a:p>
+            <a:pPr>
+              <a:buFont typeface="Wingdings" pitchFamily="2" charset="2"/>
+              <a:buChar char="v"/>
+            </a:pPr>
+            <a:r>
+              <a:rPr lang="en-US" dirty="0" smtClean="0">
+                <a:solidFill>
+                  <a:schemeClr val="bg1">
+                    <a:lumMod val="75000"/>
+                  </a:schemeClr>
+                </a:solidFill>
+              </a:rPr>
+              <a:t>Challenges &amp; Problems</a:t>
+            </a:r>
+          </a:p>
+          <a:p>
+            <a:pPr>
+              <a:buFont typeface="Wingdings" pitchFamily="2" charset="2"/>
+              <a:buChar char="v"/>
+            </a:pPr>
+            <a:r>
+              <a:rPr lang="en-US" dirty="0" smtClean="0">
+                <a:solidFill>
+                  <a:schemeClr val="bg1">
+                    <a:lumMod val="75000"/>
+                  </a:schemeClr>
+                </a:solidFill>
+              </a:rPr>
+              <a:t>Q &amp; A</a:t>
+            </a:r>
+          </a:p>
+        </p:txBody>
+      </p:sp>
+    </p:spTree>
+    <p:extLst>
+      <p:ext uri="{BB962C8B-B14F-4D97-AF65-F5344CB8AC3E}">
+        <p14:creationId xmlns:p14="http://schemas.microsoft.com/office/powerpoint/2010/main" val="1486421255"/>
+      </p:ext>
+    </p:extLst>
+  </p:cSld>
+  <p:clrMapOvr>
+    <a:masterClrMapping/>
+  </p:clrMapOvr>
+  <p:timing>
+    <p:tnLst>
+      <p:par>
+        <p:cTn id="1" dur="indefinite" restart="never" nodeType="tmRoot"/>
+      </p:par>
+    </p:tnLst>
+  </p:timing>
+</p:sld>
+</file>
+
+<file path=ppt/slides/slide17.xml><?xml version="1.0" encoding="utf-8"?>
+<p:sld xmlns:a="http://schemas.openxmlformats.org/drawingml/2006/main" xmlns:r="http://schemas.openxmlformats.org/officeDocument/2006/relationships" xmlns:p="http://schemas.openxmlformats.org/presentationml/2006/main">
+  <p:cSld>
+    <p:spTree>
+      <p:nvGrpSpPr>
+        <p:cNvPr id="1" name=""/>
+        <p:cNvGrpSpPr/>
+        <p:nvPr/>
+      </p:nvGrpSpPr>
+      <p:grpSpPr>
+        <a:xfrm>
+          <a:off x="0" y="0"/>
+          <a:ext cx="0" cy="0"/>
+          <a:chOff x="0" y="0"/>
+          <a:chExt cx="0" cy="0"/>
+        </a:xfrm>
+      </p:grpSpPr>
+      <p:sp>
+        <p:nvSpPr>
+          <p:cNvPr id="4" name="Title 3"/>
+          <p:cNvSpPr>
+            <a:spLocks noGrp="1"/>
+          </p:cNvSpPr>
+          <p:nvPr>
+            <p:ph type="title"/>
+          </p:nvPr>
+        </p:nvSpPr>
+        <p:spPr/>
+        <p:txBody>
+          <a:bodyPr/>
+          <a:lstStyle/>
+          <a:p>
+            <a:r>
+              <a:rPr lang="en-US" dirty="0" smtClean="0"/>
+              <a:t>Demo of Prototype</a:t>
+            </a:r>
+            <a:endParaRPr lang="en-US" dirty="0"/>
+          </a:p>
+        </p:txBody>
+      </p:sp>
+      <p:sp>
+        <p:nvSpPr>
+          <p:cNvPr id="5" name="Text Placeholder 4"/>
+          <p:cNvSpPr>
+            <a:spLocks noGrp="1"/>
+          </p:cNvSpPr>
+          <p:nvPr>
+            <p:ph type="body" idx="1"/>
+          </p:nvPr>
+        </p:nvSpPr>
+        <p:spPr/>
+        <p:txBody>
+          <a:bodyPr/>
+          <a:lstStyle/>
+          <a:p>
+            <a:r>
+              <a:rPr lang="en-US" dirty="0" smtClean="0"/>
+              <a:t>Volunteer Management System</a:t>
+            </a:r>
+            <a:endParaRPr lang="en-US" dirty="0"/>
+          </a:p>
+        </p:txBody>
+      </p:sp>
+      <p:pic>
+        <p:nvPicPr>
+          <p:cNvPr id="2053" name="Picture 5" descr="C:\Users\Dio\AppData\Local\Microsoft\Windows\Temporary Internet Files\Content.IE5\TU5CEAC7\MC900318218[1].wmf"/>
+          <p:cNvPicPr>
+            <a:picLocks noChangeAspect="1" noChangeArrowheads="1"/>
+          </p:cNvPicPr>
+          <p:nvPr/>
+        </p:nvPicPr>
+        <p:blipFill>
+          <a:blip r:embed="rId2" cstate="print">
+            <a:extLst>
+              <a:ext uri="{28A0092B-C50C-407E-A947-70E740481C1C}">
+                <a14:useLocalDpi xmlns:a14="http://schemas.microsoft.com/office/drawing/2010/main" val="0"/>
+              </a:ext>
+            </a:extLst>
+          </a:blip>
+          <a:srcRect/>
+          <a:stretch>
+            <a:fillRect/>
+          </a:stretch>
+        </p:blipFill>
+        <p:spPr bwMode="auto">
+          <a:xfrm>
+            <a:off x="1219200" y="533399"/>
+            <a:ext cx="5410200" cy="3259385"/>
+          </a:xfrm>
+          <a:prstGeom prst="rect">
+            <a:avLst/>
+          </a:prstGeom>
+          <a:noFill/>
+          <a:extLst>
+            <a:ext uri="{909E8E84-426E-40DD-AFC4-6F175D3DCCD1}">
+              <a14:hiddenFill xmlns:a14="http://schemas.microsoft.com/office/drawing/2010/main">
+                <a:solidFill>
+                  <a:srgbClr val="FFFFFF"/>
+                </a:solidFill>
+              </a14:hiddenFill>
+            </a:ext>
+          </a:extLst>
+        </p:spPr>
+      </p:pic>
+    </p:spTree>
+    <p:extLst>
+      <p:ext uri="{BB962C8B-B14F-4D97-AF65-F5344CB8AC3E}">
+        <p14:creationId xmlns:p14="http://schemas.microsoft.com/office/powerpoint/2010/main" val="1357882309"/>
+      </p:ext>
+    </p:extLst>
+  </p:cSld>
+  <p:clrMapOvr>
+    <a:masterClrMapping/>
+  </p:clrMapOvr>
+  <p:timing>
+    <p:tnLst>
+      <p:par>
+        <p:cTn id="1" dur="indefinite" restart="never" nodeType="tmRoot"/>
+      </p:par>
+    </p:tnLst>
+  </p:timing>
+</p:sld>
+</file>
+
+<file path=ppt/slides/slide18.xml><?xml version="1.0" encoding="utf-8"?>
+<p:sld xmlns:a="http://schemas.openxmlformats.org/drawingml/2006/main" xmlns:r="http://schemas.openxmlformats.org/officeDocument/2006/relationships" xmlns:p="http://schemas.openxmlformats.org/presentationml/2006/main">
+  <p:cSld>
+    <p:spTree>
+      <p:nvGrpSpPr>
+        <p:cNvPr id="1" name=""/>
+        <p:cNvGrpSpPr/>
+        <p:nvPr/>
+      </p:nvGrpSpPr>
+      <p:grpSpPr>
+        <a:xfrm>
+          <a:off x="0" y="0"/>
+          <a:ext cx="0" cy="0"/>
+          <a:chOff x="0" y="0"/>
+          <a:chExt cx="0" cy="0"/>
+        </a:xfrm>
+      </p:grpSpPr>
+      <p:sp>
+        <p:nvSpPr>
+          <p:cNvPr id="2" name="Title 1"/>
+          <p:cNvSpPr>
+            <a:spLocks noGrp="1"/>
+          </p:cNvSpPr>
+          <p:nvPr>
+            <p:ph type="title"/>
+          </p:nvPr>
+        </p:nvSpPr>
+        <p:spPr/>
+        <p:txBody>
+          <a:bodyPr/>
+          <a:lstStyle/>
+          <a:p>
+            <a:r>
+              <a:rPr lang="en-US" dirty="0" smtClean="0"/>
+              <a:t>Demonstration of Prototype</a:t>
+            </a:r>
+            <a:endParaRPr lang="en-US" dirty="0"/>
+          </a:p>
+        </p:txBody>
+      </p:sp>
+      <p:sp>
+        <p:nvSpPr>
+          <p:cNvPr id="7" name="Rectangle 5"/>
+          <p:cNvSpPr>
+            <a:spLocks noGrp="1" noChangeArrowheads="1"/>
+          </p:cNvSpPr>
+          <p:nvPr>
+            <p:ph idx="1"/>
+          </p:nvPr>
+        </p:nvSpPr>
+        <p:spPr/>
+        <p:txBody>
+          <a:bodyPr/>
+          <a:lstStyle/>
+          <a:p>
+            <a:pPr>
+              <a:buFont typeface="Wingdings" pitchFamily="2" charset="2"/>
+              <a:buChar char="v"/>
+            </a:pPr>
+            <a:r>
+              <a:rPr lang="en-US" dirty="0" smtClean="0"/>
+              <a:t>Purpose of Technical Prototype:</a:t>
+            </a:r>
+          </a:p>
+          <a:p>
+            <a:pPr lvl="1">
+              <a:buFont typeface="Wingdings" pitchFamily="2" charset="2"/>
+              <a:buChar char="v"/>
+            </a:pPr>
+            <a:r>
+              <a:rPr lang="en-US" dirty="0" smtClean="0"/>
+              <a:t>Confirm system components working</a:t>
+            </a:r>
+          </a:p>
+          <a:p>
+            <a:pPr lvl="1">
+              <a:buFont typeface="Wingdings" pitchFamily="2" charset="2"/>
+              <a:buChar char="v"/>
+            </a:pPr>
+            <a:r>
+              <a:rPr lang="en-US" dirty="0" smtClean="0"/>
+              <a:t>Confirm feasibility and reusability</a:t>
+            </a:r>
+          </a:p>
+          <a:p>
+            <a:pPr>
+              <a:buFont typeface="Wingdings" pitchFamily="2" charset="2"/>
+              <a:buChar char="v"/>
+            </a:pPr>
+            <a:r>
+              <a:rPr lang="en-US" dirty="0" smtClean="0"/>
+              <a:t>User Interface Prototype</a:t>
+            </a:r>
+          </a:p>
+          <a:p>
+            <a:pPr lvl="1">
+              <a:buFont typeface="Wingdings" pitchFamily="2" charset="2"/>
+              <a:buChar char="v"/>
+            </a:pPr>
+            <a:r>
+              <a:rPr lang="en-US" dirty="0" smtClean="0"/>
+              <a:t>Review usability</a:t>
+            </a:r>
+          </a:p>
+          <a:p>
+            <a:pPr lvl="1">
+              <a:buFont typeface="Wingdings" pitchFamily="2" charset="2"/>
+              <a:buChar char="v"/>
+            </a:pPr>
+            <a:r>
+              <a:rPr lang="en-US" dirty="0" smtClean="0"/>
+              <a:t>Confirm UI design with user</a:t>
+            </a:r>
+          </a:p>
+        </p:txBody>
+      </p:sp>
+    </p:spTree>
+    <p:extLst>
+      <p:ext uri="{BB962C8B-B14F-4D97-AF65-F5344CB8AC3E}">
+        <p14:creationId xmlns:p14="http://schemas.microsoft.com/office/powerpoint/2010/main" val="1189294953"/>
+      </p:ext>
+    </p:extLst>
+  </p:cSld>
+  <p:clrMapOvr>
+    <a:masterClrMapping/>
+  </p:clrMapOvr>
+  <p:timing>
+    <p:tnLst>
+      <p:par>
+        <p:cTn id="1" dur="indefinite" restart="never" nodeType="tmRoot"/>
+      </p:par>
+    </p:tnLst>
+  </p:timing>
+</p:sld>
+</file>
+
+<file path=ppt/slides/slide19.xml><?xml version="1.0" encoding="utf-8"?>
+<p:sld xmlns:a="http://schemas.openxmlformats.org/drawingml/2006/main" xmlns:r="http://schemas.openxmlformats.org/officeDocument/2006/relationships" xmlns:p="http://schemas.openxmlformats.org/presentationml/2006/main">
+  <p:cSld>
+    <p:spTree>
+      <p:nvGrpSpPr>
+        <p:cNvPr id="1" name=""/>
+        <p:cNvGrpSpPr/>
+        <p:nvPr/>
+      </p:nvGrpSpPr>
+      <p:grpSpPr>
+        <a:xfrm>
+          <a:off x="0" y="0"/>
+          <a:ext cx="0" cy="0"/>
+          <a:chOff x="0" y="0"/>
+          <a:chExt cx="0" cy="0"/>
+        </a:xfrm>
+      </p:grpSpPr>
+      <p:sp>
+        <p:nvSpPr>
+          <p:cNvPr id="22532" name="Rectangle 4"/>
+          <p:cNvSpPr>
+            <a:spLocks noGrp="1" noChangeArrowheads="1"/>
+          </p:cNvSpPr>
+          <p:nvPr>
+            <p:ph type="title"/>
+          </p:nvPr>
+        </p:nvSpPr>
+        <p:spPr/>
+        <p:txBody>
+          <a:bodyPr/>
+          <a:lstStyle/>
+          <a:p>
+            <a:r>
+              <a:rPr lang="en-US" dirty="0" smtClean="0"/>
+              <a:t>Agenda</a:t>
+            </a:r>
+            <a:endParaRPr lang="en-US" dirty="0"/>
+          </a:p>
+        </p:txBody>
+      </p:sp>
+      <p:sp>
+        <p:nvSpPr>
+          <p:cNvPr id="22533" name="Rectangle 5"/>
+          <p:cNvSpPr>
+            <a:spLocks noGrp="1" noChangeArrowheads="1"/>
+          </p:cNvSpPr>
+          <p:nvPr>
+            <p:ph type="body" idx="1"/>
+          </p:nvPr>
+        </p:nvSpPr>
+        <p:spPr>
+          <a:xfrm>
+            <a:off x="1143000" y="1524000"/>
+            <a:ext cx="7391400" cy="4648200"/>
+          </a:xfrm>
+        </p:spPr>
+        <p:txBody>
+          <a:bodyPr/>
+          <a:lstStyle/>
+          <a:p>
+            <a:pPr>
+              <a:buFont typeface="Wingdings" pitchFamily="2" charset="2"/>
+              <a:buChar char="v"/>
+            </a:pPr>
+            <a:r>
+              <a:rPr lang="en-US" dirty="0">
+                <a:solidFill>
+                  <a:schemeClr val="bg1">
+                    <a:lumMod val="75000"/>
+                  </a:schemeClr>
+                </a:solidFill>
+              </a:rPr>
+              <a:t>Project Revisit</a:t>
+            </a:r>
+          </a:p>
+          <a:p>
+            <a:pPr>
+              <a:buFont typeface="Wingdings" pitchFamily="2" charset="2"/>
+              <a:buChar char="v"/>
+            </a:pPr>
+            <a:r>
+              <a:rPr lang="en-US" dirty="0">
+                <a:solidFill>
+                  <a:schemeClr val="bg1">
+                    <a:lumMod val="75000"/>
+                  </a:schemeClr>
+                </a:solidFill>
+              </a:rPr>
+              <a:t>Use Case Modeling</a:t>
+            </a:r>
+          </a:p>
+          <a:p>
+            <a:pPr>
+              <a:buFont typeface="Wingdings" pitchFamily="2" charset="2"/>
+              <a:buChar char="v"/>
+            </a:pPr>
+            <a:r>
+              <a:rPr lang="en-US" dirty="0" smtClean="0">
+                <a:solidFill>
+                  <a:schemeClr val="bg1">
+                    <a:lumMod val="75000"/>
+                  </a:schemeClr>
+                </a:solidFill>
+              </a:rPr>
+              <a:t>Software Architecture</a:t>
+            </a:r>
+          </a:p>
+          <a:p>
+            <a:pPr>
+              <a:buFont typeface="Wingdings" pitchFamily="2" charset="2"/>
+              <a:buChar char="v"/>
+            </a:pPr>
+            <a:r>
+              <a:rPr lang="en-US" dirty="0" smtClean="0">
+                <a:solidFill>
+                  <a:schemeClr val="bg1">
+                    <a:lumMod val="75000"/>
+                  </a:schemeClr>
+                </a:solidFill>
+              </a:rPr>
+              <a:t>Demo of Prototype</a:t>
+            </a:r>
+          </a:p>
+          <a:p>
+            <a:pPr>
+              <a:buFont typeface="Wingdings" pitchFamily="2" charset="2"/>
+              <a:buChar char="v"/>
+            </a:pPr>
+            <a:r>
+              <a:rPr lang="en-US" b="1" dirty="0" smtClean="0"/>
+              <a:t>Transition Strategy</a:t>
+            </a:r>
+          </a:p>
+          <a:p>
+            <a:pPr>
+              <a:buFont typeface="Wingdings" pitchFamily="2" charset="2"/>
+              <a:buChar char="v"/>
+            </a:pPr>
+            <a:r>
+              <a:rPr lang="en-US" dirty="0" smtClean="0">
+                <a:solidFill>
+                  <a:schemeClr val="bg1">
+                    <a:lumMod val="75000"/>
+                  </a:schemeClr>
+                </a:solidFill>
+              </a:rPr>
+              <a:t>Project Progress</a:t>
+            </a:r>
+          </a:p>
+          <a:p>
+            <a:pPr>
+              <a:buFont typeface="Wingdings" pitchFamily="2" charset="2"/>
+              <a:buChar char="v"/>
+            </a:pPr>
+            <a:r>
+              <a:rPr lang="en-US" dirty="0">
+                <a:solidFill>
+                  <a:schemeClr val="bg1">
+                    <a:lumMod val="75000"/>
+                  </a:schemeClr>
+                </a:solidFill>
+              </a:rPr>
+              <a:t>Development </a:t>
+            </a:r>
+            <a:r>
+              <a:rPr lang="en-US" dirty="0" smtClean="0">
+                <a:solidFill>
+                  <a:schemeClr val="bg1">
+                    <a:lumMod val="75000"/>
+                  </a:schemeClr>
+                </a:solidFill>
+              </a:rPr>
+              <a:t>Plan</a:t>
+            </a:r>
+          </a:p>
+          <a:p>
+            <a:pPr>
+              <a:buFont typeface="Wingdings" pitchFamily="2" charset="2"/>
+              <a:buChar char="v"/>
+            </a:pPr>
+            <a:r>
+              <a:rPr lang="en-US" dirty="0" smtClean="0">
+                <a:solidFill>
+                  <a:schemeClr val="bg1">
+                    <a:lumMod val="75000"/>
+                  </a:schemeClr>
+                </a:solidFill>
+              </a:rPr>
+              <a:t>Challenges &amp; Problems</a:t>
+            </a:r>
+          </a:p>
+          <a:p>
+            <a:pPr>
+              <a:buFont typeface="Wingdings" pitchFamily="2" charset="2"/>
+              <a:buChar char="v"/>
+            </a:pPr>
+            <a:r>
+              <a:rPr lang="en-US" dirty="0" smtClean="0">
+                <a:solidFill>
+                  <a:schemeClr val="bg1">
+                    <a:lumMod val="75000"/>
+                  </a:schemeClr>
+                </a:solidFill>
+              </a:rPr>
+              <a:t>Q &amp; A</a:t>
+            </a:r>
+          </a:p>
+        </p:txBody>
+      </p:sp>
+    </p:spTree>
+    <p:extLst>
+      <p:ext uri="{BB962C8B-B14F-4D97-AF65-F5344CB8AC3E}">
+        <p14:creationId xmlns:p14="http://schemas.microsoft.com/office/powerpoint/2010/main" val="4091434407"/>
+      </p:ext>
+    </p:extLst>
   </p:cSld>
   <p:clrMapOvr>
     <a:masterClrMapping/>
@@ -18568,13 +19181,6 @@
               </a:rPr>
               <a:t>Challenges &amp; Problems</a:t>
             </a:r>
-            <a:endParaRPr lang="en-US" dirty="0" smtClean="0">
-              <a:solidFill>
-                <a:schemeClr val="bg1">
-                  <a:lumMod val="75000"/>
-                </a:schemeClr>
-              </a:solidFill>
-            </a:endParaRPr>
           </a:p>
           <a:p>
             <a:pPr>
@@ -18591,16 +19197,50 @@
               </a:rPr>
               <a:t>Q &amp; A</a:t>
             </a:r>
-            <a:endParaRPr lang="en-US" dirty="0" smtClean="0">
-              <a:solidFill>
-                <a:schemeClr val="bg1">
-                  <a:lumMod val="75000"/>
-                </a:schemeClr>
-              </a:solidFill>
-            </a:endParaRPr>
           </a:p>
         </p:txBody>
       </p:sp>
+      <p:pic>
+        <p:nvPicPr>
+          <p:cNvPr id="4" name="Picture 2" descr="C:\Users\Dio\AppData\Local\Microsoft\Windows\Temporary Internet Files\Content.IE5\J694V2JJ\MC900383462[1].wmf"/>
+          <p:cNvPicPr>
+            <a:picLocks noChangeAspect="1" noChangeArrowheads="1"/>
+          </p:cNvPicPr>
+          <p:nvPr/>
+        </p:nvPicPr>
+        <p:blipFill>
+          <a:blip r:embed="rId2" cstate="print">
+            <a:extLst>
+              <a:ext uri="{28A0092B-C50C-407E-A947-70E740481C1C}">
+                <a14:useLocalDpi xmlns:a14="http://schemas.microsoft.com/office/drawing/2010/main" val="0"/>
+              </a:ext>
+            </a:extLst>
+          </a:blip>
+          <a:srcRect/>
+          <a:stretch>
+            <a:fillRect/>
+          </a:stretch>
+        </p:blipFill>
+        <p:spPr bwMode="auto">
+          <a:xfrm>
+            <a:off x="6172200" y="1676400"/>
+            <a:ext cx="2590800" cy="2293938"/>
+          </a:xfrm>
+          <a:prstGeom prst="rect">
+            <a:avLst/>
+          </a:prstGeom>
+          <a:noFill/>
+          <a:extLst>
+            <a:ext uri="{909E8E84-426E-40DD-AFC4-6F175D3DCCD1}">
+              <a14:hiddenFill xmlns:a14="http://schemas.microsoft.com/office/drawing/2010/main">
+                <a:solidFill>
+                  <a:srgbClr val="FFFFFF"/>
+                </a:solidFill>
+              </a14:hiddenFill>
+            </a:ext>
+          </a:extLst>
+        </p:spPr>
+      </p:pic>
     </p:spTree>
     <p:extLst>
       <p:ext uri="{BB962C8B-B14F-4D97-AF65-F5344CB8AC3E}">
@@ -18622,780 +19262,6 @@
 </file>
 
 <file path=ppt/slides/slide20.xml><?xml version="1.0" encoding="utf-8"?>
-<p:sld xmlns:a="http://schemas.openxmlformats.org/drawingml/2006/main" xmlns:r="http://schemas.openxmlformats.org/officeDocument/2006/relationships" xmlns:p="http://schemas.openxmlformats.org/presentationml/2006/main">
-  <p:cSld>
-    <p:spTree>
-      <p:nvGrpSpPr>
-        <p:cNvPr id="1" name=""/>
-        <p:cNvGrpSpPr/>
-        <p:nvPr/>
-      </p:nvGrpSpPr>
-      <p:grpSpPr>
-        <a:xfrm>
-          <a:off x="0" y="0"/>
-          <a:ext cx="0" cy="0"/>
-          <a:chOff x="0" y="0"/>
-          <a:chExt cx="0" cy="0"/>
-        </a:xfrm>
-      </p:grpSpPr>
-      <p:sp>
-        <p:nvSpPr>
-          <p:cNvPr id="22532" name="Rectangle 4"/>
-          <p:cNvSpPr>
-            <a:spLocks noGrp="1" noChangeArrowheads="1"/>
-          </p:cNvSpPr>
-          <p:nvPr>
-            <p:ph type="title"/>
-          </p:nvPr>
-        </p:nvSpPr>
-        <p:spPr/>
-        <p:txBody>
-          <a:bodyPr/>
-          <a:lstStyle/>
-          <a:p>
-            <a:r>
-              <a:rPr lang="en-US" dirty="0" smtClean="0"/>
-              <a:t>Agenda</a:t>
-            </a:r>
-            <a:endParaRPr lang="en-US" dirty="0"/>
-          </a:p>
-        </p:txBody>
-      </p:sp>
-      <p:sp>
-        <p:nvSpPr>
-          <p:cNvPr id="22533" name="Rectangle 5"/>
-          <p:cNvSpPr>
-            <a:spLocks noGrp="1" noChangeArrowheads="1"/>
-          </p:cNvSpPr>
-          <p:nvPr>
-            <p:ph type="body" idx="1"/>
-          </p:nvPr>
-        </p:nvSpPr>
-        <p:spPr>
-          <a:xfrm>
-            <a:off x="1143000" y="1524000"/>
-            <a:ext cx="7391400" cy="4648200"/>
-          </a:xfrm>
-        </p:spPr>
-        <p:txBody>
-          <a:bodyPr/>
-          <a:lstStyle/>
-          <a:p>
-            <a:pPr>
-              <a:buFont typeface="Wingdings" pitchFamily="2" charset="2"/>
-              <a:buChar char="v"/>
-            </a:pPr>
-            <a:r>
-              <a:rPr lang="en-US" dirty="0">
-                <a:solidFill>
-                  <a:schemeClr val="bg1">
-                    <a:lumMod val="75000"/>
-                  </a:schemeClr>
-                </a:solidFill>
-              </a:rPr>
-              <a:t>Project Revisit</a:t>
-            </a:r>
-          </a:p>
-          <a:p>
-            <a:pPr>
-              <a:buFont typeface="Wingdings" pitchFamily="2" charset="2"/>
-              <a:buChar char="v"/>
-            </a:pPr>
-            <a:r>
-              <a:rPr lang="en-US" dirty="0">
-                <a:solidFill>
-                  <a:schemeClr val="bg1">
-                    <a:lumMod val="75000"/>
-                  </a:schemeClr>
-                </a:solidFill>
-              </a:rPr>
-              <a:t>Use Case Modeling</a:t>
-            </a:r>
-          </a:p>
-          <a:p>
-            <a:pPr>
-              <a:buFont typeface="Wingdings" pitchFamily="2" charset="2"/>
-              <a:buChar char="v"/>
-            </a:pPr>
-            <a:r>
-              <a:rPr lang="en-US" dirty="0" smtClean="0">
-                <a:solidFill>
-                  <a:schemeClr val="bg1">
-                    <a:lumMod val="75000"/>
-                  </a:schemeClr>
-                </a:solidFill>
-              </a:rPr>
-              <a:t>Software Architecture</a:t>
-            </a:r>
-          </a:p>
-          <a:p>
-            <a:pPr>
-              <a:buFont typeface="Wingdings" pitchFamily="2" charset="2"/>
-              <a:buChar char="v"/>
-            </a:pPr>
-            <a:r>
-              <a:rPr lang="en-US" b="1" dirty="0" smtClean="0"/>
-              <a:t>Demo of Prototype</a:t>
-            </a:r>
-          </a:p>
-          <a:p>
-            <a:pPr>
-              <a:buFont typeface="Wingdings" pitchFamily="2" charset="2"/>
-              <a:buChar char="v"/>
-            </a:pPr>
-            <a:r>
-              <a:rPr lang="en-US" dirty="0" smtClean="0">
-                <a:solidFill>
-                  <a:schemeClr val="bg1">
-                    <a:lumMod val="75000"/>
-                  </a:schemeClr>
-                </a:solidFill>
-              </a:rPr>
-              <a:t>Transition Strategy</a:t>
-            </a:r>
-          </a:p>
-          <a:p>
-            <a:pPr>
-              <a:buFont typeface="Wingdings" pitchFamily="2" charset="2"/>
-              <a:buChar char="v"/>
-            </a:pPr>
-            <a:r>
-              <a:rPr lang="en-US" dirty="0" smtClean="0">
-                <a:solidFill>
-                  <a:schemeClr val="bg1">
-                    <a:lumMod val="75000"/>
-                  </a:schemeClr>
-                </a:solidFill>
-              </a:rPr>
-              <a:t>Project Progress</a:t>
-            </a:r>
-          </a:p>
-          <a:p>
-            <a:pPr>
-              <a:buFont typeface="Wingdings" pitchFamily="2" charset="2"/>
-              <a:buChar char="v"/>
-            </a:pPr>
-            <a:r>
-              <a:rPr lang="en-US" dirty="0">
-                <a:solidFill>
-                  <a:schemeClr val="bg1">
-                    <a:lumMod val="75000"/>
-                  </a:schemeClr>
-                </a:solidFill>
-              </a:rPr>
-              <a:t>Development </a:t>
-            </a:r>
-            <a:r>
-              <a:rPr lang="en-US" dirty="0" smtClean="0">
-                <a:solidFill>
-                  <a:schemeClr val="bg1">
-                    <a:lumMod val="75000"/>
-                  </a:schemeClr>
-                </a:solidFill>
-              </a:rPr>
-              <a:t>Plan</a:t>
-            </a:r>
-            <a:endParaRPr lang="en-US" dirty="0" smtClean="0">
-              <a:solidFill>
-                <a:schemeClr val="bg1">
-                  <a:lumMod val="75000"/>
-                </a:schemeClr>
-              </a:solidFill>
-            </a:endParaRPr>
-          </a:p>
-          <a:p>
-            <a:pPr>
-              <a:buFont typeface="Wingdings" pitchFamily="2" charset="2"/>
-              <a:buChar char="v"/>
-            </a:pPr>
-            <a:r>
-              <a:rPr lang="en-US" dirty="0" smtClean="0">
-                <a:solidFill>
-                  <a:schemeClr val="bg1">
-                    <a:lumMod val="75000"/>
-                  </a:schemeClr>
-                </a:solidFill>
-              </a:rPr>
-              <a:t>Challenges &amp; Problems</a:t>
-            </a:r>
-            <a:endParaRPr lang="en-US" dirty="0" smtClean="0">
-              <a:solidFill>
-                <a:schemeClr val="bg1">
-                  <a:lumMod val="75000"/>
-                </a:schemeClr>
-              </a:solidFill>
-            </a:endParaRPr>
-          </a:p>
-          <a:p>
-            <a:pPr>
-              <a:buFont typeface="Wingdings" pitchFamily="2" charset="2"/>
-              <a:buChar char="v"/>
-            </a:pPr>
-            <a:r>
-              <a:rPr lang="en-US" dirty="0" smtClean="0">
-                <a:solidFill>
-                  <a:schemeClr val="bg1">
-                    <a:lumMod val="75000"/>
-                  </a:schemeClr>
-                </a:solidFill>
-              </a:rPr>
-              <a:t>Q &amp; A</a:t>
-            </a:r>
-            <a:endParaRPr lang="en-US" dirty="0" smtClean="0">
-              <a:solidFill>
-                <a:schemeClr val="bg1">
-                  <a:lumMod val="75000"/>
-                </a:schemeClr>
-              </a:solidFill>
-            </a:endParaRPr>
-          </a:p>
-        </p:txBody>
-      </p:sp>
-    </p:spTree>
-    <p:extLst>
-      <p:ext uri="{BB962C8B-B14F-4D97-AF65-F5344CB8AC3E}">
-        <p14:creationId xmlns:p14="http://schemas.microsoft.com/office/powerpoint/2010/main" val="1486421255"/>
-      </p:ext>
-    </p:extLst>
-  </p:cSld>
-  <p:clrMapOvr>
-    <a:masterClrMapping/>
-  </p:clrMapOvr>
-  <p:timing>
-    <p:tnLst>
-      <p:par>
-        <p:cTn id="1" dur="indefinite" restart="never" nodeType="tmRoot"/>
-      </p:par>
-    </p:tnLst>
-  </p:timing>
-</p:sld>
-</file>
-
-<file path=ppt/slides/slide21.xml><?xml version="1.0" encoding="utf-8"?>
-<p:sld xmlns:a="http://schemas.openxmlformats.org/drawingml/2006/main" xmlns:r="http://schemas.openxmlformats.org/officeDocument/2006/relationships" xmlns:p="http://schemas.openxmlformats.org/presentationml/2006/main">
-  <p:cSld>
-    <p:spTree>
-      <p:nvGrpSpPr>
-        <p:cNvPr id="1" name=""/>
-        <p:cNvGrpSpPr/>
-        <p:nvPr/>
-      </p:nvGrpSpPr>
-      <p:grpSpPr>
-        <a:xfrm>
-          <a:off x="0" y="0"/>
-          <a:ext cx="0" cy="0"/>
-          <a:chOff x="0" y="0"/>
-          <a:chExt cx="0" cy="0"/>
-        </a:xfrm>
-      </p:grpSpPr>
-      <p:sp>
-        <p:nvSpPr>
-          <p:cNvPr id="4" name="Title 3"/>
-          <p:cNvSpPr>
-            <a:spLocks noGrp="1"/>
-          </p:cNvSpPr>
-          <p:nvPr>
-            <p:ph type="title"/>
-          </p:nvPr>
-        </p:nvSpPr>
-        <p:spPr/>
-        <p:txBody>
-          <a:bodyPr/>
-          <a:lstStyle/>
-          <a:p>
-            <a:r>
-              <a:rPr lang="en-US" dirty="0" smtClean="0"/>
-              <a:t>Demo </a:t>
-            </a:r>
-            <a:r>
-              <a:rPr lang="en-US" dirty="0" smtClean="0"/>
-              <a:t>of Prototype</a:t>
-            </a:r>
-            <a:endParaRPr lang="en-US" dirty="0"/>
-          </a:p>
-        </p:txBody>
-      </p:sp>
-      <p:sp>
-        <p:nvSpPr>
-          <p:cNvPr id="5" name="Text Placeholder 4"/>
-          <p:cNvSpPr>
-            <a:spLocks noGrp="1"/>
-          </p:cNvSpPr>
-          <p:nvPr>
-            <p:ph type="body" idx="1"/>
-          </p:nvPr>
-        </p:nvSpPr>
-        <p:spPr/>
-        <p:txBody>
-          <a:bodyPr/>
-          <a:lstStyle/>
-          <a:p>
-            <a:r>
-              <a:rPr lang="en-US" dirty="0" smtClean="0"/>
-              <a:t>Volunteer Management System</a:t>
-            </a:r>
-            <a:endParaRPr lang="en-US" dirty="0"/>
-          </a:p>
-        </p:txBody>
-      </p:sp>
-      <p:pic>
-        <p:nvPicPr>
-          <p:cNvPr id="2053" name="Picture 5" descr="C:\Users\Dio\AppData\Local\Microsoft\Windows\Temporary Internet Files\Content.IE5\TU5CEAC7\MC900318218[1].wmf"/>
-          <p:cNvPicPr>
-            <a:picLocks noChangeAspect="1" noChangeArrowheads="1"/>
-          </p:cNvPicPr>
-          <p:nvPr/>
-        </p:nvPicPr>
-        <p:blipFill>
-          <a:blip r:embed="rId2" cstate="print">
-            <a:extLst>
-              <a:ext uri="{28A0092B-C50C-407E-A947-70E740481C1C}">
-                <a14:useLocalDpi xmlns:a14="http://schemas.microsoft.com/office/drawing/2010/main" val="0"/>
-              </a:ext>
-            </a:extLst>
-          </a:blip>
-          <a:srcRect/>
-          <a:stretch>
-            <a:fillRect/>
-          </a:stretch>
-        </p:blipFill>
-        <p:spPr bwMode="auto">
-          <a:xfrm>
-            <a:off x="1219200" y="533399"/>
-            <a:ext cx="5410200" cy="3259385"/>
-          </a:xfrm>
-          <a:prstGeom prst="rect">
-            <a:avLst/>
-          </a:prstGeom>
-          <a:noFill/>
-          <a:extLst>
-            <a:ext uri="{909E8E84-426E-40DD-AFC4-6F175D3DCCD1}">
-              <a14:hiddenFill xmlns:a14="http://schemas.microsoft.com/office/drawing/2010/main">
-                <a:solidFill>
-                  <a:srgbClr val="FFFFFF"/>
-                </a:solidFill>
-              </a14:hiddenFill>
-            </a:ext>
-          </a:extLst>
-        </p:spPr>
-      </p:pic>
-    </p:spTree>
-    <p:extLst>
-      <p:ext uri="{BB962C8B-B14F-4D97-AF65-F5344CB8AC3E}">
-        <p14:creationId xmlns:p14="http://schemas.microsoft.com/office/powerpoint/2010/main" val="1357882309"/>
-      </p:ext>
-    </p:extLst>
-  </p:cSld>
-  <p:clrMapOvr>
-    <a:masterClrMapping/>
-  </p:clrMapOvr>
-  <p:timing>
-    <p:tnLst>
-      <p:par>
-        <p:cTn id="1" dur="indefinite" restart="never" nodeType="tmRoot"/>
-      </p:par>
-    </p:tnLst>
-  </p:timing>
-</p:sld>
-</file>
-
-<file path=ppt/slides/slide22.xml><?xml version="1.0" encoding="utf-8"?>
-<p:sld xmlns:a="http://schemas.openxmlformats.org/drawingml/2006/main" xmlns:r="http://schemas.openxmlformats.org/officeDocument/2006/relationships" xmlns:p="http://schemas.openxmlformats.org/presentationml/2006/main">
-  <p:cSld>
-    <p:spTree>
-      <p:nvGrpSpPr>
-        <p:cNvPr id="1" name=""/>
-        <p:cNvGrpSpPr/>
-        <p:nvPr/>
-      </p:nvGrpSpPr>
-      <p:grpSpPr>
-        <a:xfrm>
-          <a:off x="0" y="0"/>
-          <a:ext cx="0" cy="0"/>
-          <a:chOff x="0" y="0"/>
-          <a:chExt cx="0" cy="0"/>
-        </a:xfrm>
-      </p:grpSpPr>
-      <p:sp>
-        <p:nvSpPr>
-          <p:cNvPr id="2" name="Title 1"/>
-          <p:cNvSpPr>
-            <a:spLocks noGrp="1"/>
-          </p:cNvSpPr>
-          <p:nvPr>
-            <p:ph type="title"/>
-          </p:nvPr>
-        </p:nvSpPr>
-        <p:spPr/>
-        <p:txBody>
-          <a:bodyPr/>
-          <a:lstStyle/>
-          <a:p>
-            <a:r>
-              <a:rPr lang="en-US" dirty="0" smtClean="0"/>
-              <a:t>Demonstration of Prototype</a:t>
-            </a:r>
-            <a:endParaRPr lang="en-US" dirty="0"/>
-          </a:p>
-        </p:txBody>
-      </p:sp>
-      <p:sp>
-        <p:nvSpPr>
-          <p:cNvPr id="7" name="Rectangle 5"/>
-          <p:cNvSpPr>
-            <a:spLocks noGrp="1" noChangeArrowheads="1"/>
-          </p:cNvSpPr>
-          <p:nvPr>
-            <p:ph idx="1"/>
-          </p:nvPr>
-        </p:nvSpPr>
-        <p:spPr/>
-        <p:txBody>
-          <a:bodyPr/>
-          <a:lstStyle/>
-          <a:p>
-            <a:pPr>
-              <a:buFont typeface="Wingdings" pitchFamily="2" charset="2"/>
-              <a:buChar char="v"/>
-            </a:pPr>
-            <a:r>
-              <a:rPr lang="en-US" dirty="0" smtClean="0"/>
-              <a:t>Purpose of Technical Prototype:</a:t>
-            </a:r>
-          </a:p>
-          <a:p>
-            <a:pPr lvl="1">
-              <a:buFont typeface="Wingdings" pitchFamily="2" charset="2"/>
-              <a:buChar char="v"/>
-            </a:pPr>
-            <a:r>
-              <a:rPr lang="en-US" dirty="0" smtClean="0"/>
-              <a:t>Confirm </a:t>
-            </a:r>
-            <a:r>
-              <a:rPr lang="en-US" dirty="0" smtClean="0"/>
-              <a:t>system components working</a:t>
-            </a:r>
-          </a:p>
-          <a:p>
-            <a:pPr lvl="1">
-              <a:buFont typeface="Wingdings" pitchFamily="2" charset="2"/>
-              <a:buChar char="v"/>
-            </a:pPr>
-            <a:r>
-              <a:rPr lang="en-US" dirty="0" smtClean="0"/>
-              <a:t>Confirm feasibility and reusability</a:t>
-            </a:r>
-            <a:endParaRPr lang="en-US" dirty="0" smtClean="0"/>
-          </a:p>
-          <a:p>
-            <a:pPr>
-              <a:buFont typeface="Wingdings" pitchFamily="2" charset="2"/>
-              <a:buChar char="v"/>
-            </a:pPr>
-            <a:r>
-              <a:rPr lang="en-US" dirty="0" smtClean="0"/>
-              <a:t>User Interface </a:t>
-            </a:r>
-            <a:r>
-              <a:rPr lang="en-US" dirty="0" smtClean="0"/>
-              <a:t>Prototype</a:t>
-            </a:r>
-          </a:p>
-          <a:p>
-            <a:pPr lvl="1">
-              <a:buFont typeface="Wingdings" pitchFamily="2" charset="2"/>
-              <a:buChar char="v"/>
-            </a:pPr>
-            <a:r>
-              <a:rPr lang="en-US" dirty="0" smtClean="0"/>
-              <a:t>Review usability</a:t>
-            </a:r>
-          </a:p>
-          <a:p>
-            <a:pPr lvl="1">
-              <a:buFont typeface="Wingdings" pitchFamily="2" charset="2"/>
-              <a:buChar char="v"/>
-            </a:pPr>
-            <a:r>
-              <a:rPr lang="en-US" dirty="0" smtClean="0"/>
-              <a:t>Confirm UI design with user</a:t>
-            </a:r>
-            <a:endParaRPr lang="en-US" dirty="0" smtClean="0"/>
-          </a:p>
-        </p:txBody>
-      </p:sp>
-    </p:spTree>
-    <p:extLst>
-      <p:ext uri="{BB962C8B-B14F-4D97-AF65-F5344CB8AC3E}">
-        <p14:creationId xmlns:p14="http://schemas.microsoft.com/office/powerpoint/2010/main" val="1189294953"/>
-      </p:ext>
-    </p:extLst>
-  </p:cSld>
-  <p:clrMapOvr>
-    <a:masterClrMapping/>
-  </p:clrMapOvr>
-  <p:timing>
-    <p:tnLst>
-      <p:par>
-        <p:cTn id="1" dur="indefinite" restart="never" nodeType="tmRoot"/>
-      </p:par>
-    </p:tnLst>
-  </p:timing>
-</p:sld>
-</file>
-
-<file path=ppt/slides/slide23.xml><?xml version="1.0" encoding="utf-8"?>
-<p:sld xmlns:a="http://schemas.openxmlformats.org/drawingml/2006/main" xmlns:r="http://schemas.openxmlformats.org/officeDocument/2006/relationships" xmlns:p="http://schemas.openxmlformats.org/presentationml/2006/main">
-  <p:cSld>
-    <p:spTree>
-      <p:nvGrpSpPr>
-        <p:cNvPr id="1" name=""/>
-        <p:cNvGrpSpPr/>
-        <p:nvPr/>
-      </p:nvGrpSpPr>
-      <p:grpSpPr>
-        <a:xfrm>
-          <a:off x="0" y="0"/>
-          <a:ext cx="0" cy="0"/>
-          <a:chOff x="0" y="0"/>
-          <a:chExt cx="0" cy="0"/>
-        </a:xfrm>
-      </p:grpSpPr>
-      <p:sp>
-        <p:nvSpPr>
-          <p:cNvPr id="22532" name="Rectangle 4"/>
-          <p:cNvSpPr>
-            <a:spLocks noGrp="1" noChangeArrowheads="1"/>
-          </p:cNvSpPr>
-          <p:nvPr>
-            <p:ph type="title"/>
-          </p:nvPr>
-        </p:nvSpPr>
-        <p:spPr/>
-        <p:txBody>
-          <a:bodyPr/>
-          <a:lstStyle/>
-          <a:p>
-            <a:r>
-              <a:rPr lang="en-US" dirty="0" smtClean="0"/>
-              <a:t>Agenda</a:t>
-            </a:r>
-            <a:endParaRPr lang="en-US" dirty="0"/>
-          </a:p>
-        </p:txBody>
-      </p:sp>
-      <p:sp>
-        <p:nvSpPr>
-          <p:cNvPr id="22533" name="Rectangle 5"/>
-          <p:cNvSpPr>
-            <a:spLocks noGrp="1" noChangeArrowheads="1"/>
-          </p:cNvSpPr>
-          <p:nvPr>
-            <p:ph type="body" idx="1"/>
-          </p:nvPr>
-        </p:nvSpPr>
-        <p:spPr>
-          <a:xfrm>
-            <a:off x="1143000" y="1524000"/>
-            <a:ext cx="7391400" cy="4648200"/>
-          </a:xfrm>
-        </p:spPr>
-        <p:txBody>
-          <a:bodyPr/>
-          <a:lstStyle/>
-          <a:p>
-            <a:pPr>
-              <a:buFont typeface="Wingdings" pitchFamily="2" charset="2"/>
-              <a:buChar char="v"/>
-            </a:pPr>
-            <a:r>
-              <a:rPr lang="en-US" dirty="0">
-                <a:solidFill>
-                  <a:schemeClr val="bg1">
-                    <a:lumMod val="75000"/>
-                  </a:schemeClr>
-                </a:solidFill>
-              </a:rPr>
-              <a:t>Project Revisit</a:t>
-            </a:r>
-          </a:p>
-          <a:p>
-            <a:pPr>
-              <a:buFont typeface="Wingdings" pitchFamily="2" charset="2"/>
-              <a:buChar char="v"/>
-            </a:pPr>
-            <a:r>
-              <a:rPr lang="en-US" dirty="0">
-                <a:solidFill>
-                  <a:schemeClr val="bg1">
-                    <a:lumMod val="75000"/>
-                  </a:schemeClr>
-                </a:solidFill>
-              </a:rPr>
-              <a:t>Use Case Modeling</a:t>
-            </a:r>
-          </a:p>
-          <a:p>
-            <a:pPr>
-              <a:buFont typeface="Wingdings" pitchFamily="2" charset="2"/>
-              <a:buChar char="v"/>
-            </a:pPr>
-            <a:r>
-              <a:rPr lang="en-US" dirty="0" smtClean="0">
-                <a:solidFill>
-                  <a:schemeClr val="bg1">
-                    <a:lumMod val="75000"/>
-                  </a:schemeClr>
-                </a:solidFill>
-              </a:rPr>
-              <a:t>Software Architecture</a:t>
-            </a:r>
-          </a:p>
-          <a:p>
-            <a:pPr>
-              <a:buFont typeface="Wingdings" pitchFamily="2" charset="2"/>
-              <a:buChar char="v"/>
-            </a:pPr>
-            <a:r>
-              <a:rPr lang="en-US" dirty="0" smtClean="0">
-                <a:solidFill>
-                  <a:schemeClr val="bg1">
-                    <a:lumMod val="75000"/>
-                  </a:schemeClr>
-                </a:solidFill>
-              </a:rPr>
-              <a:t>Demo of Prototype</a:t>
-            </a:r>
-          </a:p>
-          <a:p>
-            <a:pPr>
-              <a:buFont typeface="Wingdings" pitchFamily="2" charset="2"/>
-              <a:buChar char="v"/>
-            </a:pPr>
-            <a:r>
-              <a:rPr lang="en-US" b="1" dirty="0" smtClean="0"/>
-              <a:t>Transition Strategy</a:t>
-            </a:r>
-          </a:p>
-          <a:p>
-            <a:pPr>
-              <a:buFont typeface="Wingdings" pitchFamily="2" charset="2"/>
-              <a:buChar char="v"/>
-            </a:pPr>
-            <a:r>
-              <a:rPr lang="en-US" dirty="0" smtClean="0">
-                <a:solidFill>
-                  <a:schemeClr val="bg1">
-                    <a:lumMod val="75000"/>
-                  </a:schemeClr>
-                </a:solidFill>
-              </a:rPr>
-              <a:t>Project Progress</a:t>
-            </a:r>
-          </a:p>
-          <a:p>
-            <a:pPr>
-              <a:buFont typeface="Wingdings" pitchFamily="2" charset="2"/>
-              <a:buChar char="v"/>
-            </a:pPr>
-            <a:r>
-              <a:rPr lang="en-US" dirty="0">
-                <a:solidFill>
-                  <a:schemeClr val="bg1">
-                    <a:lumMod val="75000"/>
-                  </a:schemeClr>
-                </a:solidFill>
-              </a:rPr>
-              <a:t>Development </a:t>
-            </a:r>
-            <a:r>
-              <a:rPr lang="en-US" dirty="0" smtClean="0">
-                <a:solidFill>
-                  <a:schemeClr val="bg1">
-                    <a:lumMod val="75000"/>
-                  </a:schemeClr>
-                </a:solidFill>
-              </a:rPr>
-              <a:t>Plan</a:t>
-            </a:r>
-            <a:endParaRPr lang="en-US" dirty="0" smtClean="0">
-              <a:solidFill>
-                <a:schemeClr val="bg1">
-                  <a:lumMod val="75000"/>
-                </a:schemeClr>
-              </a:solidFill>
-            </a:endParaRPr>
-          </a:p>
-          <a:p>
-            <a:pPr>
-              <a:buFont typeface="Wingdings" pitchFamily="2" charset="2"/>
-              <a:buChar char="v"/>
-            </a:pPr>
-            <a:r>
-              <a:rPr lang="en-US" dirty="0" smtClean="0">
-                <a:solidFill>
-                  <a:schemeClr val="bg1">
-                    <a:lumMod val="75000"/>
-                  </a:schemeClr>
-                </a:solidFill>
-              </a:rPr>
-              <a:t>Challenges &amp; Problems</a:t>
-            </a:r>
-            <a:endParaRPr lang="en-US" dirty="0" smtClean="0">
-              <a:solidFill>
-                <a:schemeClr val="bg1">
-                  <a:lumMod val="75000"/>
-                </a:schemeClr>
-              </a:solidFill>
-            </a:endParaRPr>
-          </a:p>
-          <a:p>
-            <a:pPr>
-              <a:buFont typeface="Wingdings" pitchFamily="2" charset="2"/>
-              <a:buChar char="v"/>
-            </a:pPr>
-            <a:r>
-              <a:rPr lang="en-US" dirty="0" smtClean="0">
-                <a:solidFill>
-                  <a:schemeClr val="bg1">
-                    <a:lumMod val="75000"/>
-                  </a:schemeClr>
-                </a:solidFill>
-              </a:rPr>
-              <a:t>Q &amp; A</a:t>
-            </a:r>
-            <a:endParaRPr lang="en-US" dirty="0" smtClean="0">
-              <a:solidFill>
-                <a:schemeClr val="bg1">
-                  <a:lumMod val="75000"/>
-                </a:schemeClr>
-              </a:solidFill>
-            </a:endParaRPr>
-          </a:p>
-        </p:txBody>
-      </p:sp>
-    </p:spTree>
-    <p:extLst>
-      <p:ext uri="{BB962C8B-B14F-4D97-AF65-F5344CB8AC3E}">
-        <p14:creationId xmlns:p14="http://schemas.microsoft.com/office/powerpoint/2010/main" val="4091434407"/>
-      </p:ext>
-    </p:extLst>
-  </p:cSld>
-  <p:clrMapOvr>
-    <a:masterClrMapping/>
-  </p:clrMapOvr>
-  <p:timing>
-    <p:tnLst>
-      <p:par>
-        <p:cTn id="1" dur="indefinite" restart="never" nodeType="tmRoot"/>
-      </p:par>
-    </p:tnLst>
-  </p:timing>
-</p:sld>
-</file>
-
-<file path=ppt/slides/slide24.xml><?xml version="1.0" encoding="utf-8"?>
 <p:sld xmlns:a="http://schemas.openxmlformats.org/drawingml/2006/main" xmlns:r="http://schemas.openxmlformats.org/officeDocument/2006/relationships" xmlns:p="http://schemas.openxmlformats.org/presentationml/2006/main">
   <p:cSld>
     <p:spTree>
@@ -19506,7 +19372,7 @@
 </p:sld>
 </file>
 
-<file path=ppt/slides/slide25.xml><?xml version="1.0" encoding="utf-8"?>
+<file path=ppt/slides/slide21.xml><?xml version="1.0" encoding="utf-8"?>
 <p:sld xmlns:a="http://schemas.openxmlformats.org/drawingml/2006/main" xmlns:r="http://schemas.openxmlformats.org/officeDocument/2006/relationships" xmlns:p="http://schemas.openxmlformats.org/presentationml/2006/main">
   <p:cSld>
     <p:spTree>
@@ -19656,7 +19522,7 @@
 </p:sld>
 </file>
 
-<file path=ppt/slides/slide26.xml><?xml version="1.0" encoding="utf-8"?>
+<file path=ppt/slides/slide22.xml><?xml version="1.0" encoding="utf-8"?>
 <p:sld xmlns:a="http://schemas.openxmlformats.org/drawingml/2006/main" xmlns:r="http://schemas.openxmlformats.org/officeDocument/2006/relationships" xmlns:p="http://schemas.openxmlformats.org/presentationml/2006/main">
   <p:cSld>
     <p:spTree>
@@ -20415,7 +20281,7 @@
 </p:sld>
 </file>
 
-<file path=ppt/slides/slide27.xml><?xml version="1.0" encoding="utf-8"?>
+<file path=ppt/slides/slide23.xml><?xml version="1.0" encoding="utf-8"?>
 <p:sld xmlns:a="http://schemas.openxmlformats.org/drawingml/2006/main" xmlns:r="http://schemas.openxmlformats.org/officeDocument/2006/relationships" xmlns:p="http://schemas.openxmlformats.org/presentationml/2006/main">
   <p:cSld>
     <p:spTree>
@@ -20585,7 +20451,7 @@
 </p:sld>
 </file>
 
-<file path=ppt/slides/slide28.xml><?xml version="1.0" encoding="utf-8"?>
+<file path=ppt/slides/slide24.xml><?xml version="1.0" encoding="utf-8"?>
 <p:sld xmlns:a="http://schemas.openxmlformats.org/drawingml/2006/main" xmlns:r="http://schemas.openxmlformats.org/officeDocument/2006/relationships" xmlns:p="http://schemas.openxmlformats.org/presentationml/2006/main">
   <p:cSld>
     <p:spTree>
@@ -20776,13 +20642,6 @@
               </a:rPr>
               <a:t>Challenges &amp; Problems</a:t>
             </a:r>
-            <a:endParaRPr lang="en-US" dirty="0" smtClean="0">
-              <a:solidFill>
-                <a:schemeClr val="bg1">
-                  <a:lumMod val="75000"/>
-                </a:schemeClr>
-              </a:solidFill>
-            </a:endParaRPr>
           </a:p>
           <a:p>
             <a:pPr>
@@ -20799,13 +20658,6 @@
               </a:rPr>
               <a:t>Q &amp; A</a:t>
             </a:r>
-            <a:endParaRPr lang="en-US" dirty="0" smtClean="0">
-              <a:solidFill>
-                <a:schemeClr val="bg1">
-                  <a:lumMod val="75000"/>
-                </a:schemeClr>
-              </a:solidFill>
-            </a:endParaRPr>
           </a:p>
         </p:txBody>
       </p:sp>
@@ -20829,7 +20681,7 @@
 </p:sld>
 </file>
 
-<file path=ppt/slides/slide29.xml><?xml version="1.0" encoding="utf-8"?>
+<file path=ppt/slides/slide25.xml><?xml version="1.0" encoding="utf-8"?>
 <p:sld xmlns:a="http://schemas.openxmlformats.org/drawingml/2006/main" xmlns:r="http://schemas.openxmlformats.org/officeDocument/2006/relationships" xmlns:p="http://schemas.openxmlformats.org/presentationml/2006/main">
   <p:cSld>
     <p:spTree>
@@ -20940,126 +20792,7 @@
 </p:sld>
 </file>
 
-<file path=ppt/slides/slide3.xml><?xml version="1.0" encoding="utf-8"?>
-<p:sld xmlns:a="http://schemas.openxmlformats.org/drawingml/2006/main" xmlns:r="http://schemas.openxmlformats.org/officeDocument/2006/relationships" xmlns:p="http://schemas.openxmlformats.org/presentationml/2006/main">
-  <p:cSld>
-    <p:spTree>
-      <p:nvGrpSpPr>
-        <p:cNvPr id="1" name=""/>
-        <p:cNvGrpSpPr/>
-        <p:nvPr/>
-      </p:nvGrpSpPr>
-      <p:grpSpPr>
-        <a:xfrm>
-          <a:off x="0" y="0"/>
-          <a:ext cx="0" cy="0"/>
-          <a:chOff x="0" y="0"/>
-          <a:chExt cx="0" cy="0"/>
-        </a:xfrm>
-      </p:grpSpPr>
-      <p:sp>
-        <p:nvSpPr>
-          <p:cNvPr id="4" name="Title 3"/>
-          <p:cNvSpPr>
-            <a:spLocks noGrp="1"/>
-          </p:cNvSpPr>
-          <p:nvPr>
-            <p:ph type="title"/>
-          </p:nvPr>
-        </p:nvSpPr>
-        <p:spPr/>
-        <p:txBody>
-          <a:bodyPr/>
-          <a:lstStyle/>
-          <a:p>
-            <a:r>
-              <a:rPr lang="en-US" dirty="0" smtClean="0"/>
-              <a:t>Project REVISIT</a:t>
-            </a:r>
-            <a:endParaRPr lang="en-US" dirty="0"/>
-          </a:p>
-        </p:txBody>
-      </p:sp>
-      <p:sp>
-        <p:nvSpPr>
-          <p:cNvPr id="5" name="Text Placeholder 4"/>
-          <p:cNvSpPr>
-            <a:spLocks noGrp="1"/>
-          </p:cNvSpPr>
-          <p:nvPr>
-            <p:ph type="body" idx="1"/>
-          </p:nvPr>
-        </p:nvSpPr>
-        <p:spPr/>
-        <p:txBody>
-          <a:bodyPr/>
-          <a:lstStyle/>
-          <a:p>
-            <a:r>
-              <a:rPr lang="en-US" dirty="0" smtClean="0"/>
-              <a:t>Volunteer Management System</a:t>
-            </a:r>
-            <a:endParaRPr lang="en-US" dirty="0"/>
-          </a:p>
-        </p:txBody>
-      </p:sp>
-      <p:pic>
-        <p:nvPicPr>
-          <p:cNvPr id="3074" name="Picture 2" descr="C:\Users\Dio\AppData\Local\Microsoft\Windows\Temporary Internet Files\Content.IE5\J694V2JJ\MC900383462[1].wmf"/>
-          <p:cNvPicPr>
-            <a:picLocks noChangeAspect="1" noChangeArrowheads="1"/>
-          </p:cNvPicPr>
-          <p:nvPr/>
-        </p:nvPicPr>
-        <p:blipFill>
-          <a:blip r:embed="rId2" cstate="print">
-            <a:extLst>
-              <a:ext uri="{28A0092B-C50C-407E-A947-70E740481C1C}">
-                <a14:useLocalDpi xmlns:a14="http://schemas.microsoft.com/office/drawing/2010/main" val="0"/>
-              </a:ext>
-            </a:extLst>
-          </a:blip>
-          <a:srcRect/>
-          <a:stretch>
-            <a:fillRect/>
-          </a:stretch>
-        </p:blipFill>
-        <p:spPr bwMode="auto">
-          <a:xfrm>
-            <a:off x="685800" y="762000"/>
-            <a:ext cx="3429000" cy="3036094"/>
-          </a:xfrm>
-          <a:prstGeom prst="rect">
-            <a:avLst/>
-          </a:prstGeom>
-          <a:noFill/>
-          <a:extLst>
-            <a:ext uri="{909E8E84-426E-40DD-AFC4-6F175D3DCCD1}">
-              <a14:hiddenFill xmlns:a14="http://schemas.microsoft.com/office/drawing/2010/main">
-                <a:solidFill>
-                  <a:srgbClr val="FFFFFF"/>
-                </a:solidFill>
-              </a14:hiddenFill>
-            </a:ext>
-          </a:extLst>
-        </p:spPr>
-      </p:pic>
-    </p:spTree>
-  </p:cSld>
-  <p:clrMapOvr>
-    <a:masterClrMapping/>
-  </p:clrMapOvr>
-  <p:timing>
-    <p:tnLst>
-      <p:par>
-        <p:cTn id="1" dur="indefinite" restart="never" nodeType="tmRoot"/>
-      </p:par>
-    </p:tnLst>
-  </p:timing>
-</p:sld>
-</file>
-
-<file path=ppt/slides/slide30.xml><?xml version="1.0" encoding="utf-8"?>
+<file path=ppt/slides/slide26.xml><?xml version="1.0" encoding="utf-8"?>
 <p:sld xmlns:a="http://schemas.openxmlformats.org/drawingml/2006/main" xmlns:r="http://schemas.openxmlformats.org/officeDocument/2006/relationships" xmlns:p="http://schemas.openxmlformats.org/presentationml/2006/main">
   <p:cSld>
     <p:spTree>
@@ -23631,7 +23364,7 @@
 </p:sld>
 </file>
 
-<file path=ppt/slides/slide31.xml><?xml version="1.0" encoding="utf-8"?>
+<file path=ppt/slides/slide27.xml><?xml version="1.0" encoding="utf-8"?>
 <p:sld xmlns:a="http://schemas.openxmlformats.org/drawingml/2006/main" xmlns:r="http://schemas.openxmlformats.org/officeDocument/2006/relationships" xmlns:p="http://schemas.openxmlformats.org/presentationml/2006/main">
   <p:cSld>
     <p:spTree>
@@ -23799,7 +23532,6 @@
               <a:rPr lang="en-US" b="1" dirty="0" smtClean="0"/>
               <a:t>Plan</a:t>
             </a:r>
-            <a:endParaRPr lang="en-US" b="1" dirty="0" smtClean="0"/>
           </a:p>
           <a:p>
             <a:pPr>
@@ -23832,13 +23564,6 @@
               </a:rPr>
               <a:t>Q &amp; A</a:t>
             </a:r>
-            <a:endParaRPr lang="en-US" dirty="0" smtClean="0">
-              <a:solidFill>
-                <a:schemeClr val="bg1">
-                  <a:lumMod val="75000"/>
-                </a:schemeClr>
-              </a:solidFill>
-            </a:endParaRPr>
           </a:p>
         </p:txBody>
       </p:sp>
@@ -23862,7 +23587,7 @@
 </p:sld>
 </file>
 
-<file path=ppt/slides/slide32.xml><?xml version="1.0" encoding="utf-8"?>
+<file path=ppt/slides/slide28.xml><?xml version="1.0" encoding="utf-8"?>
 <p:sld xmlns:a="http://schemas.openxmlformats.org/drawingml/2006/main" xmlns:r="http://schemas.openxmlformats.org/officeDocument/2006/relationships" xmlns:p="http://schemas.openxmlformats.org/presentationml/2006/main">
   <p:cSld>
     <p:spTree>
@@ -23978,7 +23703,7 @@
 </p:sld>
 </file>
 
-<file path=ppt/slides/slide33.xml><?xml version="1.0" encoding="utf-8"?>
+<file path=ppt/slides/slide29.xml><?xml version="1.0" encoding="utf-8"?>
 <p:sld xmlns:a="http://schemas.openxmlformats.org/drawingml/2006/main" xmlns:r="http://schemas.openxmlformats.org/officeDocument/2006/relationships" xmlns:p="http://schemas.openxmlformats.org/presentationml/2006/main">
   <p:cSld>
     <p:spTree>
@@ -26555,7 +26280,151 @@
 </p:sld>
 </file>
 
-<file path=ppt/slides/slide34.xml><?xml version="1.0" encoding="utf-8"?>
+<file path=ppt/slides/slide3.xml><?xml version="1.0" encoding="utf-8"?>
+<p:sld xmlns:a="http://schemas.openxmlformats.org/drawingml/2006/main" xmlns:r="http://schemas.openxmlformats.org/officeDocument/2006/relationships" xmlns:p="http://schemas.openxmlformats.org/presentationml/2006/main">
+  <p:cSld>
+    <p:spTree>
+      <p:nvGrpSpPr>
+        <p:cNvPr id="1" name=""/>
+        <p:cNvGrpSpPr/>
+        <p:nvPr/>
+      </p:nvGrpSpPr>
+      <p:grpSpPr>
+        <a:xfrm>
+          <a:off x="0" y="0"/>
+          <a:ext cx="0" cy="0"/>
+          <a:chOff x="0" y="0"/>
+          <a:chExt cx="0" cy="0"/>
+        </a:xfrm>
+      </p:grpSpPr>
+      <p:sp>
+        <p:nvSpPr>
+          <p:cNvPr id="9220" name="Rectangle 4"/>
+          <p:cNvSpPr>
+            <a:spLocks noGrp="1" noChangeArrowheads="1"/>
+          </p:cNvSpPr>
+          <p:nvPr>
+            <p:ph type="title"/>
+          </p:nvPr>
+        </p:nvSpPr>
+        <p:spPr/>
+        <p:txBody>
+          <a:bodyPr/>
+          <a:lstStyle/>
+          <a:p>
+            <a:r>
+              <a:rPr lang="en-US" dirty="0" smtClean="0"/>
+              <a:t>Project </a:t>
+            </a:r>
+            <a:r>
+              <a:rPr lang="en-US" dirty="0" smtClean="0"/>
+              <a:t>Revisit</a:t>
+            </a:r>
+            <a:endParaRPr lang="en-US" dirty="0"/>
+          </a:p>
+        </p:txBody>
+      </p:sp>
+      <p:graphicFrame>
+        <p:nvGraphicFramePr>
+          <p:cNvPr id="5" name="Content Placeholder 4"/>
+          <p:cNvGraphicFramePr>
+            <a:graphicFrameLocks noGrp="1"/>
+          </p:cNvGraphicFramePr>
+          <p:nvPr>
+            <p:ph idx="1"/>
+            <p:extLst>
+              <p:ext uri="{D42A27DB-BD31-4B8C-83A1-F6EECF244321}">
+                <p14:modId xmlns:p14="http://schemas.microsoft.com/office/powerpoint/2010/main" val="1715314121"/>
+              </p:ext>
+            </p:extLst>
+          </p:nvPr>
+        </p:nvGraphicFramePr>
+        <p:xfrm>
+          <a:off x="1066800" y="3581400"/>
+          <a:ext cx="7467600" cy="2811463"/>
+        </p:xfrm>
+        <a:graphic>
+          <a:graphicData uri="http://schemas.openxmlformats.org/drawingml/2006/diagram">
+            <dgm:relIds xmlns:dgm="http://schemas.openxmlformats.org/drawingml/2006/diagram" xmlns:r="http://schemas.openxmlformats.org/officeDocument/2006/relationships" r:dm="rId2" r:lo="rId3" r:qs="rId4" r:cs="rId5"/>
+          </a:graphicData>
+        </a:graphic>
+      </p:graphicFrame>
+      <p:sp>
+        <p:nvSpPr>
+          <p:cNvPr id="2" name="TextBox 1"/>
+          <p:cNvSpPr txBox="1"/>
+          <p:nvPr/>
+        </p:nvSpPr>
+        <p:spPr>
+          <a:xfrm>
+            <a:off x="609600" y="1752600"/>
+            <a:ext cx="8001000" cy="1742015"/>
+          </a:xfrm>
+          <a:prstGeom prst="rect">
+            <a:avLst/>
+          </a:prstGeom>
+          <a:noFill/>
+        </p:spPr>
+        <p:txBody>
+          <a:bodyPr wrap="square" rtlCol="0">
+            <a:spAutoFit/>
+          </a:bodyPr>
+          <a:lstStyle/>
+          <a:p>
+            <a:pPr marL="457200" indent="-457200">
+              <a:buFont typeface="Wingdings" pitchFamily="2" charset="2"/>
+              <a:buChar char="v"/>
+            </a:pPr>
+            <a:r>
+              <a:rPr lang="en-US" b="1" dirty="0" smtClean="0"/>
+              <a:t>Purpose: </a:t>
+            </a:r>
+            <a:r>
+              <a:rPr lang="en-US" sz="2400" i="1" dirty="0" smtClean="0"/>
+              <a:t>To build a web-based solution to facilitate the process of volunteer registration, project management till </a:t>
+            </a:r>
+            <a:r>
+              <a:rPr lang="en-US" sz="2400" i="1" dirty="0" smtClean="0"/>
+              <a:t>retention</a:t>
+            </a:r>
+            <a:r>
+              <a:rPr lang="en-US" dirty="0" smtClean="0"/>
+              <a:t>.</a:t>
+            </a:r>
+          </a:p>
+          <a:p>
+            <a:pPr marL="457200" indent="-457200">
+              <a:buFont typeface="Wingdings" pitchFamily="2" charset="2"/>
+              <a:buChar char="v"/>
+            </a:pPr>
+            <a:r>
+              <a:rPr lang="en-US" b="1" dirty="0" smtClean="0"/>
+              <a:t>Requirement overview</a:t>
+            </a:r>
+            <a:r>
+              <a:rPr lang="en-US" dirty="0" smtClean="0"/>
+              <a:t>:</a:t>
+            </a:r>
+            <a:endParaRPr lang="en-US" dirty="0" smtClean="0"/>
+          </a:p>
+        </p:txBody>
+      </p:sp>
+    </p:spTree>
+  </p:cSld>
+  <p:clrMapOvr>
+    <a:masterClrMapping/>
+  </p:clrMapOvr>
+  <p:timing>
+    <p:tnLst>
+      <p:par>
+        <p:cTn id="1" dur="indefinite" restart="never" nodeType="tmRoot"/>
+      </p:par>
+    </p:tnLst>
+  </p:timing>
+</p:sld>
+</file>
+
+<file path=ppt/slides/slide30.xml><?xml version="1.0" encoding="utf-8"?>
 <p:sld xmlns:a="http://schemas.openxmlformats.org/drawingml/2006/main" xmlns:r="http://schemas.openxmlformats.org/officeDocument/2006/relationships" xmlns:p="http://schemas.openxmlformats.org/presentationml/2006/main">
   <p:cSld>
     <p:spTree>
@@ -26735,13 +26604,6 @@
               </a:rPr>
               <a:t>Plan</a:t>
             </a:r>
-            <a:endParaRPr lang="en-US" dirty="0" smtClean="0">
-              <a:solidFill>
-                <a:schemeClr val="bg1">
-                  <a:lumMod val="75000"/>
-                </a:schemeClr>
-              </a:solidFill>
-            </a:endParaRPr>
           </a:p>
           <a:p>
             <a:pPr>
@@ -26752,7 +26614,6 @@
               <a:rPr lang="en-US" b="1" dirty="0" smtClean="0"/>
               <a:t>Challenges &amp; Problems</a:t>
             </a:r>
-            <a:endParaRPr lang="en-US" b="1" dirty="0" smtClean="0"/>
           </a:p>
           <a:p>
             <a:pPr>
@@ -26769,13 +26630,6 @@
               </a:rPr>
               <a:t>Q &amp; A</a:t>
             </a:r>
-            <a:endParaRPr lang="en-US" dirty="0" smtClean="0">
-              <a:solidFill>
-                <a:schemeClr val="bg1">
-                  <a:lumMod val="75000"/>
-                </a:schemeClr>
-              </a:solidFill>
-            </a:endParaRPr>
           </a:p>
         </p:txBody>
       </p:sp>
@@ -26799,7 +26653,7 @@
 </p:sld>
 </file>
 
-<file path=ppt/slides/slide35.xml><?xml version="1.0" encoding="utf-8"?>
+<file path=ppt/slides/slide31.xml><?xml version="1.0" encoding="utf-8"?>
 <p:sld xmlns:a="http://schemas.openxmlformats.org/drawingml/2006/main" xmlns:r="http://schemas.openxmlformats.org/officeDocument/2006/relationships" xmlns:p="http://schemas.openxmlformats.org/presentationml/2006/main">
   <p:cSld>
     <p:spTree>
@@ -26910,7 +26764,7 @@
 </p:sld>
 </file>
 
-<file path=ppt/slides/slide36.xml><?xml version="1.0" encoding="utf-8"?>
+<file path=ppt/slides/slide32.xml><?xml version="1.0" encoding="utf-8"?>
 <p:sld xmlns:a="http://schemas.openxmlformats.org/drawingml/2006/main" xmlns:r="http://schemas.openxmlformats.org/officeDocument/2006/relationships" xmlns:p="http://schemas.openxmlformats.org/presentationml/2006/main">
   <p:cSld>
     <p:spTree>
@@ -27429,7 +27283,7 @@
 </p:sld>
 </file>
 
-<file path=ppt/slides/slide37.xml><?xml version="1.0" encoding="utf-8"?>
+<file path=ppt/slides/slide33.xml><?xml version="1.0" encoding="utf-8"?>
 <p:sld xmlns:a="http://schemas.openxmlformats.org/drawingml/2006/main" xmlns:r="http://schemas.openxmlformats.org/officeDocument/2006/relationships" xmlns:p="http://schemas.openxmlformats.org/presentationml/2006/main">
   <p:cSld>
     <p:spTree>
@@ -27599,13 +27453,6 @@
               </a:rPr>
               <a:t>Challenges &amp; Problems</a:t>
             </a:r>
-            <a:endParaRPr lang="en-US" dirty="0" smtClean="0">
-              <a:solidFill>
-                <a:schemeClr val="bg1">
-                  <a:lumMod val="75000"/>
-                </a:schemeClr>
-              </a:solidFill>
-            </a:endParaRPr>
           </a:p>
           <a:p>
             <a:pPr>
@@ -27616,7 +27463,6 @@
               <a:rPr lang="en-US" b="1" dirty="0" smtClean="0"/>
               <a:t>Q &amp; A</a:t>
             </a:r>
-            <a:endParaRPr lang="en-US" b="1" dirty="0" smtClean="0"/>
           </a:p>
         </p:txBody>
       </p:sp>
@@ -27640,7 +27486,7 @@
 </p:sld>
 </file>
 
-<file path=ppt/slides/slide38.xml><?xml version="1.0" encoding="utf-8"?>
+<file path=ppt/slides/slide34.xml><?xml version="1.0" encoding="utf-8"?>
 <p:sld xmlns:a="http://schemas.openxmlformats.org/drawingml/2006/main" xmlns:r="http://schemas.openxmlformats.org/officeDocument/2006/relationships" xmlns:p="http://schemas.openxmlformats.org/presentationml/2006/main">
   <p:cSld>
     <p:spTree>
@@ -27731,147 +27577,6 @@
 </file>
 
 <file path=ppt/slides/slide4.xml><?xml version="1.0" encoding="utf-8"?>
-<p:sld xmlns:a="http://schemas.openxmlformats.org/drawingml/2006/main" xmlns:r="http://schemas.openxmlformats.org/officeDocument/2006/relationships" xmlns:p="http://schemas.openxmlformats.org/presentationml/2006/main">
-  <p:cSld>
-    <p:spTree>
-      <p:nvGrpSpPr>
-        <p:cNvPr id="1" name=""/>
-        <p:cNvGrpSpPr/>
-        <p:nvPr/>
-      </p:nvGrpSpPr>
-      <p:grpSpPr>
-        <a:xfrm>
-          <a:off x="0" y="0"/>
-          <a:ext cx="0" cy="0"/>
-          <a:chOff x="0" y="0"/>
-          <a:chExt cx="0" cy="0"/>
-        </a:xfrm>
-      </p:grpSpPr>
-      <p:sp>
-        <p:nvSpPr>
-          <p:cNvPr id="9220" name="Rectangle 4"/>
-          <p:cNvSpPr>
-            <a:spLocks noGrp="1" noChangeArrowheads="1"/>
-          </p:cNvSpPr>
-          <p:nvPr>
-            <p:ph type="title"/>
-          </p:nvPr>
-        </p:nvSpPr>
-        <p:spPr/>
-        <p:txBody>
-          <a:bodyPr/>
-          <a:lstStyle/>
-          <a:p>
-            <a:r>
-              <a:rPr lang="en-US" dirty="0" smtClean="0"/>
-              <a:t>Project revisit </a:t>
-            </a:r>
-            <a:endParaRPr lang="en-US" dirty="0"/>
-          </a:p>
-        </p:txBody>
-      </p:sp>
-      <p:graphicFrame>
-        <p:nvGraphicFramePr>
-          <p:cNvPr id="5" name="Content Placeholder 4"/>
-          <p:cNvGraphicFramePr>
-            <a:graphicFrameLocks noGrp="1"/>
-          </p:cNvGraphicFramePr>
-          <p:nvPr>
-            <p:ph idx="1"/>
-            <p:extLst>
-              <p:ext uri="{D42A27DB-BD31-4B8C-83A1-F6EECF244321}">
-                <p14:modId xmlns:p14="http://schemas.microsoft.com/office/powerpoint/2010/main" val="280186270"/>
-              </p:ext>
-            </p:extLst>
-          </p:nvPr>
-        </p:nvGraphicFramePr>
-        <p:xfrm>
-          <a:off x="1066800" y="3581400"/>
-          <a:ext cx="7467600" cy="2811463"/>
-        </p:xfrm>
-        <a:graphic>
-          <a:graphicData uri="http://schemas.openxmlformats.org/drawingml/2006/diagram">
-            <dgm:relIds xmlns:dgm="http://schemas.openxmlformats.org/drawingml/2006/diagram" xmlns:r="http://schemas.openxmlformats.org/officeDocument/2006/relationships" r:dm="rId2" r:lo="rId3" r:qs="rId4" r:cs="rId5"/>
-          </a:graphicData>
-        </a:graphic>
-      </p:graphicFrame>
-      <p:sp>
-        <p:nvSpPr>
-          <p:cNvPr id="2" name="TextBox 1"/>
-          <p:cNvSpPr txBox="1"/>
-          <p:nvPr/>
-        </p:nvSpPr>
-        <p:spPr>
-          <a:xfrm>
-            <a:off x="609600" y="1752600"/>
-            <a:ext cx="8001000" cy="2252924"/>
-          </a:xfrm>
-          <a:prstGeom prst="rect">
-            <a:avLst/>
-          </a:prstGeom>
-          <a:noFill/>
-        </p:spPr>
-        <p:txBody>
-          <a:bodyPr wrap="square" rtlCol="0">
-            <a:spAutoFit/>
-          </a:bodyPr>
-          <a:lstStyle/>
-          <a:p>
-            <a:pPr marL="457200" indent="-457200">
-              <a:buFont typeface="Wingdings" pitchFamily="2" charset="2"/>
-              <a:buChar char="v"/>
-            </a:pPr>
-            <a:r>
-              <a:rPr lang="en-US" b="1" dirty="0" smtClean="0"/>
-              <a:t>Purpose: </a:t>
-            </a:r>
-            <a:r>
-              <a:rPr lang="en-US" sz="2400" i="1" dirty="0" smtClean="0"/>
-              <a:t>To build a web-based solution to facilitate the process of volunteer registration, project management till retention</a:t>
-            </a:r>
-            <a:r>
-              <a:rPr lang="en-US" dirty="0" smtClean="0"/>
-              <a:t>.</a:t>
-            </a:r>
-          </a:p>
-          <a:p>
-            <a:pPr marL="457200" indent="-457200">
-              <a:buFont typeface="Wingdings" pitchFamily="2" charset="2"/>
-              <a:buChar char="v"/>
-            </a:pPr>
-            <a:r>
-              <a:rPr lang="en-US" b="1" dirty="0" smtClean="0"/>
-              <a:t>Requirement overview</a:t>
-            </a:r>
-            <a:r>
-              <a:rPr lang="en-US" dirty="0" smtClean="0"/>
-              <a:t>:</a:t>
-            </a:r>
-          </a:p>
-          <a:p>
-            <a:pPr>
-              <a:buNone/>
-            </a:pPr>
-            <a:endParaRPr lang="en-US" dirty="0"/>
-          </a:p>
-        </p:txBody>
-      </p:sp>
-    </p:spTree>
-  </p:cSld>
-  <p:clrMapOvr>
-    <a:masterClrMapping/>
-  </p:clrMapOvr>
-  <p:timing>
-    <p:tnLst>
-      <p:par>
-        <p:cTn id="1" dur="indefinite" restart="never" nodeType="tmRoot"/>
-      </p:par>
-    </p:tnLst>
-  </p:timing>
-</p:sld>
-</file>
-
-<file path=ppt/slides/slide5.xml><?xml version="1.0" encoding="utf-8"?>
 <p:sld xmlns:a="http://schemas.openxmlformats.org/drawingml/2006/main" xmlns:r="http://schemas.openxmlformats.org/officeDocument/2006/relationships" xmlns:p="http://schemas.openxmlformats.org/presentationml/2006/main">
   <p:cSld>
     <p:spTree>
@@ -28035,13 +27740,6 @@
               </a:rPr>
               <a:t>Development Plan</a:t>
             </a:r>
-            <a:endParaRPr lang="en-US" dirty="0" smtClean="0">
-              <a:solidFill>
-                <a:schemeClr val="bg1">
-                  <a:lumMod val="75000"/>
-                </a:schemeClr>
-              </a:solidFill>
-            </a:endParaRPr>
           </a:p>
           <a:p>
             <a:pPr>
@@ -28058,13 +27756,6 @@
               </a:rPr>
               <a:t>Challenges &amp; Problems</a:t>
             </a:r>
-            <a:endParaRPr lang="en-US" dirty="0" smtClean="0">
-              <a:solidFill>
-                <a:schemeClr val="bg1">
-                  <a:lumMod val="75000"/>
-                </a:schemeClr>
-              </a:solidFill>
-            </a:endParaRPr>
           </a:p>
           <a:p>
             <a:pPr>
@@ -28081,16 +27772,50 @@
               </a:rPr>
               <a:t>Q &amp; A</a:t>
             </a:r>
-            <a:endParaRPr lang="en-US" dirty="0" smtClean="0">
-              <a:solidFill>
-                <a:schemeClr val="bg1">
-                  <a:lumMod val="75000"/>
-                </a:schemeClr>
-              </a:solidFill>
-            </a:endParaRPr>
           </a:p>
         </p:txBody>
       </p:sp>
+      <p:pic>
+        <p:nvPicPr>
+          <p:cNvPr id="4" name="Picture 3" descr="C:\Users\Dio\AppData\Local\Microsoft\Windows\Temporary Internet Files\Content.IE5\J694V2JJ\MC900330873[1].wmf"/>
+          <p:cNvPicPr>
+            <a:picLocks noChangeAspect="1" noChangeArrowheads="1"/>
+          </p:cNvPicPr>
+          <p:nvPr/>
+        </p:nvPicPr>
+        <p:blipFill>
+          <a:blip r:embed="rId2" cstate="print">
+            <a:extLst>
+              <a:ext uri="{28A0092B-C50C-407E-A947-70E740481C1C}">
+                <a14:useLocalDpi xmlns:a14="http://schemas.microsoft.com/office/drawing/2010/main" val="0"/>
+              </a:ext>
+            </a:extLst>
+          </a:blip>
+          <a:srcRect/>
+          <a:stretch>
+            <a:fillRect/>
+          </a:stretch>
+        </p:blipFill>
+        <p:spPr bwMode="auto">
+          <a:xfrm>
+            <a:off x="5562600" y="1547553"/>
+            <a:ext cx="2139029" cy="2819400"/>
+          </a:xfrm>
+          <a:prstGeom prst="rect">
+            <a:avLst/>
+          </a:prstGeom>
+          <a:noFill/>
+          <a:extLst>
+            <a:ext uri="{909E8E84-426E-40DD-AFC4-6F175D3DCCD1}">
+              <a14:hiddenFill xmlns:a14="http://schemas.microsoft.com/office/drawing/2010/main">
+                <a:solidFill>
+                  <a:srgbClr val="FFFFFF"/>
+                </a:solidFill>
+              </a14:hiddenFill>
+            </a:ext>
+          </a:extLst>
+        </p:spPr>
+      </p:pic>
     </p:spTree>
     <p:extLst>
       <p:ext uri="{BB962C8B-B14F-4D97-AF65-F5344CB8AC3E}">
@@ -28111,126 +27836,7 @@
 </p:sld>
 </file>
 
-<file path=ppt/slides/slide6.xml><?xml version="1.0" encoding="utf-8"?>
-<p:sld xmlns:a="http://schemas.openxmlformats.org/drawingml/2006/main" xmlns:r="http://schemas.openxmlformats.org/officeDocument/2006/relationships" xmlns:p="http://schemas.openxmlformats.org/presentationml/2006/main">
-  <p:cSld>
-    <p:spTree>
-      <p:nvGrpSpPr>
-        <p:cNvPr id="1" name=""/>
-        <p:cNvGrpSpPr/>
-        <p:nvPr/>
-      </p:nvGrpSpPr>
-      <p:grpSpPr>
-        <a:xfrm>
-          <a:off x="0" y="0"/>
-          <a:ext cx="0" cy="0"/>
-          <a:chOff x="0" y="0"/>
-          <a:chExt cx="0" cy="0"/>
-        </a:xfrm>
-      </p:grpSpPr>
-      <p:sp>
-        <p:nvSpPr>
-          <p:cNvPr id="4" name="Title 3"/>
-          <p:cNvSpPr>
-            <a:spLocks noGrp="1"/>
-          </p:cNvSpPr>
-          <p:nvPr>
-            <p:ph type="title"/>
-          </p:nvPr>
-        </p:nvSpPr>
-        <p:spPr/>
-        <p:txBody>
-          <a:bodyPr/>
-          <a:lstStyle/>
-          <a:p>
-            <a:r>
-              <a:rPr lang="en-US" dirty="0" smtClean="0"/>
-              <a:t>Use Case Modeling</a:t>
-            </a:r>
-            <a:endParaRPr lang="en-US" dirty="0"/>
-          </a:p>
-        </p:txBody>
-      </p:sp>
-      <p:sp>
-        <p:nvSpPr>
-          <p:cNvPr id="5" name="Text Placeholder 4"/>
-          <p:cNvSpPr>
-            <a:spLocks noGrp="1"/>
-          </p:cNvSpPr>
-          <p:nvPr>
-            <p:ph type="body" idx="1"/>
-          </p:nvPr>
-        </p:nvSpPr>
-        <p:spPr/>
-        <p:txBody>
-          <a:bodyPr/>
-          <a:lstStyle/>
-          <a:p>
-            <a:r>
-              <a:rPr lang="en-US" dirty="0" smtClean="0"/>
-              <a:t>Volunteer Management System</a:t>
-            </a:r>
-            <a:endParaRPr lang="en-US" dirty="0"/>
-          </a:p>
-        </p:txBody>
-      </p:sp>
-      <p:pic>
-        <p:nvPicPr>
-          <p:cNvPr id="5123" name="Picture 3" descr="C:\Users\Dio\AppData\Local\Microsoft\Windows\Temporary Internet Files\Content.IE5\J694V2JJ\MC900330873[1].wmf"/>
-          <p:cNvPicPr>
-            <a:picLocks noChangeAspect="1" noChangeArrowheads="1"/>
-          </p:cNvPicPr>
-          <p:nvPr/>
-        </p:nvPicPr>
-        <p:blipFill>
-          <a:blip r:embed="rId2" cstate="print">
-            <a:extLst>
-              <a:ext uri="{28A0092B-C50C-407E-A947-70E740481C1C}">
-                <a14:useLocalDpi xmlns:a14="http://schemas.microsoft.com/office/drawing/2010/main" val="0"/>
-              </a:ext>
-            </a:extLst>
-          </a:blip>
-          <a:srcRect/>
-          <a:stretch>
-            <a:fillRect/>
-          </a:stretch>
-        </p:blipFill>
-        <p:spPr bwMode="auto">
-          <a:xfrm>
-            <a:off x="838200" y="533400"/>
-            <a:ext cx="2590800" cy="3414868"/>
-          </a:xfrm>
-          <a:prstGeom prst="rect">
-            <a:avLst/>
-          </a:prstGeom>
-          <a:noFill/>
-          <a:extLst>
-            <a:ext uri="{909E8E84-426E-40DD-AFC4-6F175D3DCCD1}">
-              <a14:hiddenFill xmlns:a14="http://schemas.microsoft.com/office/drawing/2010/main">
-                <a:solidFill>
-                  <a:srgbClr val="FFFFFF"/>
-                </a:solidFill>
-              </a14:hiddenFill>
-            </a:ext>
-          </a:extLst>
-        </p:spPr>
-      </p:pic>
-    </p:spTree>
-  </p:cSld>
-  <p:clrMapOvr>
-    <a:masterClrMapping/>
-  </p:clrMapOvr>
-  <p:timing>
-    <p:tnLst>
-      <p:par>
-        <p:cTn id="1" dur="indefinite" restart="never" nodeType="tmRoot"/>
-      </p:par>
-    </p:tnLst>
-  </p:timing>
-</p:sld>
-</file>
-
-<file path=ppt/slides/slide7.xml><?xml version="1.0" encoding="utf-8"?>
+<file path=ppt/slides/slide5.xml><?xml version="1.0" encoding="utf-8"?>
 <p:sld xmlns:a="http://schemas.openxmlformats.org/drawingml/2006/main" xmlns:r="http://schemas.openxmlformats.org/officeDocument/2006/relationships" xmlns:p="http://schemas.openxmlformats.org/presentationml/2006/main">
   <p:cSld>
     <p:spTree>
@@ -28295,15 +27901,37 @@
               <a:buChar char="v"/>
             </a:pPr>
             <a:r>
-              <a:rPr lang="en-US" sz="2600" kern="1200" dirty="0">
+              <a:rPr lang="en-US" sz="2600" b="1" kern="1200" dirty="0" smtClean="0">
                 <a:latin typeface="Arial" charset="0"/>
                 <a:ea typeface="+mn-ea"/>
                 <a:cs typeface="+mn-cs"/>
               </a:rPr>
-              <a:t>27 use </a:t>
+              <a:t>Use Case Model Survey: </a:t>
+            </a:r>
+          </a:p>
+          <a:p>
+            <a:pPr lvl="2">
+              <a:buFont typeface="Wingdings" pitchFamily="2" charset="2"/>
+              <a:buChar char="v"/>
+            </a:pPr>
+            <a:r>
+              <a:rPr lang="en-US" kern="1200" dirty="0" smtClean="0">
+                <a:latin typeface="Arial" charset="0"/>
+                <a:ea typeface="+mn-ea"/>
+                <a:cs typeface="+mn-cs"/>
+              </a:rPr>
+              <a:t>23 </a:t>
             </a:r>
             <a:r>
-              <a:rPr lang="en-US" sz="2600" kern="1200" dirty="0" smtClean="0">
+              <a:rPr lang="en-US" kern="1200" dirty="0">
+                <a:latin typeface="Arial" charset="0"/>
+                <a:ea typeface="+mn-ea"/>
+                <a:cs typeface="+mn-cs"/>
+              </a:rPr>
+              <a:t>use </a:t>
+            </a:r>
+            <a:r>
+              <a:rPr lang="en-US" kern="1200" dirty="0" smtClean="0">
                 <a:latin typeface="Arial" charset="0"/>
                 <a:ea typeface="+mn-ea"/>
                 <a:cs typeface="+mn-cs"/>
@@ -28312,27 +27940,63 @@
             </a:r>
           </a:p>
           <a:p>
+            <a:pPr lvl="2">
+              <a:buFont typeface="Wingdings" pitchFamily="2" charset="2"/>
+              <a:buChar char="v"/>
+            </a:pPr>
+            <a:r>
+              <a:rPr lang="en-US" kern="1200" dirty="0" smtClean="0">
+                <a:latin typeface="Arial" charset="0"/>
+                <a:ea typeface="+mn-ea"/>
+                <a:cs typeface="+mn-cs"/>
+              </a:rPr>
+              <a:t>7 actors</a:t>
+            </a:r>
+            <a:endParaRPr lang="en-US" sz="1800" dirty="0" smtClean="0"/>
+          </a:p>
+          <a:p>
             <a:pPr lvl="1">
               <a:buFont typeface="Wingdings" pitchFamily="2" charset="2"/>
               <a:buChar char="v"/>
             </a:pPr>
             <a:r>
-              <a:rPr lang="en-US" sz="2600" kern="1200" dirty="0">
+              <a:rPr lang="en-US" sz="2600" b="1" kern="1200" dirty="0" smtClean="0">
                 <a:latin typeface="Arial" charset="0"/>
+                <a:ea typeface="+mn-ea"/>
+                <a:cs typeface="+mn-cs"/>
               </a:rPr>
-              <a:t>2 </a:t>
+              <a:t>Sample </a:t>
             </a:r>
             <a:r>
-              <a:rPr lang="en-US" sz="2600" kern="1200" dirty="0">
+              <a:rPr lang="en-US" sz="2600" b="1" kern="1200" dirty="0">
                 <a:latin typeface="Arial" charset="0"/>
+                <a:ea typeface="+mn-ea"/>
+                <a:cs typeface="+mn-cs"/>
               </a:rPr>
-              <a:t>p</a:t>
+              <a:t>Use </a:t>
             </a:r>
             <a:r>
-              <a:rPr lang="en-US" sz="2600" kern="1200" dirty="0" smtClean="0">
+              <a:rPr lang="en-US" sz="2600" b="1" kern="1200" dirty="0" smtClean="0">
                 <a:latin typeface="Arial" charset="0"/>
+                <a:ea typeface="+mn-ea"/>
+                <a:cs typeface="+mn-cs"/>
               </a:rPr>
-              <a:t>arent actors</a:t>
+              <a:t>Cases:</a:t>
+            </a:r>
+            <a:endParaRPr lang="en-US" sz="2600" b="1" kern="1200" dirty="0">
+              <a:latin typeface="Arial" charset="0"/>
+              <a:ea typeface="+mn-ea"/>
+              <a:cs typeface="+mn-cs"/>
+            </a:endParaRPr>
+          </a:p>
+          <a:p>
+            <a:pPr lvl="2">
+              <a:buFont typeface="Wingdings" pitchFamily="2" charset="2"/>
+              <a:buChar char="v"/>
+            </a:pPr>
+            <a:r>
+              <a:rPr lang="en-US" dirty="0"/>
+              <a:t>Search Project Member</a:t>
             </a:r>
           </a:p>
           <a:p>
@@ -28341,10 +28005,8 @@
               <a:buChar char="v"/>
             </a:pPr>
             <a:r>
-              <a:rPr lang="en-US" b="1" kern="1200" dirty="0" smtClean="0">
-                <a:latin typeface="Arial" charset="0"/>
-              </a:rPr>
-              <a:t>Staff</a:t>
+              <a:rPr lang="en-US" dirty="0"/>
+              <a:t>Assign Role to Project Member</a:t>
             </a:r>
           </a:p>
           <a:p>
@@ -28353,27 +28015,8 @@
               <a:buChar char="v"/>
             </a:pPr>
             <a:r>
-              <a:rPr lang="en-US" b="1" kern="1200" dirty="0" smtClean="0">
-                <a:latin typeface="Arial" charset="0"/>
-              </a:rPr>
-              <a:t>User</a:t>
-            </a:r>
-            <a:endParaRPr lang="en-US" b="1" kern="1200" dirty="0">
-              <a:latin typeface="Arial" charset="0"/>
-            </a:endParaRPr>
-          </a:p>
-          <a:p>
-            <a:pPr lvl="1">
-              <a:buFont typeface="Wingdings" pitchFamily="2" charset="2"/>
-              <a:buChar char="v"/>
-            </a:pPr>
-            <a:r>
-              <a:rPr lang="en-US" sz="2600" kern="1200" dirty="0" smtClean="0">
-                <a:latin typeface="Arial" charset="0"/>
-                <a:ea typeface="+mn-ea"/>
-                <a:cs typeface="+mn-cs"/>
-              </a:rPr>
-              <a:t>5 specific Actors</a:t>
+              <a:rPr lang="en-US" dirty="0"/>
+              <a:t>Generate Certificate</a:t>
             </a:r>
           </a:p>
           <a:p>
@@ -28381,77 +28024,7 @@
               <a:buFont typeface="Wingdings" pitchFamily="2" charset="2"/>
               <a:buChar char="v"/>
             </a:pPr>
-            <a:r>
-              <a:rPr lang="en-US" b="1" kern="1200" dirty="0" smtClean="0">
-                <a:latin typeface="Arial" charset="0"/>
-                <a:ea typeface="+mn-ea"/>
-                <a:cs typeface="+mn-cs"/>
-              </a:rPr>
-              <a:t>Staff:</a:t>
-            </a:r>
-          </a:p>
-          <a:p>
-            <a:pPr lvl="3"/>
-            <a:r>
-              <a:rPr lang="en-US" dirty="0"/>
-              <a:t>Project Manager</a:t>
-            </a:r>
-          </a:p>
-          <a:p>
-            <a:pPr lvl="3"/>
-            <a:r>
-              <a:rPr lang="en-US" dirty="0"/>
-              <a:t>Coordinator </a:t>
-            </a:r>
-          </a:p>
-          <a:p>
-            <a:pPr lvl="3"/>
-            <a:r>
-              <a:rPr lang="en-US" dirty="0" smtClean="0"/>
-              <a:t>System Administrator</a:t>
-            </a:r>
-          </a:p>
-          <a:p>
-            <a:pPr lvl="2">
-              <a:buFont typeface="Wingdings" pitchFamily="2" charset="2"/>
-              <a:buChar char="v"/>
-            </a:pPr>
-            <a:r>
-              <a:rPr lang="en-US" b="1" kern="1200" dirty="0">
-                <a:latin typeface="Arial" charset="0"/>
-                <a:ea typeface="+mn-ea"/>
-                <a:cs typeface="+mn-cs"/>
-              </a:rPr>
-              <a:t>Use</a:t>
-            </a:r>
-            <a:r>
-              <a:rPr lang="en-US" b="1" kern="1200" dirty="0">
-                <a:latin typeface="Arial" charset="0"/>
-                <a:ea typeface="+mn-ea"/>
-                <a:cs typeface="+mn-cs"/>
-              </a:rPr>
-              <a:t>r</a:t>
-            </a:r>
-          </a:p>
-          <a:p>
-            <a:pPr lvl="3">
-              <a:buFont typeface="Arial" pitchFamily="34" charset="0"/>
-              <a:buChar char="•"/>
-            </a:pPr>
-            <a:r>
-              <a:rPr lang="en-US" dirty="0" smtClean="0"/>
-              <a:t>Volunteer</a:t>
-            </a:r>
-          </a:p>
-          <a:p>
-            <a:pPr lvl="3">
-              <a:buFont typeface="Arial" pitchFamily="34" charset="0"/>
-              <a:buChar char="•"/>
-            </a:pPr>
-            <a:r>
-              <a:rPr lang="en-US" dirty="0" smtClean="0"/>
-              <a:t>Anonymous user</a:t>
-            </a:r>
+            <a:endParaRPr lang="en-US" dirty="0" smtClean="0"/>
           </a:p>
           <a:p>
             <a:endParaRPr lang="en-US" dirty="0" smtClean="0"/>
@@ -28480,16 +28053,48 @@
           </a:p>
         </p:txBody>
       </p:sp>
+    </p:spTree>
+  </p:cSld>
+  <p:clrMapOvr>
+    <a:masterClrMapping/>
+  </p:clrMapOvr>
+  <p:timing>
+    <p:tnLst>
+      <p:par>
+        <p:cTn id="1" dur="indefinite" restart="never" nodeType="tmRoot"/>
+      </p:par>
+    </p:tnLst>
+  </p:timing>
+</p:sld>
+</file>
+
+<file path=ppt/slides/slide6.xml><?xml version="1.0" encoding="utf-8"?>
+<p:sld xmlns:a="http://schemas.openxmlformats.org/drawingml/2006/main" xmlns:r="http://schemas.openxmlformats.org/officeDocument/2006/relationships" xmlns:p="http://schemas.openxmlformats.org/presentationml/2006/main">
+  <p:cSld>
+    <p:spTree>
+      <p:nvGrpSpPr>
+        <p:cNvPr id="1" name=""/>
+        <p:cNvGrpSpPr/>
+        <p:nvPr/>
+      </p:nvGrpSpPr>
+      <p:grpSpPr>
+        <a:xfrm>
+          <a:off x="0" y="0"/>
+          <a:ext cx="0" cy="0"/>
+          <a:chOff x="0" y="0"/>
+          <a:chExt cx="0" cy="0"/>
+        </a:xfrm>
+      </p:grpSpPr>
       <p:pic>
         <p:nvPicPr>
-          <p:cNvPr id="6148" name="Picture 4" descr="C:\Users\Dio\AppData\Local\Microsoft\Windows\Temporary Internet Files\Content.IE5\0N9B4E04\MC900198293[1].wmf"/>
+          <p:cNvPr id="3077" name="Picture 5"/>
           <p:cNvPicPr>
             <a:picLocks noChangeAspect="1" noChangeArrowheads="1"/>
           </p:cNvPicPr>
           <p:nvPr/>
         </p:nvPicPr>
         <p:blipFill>
-          <a:blip r:embed="rId2" cstate="print">
+          <a:blip r:embed="rId2">
             <a:extLst>
               <a:ext uri="{28A0092B-C50C-407E-A947-70E740481C1C}">
                 <a14:useLocalDpi xmlns:a14="http://schemas.microsoft.com/office/drawing/2010/main" val="0"/>
@@ -28503,25 +28108,259 @@
         </p:blipFill>
         <p:spPr bwMode="auto">
           <a:xfrm>
-            <a:off x="6445352" y="4191000"/>
-            <a:ext cx="2165248" cy="2209800"/>
+            <a:off x="76200" y="76200"/>
+            <a:ext cx="8916590" cy="6165599"/>
           </a:xfrm>
           <a:prstGeom prst="rect">
             <a:avLst/>
           </a:prstGeom>
           <a:noFill/>
+          <a:ln>
+            <a:noFill/>
+          </a:ln>
+          <a:effectLst/>
           <a:extLst>
             <a:ext uri="{909E8E84-426E-40DD-AFC4-6F175D3DCCD1}">
               <a14:hiddenFill xmlns:a14="http://schemas.microsoft.com/office/drawing/2010/main">
                 <a:solidFill>
-                  <a:srgbClr val="FFFFFF"/>
+                  <a:schemeClr val="accent1"/>
                 </a:solidFill>
               </a14:hiddenFill>
+            </a:ext>
+            <a:ext uri="{91240B29-F687-4F45-9708-019B960494DF}">
+              <a14:hiddenLine xmlns:a14="http://schemas.microsoft.com/office/drawing/2010/main" w="9525">
+                <a:solidFill>
+                  <a:schemeClr val="tx1"/>
+                </a:solidFill>
+                <a:miter lim="800000"/>
+                <a:headEnd/>
+                <a:tailEnd/>
+              </a14:hiddenLine>
+            </a:ext>
+            <a:ext uri="{AF507438-7753-43E0-B8FC-AC1667EBCBE1}">
+              <a14:hiddenEffects xmlns:a14="http://schemas.microsoft.com/office/drawing/2010/main">
+                <a:effectLst>
+                  <a:outerShdw dist="35921" dir="2700000" algn="ctr" rotWithShape="0">
+                    <a:schemeClr val="bg2"/>
+                  </a:outerShdw>
+                </a:effectLst>
+              </a14:hiddenEffects>
             </a:ext>
           </a:extLst>
         </p:spPr>
       </p:pic>
     </p:spTree>
+    <p:extLst>
+      <p:ext uri="{BB962C8B-B14F-4D97-AF65-F5344CB8AC3E}">
+        <p14:creationId xmlns:p14="http://schemas.microsoft.com/office/powerpoint/2010/main" val="107169001"/>
+      </p:ext>
+    </p:extLst>
+  </p:cSld>
+  <p:clrMapOvr>
+    <a:masterClrMapping/>
+  </p:clrMapOvr>
+  <p:timing>
+    <p:tnLst>
+      <p:par>
+        <p:cTn id="1" dur="indefinite" restart="never" nodeType="tmRoot"/>
+      </p:par>
+    </p:tnLst>
+  </p:timing>
+</p:sld>
+</file>
+
+<file path=ppt/slides/slide7.xml><?xml version="1.0" encoding="utf-8"?>
+<p:sld xmlns:a="http://schemas.openxmlformats.org/drawingml/2006/main" xmlns:r="http://schemas.openxmlformats.org/officeDocument/2006/relationships" xmlns:p="http://schemas.openxmlformats.org/presentationml/2006/main">
+  <p:cSld>
+    <p:spTree>
+      <p:nvGrpSpPr>
+        <p:cNvPr id="1" name=""/>
+        <p:cNvGrpSpPr/>
+        <p:nvPr/>
+      </p:nvGrpSpPr>
+      <p:grpSpPr>
+        <a:xfrm>
+          <a:off x="0" y="0"/>
+          <a:ext cx="0" cy="0"/>
+          <a:chOff x="0" y="0"/>
+          <a:chExt cx="0" cy="0"/>
+        </a:xfrm>
+      </p:grpSpPr>
+      <p:pic>
+        <p:nvPicPr>
+          <p:cNvPr id="7170" name="Picture 2"/>
+          <p:cNvPicPr>
+            <a:picLocks noChangeAspect="1" noChangeArrowheads="1"/>
+          </p:cNvPicPr>
+          <p:nvPr/>
+        </p:nvPicPr>
+        <p:blipFill>
+          <a:blip r:embed="rId2">
+            <a:extLst>
+              <a:ext uri="{28A0092B-C50C-407E-A947-70E740481C1C}">
+                <a14:useLocalDpi xmlns:a14="http://schemas.microsoft.com/office/drawing/2010/main" val="0"/>
+              </a:ext>
+            </a:extLst>
+          </a:blip>
+          <a:srcRect/>
+          <a:stretch>
+            <a:fillRect/>
+          </a:stretch>
+        </p:blipFill>
+        <p:spPr bwMode="auto">
+          <a:xfrm>
+            <a:off x="76200" y="2057400"/>
+            <a:ext cx="9014891" cy="4713928"/>
+          </a:xfrm>
+          <a:prstGeom prst="rect">
+            <a:avLst/>
+          </a:prstGeom>
+          <a:noFill/>
+          <a:ln>
+            <a:noFill/>
+          </a:ln>
+          <a:effectLst/>
+          <a:extLst>
+            <a:ext uri="{909E8E84-426E-40DD-AFC4-6F175D3DCCD1}">
+              <a14:hiddenFill xmlns:a14="http://schemas.microsoft.com/office/drawing/2010/main">
+                <a:solidFill>
+                  <a:schemeClr val="accent1"/>
+                </a:solidFill>
+              </a14:hiddenFill>
+            </a:ext>
+            <a:ext uri="{91240B29-F687-4F45-9708-019B960494DF}">
+              <a14:hiddenLine xmlns:a14="http://schemas.microsoft.com/office/drawing/2010/main" w="9525">
+                <a:solidFill>
+                  <a:schemeClr val="tx1"/>
+                </a:solidFill>
+                <a:miter lim="800000"/>
+                <a:headEnd/>
+                <a:tailEnd/>
+              </a14:hiddenLine>
+            </a:ext>
+            <a:ext uri="{AF507438-7753-43E0-B8FC-AC1667EBCBE1}">
+              <a14:hiddenEffects xmlns:a14="http://schemas.microsoft.com/office/drawing/2010/main">
+                <a:effectLst>
+                  <a:outerShdw dist="35921" dir="2700000" algn="ctr" rotWithShape="0">
+                    <a:schemeClr val="bg2"/>
+                  </a:outerShdw>
+                </a:effectLst>
+              </a14:hiddenEffects>
+            </a:ext>
+          </a:extLst>
+        </p:spPr>
+      </p:pic>
+      <p:sp>
+        <p:nvSpPr>
+          <p:cNvPr id="2" name="Title 1"/>
+          <p:cNvSpPr>
+            <a:spLocks noGrp="1"/>
+          </p:cNvSpPr>
+          <p:nvPr>
+            <p:ph type="title"/>
+          </p:nvPr>
+        </p:nvSpPr>
+        <p:spPr/>
+        <p:txBody>
+          <a:bodyPr/>
+          <a:lstStyle/>
+          <a:p>
+            <a:r>
+              <a:rPr lang="en-US" dirty="0"/>
+              <a:t>Use Case </a:t>
+            </a:r>
+            <a:r>
+              <a:rPr lang="en-US" dirty="0" smtClean="0"/>
+              <a:t>Modeling </a:t>
+            </a:r>
+            <a:br>
+              <a:rPr lang="en-US" dirty="0" smtClean="0"/>
+            </a:br>
+            <a:r>
+              <a:rPr lang="en-US" sz="2400" dirty="0" smtClean="0"/>
+              <a:t>Sample 1: Search Project Member</a:t>
+            </a:r>
+            <a:endParaRPr lang="en-US" dirty="0"/>
+          </a:p>
+        </p:txBody>
+      </p:sp>
+      <p:sp>
+        <p:nvSpPr>
+          <p:cNvPr id="3" name="Content Placeholder 2"/>
+          <p:cNvSpPr>
+            <a:spLocks noGrp="1"/>
+          </p:cNvSpPr>
+          <p:nvPr>
+            <p:ph idx="1"/>
+          </p:nvPr>
+        </p:nvSpPr>
+        <p:spPr>
+          <a:xfrm>
+            <a:off x="228600" y="1524000"/>
+            <a:ext cx="8610600" cy="4411663"/>
+          </a:xfrm>
+        </p:spPr>
+        <p:txBody>
+          <a:bodyPr/>
+          <a:lstStyle/>
+          <a:p>
+            <a:pPr marL="1588" indent="-1588"/>
+            <a:r>
+              <a:rPr lang="en-US" sz="2000" b="1" dirty="0" smtClean="0"/>
+              <a:t>Description</a:t>
+            </a:r>
+            <a:r>
+              <a:rPr lang="en-US" sz="2400" b="1" dirty="0"/>
+              <a:t>: </a:t>
+            </a:r>
+            <a:r>
+              <a:rPr lang="en-US" sz="2000" dirty="0" smtClean="0"/>
+              <a:t>Let user search </a:t>
+            </a:r>
+            <a:r>
+              <a:rPr lang="en-US" sz="2000" dirty="0" smtClean="0"/>
+              <a:t>and view </a:t>
+            </a:r>
+            <a:r>
+              <a:rPr lang="en-US" sz="2000" dirty="0"/>
+              <a:t>the </a:t>
+            </a:r>
+            <a:r>
+              <a:rPr lang="en-US" sz="2000" dirty="0" smtClean="0"/>
+              <a:t>member </a:t>
+            </a:r>
+            <a:r>
+              <a:rPr lang="en-US" sz="2000" dirty="0"/>
+              <a:t>list of </a:t>
+            </a:r>
+            <a:r>
+              <a:rPr lang="en-US" sz="2000" dirty="0" smtClean="0"/>
+              <a:t>a </a:t>
+            </a:r>
+            <a:r>
+              <a:rPr lang="en-US" sz="2000" dirty="0" smtClean="0"/>
+              <a:t>project</a:t>
+            </a:r>
+            <a:r>
+              <a:rPr lang="en-US" sz="2000" dirty="0" smtClean="0"/>
+              <a:t>.</a:t>
+            </a:r>
+          </a:p>
+          <a:p>
+            <a:r>
+              <a:rPr lang="en-US" sz="2000" b="1" u="sng" dirty="0" smtClean="0"/>
+              <a:t>Interaction diagram</a:t>
+            </a:r>
+            <a:endParaRPr lang="en-US" sz="2000" b="1" u="sng" dirty="0"/>
+          </a:p>
+        </p:txBody>
+      </p:sp>
+    </p:spTree>
+    <p:extLst>
+      <p:ext uri="{BB962C8B-B14F-4D97-AF65-F5344CB8AC3E}">
+        <p14:creationId xmlns:p14="http://schemas.microsoft.com/office/powerpoint/2010/main" val="1219137844"/>
+      </p:ext>
+    </p:extLst>
   </p:cSld>
   <p:clrMapOvr>
     <a:masterClrMapping/>
@@ -28553,9 +28392,68 @@
           <a:chExt cx="0" cy="0"/>
         </a:xfrm>
       </p:grpSpPr>
+      <p:sp>
+        <p:nvSpPr>
+          <p:cNvPr id="2" name="Title 1"/>
+          <p:cNvSpPr>
+            <a:spLocks noGrp="1"/>
+          </p:cNvSpPr>
+          <p:nvPr>
+            <p:ph type="title"/>
+          </p:nvPr>
+        </p:nvSpPr>
+        <p:spPr/>
+        <p:txBody>
+          <a:bodyPr/>
+          <a:lstStyle/>
+          <a:p>
+            <a:r>
+              <a:rPr lang="en-US" dirty="0"/>
+              <a:t>Use Case Modeling </a:t>
+            </a:r>
+            <a:br>
+              <a:rPr lang="en-US" dirty="0"/>
+            </a:br>
+            <a:r>
+              <a:rPr lang="en-US" sz="2400" dirty="0"/>
+              <a:t>Sample 1: Search Project Member</a:t>
+            </a:r>
+            <a:endParaRPr lang="en-US" sz="2800" dirty="0"/>
+          </a:p>
+        </p:txBody>
+      </p:sp>
+      <p:sp>
+        <p:nvSpPr>
+          <p:cNvPr id="3" name="Content Placeholder 2"/>
+          <p:cNvSpPr>
+            <a:spLocks noGrp="1"/>
+          </p:cNvSpPr>
+          <p:nvPr>
+            <p:ph idx="1"/>
+          </p:nvPr>
+        </p:nvSpPr>
+        <p:spPr>
+          <a:xfrm>
+            <a:off x="228600" y="1524000"/>
+            <a:ext cx="8371764" cy="4953000"/>
+          </a:xfrm>
+        </p:spPr>
+        <p:txBody>
+          <a:bodyPr/>
+          <a:lstStyle/>
+          <a:p>
+            <a:pPr marL="1588" indent="15875"/>
+            <a:r>
+              <a:rPr lang="en-US" sz="2000" b="1" u="sng" dirty="0"/>
+              <a:t>Class diagram</a:t>
+            </a:r>
+            <a:endParaRPr lang="en-US" sz="2000" b="1" u="sng" dirty="0"/>
+          </a:p>
+        </p:txBody>
+      </p:sp>
       <p:pic>
         <p:nvPicPr>
-          <p:cNvPr id="1026" name="Picture 2" descr="ucms"/>
+          <p:cNvPr id="2050" name="Picture 2" descr="26"/>
           <p:cNvPicPr>
             <a:picLocks noChangeAspect="1" noChangeArrowheads="1"/>
           </p:cNvPicPr>
@@ -28576,8 +28474,8 @@
         </p:blipFill>
         <p:spPr bwMode="auto">
           <a:xfrm>
-            <a:off x="76200" y="126124"/>
-            <a:ext cx="8960513" cy="6477000"/>
+            <a:off x="222421" y="2133600"/>
+            <a:ext cx="8802953" cy="3962400"/>
           </a:xfrm>
           <a:prstGeom prst="rect">
             <a:avLst/>
@@ -28610,7 +28508,7 @@
     </p:spTree>
     <p:extLst>
       <p:ext uri="{BB962C8B-B14F-4D97-AF65-F5344CB8AC3E}">
-        <p14:creationId xmlns:p14="http://schemas.microsoft.com/office/powerpoint/2010/main" val="107169001"/>
+        <p14:creationId xmlns:p14="http://schemas.microsoft.com/office/powerpoint/2010/main" val="3749085125"/>
       </p:ext>
     </p:extLst>
   </p:cSld>
@@ -28661,16 +28559,20 @@
           <a:p>
             <a:r>
               <a:rPr lang="en-US" dirty="0"/>
-              <a:t>Use Case Modeling – </a:t>
+              <a:t>Use Case </a:t>
+            </a:r>
+            <a:r>
+              <a:rPr lang="en-US" dirty="0" smtClean="0"/>
+              <a:t>Modeling </a:t>
             </a:r>
             <a:br>
-              <a:rPr lang="en-US" dirty="0"/>
+              <a:rPr lang="en-US" dirty="0" smtClean="0"/>
             </a:br>
             <a:r>
-              <a:rPr lang="en-US" sz="2800" i="1" dirty="0" smtClean="0"/>
-              <a:t>Use Case 1: Search Project Member</a:t>
+              <a:rPr lang="en-US" sz="2400" dirty="0" smtClean="0"/>
+              <a:t>Sample 2: Generate Certificate</a:t>
             </a:r>
-            <a:endParaRPr lang="en-US" i="1" dirty="0"/>
+            <a:endParaRPr lang="en-US" dirty="0"/>
           </a:p>
         </p:txBody>
       </p:sp>
@@ -28686,39 +28588,68 @@
         </p:nvSpPr>
         <p:spPr>
           <a:xfrm>
-            <a:off x="381000" y="1524000"/>
-            <a:ext cx="8153400" cy="4411663"/>
+            <a:off x="228600" y="1524000"/>
+            <a:ext cx="8610600" cy="4411663"/>
           </a:xfrm>
         </p:spPr>
         <p:txBody>
           <a:bodyPr/>
           <a:lstStyle/>
           <a:p>
+            <a:pPr marL="1588" indent="-1588"/>
             <a:r>
-              <a:rPr lang="en-US" b="1" dirty="0"/>
-              <a:t>Description: </a:t>
+              <a:rPr lang="en-US" sz="2000" b="1" dirty="0" smtClean="0"/>
+              <a:t>Description</a:t>
             </a:r>
             <a:r>
-              <a:rPr lang="en-US" dirty="0" smtClean="0"/>
-              <a:t>This use case allows VMS user to search and view </a:t>
+              <a:rPr lang="en-US" sz="2400" b="1" dirty="0"/>
+              <a:t>: </a:t>
             </a:r>
             <a:r>
-              <a:rPr lang="en-US" dirty="0"/>
-              <a:t>the member list of a </a:t>
+              <a:rPr lang="en-US" sz="2000" dirty="0" smtClean="0"/>
+              <a:t>Let user search </a:t>
             </a:r>
             <a:r>
-              <a:rPr lang="en-US" dirty="0" smtClean="0"/>
-              <a:t>project.</a:t>
+              <a:rPr lang="en-US" sz="2000" dirty="0" smtClean="0"/>
+              <a:t>and view </a:t>
+            </a:r>
+            <a:r>
+              <a:rPr lang="en-US" sz="2000" dirty="0"/>
+              <a:t>the </a:t>
+            </a:r>
+            <a:r>
+              <a:rPr lang="en-US" sz="2000" dirty="0" smtClean="0"/>
+              <a:t>member </a:t>
+            </a:r>
+            <a:r>
+              <a:rPr lang="en-US" sz="2000" dirty="0"/>
+              <a:t>list of </a:t>
+            </a:r>
+            <a:r>
+              <a:rPr lang="en-US" sz="2000" dirty="0" smtClean="0"/>
+              <a:t>a </a:t>
+            </a:r>
+            <a:r>
+              <a:rPr lang="en-US" sz="2000" dirty="0" smtClean="0"/>
+              <a:t>project</a:t>
+            </a:r>
+            <a:r>
+              <a:rPr lang="en-US" sz="2000" dirty="0" smtClean="0"/>
+              <a:t>.</a:t>
             </a:r>
           </a:p>
           <a:p>
-            <a:endParaRPr lang="en-US" dirty="0"/>
+            <a:r>
+              <a:rPr lang="en-US" sz="2000" b="1" u="sng" dirty="0" smtClean="0"/>
+              <a:t>Interaction diagram</a:t>
+            </a:r>
+            <a:endParaRPr lang="en-US" sz="2000" b="1" u="sng" dirty="0"/>
           </a:p>
         </p:txBody>
       </p:sp>
       <p:pic>
         <p:nvPicPr>
-          <p:cNvPr id="7170" name="Picture 2"/>
+          <p:cNvPr id="5122" name="Picture 2" descr="Fig 46 Generate Certificate by Batch"/>
           <p:cNvPicPr>
             <a:picLocks noChangeAspect="1" noChangeArrowheads="1"/>
           </p:cNvPicPr>
@@ -28739,8 +28670,8 @@
         </p:blipFill>
         <p:spPr bwMode="auto">
           <a:xfrm>
-            <a:off x="609600" y="2438400"/>
-            <a:ext cx="8133249" cy="4100513"/>
+            <a:off x="1484313" y="2514600"/>
+            <a:ext cx="6364287" cy="4108342"/>
           </a:xfrm>
           <a:prstGeom prst="rect">
             <a:avLst/>
@@ -28749,33 +28680,23 @@
           <a:ln>
             <a:noFill/>
           </a:ln>
-          <a:effectLst/>
           <a:extLst>
             <a:ext uri="{909E8E84-426E-40DD-AFC4-6F175D3DCCD1}">
               <a14:hiddenFill xmlns:a14="http://schemas.microsoft.com/office/drawing/2010/main">
                 <a:solidFill>
-                  <a:schemeClr val="accent1"/>
+                  <a:srgbClr val="FFFFFF"/>
                 </a:solidFill>
               </a14:hiddenFill>
             </a:ext>
             <a:ext uri="{91240B29-F687-4F45-9708-019B960494DF}">
               <a14:hiddenLine xmlns:a14="http://schemas.microsoft.com/office/drawing/2010/main" w="9525">
                 <a:solidFill>
-                  <a:schemeClr val="tx1"/>
+                  <a:srgbClr val="000000"/>
                 </a:solidFill>
                 <a:miter lim="800000"/>
                 <a:headEnd/>
                 <a:tailEnd/>
               </a14:hiddenLine>
-            </a:ext>
-            <a:ext uri="{AF507438-7753-43E0-B8FC-AC1667EBCBE1}">
-              <a14:hiddenEffects xmlns:a14="http://schemas.microsoft.com/office/drawing/2010/main">
-                <a:effectLst>
-                  <a:outerShdw dist="35921" dir="2700000" algn="ctr" rotWithShape="0">
-                    <a:schemeClr val="bg2"/>
-                  </a:outerShdw>
-                </a:effectLst>
-              </a14:hiddenEffects>
             </a:ext>
           </a:extLst>
         </p:spPr>
@@ -28783,7 +28704,7 @@
     </p:spTree>
     <p:extLst>
       <p:ext uri="{BB962C8B-B14F-4D97-AF65-F5344CB8AC3E}">
-        <p14:creationId xmlns:p14="http://schemas.microsoft.com/office/powerpoint/2010/main" val="1219137844"/>
+        <p14:creationId xmlns:p14="http://schemas.microsoft.com/office/powerpoint/2010/main" val="2481635434"/>
       </p:ext>
     </p:extLst>
   </p:cSld>

--- a/docs/W-9 Working Document/W-9.3 Presentation Slides/Phase 2/vms_presentation_2_v0.1.pptx
+++ b/docs/W-9 Working Document/W-9.3 Presentation Slides/Phase 2/vms_presentation_2_v0.1.pptx
@@ -19394,14 +19394,14 @@
           <p:nvPr>
             <p:extLst>
               <p:ext uri="{D42A27DB-BD31-4B8C-83A1-F6EECF244321}">
-                <p14:modId xmlns:p14="http://schemas.microsoft.com/office/powerpoint/2010/main" val="2891435187"/>
+                <p14:modId xmlns:p14="http://schemas.microsoft.com/office/powerpoint/2010/main" val="3362897560"/>
               </p:ext>
             </p:extLst>
           </p:nvPr>
         </p:nvGraphicFramePr>
         <p:xfrm>
           <a:off x="533400" y="1600200"/>
-          <a:ext cx="8196580" cy="4471601"/>
+          <a:ext cx="8196580" cy="4628190"/>
         </p:xfrm>
         <a:graphic>
           <a:graphicData uri="http://schemas.openxmlformats.org/drawingml/2006/table">
@@ -20256,6 +20256,36 @@
                         </a:rPr>
                         <a:t> reports</a:t>
                       </a:r>
+                    </a:p>
+                    <a:p>
+                      <a:pPr marL="0" marR="0" indent="0" algn="l" defTabSz="914400" rtl="0" eaLnBrk="1" fontAlgn="auto" latinLnBrk="0" hangingPunct="1">
+                        <a:lnSpc>
+                          <a:spcPct val="100000"/>
+                        </a:lnSpc>
+                        <a:spcBef>
+                          <a:spcPts val="0"/>
+                        </a:spcBef>
+                        <a:spcAft>
+                          <a:spcPts val="0"/>
+                        </a:spcAft>
+                        <a:buClrTx/>
+                        <a:buSzTx/>
+                        <a:buFont typeface="Arial" pitchFamily="34" charset="0"/>
+                        <a:buChar char="•"/>
+                        <a:tabLst/>
+                        <a:defRPr/>
+                      </a:pPr>
+                      <a:r>
+                        <a:rPr lang="en-US" sz="1800" kern="1200" baseline="0" dirty="0" smtClean="0">
+                          <a:solidFill>
+                            <a:schemeClr val="dk1"/>
+                          </a:solidFill>
+                          <a:latin typeface="+mn-lt"/>
+                          <a:ea typeface="+mn-ea"/>
+                          <a:cs typeface="+mn-cs"/>
+                        </a:rPr>
+                        <a:t>User guide</a:t>
+                      </a:r>
                       <a:endParaRPr lang="en-US" sz="1800" kern="1200" dirty="0" smtClean="0">
                         <a:solidFill>
                           <a:schemeClr val="dk1"/>
@@ -20294,6 +20324,16 @@
                       <a:r>
                         <a:rPr lang="en-US" baseline="0" dirty="0" smtClean="0"/>
                         <a:t> Manager</a:t>
+                      </a:r>
+                    </a:p>
+                    <a:p>
+                      <a:pPr>
+                        <a:buFont typeface="Arial" pitchFamily="34" charset="0"/>
+                        <a:buChar char="•"/>
+                      </a:pPr>
+                      <a:r>
+                        <a:rPr lang="en-US" baseline="0" dirty="0" smtClean="0"/>
+                        <a:t>Business Analyst</a:t>
                       </a:r>
                       <a:endParaRPr lang="en-US" dirty="0"/>
                     </a:p>
@@ -22897,25 +22937,70 @@
           </a:p>
         </p:txBody>
       </p:sp>
-      <p:sp>
-        <p:nvSpPr>
-          <p:cNvPr id="2" name="Content Placeholder 1"/>
-          <p:cNvSpPr>
-            <a:spLocks noGrp="1"/>
-          </p:cNvSpPr>
-          <p:nvPr>
-            <p:ph idx="1"/>
-          </p:nvPr>
-        </p:nvSpPr>
-        <p:spPr/>
-        <p:txBody>
-          <a:bodyPr/>
-          <a:lstStyle/>
-          <a:p>
-            <a:endParaRPr lang="en-US" dirty="0"/>
-          </a:p>
-        </p:txBody>
-      </p:sp>
+      <p:pic>
+        <p:nvPicPr>
+          <p:cNvPr id="8195" name="Picture 3"/>
+          <p:cNvPicPr>
+            <a:picLocks noChangeAspect="1" noChangeArrowheads="1"/>
+          </p:cNvPicPr>
+          <p:nvPr/>
+        </p:nvPicPr>
+        <p:blipFill>
+          <a:blip r:embed="rId2">
+            <a:extLst>
+              <a:ext uri="{28A0092B-C50C-407E-A947-70E740481C1C}">
+                <a14:useLocalDpi xmlns:a14="http://schemas.microsoft.com/office/drawing/2010/main" val="0"/>
+              </a:ext>
+            </a:extLst>
+          </a:blip>
+          <a:srcRect/>
+          <a:stretch>
+            <a:fillRect/>
+          </a:stretch>
+        </p:blipFill>
+        <p:spPr bwMode="auto">
+          <a:xfrm>
+            <a:off x="76200" y="1818620"/>
+            <a:ext cx="8991600" cy="3515380"/>
+          </a:xfrm>
+          <a:prstGeom prst="rect">
+            <a:avLst/>
+          </a:prstGeom>
+          <a:noFill/>
+          <a:ln>
+            <a:noFill/>
+          </a:ln>
+          <a:effectLst/>
+          <a:extLst>
+            <a:ext uri="{909E8E84-426E-40DD-AFC4-6F175D3DCCD1}">
+              <a14:hiddenFill xmlns:a14="http://schemas.microsoft.com/office/drawing/2010/main">
+                <a:solidFill>
+                  <a:schemeClr val="accent1"/>
+                </a:solidFill>
+              </a14:hiddenFill>
+            </a:ext>
+            <a:ext uri="{91240B29-F687-4F45-9708-019B960494DF}">
+              <a14:hiddenLine xmlns:a14="http://schemas.microsoft.com/office/drawing/2010/main" w="9525">
+                <a:solidFill>
+                  <a:schemeClr val="tx1"/>
+                </a:solidFill>
+                <a:miter lim="800000"/>
+                <a:headEnd/>
+                <a:tailEnd/>
+              </a14:hiddenLine>
+            </a:ext>
+            <a:ext uri="{AF507438-7753-43E0-B8FC-AC1667EBCBE1}">
+              <a14:hiddenEffects xmlns:a14="http://schemas.microsoft.com/office/drawing/2010/main">
+                <a:effectLst>
+                  <a:outerShdw dist="35921" dir="2700000" algn="ctr" rotWithShape="0">
+                    <a:schemeClr val="bg2"/>
+                  </a:outerShdw>
+                </a:effectLst>
+              </a14:hiddenEffects>
+            </a:ext>
+          </a:extLst>
+        </p:spPr>
+      </p:pic>
     </p:spTree>
     <p:extLst>
       <p:ext uri="{BB962C8B-B14F-4D97-AF65-F5344CB8AC3E}">
@@ -23145,6 +23230,47 @@
           </a:p>
         </p:txBody>
       </p:sp>
+      <p:pic>
+        <p:nvPicPr>
+          <p:cNvPr id="9218" name="Picture 2" descr="C:\Users\Dio\AppData\Local\Microsoft\Windows\Temporary Internet Files\Content.IE5\QY2JGCM3\MC900295360[1].wmf"/>
+          <p:cNvPicPr>
+            <a:picLocks noChangeAspect="1" noChangeArrowheads="1"/>
+          </p:cNvPicPr>
+          <p:nvPr/>
+        </p:nvPicPr>
+        <p:blipFill>
+          <a:blip r:embed="rId2" cstate="print">
+            <a:extLst>
+              <a:ext uri="{28A0092B-C50C-407E-A947-70E740481C1C}">
+                <a14:useLocalDpi xmlns:a14="http://schemas.microsoft.com/office/drawing/2010/main" val="0"/>
+              </a:ext>
+            </a:extLst>
+          </a:blip>
+          <a:srcRect/>
+          <a:stretch>
+            <a:fillRect/>
+          </a:stretch>
+        </p:blipFill>
+        <p:spPr bwMode="auto">
+          <a:xfrm>
+            <a:off x="6400800" y="1957996"/>
+            <a:ext cx="2435225" cy="2603500"/>
+          </a:xfrm>
+          <a:prstGeom prst="rect">
+            <a:avLst/>
+          </a:prstGeom>
+          <a:noFill/>
+          <a:extLst>
+            <a:ext uri="{909E8E84-426E-40DD-AFC4-6F175D3DCCD1}">
+              <a14:hiddenFill xmlns:a14="http://schemas.microsoft.com/office/drawing/2010/main">
+                <a:solidFill>
+                  <a:srgbClr val="FFFFFF"/>
+                </a:solidFill>
+              </a14:hiddenFill>
+            </a:ext>
+          </a:extLst>
+        </p:spPr>
+      </p:pic>
     </p:spTree>
     <p:extLst>
       <p:ext uri="{BB962C8B-B14F-4D97-AF65-F5344CB8AC3E}">
@@ -23240,14 +23366,14 @@
           <p:nvPr>
             <p:extLst>
               <p:ext uri="{D42A27DB-BD31-4B8C-83A1-F6EECF244321}">
-                <p14:modId xmlns:p14="http://schemas.microsoft.com/office/powerpoint/2010/main" val="70321911"/>
+                <p14:modId xmlns:p14="http://schemas.microsoft.com/office/powerpoint/2010/main" val="1852051571"/>
               </p:ext>
             </p:extLst>
           </p:nvPr>
         </p:nvGraphicFramePr>
         <p:xfrm>
           <a:off x="337820" y="1524000"/>
-          <a:ext cx="8196580" cy="5264082"/>
+          <a:ext cx="8196580" cy="3300216"/>
         </p:xfrm>
         <a:graphic>
           <a:graphicData uri="http://schemas.openxmlformats.org/drawingml/2006/table">
@@ -23258,8 +23384,8 @@
               <a:tblGrid>
                 <a:gridCol w="522838"/>
                 <a:gridCol w="1915562"/>
-                <a:gridCol w="2438400"/>
-                <a:gridCol w="3319780"/>
+                <a:gridCol w="2786380"/>
+                <a:gridCol w="2971800"/>
               </a:tblGrid>
               <a:tr h="509202">
                 <a:tc>
@@ -23387,119 +23513,12 @@
                       </a:r>
                       <a:r>
                         <a:rPr lang="en-US" baseline="0" dirty="0" smtClean="0"/>
-                        <a:t> a weekly </a:t>
-                      </a:r>
-                      <a:r>
-                        <a:rPr lang="en-US" baseline="0" smtClean="0"/>
-                        <a:t>meeting time</a:t>
-                      </a:r>
-                      <a:endParaRPr lang="en-US" dirty="0"/>
-                    </a:p>
-                  </a:txBody>
-                  <a:tcPr/>
-                </a:tc>
-              </a:tr>
-              <a:tr h="1929198">
-                <a:tc>
-                  <a:txBody>
-                    <a:bodyPr/>
-                    <a:lstStyle/>
-                    <a:p>
-                      <a:r>
-                        <a:rPr lang="en-US" dirty="0" smtClean="0"/>
-                        <a:t>2.</a:t>
-                      </a:r>
-                      <a:endParaRPr lang="en-US" dirty="0"/>
-                    </a:p>
-                  </a:txBody>
-                  <a:tcPr/>
-                </a:tc>
-                <a:tc>
-                  <a:txBody>
-                    <a:bodyPr/>
-                    <a:lstStyle/>
-                    <a:p>
-                      <a:r>
-                        <a:rPr lang="en-US" dirty="0" smtClean="0"/>
-                        <a:t>Requirements Gathering</a:t>
-                      </a:r>
-                      <a:endParaRPr lang="en-US" dirty="0"/>
-                    </a:p>
-                  </a:txBody>
-                  <a:tcPr/>
-                </a:tc>
-                <a:tc>
-                  <a:txBody>
-                    <a:bodyPr/>
-                    <a:lstStyle/>
-                    <a:p>
-                      <a:r>
-                        <a:rPr lang="en-US" dirty="0" smtClean="0"/>
-                        <a:t>Client only wants</a:t>
+                        <a:t> a weekly meeting </a:t>
                       </a:r>
                       <a:r>
                         <a:rPr lang="en-US" baseline="0" dirty="0" smtClean="0"/>
-                        <a:t> a small set of requirements.</a:t>
+                        <a:t>time</a:t>
                       </a:r>
-                      <a:endParaRPr lang="en-US" dirty="0"/>
-                    </a:p>
-                  </a:txBody>
-                  <a:tcPr/>
-                </a:tc>
-                <a:tc>
-                  <a:txBody>
-                    <a:bodyPr/>
-                    <a:lstStyle/>
-                    <a:p>
-                      <a:pPr>
-                        <a:buFont typeface="Arial" pitchFamily="34" charset="0"/>
-                        <a:buChar char="•"/>
-                      </a:pPr>
-                      <a:r>
-                        <a:rPr lang="en-US" dirty="0" smtClean="0"/>
-                        <a:t>Seek lecturers advice</a:t>
-                      </a:r>
-                    </a:p>
-                    <a:p>
-                      <a:pPr>
-                        <a:buFont typeface="Arial" pitchFamily="34" charset="0"/>
-                        <a:buChar char="•"/>
-                      </a:pPr>
-                      <a:r>
-                        <a:rPr lang="en-US" dirty="0" smtClean="0"/>
-                        <a:t>Propose</a:t>
-                      </a:r>
-                      <a:r>
-                        <a:rPr lang="en-US" baseline="0" dirty="0" smtClean="0"/>
-                        <a:t>d merging of requirements</a:t>
-                      </a:r>
-                    </a:p>
-                    <a:p>
-                      <a:pPr>
-                        <a:buFont typeface="Arial" pitchFamily="34" charset="0"/>
-                        <a:buChar char="•"/>
-                      </a:pPr>
-                      <a:r>
-                        <a:rPr lang="en-US" baseline="0" dirty="0" smtClean="0"/>
-                        <a:t>Appoint team members as putative end users</a:t>
-                      </a:r>
-                    </a:p>
-                    <a:p>
-                      <a:pPr>
-                        <a:buFont typeface="Arial" pitchFamily="34" charset="0"/>
-                        <a:buChar char="•"/>
-                      </a:pPr>
-                      <a:r>
-                        <a:rPr lang="en-US" baseline="0" dirty="0" smtClean="0"/>
-                        <a:t>Look for alternative customer</a:t>
-                      </a:r>
-                    </a:p>
-                    <a:p>
-                      <a:pPr>
-                        <a:buFont typeface="Arial" pitchFamily="34" charset="0"/>
-                        <a:buChar char="•"/>
-                      </a:pPr>
-                      <a:endParaRPr lang="en-US" dirty="0"/>
                     </a:p>
                   </a:txBody>
                   <a:tcPr/>
@@ -23513,7 +23532,7 @@
                     <a:p>
                       <a:r>
                         <a:rPr lang="en-US" dirty="0" smtClean="0"/>
-                        <a:t>3.</a:t>
+                        <a:t>2.</a:t>
                       </a:r>
                       <a:endParaRPr lang="en-US" dirty="0"/>
                     </a:p>
@@ -23541,11 +23560,11 @@
                     <a:p>
                       <a:r>
                         <a:rPr lang="en-US" dirty="0" smtClean="0"/>
-                        <a:t>Not able</a:t>
+                        <a:t>Visibility of</a:t>
                       </a:r>
                       <a:r>
                         <a:rPr lang="en-US" baseline="0" dirty="0" smtClean="0"/>
-                        <a:t> to meet deadline on time.</a:t>
+                        <a:t> task status.</a:t>
                       </a:r>
                       <a:endParaRPr lang="en-US" dirty="0"/>
                     </a:p>
@@ -23577,7 +23596,7 @@
                       </a:pPr>
                       <a:r>
                         <a:rPr lang="en-US" baseline="0" dirty="0" smtClean="0"/>
-                        <a:t>To hold meetings to track status</a:t>
+                        <a:t>Regular status update</a:t>
                       </a:r>
                       <a:endParaRPr lang="en-US" dirty="0"/>
                     </a:p>
@@ -23593,7 +23612,7 @@
                     <a:p>
                       <a:r>
                         <a:rPr lang="en-US" dirty="0" smtClean="0"/>
-                        <a:t>4.</a:t>
+                        <a:t>3.</a:t>
                       </a:r>
                       <a:endParaRPr lang="en-US" dirty="0"/>
                     </a:p>
@@ -23607,11 +23626,11 @@
                     <a:p>
                       <a:r>
                         <a:rPr lang="en-US" dirty="0" smtClean="0"/>
-                        <a:t>Low Quality</a:t>
+                        <a:t>Standard &amp; Quality</a:t>
                       </a:r>
                       <a:r>
                         <a:rPr lang="en-US" baseline="0" dirty="0" smtClean="0"/>
-                        <a:t> of Work</a:t>
+                        <a:t> variance</a:t>
                       </a:r>
                       <a:endParaRPr lang="en-US" dirty="0"/>
                     </a:p>
@@ -23625,7 +23644,7 @@
                     <a:p>
                       <a:r>
                         <a:rPr lang="en-US" dirty="0" smtClean="0"/>
-                        <a:t>Deliverables not up to standard.</a:t>
+                        <a:t>Different familiarity level within the team</a:t>
                       </a:r>
                       <a:endParaRPr lang="en-US" dirty="0"/>
                     </a:p>
@@ -23643,7 +23662,7 @@
                       </a:pPr>
                       <a:r>
                         <a:rPr lang="en-US" dirty="0" smtClean="0"/>
-                        <a:t>Perform reviews</a:t>
+                        <a:t>Guidance from lead</a:t>
                       </a:r>
                     </a:p>
                     <a:p>
@@ -23653,11 +23672,32 @@
                       </a:pPr>
                       <a:r>
                         <a:rPr lang="en-US" dirty="0" smtClean="0"/>
-                        <a:t>Conduct</a:t>
+                        <a:t>Peer reviews</a:t>
+                      </a:r>
+                    </a:p>
+                    <a:p>
+                      <a:pPr>
+                        <a:buFont typeface="Arial" pitchFamily="34" charset="0"/>
+                        <a:buChar char="•"/>
+                      </a:pPr>
+                      <a:r>
+                        <a:rPr lang="en-US" dirty="0" smtClean="0"/>
+                        <a:t>Code walk</a:t>
                       </a:r>
                       <a:r>
                         <a:rPr lang="en-US" baseline="0" dirty="0" smtClean="0"/>
-                        <a:t> briefing and demo on required items</a:t>
+                        <a:t>through</a:t>
+                      </a:r>
+                      <a:endParaRPr lang="en-US" dirty="0" smtClean="0"/>
+                    </a:p>
+                    <a:p>
+                      <a:pPr>
+                        <a:buFont typeface="Arial" pitchFamily="34" charset="0"/>
+                        <a:buChar char="•"/>
+                      </a:pPr>
+                      <a:r>
+                        <a:rPr lang="en-US" baseline="0" dirty="0" smtClean="0"/>
+                        <a:t>Pair development</a:t>
                       </a:r>
                       <a:endParaRPr lang="en-US" dirty="0"/>
                     </a:p>
@@ -23867,6 +23907,47 @@
           </a:p>
         </p:txBody>
       </p:sp>
+      <p:pic>
+        <p:nvPicPr>
+          <p:cNvPr id="11267" name="Picture 3" descr="C:\Users\Dio\AppData\Local\Microsoft\Windows\Temporary Internet Files\Content.IE5\8B09V6MG\MC900237869[1].wmf"/>
+          <p:cNvPicPr>
+            <a:picLocks noChangeAspect="1" noChangeArrowheads="1"/>
+          </p:cNvPicPr>
+          <p:nvPr/>
+        </p:nvPicPr>
+        <p:blipFill>
+          <a:blip r:embed="rId2" cstate="print">
+            <a:extLst>
+              <a:ext uri="{28A0092B-C50C-407E-A947-70E740481C1C}">
+                <a14:useLocalDpi xmlns:a14="http://schemas.microsoft.com/office/drawing/2010/main" val="0"/>
+              </a:ext>
+            </a:extLst>
+          </a:blip>
+          <a:srcRect/>
+          <a:stretch>
+            <a:fillRect/>
+          </a:stretch>
+        </p:blipFill>
+        <p:spPr bwMode="auto">
+          <a:xfrm>
+            <a:off x="6629400" y="1889919"/>
+            <a:ext cx="2057400" cy="1655512"/>
+          </a:xfrm>
+          <a:prstGeom prst="rect">
+            <a:avLst/>
+          </a:prstGeom>
+          <a:noFill/>
+          <a:extLst>
+            <a:ext uri="{909E8E84-426E-40DD-AFC4-6F175D3DCCD1}">
+              <a14:hiddenFill xmlns:a14="http://schemas.microsoft.com/office/drawing/2010/main">
+                <a:solidFill>
+                  <a:srgbClr val="FFFFFF"/>
+                </a:solidFill>
+              </a14:hiddenFill>
+            </a:ext>
+          </a:extLst>
+        </p:spPr>
+      </p:pic>
     </p:spTree>
     <p:extLst>
       <p:ext uri="{BB962C8B-B14F-4D97-AF65-F5344CB8AC3E}">
@@ -23929,16 +24010,20 @@
       </p:sp>
       <p:pic>
         <p:nvPicPr>
-          <p:cNvPr id="1027" name="Picture 3"/>
+          <p:cNvPr id="10242" name="Picture 2" descr="C:\Users\Dio\AppData\Local\Microsoft\Windows\Temporary Internet Files\Content.IE5\4DO3IWVQ\MC900234625[1].wmf"/>
           <p:cNvPicPr>
-            <a:picLocks noGrp="1" noChangeAspect="1" noChangeArrowheads="1"/>
+            <a:picLocks noChangeAspect="1" noChangeArrowheads="1"/>
           </p:cNvPicPr>
-          <p:nvPr>
-            <p:ph idx="1"/>
-          </p:nvPr>
+          <p:nvPr/>
         </p:nvPicPr>
         <p:blipFill>
-          <a:blip r:embed="rId2" cstate="print"/>
+          <a:blip r:embed="rId2" cstate="print">
+            <a:extLst>
+              <a:ext uri="{28A0092B-C50C-407E-A947-70E740481C1C}">
+                <a14:useLocalDpi xmlns:a14="http://schemas.microsoft.com/office/drawing/2010/main" val="0"/>
+              </a:ext>
+            </a:extLst>
+          </a:blip>
           <a:srcRect/>
           <a:stretch>
             <a:fillRect/>
@@ -23946,20 +24031,22 @@
         </p:blipFill>
         <p:spPr bwMode="auto">
           <a:xfrm>
-            <a:off x="2971800" y="2286000"/>
-            <a:ext cx="3352800" cy="2767723"/>
+            <a:off x="3756354" y="2518257"/>
+            <a:ext cx="1806245" cy="2016838"/>
           </a:xfrm>
           <a:prstGeom prst="rect">
             <a:avLst/>
           </a:prstGeom>
           <a:noFill/>
-          <a:ln w="9525">
-            <a:noFill/>
-            <a:miter lim="800000"/>
-            <a:headEnd/>
-            <a:tailEnd/>
-          </a:ln>
-          <a:effectLst/>
+          <a:extLst>
+            <a:ext uri="{909E8E84-426E-40DD-AFC4-6F175D3DCCD1}">
+              <a14:hiddenFill xmlns:a14="http://schemas.microsoft.com/office/drawing/2010/main">
+                <a:solidFill>
+                  <a:srgbClr val="FFFFFF"/>
+                </a:solidFill>
+              </a14:hiddenFill>
+            </a:ext>
+          </a:extLst>
         </p:spPr>
       </p:pic>
     </p:spTree>
